--- a/presentation/CS5600FinalProject.pptx
+++ b/presentation/CS5600FinalProject.pptx
@@ -116,6 +116,11 @@
       </a:defRPr>
     </a:lvl9pPr>
   </p:defaultTextStyle>
+  <p:extLst>
+    <p:ext uri="{EFAFB233-063F-42B5-8137-9DF3F51BA10A}">
+      <p15:sldGuideLst xmlns:p15="http://schemas.microsoft.com/office/powerpoint/2012/main"/>
+    </p:ext>
+  </p:extLst>
 </p:presentation>
 </file>
 
@@ -3803,6 +3808,13 @@
         </dgm:presLayoutVars>
       </dgm:prSet>
       <dgm:spPr/>
+      <dgm:t>
+        <a:bodyPr/>
+        <a:lstStyle/>
+        <a:p>
+          <a:endParaRPr lang="en-US"/>
+        </a:p>
+      </dgm:t>
     </dgm:pt>
     <dgm:pt modelId="{F0DAD5C5-6A4F-4581-99E5-EEED77738B8B}" type="pres">
       <dgm:prSet presAssocID="{B6A0730A-6BFB-46C6-902E-E0A014A674F9}" presName="compNode" presStyleCnt="0"/>
@@ -3822,7 +3834,7 @@
                 <a14:useLocalDpi xmlns:a14="http://schemas.microsoft.com/office/drawing/2010/main" val="0"/>
               </a:ext>
               <a:ext uri="{96DAC541-7B7A-43D3-8B79-37D633B846F1}">
-                <asvg:svgBlip xmlns:asvg="http://schemas.microsoft.com/office/drawing/2016/SVG/main" r:embed="rId2"/>
+                <asvg:svgBlip xmlns:asvg="http://schemas.microsoft.com/office/drawing/2016/SVG/main" xmlns="" r:embed="rId2"/>
               </a:ext>
             </a:extLst>
           </a:blip>
@@ -3852,6 +3864,13 @@
         </dgm:presLayoutVars>
       </dgm:prSet>
       <dgm:spPr/>
+      <dgm:t>
+        <a:bodyPr/>
+        <a:lstStyle/>
+        <a:p>
+          <a:endParaRPr lang="en-US"/>
+        </a:p>
+      </dgm:t>
     </dgm:pt>
     <dgm:pt modelId="{09788418-0545-4385-AABC-405B4E7403D0}" type="pres">
       <dgm:prSet presAssocID="{A7CC58AA-3712-4DC5-8D8E-236A082208AB}" presName="sibTrans" presStyleCnt="0"/>
@@ -3875,7 +3894,7 @@
                 <a14:useLocalDpi xmlns:a14="http://schemas.microsoft.com/office/drawing/2010/main" val="0"/>
               </a:ext>
               <a:ext uri="{96DAC541-7B7A-43D3-8B79-37D633B846F1}">
-                <asvg:svgBlip xmlns:asvg="http://schemas.microsoft.com/office/drawing/2016/SVG/main" r:embed="rId4"/>
+                <asvg:svgBlip xmlns:asvg="http://schemas.microsoft.com/office/drawing/2016/SVG/main" xmlns="" r:embed="rId4"/>
               </a:ext>
             </a:extLst>
           </a:blip>
@@ -3905,6 +3924,13 @@
         </dgm:presLayoutVars>
       </dgm:prSet>
       <dgm:spPr/>
+      <dgm:t>
+        <a:bodyPr/>
+        <a:lstStyle/>
+        <a:p>
+          <a:endParaRPr lang="en-US"/>
+        </a:p>
+      </dgm:t>
     </dgm:pt>
     <dgm:pt modelId="{807D41F1-5B64-487B-8BBB-41713938C738}" type="pres">
       <dgm:prSet presAssocID="{08E15738-8716-43E3-8E9E-33DD5EAC250D}" presName="sibTrans" presStyleCnt="0"/>
@@ -3928,7 +3954,7 @@
                 <a14:useLocalDpi xmlns:a14="http://schemas.microsoft.com/office/drawing/2010/main" val="0"/>
               </a:ext>
               <a:ext uri="{96DAC541-7B7A-43D3-8B79-37D633B846F1}">
-                <asvg:svgBlip xmlns:asvg="http://schemas.microsoft.com/office/drawing/2016/SVG/main" r:embed="rId6"/>
+                <asvg:svgBlip xmlns:asvg="http://schemas.microsoft.com/office/drawing/2016/SVG/main" xmlns="" r:embed="rId6"/>
               </a:ext>
             </a:extLst>
           </a:blip>
@@ -3958,16 +3984,23 @@
         </dgm:presLayoutVars>
       </dgm:prSet>
       <dgm:spPr/>
+      <dgm:t>
+        <a:bodyPr/>
+        <a:lstStyle/>
+        <a:p>
+          <a:endParaRPr lang="en-US"/>
+        </a:p>
+      </dgm:t>
     </dgm:pt>
   </dgm:ptLst>
   <dgm:cxnLst>
+    <dgm:cxn modelId="{E32354E8-2277-4D1A-99C0-6811F6DB8859}" type="presOf" srcId="{20DFF4CA-4CF5-44CD-BD62-AE474FF7A0EB}" destId="{18F9768B-781F-434F-BEED-0CEE40DA173A}" srcOrd="0" destOrd="0" presId="urn:microsoft.com/office/officeart/2018/5/layout/IconCircleLabelList"/>
+    <dgm:cxn modelId="{A88E0367-875C-4FD5-8F59-DE92DDE880EB}" srcId="{0C9470C2-EA30-45ED-98DA-398AB06E23D4}" destId="{20DFF4CA-4CF5-44CD-BD62-AE474FF7A0EB}" srcOrd="2" destOrd="0" parTransId="{FC2B8FFA-F7E6-4F74-A18B-3BFF1733CA3E}" sibTransId="{FDCFE142-800F-4AC4-A4AD-D08455848E84}"/>
+    <dgm:cxn modelId="{CF6C0BBA-3CAD-4460-B9A8-8FABE0CEC7A6}" type="presOf" srcId="{B6A0730A-6BFB-46C6-902E-E0A014A674F9}" destId="{B0987F33-96C1-4E0B-87A3-46E2E146AA26}" srcOrd="0" destOrd="0" presId="urn:microsoft.com/office/officeart/2018/5/layout/IconCircleLabelList"/>
+    <dgm:cxn modelId="{ABE81644-4466-462B-8A40-B2E5A5E578F2}" type="presOf" srcId="{DCE43950-6754-4DAF-81E4-EDF75AFE477E}" destId="{BD095F1C-A12D-424E-BB05-33270C156D2C}" srcOrd="0" destOrd="0" presId="urn:microsoft.com/office/officeart/2018/5/layout/IconCircleLabelList"/>
+    <dgm:cxn modelId="{D6E6C173-B150-46D2-9F7D-402F25AF8206}" srcId="{0C9470C2-EA30-45ED-98DA-398AB06E23D4}" destId="{DCE43950-6754-4DAF-81E4-EDF75AFE477E}" srcOrd="1" destOrd="0" parTransId="{204F5BE3-A374-487F-B683-5769BA730033}" sibTransId="{08E15738-8716-43E3-8E9E-33DD5EAC250D}"/>
+    <dgm:cxn modelId="{909DD6C5-E319-4B87-B3B0-AA8D79F542A6}" srcId="{0C9470C2-EA30-45ED-98DA-398AB06E23D4}" destId="{B6A0730A-6BFB-46C6-902E-E0A014A674F9}" srcOrd="0" destOrd="0" parTransId="{604D397C-FCB2-429A-ADE2-BA93AFC29D6D}" sibTransId="{A7CC58AA-3712-4DC5-8D8E-236A082208AB}"/>
     <dgm:cxn modelId="{5D16622B-CEC6-4B7E-B044-53C7235C6D21}" type="presOf" srcId="{0C9470C2-EA30-45ED-98DA-398AB06E23D4}" destId="{CF954102-A731-441B-9F40-EE727C12C3AF}" srcOrd="0" destOrd="0" presId="urn:microsoft.com/office/officeart/2018/5/layout/IconCircleLabelList"/>
-    <dgm:cxn modelId="{ABE81644-4466-462B-8A40-B2E5A5E578F2}" type="presOf" srcId="{DCE43950-6754-4DAF-81E4-EDF75AFE477E}" destId="{BD095F1C-A12D-424E-BB05-33270C156D2C}" srcOrd="0" destOrd="0" presId="urn:microsoft.com/office/officeart/2018/5/layout/IconCircleLabelList"/>
-    <dgm:cxn modelId="{A88E0367-875C-4FD5-8F59-DE92DDE880EB}" srcId="{0C9470C2-EA30-45ED-98DA-398AB06E23D4}" destId="{20DFF4CA-4CF5-44CD-BD62-AE474FF7A0EB}" srcOrd="2" destOrd="0" parTransId="{FC2B8FFA-F7E6-4F74-A18B-3BFF1733CA3E}" sibTransId="{FDCFE142-800F-4AC4-A4AD-D08455848E84}"/>
-    <dgm:cxn modelId="{D6E6C173-B150-46D2-9F7D-402F25AF8206}" srcId="{0C9470C2-EA30-45ED-98DA-398AB06E23D4}" destId="{DCE43950-6754-4DAF-81E4-EDF75AFE477E}" srcOrd="1" destOrd="0" parTransId="{204F5BE3-A374-487F-B683-5769BA730033}" sibTransId="{08E15738-8716-43E3-8E9E-33DD5EAC250D}"/>
-    <dgm:cxn modelId="{CF6C0BBA-3CAD-4460-B9A8-8FABE0CEC7A6}" type="presOf" srcId="{B6A0730A-6BFB-46C6-902E-E0A014A674F9}" destId="{B0987F33-96C1-4E0B-87A3-46E2E146AA26}" srcOrd="0" destOrd="0" presId="urn:microsoft.com/office/officeart/2018/5/layout/IconCircleLabelList"/>
-    <dgm:cxn modelId="{909DD6C5-E319-4B87-B3B0-AA8D79F542A6}" srcId="{0C9470C2-EA30-45ED-98DA-398AB06E23D4}" destId="{B6A0730A-6BFB-46C6-902E-E0A014A674F9}" srcOrd="0" destOrd="0" parTransId="{604D397C-FCB2-429A-ADE2-BA93AFC29D6D}" sibTransId="{A7CC58AA-3712-4DC5-8D8E-236A082208AB}"/>
-    <dgm:cxn modelId="{E32354E8-2277-4D1A-99C0-6811F6DB8859}" type="presOf" srcId="{20DFF4CA-4CF5-44CD-BD62-AE474FF7A0EB}" destId="{18F9768B-781F-434F-BEED-0CEE40DA173A}" srcOrd="0" destOrd="0" presId="urn:microsoft.com/office/officeart/2018/5/layout/IconCircleLabelList"/>
     <dgm:cxn modelId="{0FC291C4-2CD2-4AA2-AACE-DB27C52C7B39}" type="presParOf" srcId="{CF954102-A731-441B-9F40-EE727C12C3AF}" destId="{F0DAD5C5-6A4F-4581-99E5-EEED77738B8B}" srcOrd="0" destOrd="0" presId="urn:microsoft.com/office/officeart/2018/5/layout/IconCircleLabelList"/>
     <dgm:cxn modelId="{B88F0425-7EA8-48C9-9629-63A81CEFAC50}" type="presParOf" srcId="{F0DAD5C5-6A4F-4581-99E5-EEED77738B8B}" destId="{0DFAA49F-C4D0-4134-B2EA-28D497D92077}" srcOrd="0" destOrd="0" presId="urn:microsoft.com/office/officeart/2018/5/layout/IconCircleLabelList"/>
     <dgm:cxn modelId="{CDBE1054-3F57-4C6C-A22B-D6198FC59C14}" type="presParOf" srcId="{F0DAD5C5-6A4F-4581-99E5-EEED77738B8B}" destId="{BF0B4F0E-D2EE-4632-95BA-7524CA716AB2}" srcOrd="1" destOrd="0" presId="urn:microsoft.com/office/officeart/2018/5/layout/IconCircleLabelList"/>
@@ -4212,6 +4245,13 @@
         </dgm:presLayoutVars>
       </dgm:prSet>
       <dgm:spPr/>
+      <dgm:t>
+        <a:bodyPr/>
+        <a:lstStyle/>
+        <a:p>
+          <a:endParaRPr lang="en-US"/>
+        </a:p>
+      </dgm:t>
     </dgm:pt>
     <dgm:pt modelId="{B62777E3-70BC-4A4F-9856-ECB8BDC7F0BD}" type="pres">
       <dgm:prSet presAssocID="{99DCCEB2-3834-EC47-B0EB-36840CEC16C9}" presName="hierRoot1" presStyleCnt="0">
@@ -4232,10 +4272,24 @@
         </dgm:presLayoutVars>
       </dgm:prSet>
       <dgm:spPr/>
+      <dgm:t>
+        <a:bodyPr/>
+        <a:lstStyle/>
+        <a:p>
+          <a:endParaRPr lang="en-US"/>
+        </a:p>
+      </dgm:t>
     </dgm:pt>
     <dgm:pt modelId="{7D95D0B1-F82D-9F44-B9E6-DD0DF07B44BF}" type="pres">
       <dgm:prSet presAssocID="{99DCCEB2-3834-EC47-B0EB-36840CEC16C9}" presName="rootConnector1" presStyleLbl="node1" presStyleIdx="0" presStyleCnt="0"/>
       <dgm:spPr/>
+      <dgm:t>
+        <a:bodyPr/>
+        <a:lstStyle/>
+        <a:p>
+          <a:endParaRPr lang="en-US"/>
+        </a:p>
+      </dgm:t>
     </dgm:pt>
     <dgm:pt modelId="{475B5234-1CB3-7241-B82B-E05513CD4A89}" type="pres">
       <dgm:prSet presAssocID="{99DCCEB2-3834-EC47-B0EB-36840CEC16C9}" presName="hierChild2" presStyleCnt="0"/>
@@ -4244,6 +4298,13 @@
     <dgm:pt modelId="{7F744F26-C3D9-DD41-9CA4-9FA81C1D9B2D}" type="pres">
       <dgm:prSet presAssocID="{3A2DA10A-83C5-A74A-9EC0-ADCE4A0AF418}" presName="Name37" presStyleLbl="parChTrans1D2" presStyleIdx="0" presStyleCnt="4"/>
       <dgm:spPr/>
+      <dgm:t>
+        <a:bodyPr/>
+        <a:lstStyle/>
+        <a:p>
+          <a:endParaRPr lang="en-US"/>
+        </a:p>
+      </dgm:t>
     </dgm:pt>
     <dgm:pt modelId="{77D91F2D-D77F-124C-863C-EF7A37B38E68}" type="pres">
       <dgm:prSet presAssocID="{1226E16A-DFC9-4145-B034-CA2784AE76C3}" presName="hierRoot2" presStyleCnt="0">
@@ -4264,10 +4325,24 @@
         </dgm:presLayoutVars>
       </dgm:prSet>
       <dgm:spPr/>
+      <dgm:t>
+        <a:bodyPr/>
+        <a:lstStyle/>
+        <a:p>
+          <a:endParaRPr lang="en-US"/>
+        </a:p>
+      </dgm:t>
     </dgm:pt>
     <dgm:pt modelId="{09B5E086-9FFD-1E41-8A6B-4B4FD2D1B7AC}" type="pres">
       <dgm:prSet presAssocID="{1226E16A-DFC9-4145-B034-CA2784AE76C3}" presName="rootConnector" presStyleLbl="node2" presStyleIdx="0" presStyleCnt="3"/>
       <dgm:spPr/>
+      <dgm:t>
+        <a:bodyPr/>
+        <a:lstStyle/>
+        <a:p>
+          <a:endParaRPr lang="en-US"/>
+        </a:p>
+      </dgm:t>
     </dgm:pt>
     <dgm:pt modelId="{A25775C5-10F3-5949-B8D3-8D48D3F854D9}" type="pres">
       <dgm:prSet presAssocID="{1226E16A-DFC9-4145-B034-CA2784AE76C3}" presName="hierChild4" presStyleCnt="0"/>
@@ -4280,6 +4355,13 @@
     <dgm:pt modelId="{D8D43DCF-2105-7E4B-84A1-54F871E84DDD}" type="pres">
       <dgm:prSet presAssocID="{2DBC7368-BB5D-F843-AAE7-87A292263D04}" presName="Name37" presStyleLbl="parChTrans1D2" presStyleIdx="1" presStyleCnt="4"/>
       <dgm:spPr/>
+      <dgm:t>
+        <a:bodyPr/>
+        <a:lstStyle/>
+        <a:p>
+          <a:endParaRPr lang="en-US"/>
+        </a:p>
+      </dgm:t>
     </dgm:pt>
     <dgm:pt modelId="{313F1EFA-678B-8547-BEF9-D02518EAE403}" type="pres">
       <dgm:prSet presAssocID="{0014BCEE-68E7-9442-AC9A-41EE422293C2}" presName="hierRoot2" presStyleCnt="0">
@@ -4300,10 +4382,24 @@
         </dgm:presLayoutVars>
       </dgm:prSet>
       <dgm:spPr/>
+      <dgm:t>
+        <a:bodyPr/>
+        <a:lstStyle/>
+        <a:p>
+          <a:endParaRPr lang="en-US"/>
+        </a:p>
+      </dgm:t>
     </dgm:pt>
     <dgm:pt modelId="{D0BE052B-1573-924F-A4F6-B1CC5C42D5A0}" type="pres">
       <dgm:prSet presAssocID="{0014BCEE-68E7-9442-AC9A-41EE422293C2}" presName="rootConnector" presStyleLbl="node2" presStyleIdx="1" presStyleCnt="3"/>
       <dgm:spPr/>
+      <dgm:t>
+        <a:bodyPr/>
+        <a:lstStyle/>
+        <a:p>
+          <a:endParaRPr lang="en-US"/>
+        </a:p>
+      </dgm:t>
     </dgm:pt>
     <dgm:pt modelId="{0D3DF584-E59F-DC4E-A78C-229BBE927FFC}" type="pres">
       <dgm:prSet presAssocID="{0014BCEE-68E7-9442-AC9A-41EE422293C2}" presName="hierChild4" presStyleCnt="0"/>
@@ -4316,6 +4412,13 @@
     <dgm:pt modelId="{38972E97-5C9D-8A48-8FFB-165AC203E25A}" type="pres">
       <dgm:prSet presAssocID="{2A8F6E95-B209-D943-9A13-5F983AC8FA20}" presName="Name37" presStyleLbl="parChTrans1D2" presStyleIdx="2" presStyleCnt="4"/>
       <dgm:spPr/>
+      <dgm:t>
+        <a:bodyPr/>
+        <a:lstStyle/>
+        <a:p>
+          <a:endParaRPr lang="en-US"/>
+        </a:p>
+      </dgm:t>
     </dgm:pt>
     <dgm:pt modelId="{19648E13-13FC-2D4A-B897-044B8344AFBD}" type="pres">
       <dgm:prSet presAssocID="{6D89DDF2-257C-4747-809B-99EAEF28C62B}" presName="hierRoot2" presStyleCnt="0">
@@ -4336,10 +4439,24 @@
         </dgm:presLayoutVars>
       </dgm:prSet>
       <dgm:spPr/>
+      <dgm:t>
+        <a:bodyPr/>
+        <a:lstStyle/>
+        <a:p>
+          <a:endParaRPr lang="en-US"/>
+        </a:p>
+      </dgm:t>
     </dgm:pt>
     <dgm:pt modelId="{63D19D2D-2BBF-A942-BB70-EBA65381629C}" type="pres">
       <dgm:prSet presAssocID="{6D89DDF2-257C-4747-809B-99EAEF28C62B}" presName="rootConnector" presStyleLbl="node2" presStyleIdx="2" presStyleCnt="3"/>
       <dgm:spPr/>
+      <dgm:t>
+        <a:bodyPr/>
+        <a:lstStyle/>
+        <a:p>
+          <a:endParaRPr lang="en-US"/>
+        </a:p>
+      </dgm:t>
     </dgm:pt>
     <dgm:pt modelId="{9A30C31F-EE18-1242-A7A7-18D75E11A4EB}" type="pres">
       <dgm:prSet presAssocID="{6D89DDF2-257C-4747-809B-99EAEF28C62B}" presName="hierChild4" presStyleCnt="0"/>
@@ -4356,6 +4473,13 @@
     <dgm:pt modelId="{6B4F5C96-8807-E048-89F8-4F4EDD41EA0D}" type="pres">
       <dgm:prSet presAssocID="{4530300E-86EF-CE44-99EB-5FAFA47C04FD}" presName="Name111" presStyleLbl="parChTrans1D2" presStyleIdx="3" presStyleCnt="4"/>
       <dgm:spPr/>
+      <dgm:t>
+        <a:bodyPr/>
+        <a:lstStyle/>
+        <a:p>
+          <a:endParaRPr lang="en-US"/>
+        </a:p>
+      </dgm:t>
     </dgm:pt>
     <dgm:pt modelId="{C5B4729C-6085-6F43-AFD1-EB07FAD80748}" type="pres">
       <dgm:prSet presAssocID="{53058A7C-02FB-1F45-A7D1-375BAD600190}" presName="hierRoot3" presStyleCnt="0">
@@ -4376,10 +4500,24 @@
         </dgm:presLayoutVars>
       </dgm:prSet>
       <dgm:spPr/>
+      <dgm:t>
+        <a:bodyPr/>
+        <a:lstStyle/>
+        <a:p>
+          <a:endParaRPr lang="en-US"/>
+        </a:p>
+      </dgm:t>
     </dgm:pt>
     <dgm:pt modelId="{FF2C3CCC-7C60-1648-BC97-D2313A497A80}" type="pres">
       <dgm:prSet presAssocID="{53058A7C-02FB-1F45-A7D1-375BAD600190}" presName="rootConnector3" presStyleLbl="asst1" presStyleIdx="0" presStyleCnt="1"/>
       <dgm:spPr/>
+      <dgm:t>
+        <a:bodyPr/>
+        <a:lstStyle/>
+        <a:p>
+          <a:endParaRPr lang="en-US"/>
+        </a:p>
+      </dgm:t>
     </dgm:pt>
     <dgm:pt modelId="{CF0E4FDD-AB90-7B42-9999-D74CAB0BEE7C}" type="pres">
       <dgm:prSet presAssocID="{53058A7C-02FB-1F45-A7D1-375BAD600190}" presName="hierChild6" presStyleCnt="0"/>
@@ -4391,26 +4529,26 @@
     </dgm:pt>
   </dgm:ptLst>
   <dgm:cxnLst>
+    <dgm:cxn modelId="{D013CA43-0055-F94B-8A35-AD9DF6BBA8F8}" type="presOf" srcId="{53058A7C-02FB-1F45-A7D1-375BAD600190}" destId="{FF2C3CCC-7C60-1648-BC97-D2313A497A80}" srcOrd="1" destOrd="0" presId="urn:microsoft.com/office/officeart/2005/8/layout/orgChart1"/>
+    <dgm:cxn modelId="{4D8EFDCF-23CD-D343-B29F-1BC1391D090D}" type="presOf" srcId="{6D89DDF2-257C-4747-809B-99EAEF28C62B}" destId="{204C3AB9-3BB8-6346-A78C-24C70058E78A}" srcOrd="0" destOrd="0" presId="urn:microsoft.com/office/officeart/2005/8/layout/orgChart1"/>
+    <dgm:cxn modelId="{C9498C8F-0B20-B945-8635-C168B3B245C2}" type="presOf" srcId="{3A2DA10A-83C5-A74A-9EC0-ADCE4A0AF418}" destId="{7F744F26-C3D9-DD41-9CA4-9FA81C1D9B2D}" srcOrd="0" destOrd="0" presId="urn:microsoft.com/office/officeart/2005/8/layout/orgChart1"/>
+    <dgm:cxn modelId="{EAE01DD0-BB39-304A-BA1C-02131729BB37}" srcId="{99DCCEB2-3834-EC47-B0EB-36840CEC16C9}" destId="{1226E16A-DFC9-4145-B034-CA2784AE76C3}" srcOrd="1" destOrd="0" parTransId="{3A2DA10A-83C5-A74A-9EC0-ADCE4A0AF418}" sibTransId="{415AF9E6-4711-F749-A6D8-9B3F46367C7B}"/>
+    <dgm:cxn modelId="{BB0166B4-8707-6840-8A67-0EBB50CEB67C}" type="presOf" srcId="{0014BCEE-68E7-9442-AC9A-41EE422293C2}" destId="{D0BE052B-1573-924F-A4F6-B1CC5C42D5A0}" srcOrd="1" destOrd="0" presId="urn:microsoft.com/office/officeart/2005/8/layout/orgChart1"/>
+    <dgm:cxn modelId="{EF119281-043A-3E4B-BBBF-CA24143F043F}" srcId="{F2E60D78-DFD8-AF47-86F4-16FD1AAD7A15}" destId="{99DCCEB2-3834-EC47-B0EB-36840CEC16C9}" srcOrd="0" destOrd="0" parTransId="{31735112-37E4-DB40-9ABA-CA11C744914A}" sibTransId="{60FB0A6E-7E68-A94F-A2B4-52DC9589B6AF}"/>
+    <dgm:cxn modelId="{915EDDD1-4180-3B4B-9455-A0C60BF46216}" type="presOf" srcId="{1226E16A-DFC9-4145-B034-CA2784AE76C3}" destId="{FE6209A7-8DDE-0040-BDC9-04953BD041DC}" srcOrd="0" destOrd="0" presId="urn:microsoft.com/office/officeart/2005/8/layout/orgChart1"/>
+    <dgm:cxn modelId="{BB9919D0-5FC3-2542-BF11-F4D4B265D161}" type="presOf" srcId="{F2E60D78-DFD8-AF47-86F4-16FD1AAD7A15}" destId="{CCB7AAA1-8DBE-0846-B033-D15652D898EB}" srcOrd="0" destOrd="0" presId="urn:microsoft.com/office/officeart/2005/8/layout/orgChart1"/>
+    <dgm:cxn modelId="{D6DF767D-E7CD-744A-937E-E03F0E3938FA}" type="presOf" srcId="{6D89DDF2-257C-4747-809B-99EAEF28C62B}" destId="{63D19D2D-2BBF-A942-BB70-EBA65381629C}" srcOrd="1" destOrd="0" presId="urn:microsoft.com/office/officeart/2005/8/layout/orgChart1"/>
+    <dgm:cxn modelId="{C8F039AF-EE79-B441-A2ED-1DE164D430D1}" type="presOf" srcId="{99DCCEB2-3834-EC47-B0EB-36840CEC16C9}" destId="{D3DE9126-EC0C-334A-BB60-1644755204F0}" srcOrd="0" destOrd="0" presId="urn:microsoft.com/office/officeart/2005/8/layout/orgChart1"/>
+    <dgm:cxn modelId="{3678199B-32F2-B640-A0FB-750FDC7B2CB4}" type="presOf" srcId="{4530300E-86EF-CE44-99EB-5FAFA47C04FD}" destId="{6B4F5C96-8807-E048-89F8-4F4EDD41EA0D}" srcOrd="0" destOrd="0" presId="urn:microsoft.com/office/officeart/2005/8/layout/orgChart1"/>
+    <dgm:cxn modelId="{ECA8D2F5-880D-1D4F-995B-416FF6FD17AF}" srcId="{99DCCEB2-3834-EC47-B0EB-36840CEC16C9}" destId="{6D89DDF2-257C-4747-809B-99EAEF28C62B}" srcOrd="3" destOrd="0" parTransId="{2A8F6E95-B209-D943-9A13-5F983AC8FA20}" sibTransId="{7C09D0F0-3006-7B44-9BE2-BC2F82901361}"/>
+    <dgm:cxn modelId="{57F88760-7B0F-5845-8637-73B36BAE63CB}" type="presOf" srcId="{99DCCEB2-3834-EC47-B0EB-36840CEC16C9}" destId="{7D95D0B1-F82D-9F44-B9E6-DD0DF07B44BF}" srcOrd="1" destOrd="0" presId="urn:microsoft.com/office/officeart/2005/8/layout/orgChart1"/>
+    <dgm:cxn modelId="{FBF575F8-276D-AB45-BFA1-C00A341C3931}" type="presOf" srcId="{0014BCEE-68E7-9442-AC9A-41EE422293C2}" destId="{B54320CA-B982-7440-93DF-FD4F5BB9F292}" srcOrd="0" destOrd="0" presId="urn:microsoft.com/office/officeart/2005/8/layout/orgChart1"/>
+    <dgm:cxn modelId="{EB8D8DF7-B6DB-4F4A-963A-A43CD78B73E8}" srcId="{99DCCEB2-3834-EC47-B0EB-36840CEC16C9}" destId="{0014BCEE-68E7-9442-AC9A-41EE422293C2}" srcOrd="2" destOrd="0" parTransId="{2DBC7368-BB5D-F843-AAE7-87A292263D04}" sibTransId="{D2C044EB-C139-2740-A319-BF75A5D78B5B}"/>
+    <dgm:cxn modelId="{536F26A3-D6B5-4146-BE2A-4154C4DBF9AD}" type="presOf" srcId="{1226E16A-DFC9-4145-B034-CA2784AE76C3}" destId="{09B5E086-9FFD-1E41-8A6B-4B4FD2D1B7AC}" srcOrd="1" destOrd="0" presId="urn:microsoft.com/office/officeart/2005/8/layout/orgChart1"/>
+    <dgm:cxn modelId="{56F31B8B-62CA-4649-A5C5-7CDAE1045C73}" type="presOf" srcId="{53058A7C-02FB-1F45-A7D1-375BAD600190}" destId="{6FCB05E4-C2DB-164F-9F8A-567D7848752D}" srcOrd="0" destOrd="0" presId="urn:microsoft.com/office/officeart/2005/8/layout/orgChart1"/>
+    <dgm:cxn modelId="{A3F45540-0767-464F-99D6-E4DC631604DD}" type="presOf" srcId="{2DBC7368-BB5D-F843-AAE7-87A292263D04}" destId="{D8D43DCF-2105-7E4B-84A1-54F871E84DDD}" srcOrd="0" destOrd="0" presId="urn:microsoft.com/office/officeart/2005/8/layout/orgChart1"/>
+    <dgm:cxn modelId="{8034A510-0880-4046-9CCA-0EACE0B083EC}" srcId="{99DCCEB2-3834-EC47-B0EB-36840CEC16C9}" destId="{53058A7C-02FB-1F45-A7D1-375BAD600190}" srcOrd="0" destOrd="0" parTransId="{4530300E-86EF-CE44-99EB-5FAFA47C04FD}" sibTransId="{F36021B5-5705-A24E-BA32-1C582011CF43}"/>
     <dgm:cxn modelId="{AC018801-9C95-BC4F-855C-E756C22A0791}" type="presOf" srcId="{2A8F6E95-B209-D943-9A13-5F983AC8FA20}" destId="{38972E97-5C9D-8A48-8FFB-165AC203E25A}" srcOrd="0" destOrd="0" presId="urn:microsoft.com/office/officeart/2005/8/layout/orgChart1"/>
-    <dgm:cxn modelId="{8034A510-0880-4046-9CCA-0EACE0B083EC}" srcId="{99DCCEB2-3834-EC47-B0EB-36840CEC16C9}" destId="{53058A7C-02FB-1F45-A7D1-375BAD600190}" srcOrd="0" destOrd="0" parTransId="{4530300E-86EF-CE44-99EB-5FAFA47C04FD}" sibTransId="{F36021B5-5705-A24E-BA32-1C582011CF43}"/>
-    <dgm:cxn modelId="{A3F45540-0767-464F-99D6-E4DC631604DD}" type="presOf" srcId="{2DBC7368-BB5D-F843-AAE7-87A292263D04}" destId="{D8D43DCF-2105-7E4B-84A1-54F871E84DDD}" srcOrd="0" destOrd="0" presId="urn:microsoft.com/office/officeart/2005/8/layout/orgChart1"/>
-    <dgm:cxn modelId="{D013CA43-0055-F94B-8A35-AD9DF6BBA8F8}" type="presOf" srcId="{53058A7C-02FB-1F45-A7D1-375BAD600190}" destId="{FF2C3CCC-7C60-1648-BC97-D2313A497A80}" srcOrd="1" destOrd="0" presId="urn:microsoft.com/office/officeart/2005/8/layout/orgChart1"/>
-    <dgm:cxn modelId="{57F88760-7B0F-5845-8637-73B36BAE63CB}" type="presOf" srcId="{99DCCEB2-3834-EC47-B0EB-36840CEC16C9}" destId="{7D95D0B1-F82D-9F44-B9E6-DD0DF07B44BF}" srcOrd="1" destOrd="0" presId="urn:microsoft.com/office/officeart/2005/8/layout/orgChart1"/>
-    <dgm:cxn modelId="{D6DF767D-E7CD-744A-937E-E03F0E3938FA}" type="presOf" srcId="{6D89DDF2-257C-4747-809B-99EAEF28C62B}" destId="{63D19D2D-2BBF-A942-BB70-EBA65381629C}" srcOrd="1" destOrd="0" presId="urn:microsoft.com/office/officeart/2005/8/layout/orgChart1"/>
-    <dgm:cxn modelId="{EF119281-043A-3E4B-BBBF-CA24143F043F}" srcId="{F2E60D78-DFD8-AF47-86F4-16FD1AAD7A15}" destId="{99DCCEB2-3834-EC47-B0EB-36840CEC16C9}" srcOrd="0" destOrd="0" parTransId="{31735112-37E4-DB40-9ABA-CA11C744914A}" sibTransId="{60FB0A6E-7E68-A94F-A2B4-52DC9589B6AF}"/>
-    <dgm:cxn modelId="{56F31B8B-62CA-4649-A5C5-7CDAE1045C73}" type="presOf" srcId="{53058A7C-02FB-1F45-A7D1-375BAD600190}" destId="{6FCB05E4-C2DB-164F-9F8A-567D7848752D}" srcOrd="0" destOrd="0" presId="urn:microsoft.com/office/officeart/2005/8/layout/orgChart1"/>
-    <dgm:cxn modelId="{C9498C8F-0B20-B945-8635-C168B3B245C2}" type="presOf" srcId="{3A2DA10A-83C5-A74A-9EC0-ADCE4A0AF418}" destId="{7F744F26-C3D9-DD41-9CA4-9FA81C1D9B2D}" srcOrd="0" destOrd="0" presId="urn:microsoft.com/office/officeart/2005/8/layout/orgChart1"/>
-    <dgm:cxn modelId="{3678199B-32F2-B640-A0FB-750FDC7B2CB4}" type="presOf" srcId="{4530300E-86EF-CE44-99EB-5FAFA47C04FD}" destId="{6B4F5C96-8807-E048-89F8-4F4EDD41EA0D}" srcOrd="0" destOrd="0" presId="urn:microsoft.com/office/officeart/2005/8/layout/orgChart1"/>
-    <dgm:cxn modelId="{536F26A3-D6B5-4146-BE2A-4154C4DBF9AD}" type="presOf" srcId="{1226E16A-DFC9-4145-B034-CA2784AE76C3}" destId="{09B5E086-9FFD-1E41-8A6B-4B4FD2D1B7AC}" srcOrd="1" destOrd="0" presId="urn:microsoft.com/office/officeart/2005/8/layout/orgChart1"/>
-    <dgm:cxn modelId="{C8F039AF-EE79-B441-A2ED-1DE164D430D1}" type="presOf" srcId="{99DCCEB2-3834-EC47-B0EB-36840CEC16C9}" destId="{D3DE9126-EC0C-334A-BB60-1644755204F0}" srcOrd="0" destOrd="0" presId="urn:microsoft.com/office/officeart/2005/8/layout/orgChart1"/>
-    <dgm:cxn modelId="{BB0166B4-8707-6840-8A67-0EBB50CEB67C}" type="presOf" srcId="{0014BCEE-68E7-9442-AC9A-41EE422293C2}" destId="{D0BE052B-1573-924F-A4F6-B1CC5C42D5A0}" srcOrd="1" destOrd="0" presId="urn:microsoft.com/office/officeart/2005/8/layout/orgChart1"/>
-    <dgm:cxn modelId="{4D8EFDCF-23CD-D343-B29F-1BC1391D090D}" type="presOf" srcId="{6D89DDF2-257C-4747-809B-99EAEF28C62B}" destId="{204C3AB9-3BB8-6346-A78C-24C70058E78A}" srcOrd="0" destOrd="0" presId="urn:microsoft.com/office/officeart/2005/8/layout/orgChart1"/>
-    <dgm:cxn modelId="{BB9919D0-5FC3-2542-BF11-F4D4B265D161}" type="presOf" srcId="{F2E60D78-DFD8-AF47-86F4-16FD1AAD7A15}" destId="{CCB7AAA1-8DBE-0846-B033-D15652D898EB}" srcOrd="0" destOrd="0" presId="urn:microsoft.com/office/officeart/2005/8/layout/orgChart1"/>
-    <dgm:cxn modelId="{EAE01DD0-BB39-304A-BA1C-02131729BB37}" srcId="{99DCCEB2-3834-EC47-B0EB-36840CEC16C9}" destId="{1226E16A-DFC9-4145-B034-CA2784AE76C3}" srcOrd="1" destOrd="0" parTransId="{3A2DA10A-83C5-A74A-9EC0-ADCE4A0AF418}" sibTransId="{415AF9E6-4711-F749-A6D8-9B3F46367C7B}"/>
-    <dgm:cxn modelId="{915EDDD1-4180-3B4B-9455-A0C60BF46216}" type="presOf" srcId="{1226E16A-DFC9-4145-B034-CA2784AE76C3}" destId="{FE6209A7-8DDE-0040-BDC9-04953BD041DC}" srcOrd="0" destOrd="0" presId="urn:microsoft.com/office/officeart/2005/8/layout/orgChart1"/>
-    <dgm:cxn modelId="{ECA8D2F5-880D-1D4F-995B-416FF6FD17AF}" srcId="{99DCCEB2-3834-EC47-B0EB-36840CEC16C9}" destId="{6D89DDF2-257C-4747-809B-99EAEF28C62B}" srcOrd="3" destOrd="0" parTransId="{2A8F6E95-B209-D943-9A13-5F983AC8FA20}" sibTransId="{7C09D0F0-3006-7B44-9BE2-BC2F82901361}"/>
-    <dgm:cxn modelId="{EB8D8DF7-B6DB-4F4A-963A-A43CD78B73E8}" srcId="{99DCCEB2-3834-EC47-B0EB-36840CEC16C9}" destId="{0014BCEE-68E7-9442-AC9A-41EE422293C2}" srcOrd="2" destOrd="0" parTransId="{2DBC7368-BB5D-F843-AAE7-87A292263D04}" sibTransId="{D2C044EB-C139-2740-A319-BF75A5D78B5B}"/>
-    <dgm:cxn modelId="{FBF575F8-276D-AB45-BFA1-C00A341C3931}" type="presOf" srcId="{0014BCEE-68E7-9442-AC9A-41EE422293C2}" destId="{B54320CA-B982-7440-93DF-FD4F5BB9F292}" srcOrd="0" destOrd="0" presId="urn:microsoft.com/office/officeart/2005/8/layout/orgChart1"/>
     <dgm:cxn modelId="{28115F42-171E-8647-885C-8E733F6F4EE1}" type="presParOf" srcId="{CCB7AAA1-8DBE-0846-B033-D15652D898EB}" destId="{B62777E3-70BC-4A4F-9856-ECB8BDC7F0BD}" srcOrd="0" destOrd="0" presId="urn:microsoft.com/office/officeart/2005/8/layout/orgChart1"/>
     <dgm:cxn modelId="{E21B6E6E-F7C6-8240-AF93-B710ED2A00E4}" type="presParOf" srcId="{B62777E3-70BC-4A4F-9856-ECB8BDC7F0BD}" destId="{0D78D380-07AC-1C4D-8120-0044929AE784}" srcOrd="0" destOrd="0" presId="urn:microsoft.com/office/officeart/2005/8/layout/orgChart1"/>
     <dgm:cxn modelId="{0EFA2DE9-5C0E-F248-89FD-839413AA1AB0}" type="presParOf" srcId="{0D78D380-07AC-1C4D-8120-0044929AE784}" destId="{D3DE9126-EC0C-334A-BB60-1644755204F0}" srcOrd="0" destOrd="0" presId="urn:microsoft.com/office/officeart/2005/8/layout/orgChart1"/>
@@ -4688,6 +4826,13 @@
         </dgm:presLayoutVars>
       </dgm:prSet>
       <dgm:spPr/>
+      <dgm:t>
+        <a:bodyPr/>
+        <a:lstStyle/>
+        <a:p>
+          <a:endParaRPr lang="en-US"/>
+        </a:p>
+      </dgm:t>
     </dgm:pt>
     <dgm:pt modelId="{9FE8DDF8-941E-4D6C-BC81-47563F40C61D}" type="pres">
       <dgm:prSet presAssocID="{D8BE3419-644C-4A84-9A91-8CC737B36D5A}" presName="compNode" presStyleCnt="0"/>
@@ -4707,7 +4852,7 @@
                 <a14:useLocalDpi xmlns:a14="http://schemas.microsoft.com/office/drawing/2010/main" val="0"/>
               </a:ext>
               <a:ext uri="{96DAC541-7B7A-43D3-8B79-37D633B846F1}">
-                <asvg:svgBlip xmlns:asvg="http://schemas.microsoft.com/office/drawing/2016/SVG/main" r:embed="rId2"/>
+                <asvg:svgBlip xmlns:asvg="http://schemas.microsoft.com/office/drawing/2016/SVG/main" xmlns="" r:embed="rId2"/>
               </a:ext>
             </a:extLst>
           </a:blip>
@@ -4737,6 +4882,13 @@
         </dgm:presLayoutVars>
       </dgm:prSet>
       <dgm:spPr/>
+      <dgm:t>
+        <a:bodyPr/>
+        <a:lstStyle/>
+        <a:p>
+          <a:endParaRPr lang="en-US"/>
+        </a:p>
+      </dgm:t>
     </dgm:pt>
     <dgm:pt modelId="{9C79939C-8C09-4910-9818-4D8D9115B7FE}" type="pres">
       <dgm:prSet presAssocID="{DACCDEC3-B8A8-49CC-B573-081FEE12F07E}" presName="sibTrans" presStyleCnt="0"/>
@@ -4760,7 +4912,7 @@
                 <a14:useLocalDpi xmlns:a14="http://schemas.microsoft.com/office/drawing/2010/main" val="0"/>
               </a:ext>
               <a:ext uri="{96DAC541-7B7A-43D3-8B79-37D633B846F1}">
-                <asvg:svgBlip xmlns:asvg="http://schemas.microsoft.com/office/drawing/2016/SVG/main" r:embed="rId4"/>
+                <asvg:svgBlip xmlns:asvg="http://schemas.microsoft.com/office/drawing/2016/SVG/main" xmlns="" r:embed="rId4"/>
               </a:ext>
             </a:extLst>
           </a:blip>
@@ -4790,6 +4942,13 @@
         </dgm:presLayoutVars>
       </dgm:prSet>
       <dgm:spPr/>
+      <dgm:t>
+        <a:bodyPr/>
+        <a:lstStyle/>
+        <a:p>
+          <a:endParaRPr lang="en-US"/>
+        </a:p>
+      </dgm:t>
     </dgm:pt>
     <dgm:pt modelId="{9B8414E5-6C57-4E29-888A-0FE4BC9F4CA1}" type="pres">
       <dgm:prSet presAssocID="{6C231E81-E1EC-4967-BC14-E66352EF05DA}" presName="sibTrans" presStyleCnt="0"/>
@@ -4813,7 +4972,7 @@
                 <a14:useLocalDpi xmlns:a14="http://schemas.microsoft.com/office/drawing/2010/main" val="0"/>
               </a:ext>
               <a:ext uri="{96DAC541-7B7A-43D3-8B79-37D633B846F1}">
-                <asvg:svgBlip xmlns:asvg="http://schemas.microsoft.com/office/drawing/2016/SVG/main" r:embed="rId6"/>
+                <asvg:svgBlip xmlns:asvg="http://schemas.microsoft.com/office/drawing/2016/SVG/main" xmlns="" r:embed="rId6"/>
               </a:ext>
             </a:extLst>
           </a:blip>
@@ -4843,6 +5002,13 @@
         </dgm:presLayoutVars>
       </dgm:prSet>
       <dgm:spPr/>
+      <dgm:t>
+        <a:bodyPr/>
+        <a:lstStyle/>
+        <a:p>
+          <a:endParaRPr lang="en-US"/>
+        </a:p>
+      </dgm:t>
     </dgm:pt>
     <dgm:pt modelId="{D871FDF7-5DC1-42BE-8177-8A6F9601191D}" type="pres">
       <dgm:prSet presAssocID="{803E1EE0-9969-482C-8A96-AD23914BC1FB}" presName="sibTrans" presStyleCnt="0"/>
@@ -4866,7 +5032,7 @@
                 <a14:useLocalDpi xmlns:a14="http://schemas.microsoft.com/office/drawing/2010/main" val="0"/>
               </a:ext>
               <a:ext uri="{96DAC541-7B7A-43D3-8B79-37D633B846F1}">
-                <asvg:svgBlip xmlns:asvg="http://schemas.microsoft.com/office/drawing/2016/SVG/main" r:embed="rId8"/>
+                <asvg:svgBlip xmlns:asvg="http://schemas.microsoft.com/office/drawing/2016/SVG/main" xmlns="" r:embed="rId8"/>
               </a:ext>
             </a:extLst>
           </a:blip>
@@ -4896,6 +5062,13 @@
         </dgm:presLayoutVars>
       </dgm:prSet>
       <dgm:spPr/>
+      <dgm:t>
+        <a:bodyPr/>
+        <a:lstStyle/>
+        <a:p>
+          <a:endParaRPr lang="en-US"/>
+        </a:p>
+      </dgm:t>
     </dgm:pt>
     <dgm:pt modelId="{2BB3F388-268C-4FCE-A3FC-677F6318633F}" type="pres">
       <dgm:prSet presAssocID="{05E17F47-5B2D-49F1-8083-DE051179229B}" presName="sibTrans" presStyleCnt="0"/>
@@ -4919,7 +5092,7 @@
                 <a14:useLocalDpi xmlns:a14="http://schemas.microsoft.com/office/drawing/2010/main" val="0"/>
               </a:ext>
               <a:ext uri="{96DAC541-7B7A-43D3-8B79-37D633B846F1}">
-                <asvg:svgBlip xmlns:asvg="http://schemas.microsoft.com/office/drawing/2016/SVG/main" r:embed="rId10"/>
+                <asvg:svgBlip xmlns:asvg="http://schemas.microsoft.com/office/drawing/2016/SVG/main" xmlns="" r:embed="rId10"/>
               </a:ext>
             </a:extLst>
           </a:blip>
@@ -4949,20 +5122,27 @@
         </dgm:presLayoutVars>
       </dgm:prSet>
       <dgm:spPr/>
+      <dgm:t>
+        <a:bodyPr/>
+        <a:lstStyle/>
+        <a:p>
+          <a:endParaRPr lang="en-US"/>
+        </a:p>
+      </dgm:t>
     </dgm:pt>
   </dgm:ptLst>
   <dgm:cxnLst>
+    <dgm:cxn modelId="{4D1FC5FB-4F0D-48E1-9354-9346797BCB95}" srcId="{2B7EFE75-A19B-42B6-9148-9FAA5E33F0D3}" destId="{A37FE70C-9D52-494D-8D5D-528FD3565B2A}" srcOrd="4" destOrd="0" parTransId="{699DFA59-1A2C-4B6E-B22F-6D3187C1CE74}" sibTransId="{1B9F537F-D98B-4187-A123-DEAF6E426B11}"/>
+    <dgm:cxn modelId="{DA3F2A3E-7C3E-DD4A-BD44-6BB3EFE4159B}" type="presOf" srcId="{D8BE3419-644C-4A84-9A91-8CC737B36D5A}" destId="{3058926A-AE62-402A-AB9D-DB5734293900}" srcOrd="0" destOrd="0" presId="urn:microsoft.com/office/officeart/2018/5/layout/IconCircleLabelList"/>
     <dgm:cxn modelId="{687EAD08-F5FF-F14D-A84B-973B680C734F}" type="presOf" srcId="{625EDE2B-1697-45FF-ADF2-A6F87666689C}" destId="{2FE7C434-39FE-47EE-956C-6CCDB95B5FC9}" srcOrd="0" destOrd="0" presId="urn:microsoft.com/office/officeart/2018/5/layout/IconCircleLabelList"/>
+    <dgm:cxn modelId="{BEEAF343-7677-F646-AF6D-AC6052982A71}" type="presOf" srcId="{2B7EFE75-A19B-42B6-9148-9FAA5E33F0D3}" destId="{F8CF1EBE-C5B7-46D9-A372-1BC29D36541C}" srcOrd="0" destOrd="0" presId="urn:microsoft.com/office/officeart/2018/5/layout/IconCircleLabelList"/>
+    <dgm:cxn modelId="{A626A1BA-7717-42D8-B784-43C5743041CD}" srcId="{2B7EFE75-A19B-42B6-9148-9FAA5E33F0D3}" destId="{D8BE3419-644C-4A84-9A91-8CC737B36D5A}" srcOrd="0" destOrd="0" parTransId="{76052531-18A4-45E9-A2F9-8DC579B906AB}" sibTransId="{DACCDEC3-B8A8-49CC-B573-081FEE12F07E}"/>
+    <dgm:cxn modelId="{F3A5B679-5F30-614E-A99F-B64CE6BE8691}" type="presOf" srcId="{A37FE70C-9D52-494D-8D5D-528FD3565B2A}" destId="{C83B9F76-14F2-4FB4-AD8E-CE0C37A07D4E}" srcOrd="0" destOrd="0" presId="urn:microsoft.com/office/officeart/2018/5/layout/IconCircleLabelList"/>
+    <dgm:cxn modelId="{E5136D73-9090-C54F-B5BC-70D81DAC0645}" type="presOf" srcId="{BD673193-78E7-46FC-B758-848B9059EEB1}" destId="{22FBC249-3ADE-4172-BB7B-C0836612C26D}" srcOrd="0" destOrd="0" presId="urn:microsoft.com/office/officeart/2018/5/layout/IconCircleLabelList"/>
     <dgm:cxn modelId="{8D5EA224-5BEA-4B4F-BF42-45DC205D34DB}" srcId="{2B7EFE75-A19B-42B6-9148-9FAA5E33F0D3}" destId="{BD673193-78E7-46FC-B758-848B9059EEB1}" srcOrd="3" destOrd="0" parTransId="{802C51EC-50F9-4DAC-96AC-8C5555C81235}" sibTransId="{05E17F47-5B2D-49F1-8083-DE051179229B}"/>
-    <dgm:cxn modelId="{DA3F2A3E-7C3E-DD4A-BD44-6BB3EFE4159B}" type="presOf" srcId="{D8BE3419-644C-4A84-9A91-8CC737B36D5A}" destId="{3058926A-AE62-402A-AB9D-DB5734293900}" srcOrd="0" destOrd="0" presId="urn:microsoft.com/office/officeart/2018/5/layout/IconCircleLabelList"/>
-    <dgm:cxn modelId="{BEEAF343-7677-F646-AF6D-AC6052982A71}" type="presOf" srcId="{2B7EFE75-A19B-42B6-9148-9FAA5E33F0D3}" destId="{F8CF1EBE-C5B7-46D9-A372-1BC29D36541C}" srcOrd="0" destOrd="0" presId="urn:microsoft.com/office/officeart/2018/5/layout/IconCircleLabelList"/>
-    <dgm:cxn modelId="{E5136D73-9090-C54F-B5BC-70D81DAC0645}" type="presOf" srcId="{BD673193-78E7-46FC-B758-848B9059EEB1}" destId="{22FBC249-3ADE-4172-BB7B-C0836612C26D}" srcOrd="0" destOrd="0" presId="urn:microsoft.com/office/officeart/2018/5/layout/IconCircleLabelList"/>
+    <dgm:cxn modelId="{AECB5887-66B5-49E8-8CD6-BAA8635521BE}" srcId="{2B7EFE75-A19B-42B6-9148-9FAA5E33F0D3}" destId="{310EE3DF-6A0C-4CF0-A960-7473A95DBE2B}" srcOrd="2" destOrd="0" parTransId="{40B3F05B-EDE5-4AF9-A472-8D62152ECF0D}" sibTransId="{803E1EE0-9969-482C-8A96-AD23914BC1FB}"/>
+    <dgm:cxn modelId="{4A348A7A-33D6-45F9-BB3C-7BCEAC3E5F59}" srcId="{2B7EFE75-A19B-42B6-9148-9FAA5E33F0D3}" destId="{625EDE2B-1697-45FF-ADF2-A6F87666689C}" srcOrd="1" destOrd="0" parTransId="{15021A5E-FBE2-4614-AF41-1DCD0711E516}" sibTransId="{6C231E81-E1EC-4967-BC14-E66352EF05DA}"/>
     <dgm:cxn modelId="{C04FC377-573C-9E4A-9B3E-8D1E0A75DF97}" type="presOf" srcId="{310EE3DF-6A0C-4CF0-A960-7473A95DBE2B}" destId="{F8ACF9BF-568B-4B59-BA35-B8F1C7C9A90C}" srcOrd="0" destOrd="0" presId="urn:microsoft.com/office/officeart/2018/5/layout/IconCircleLabelList"/>
-    <dgm:cxn modelId="{F3A5B679-5F30-614E-A99F-B64CE6BE8691}" type="presOf" srcId="{A37FE70C-9D52-494D-8D5D-528FD3565B2A}" destId="{C83B9F76-14F2-4FB4-AD8E-CE0C37A07D4E}" srcOrd="0" destOrd="0" presId="urn:microsoft.com/office/officeart/2018/5/layout/IconCircleLabelList"/>
-    <dgm:cxn modelId="{4A348A7A-33D6-45F9-BB3C-7BCEAC3E5F59}" srcId="{2B7EFE75-A19B-42B6-9148-9FAA5E33F0D3}" destId="{625EDE2B-1697-45FF-ADF2-A6F87666689C}" srcOrd="1" destOrd="0" parTransId="{15021A5E-FBE2-4614-AF41-1DCD0711E516}" sibTransId="{6C231E81-E1EC-4967-BC14-E66352EF05DA}"/>
-    <dgm:cxn modelId="{AECB5887-66B5-49E8-8CD6-BAA8635521BE}" srcId="{2B7EFE75-A19B-42B6-9148-9FAA5E33F0D3}" destId="{310EE3DF-6A0C-4CF0-A960-7473A95DBE2B}" srcOrd="2" destOrd="0" parTransId="{40B3F05B-EDE5-4AF9-A472-8D62152ECF0D}" sibTransId="{803E1EE0-9969-482C-8A96-AD23914BC1FB}"/>
-    <dgm:cxn modelId="{A626A1BA-7717-42D8-B784-43C5743041CD}" srcId="{2B7EFE75-A19B-42B6-9148-9FAA5E33F0D3}" destId="{D8BE3419-644C-4A84-9A91-8CC737B36D5A}" srcOrd="0" destOrd="0" parTransId="{76052531-18A4-45E9-A2F9-8DC579B906AB}" sibTransId="{DACCDEC3-B8A8-49CC-B573-081FEE12F07E}"/>
-    <dgm:cxn modelId="{4D1FC5FB-4F0D-48E1-9354-9346797BCB95}" srcId="{2B7EFE75-A19B-42B6-9148-9FAA5E33F0D3}" destId="{A37FE70C-9D52-494D-8D5D-528FD3565B2A}" srcOrd="4" destOrd="0" parTransId="{699DFA59-1A2C-4B6E-B22F-6D3187C1CE74}" sibTransId="{1B9F537F-D98B-4187-A123-DEAF6E426B11}"/>
     <dgm:cxn modelId="{41725E4B-544F-444B-9B28-1B89CE99A009}" type="presParOf" srcId="{F8CF1EBE-C5B7-46D9-A372-1BC29D36541C}" destId="{9FE8DDF8-941E-4D6C-BC81-47563F40C61D}" srcOrd="0" destOrd="0" presId="urn:microsoft.com/office/officeart/2018/5/layout/IconCircleLabelList"/>
     <dgm:cxn modelId="{D8EFA593-28AE-F54A-A9B5-CDA57CA522F2}" type="presParOf" srcId="{9FE8DDF8-941E-4D6C-BC81-47563F40C61D}" destId="{B7F315E4-9A4A-4911-8441-6DF70D585051}" srcOrd="0" destOrd="0" presId="urn:microsoft.com/office/officeart/2018/5/layout/IconCircleLabelList"/>
     <dgm:cxn modelId="{19D0D148-81FF-2C42-A178-3517E72B97D1}" type="presParOf" srcId="{9FE8DDF8-941E-4D6C-BC81-47563F40C61D}" destId="{0F23EADB-2575-42C9-9FE8-37B39897C4AA}" srcOrd="1" destOrd="0" presId="urn:microsoft.com/office/officeart/2018/5/layout/IconCircleLabelList"/>
@@ -5181,6 +5361,13 @@
         </dgm:presLayoutVars>
       </dgm:prSet>
       <dgm:spPr/>
+      <dgm:t>
+        <a:bodyPr/>
+        <a:lstStyle/>
+        <a:p>
+          <a:endParaRPr lang="en-US"/>
+        </a:p>
+      </dgm:t>
     </dgm:pt>
     <dgm:pt modelId="{23DD403E-9CB1-4490-9108-26D035588799}" type="pres">
       <dgm:prSet presAssocID="{2DCC9CE7-93AE-4EA8-B51C-9F3BE700BA3D}" presName="compNode" presStyleCnt="0"/>
@@ -5200,7 +5387,7 @@
                 <a14:useLocalDpi xmlns:a14="http://schemas.microsoft.com/office/drawing/2010/main" val="0"/>
               </a:ext>
               <a:ext uri="{96DAC541-7B7A-43D3-8B79-37D633B846F1}">
-                <asvg:svgBlip xmlns:asvg="http://schemas.microsoft.com/office/drawing/2016/SVG/main" r:embed="rId2"/>
+                <asvg:svgBlip xmlns:asvg="http://schemas.microsoft.com/office/drawing/2016/SVG/main" xmlns="" r:embed="rId2"/>
               </a:ext>
             </a:extLst>
           </a:blip>
@@ -5230,6 +5417,13 @@
         </dgm:presLayoutVars>
       </dgm:prSet>
       <dgm:spPr/>
+      <dgm:t>
+        <a:bodyPr/>
+        <a:lstStyle/>
+        <a:p>
+          <a:endParaRPr lang="en-US"/>
+        </a:p>
+      </dgm:t>
     </dgm:pt>
     <dgm:pt modelId="{0FE64C1D-BC36-44B9-A9F4-2E3577236C84}" type="pres">
       <dgm:prSet presAssocID="{F71A6FE2-AD34-468E-860D-47F30A4ABAA0}" presName="sibTrans" presStyleCnt="0"/>
@@ -5253,7 +5447,7 @@
                 <a14:useLocalDpi xmlns:a14="http://schemas.microsoft.com/office/drawing/2010/main" val="0"/>
               </a:ext>
               <a:ext uri="{96DAC541-7B7A-43D3-8B79-37D633B846F1}">
-                <asvg:svgBlip xmlns:asvg="http://schemas.microsoft.com/office/drawing/2016/SVG/main" r:embed="rId4"/>
+                <asvg:svgBlip xmlns:asvg="http://schemas.microsoft.com/office/drawing/2016/SVG/main" xmlns="" r:embed="rId4"/>
               </a:ext>
             </a:extLst>
           </a:blip>
@@ -5283,6 +5477,13 @@
         </dgm:presLayoutVars>
       </dgm:prSet>
       <dgm:spPr/>
+      <dgm:t>
+        <a:bodyPr/>
+        <a:lstStyle/>
+        <a:p>
+          <a:endParaRPr lang="en-US"/>
+        </a:p>
+      </dgm:t>
     </dgm:pt>
     <dgm:pt modelId="{E23E27BD-D3F7-4CB3-9258-6B7EB408DA56}" type="pres">
       <dgm:prSet presAssocID="{5E7E53C8-D5D4-4B36-BD7A-3D9BA5BBFBD7}" presName="sibTrans" presStyleCnt="0"/>
@@ -5306,7 +5507,7 @@
                 <a14:useLocalDpi xmlns:a14="http://schemas.microsoft.com/office/drawing/2010/main" val="0"/>
               </a:ext>
               <a:ext uri="{96DAC541-7B7A-43D3-8B79-37D633B846F1}">
-                <asvg:svgBlip xmlns:asvg="http://schemas.microsoft.com/office/drawing/2016/SVG/main" r:embed="rId6"/>
+                <asvg:svgBlip xmlns:asvg="http://schemas.microsoft.com/office/drawing/2016/SVG/main" xmlns="" r:embed="rId6"/>
               </a:ext>
             </a:extLst>
           </a:blip>
@@ -5336,6 +5537,13 @@
         </dgm:presLayoutVars>
       </dgm:prSet>
       <dgm:spPr/>
+      <dgm:t>
+        <a:bodyPr/>
+        <a:lstStyle/>
+        <a:p>
+          <a:endParaRPr lang="en-US"/>
+        </a:p>
+      </dgm:t>
     </dgm:pt>
     <dgm:pt modelId="{BC7AD764-01A5-4CB7-AD13-7EF7ABEBC1BC}" type="pres">
       <dgm:prSet presAssocID="{6E842B9C-D8E0-4191-A88E-4F267FE28F59}" presName="sibTrans" presStyleCnt="0"/>
@@ -5359,7 +5567,7 @@
                 <a14:useLocalDpi xmlns:a14="http://schemas.microsoft.com/office/drawing/2010/main" val="0"/>
               </a:ext>
               <a:ext uri="{96DAC541-7B7A-43D3-8B79-37D633B846F1}">
-                <asvg:svgBlip xmlns:asvg="http://schemas.microsoft.com/office/drawing/2016/SVG/main" r:embed="rId8"/>
+                <asvg:svgBlip xmlns:asvg="http://schemas.microsoft.com/office/drawing/2016/SVG/main" xmlns="" r:embed="rId8"/>
               </a:ext>
             </a:extLst>
           </a:blip>
@@ -5389,18 +5597,25 @@
         </dgm:presLayoutVars>
       </dgm:prSet>
       <dgm:spPr/>
+      <dgm:t>
+        <a:bodyPr/>
+        <a:lstStyle/>
+        <a:p>
+          <a:endParaRPr lang="en-US"/>
+        </a:p>
+      </dgm:t>
     </dgm:pt>
   </dgm:ptLst>
   <dgm:cxnLst>
+    <dgm:cxn modelId="{393D95D4-A584-461D-89B1-B8618502E17C}" srcId="{F24D5E6D-2DC7-4941-9F96-BC510DA522D1}" destId="{B2EC7AAF-BC90-412D-8072-16C4D9BFA9F8}" srcOrd="1" destOrd="0" parTransId="{AE191442-B51C-4B4E-A518-8C08704DD150}" sibTransId="{5E7E53C8-D5D4-4B36-BD7A-3D9BA5BBFBD7}"/>
+    <dgm:cxn modelId="{04EBC459-B0EF-4BDA-B32D-ED0F7A0B75B7}" srcId="{F24D5E6D-2DC7-4941-9F96-BC510DA522D1}" destId="{4049BA39-63FD-40D2-BE1E-88F46E2584FA}" srcOrd="2" destOrd="0" parTransId="{1E2BDAAD-FA76-4AA7-9D67-0C317CE52D5D}" sibTransId="{6E842B9C-D8E0-4191-A88E-4F267FE28F59}"/>
+    <dgm:cxn modelId="{EE7F7DBE-4563-47DE-88C8-B67A162ADFCA}" type="presOf" srcId="{F24D5E6D-2DC7-4941-9F96-BC510DA522D1}" destId="{48248E27-9CD5-40D8-8BCD-4268DEF94366}" srcOrd="0" destOrd="0" presId="urn:microsoft.com/office/officeart/2018/5/layout/IconCircleLabelList"/>
     <dgm:cxn modelId="{01E71E0E-ABED-46E4-9C7B-82AC0E25A7E9}" srcId="{F24D5E6D-2DC7-4941-9F96-BC510DA522D1}" destId="{2DCC9CE7-93AE-4EA8-B51C-9F3BE700BA3D}" srcOrd="0" destOrd="0" parTransId="{21E65A0D-F1F1-4DF3-8998-1382A9CE9503}" sibTransId="{F71A6FE2-AD34-468E-860D-47F30A4ABAA0}"/>
+    <dgm:cxn modelId="{1FFCA360-C8D5-407A-B00E-8CDB0B661303}" srcId="{F24D5E6D-2DC7-4941-9F96-BC510DA522D1}" destId="{D6373C94-DC45-475D-A9BF-DCE394D643D7}" srcOrd="3" destOrd="0" parTransId="{051E881C-F4EF-45CC-998D-F6E65CAEB5CF}" sibTransId="{A9A9880E-3537-4CD2-BF12-6E77E5E4627C}"/>
     <dgm:cxn modelId="{3D85423D-D765-4E9A-94BE-99AA3BA0DA89}" type="presOf" srcId="{4049BA39-63FD-40D2-BE1E-88F46E2584FA}" destId="{A3E5717D-AC38-48C6-8858-5FA1069603E4}" srcOrd="0" destOrd="0" presId="urn:microsoft.com/office/officeart/2018/5/layout/IconCircleLabelList"/>
-    <dgm:cxn modelId="{04EBC459-B0EF-4BDA-B32D-ED0F7A0B75B7}" srcId="{F24D5E6D-2DC7-4941-9F96-BC510DA522D1}" destId="{4049BA39-63FD-40D2-BE1E-88F46E2584FA}" srcOrd="2" destOrd="0" parTransId="{1E2BDAAD-FA76-4AA7-9D67-0C317CE52D5D}" sibTransId="{6E842B9C-D8E0-4191-A88E-4F267FE28F59}"/>
-    <dgm:cxn modelId="{1FFCA360-C8D5-407A-B00E-8CDB0B661303}" srcId="{F24D5E6D-2DC7-4941-9F96-BC510DA522D1}" destId="{D6373C94-DC45-475D-A9BF-DCE394D643D7}" srcOrd="3" destOrd="0" parTransId="{051E881C-F4EF-45CC-998D-F6E65CAEB5CF}" sibTransId="{A9A9880E-3537-4CD2-BF12-6E77E5E4627C}"/>
+    <dgm:cxn modelId="{891B0DD6-E849-4A70-99FF-B7AA10A04144}" type="presOf" srcId="{B2EC7AAF-BC90-412D-8072-16C4D9BFA9F8}" destId="{54C730D5-7CF2-43D6-A692-BFD617C06311}" srcOrd="0" destOrd="0" presId="urn:microsoft.com/office/officeart/2018/5/layout/IconCircleLabelList"/>
     <dgm:cxn modelId="{FD0C7B85-3B46-4E49-AF3B-4FBD1810682A}" type="presOf" srcId="{2DCC9CE7-93AE-4EA8-B51C-9F3BE700BA3D}" destId="{B13751EF-ABBB-48B7-ADEA-6BBC53E02169}" srcOrd="0" destOrd="0" presId="urn:microsoft.com/office/officeart/2018/5/layout/IconCircleLabelList"/>
     <dgm:cxn modelId="{85D3EE9C-E129-4A9E-84CC-5E8106790210}" type="presOf" srcId="{D6373C94-DC45-475D-A9BF-DCE394D643D7}" destId="{B51999FB-5910-4277-A373-55DE07F5B6DF}" srcOrd="0" destOrd="0" presId="urn:microsoft.com/office/officeart/2018/5/layout/IconCircleLabelList"/>
-    <dgm:cxn modelId="{EE7F7DBE-4563-47DE-88C8-B67A162ADFCA}" type="presOf" srcId="{F24D5E6D-2DC7-4941-9F96-BC510DA522D1}" destId="{48248E27-9CD5-40D8-8BCD-4268DEF94366}" srcOrd="0" destOrd="0" presId="urn:microsoft.com/office/officeart/2018/5/layout/IconCircleLabelList"/>
-    <dgm:cxn modelId="{393D95D4-A584-461D-89B1-B8618502E17C}" srcId="{F24D5E6D-2DC7-4941-9F96-BC510DA522D1}" destId="{B2EC7AAF-BC90-412D-8072-16C4D9BFA9F8}" srcOrd="1" destOrd="0" parTransId="{AE191442-B51C-4B4E-A518-8C08704DD150}" sibTransId="{5E7E53C8-D5D4-4B36-BD7A-3D9BA5BBFBD7}"/>
-    <dgm:cxn modelId="{891B0DD6-E849-4A70-99FF-B7AA10A04144}" type="presOf" srcId="{B2EC7AAF-BC90-412D-8072-16C4D9BFA9F8}" destId="{54C730D5-7CF2-43D6-A692-BFD617C06311}" srcOrd="0" destOrd="0" presId="urn:microsoft.com/office/officeart/2018/5/layout/IconCircleLabelList"/>
     <dgm:cxn modelId="{1583E4F4-45A2-4DDF-8FFE-CB470F57051A}" type="presParOf" srcId="{48248E27-9CD5-40D8-8BCD-4268DEF94366}" destId="{23DD403E-9CB1-4490-9108-26D035588799}" srcOrd="0" destOrd="0" presId="urn:microsoft.com/office/officeart/2018/5/layout/IconCircleLabelList"/>
     <dgm:cxn modelId="{13141161-87C8-49DA-B650-9E305A47C773}" type="presParOf" srcId="{23DD403E-9CB1-4490-9108-26D035588799}" destId="{884A3CF4-070D-4BFD-B287-3E3786CE3A03}" srcOrd="0" destOrd="0" presId="urn:microsoft.com/office/officeart/2018/5/layout/IconCircleLabelList"/>
     <dgm:cxn modelId="{8661CD51-2D59-445F-ACBC-35CB7520ED88}" type="presParOf" srcId="{23DD403E-9CB1-4490-9108-26D035588799}" destId="{C9CA56E4-1431-48C5-A451-E090C3E10C69}" srcOrd="1" destOrd="0" presId="urn:microsoft.com/office/officeart/2018/5/layout/IconCircleLabelList"/>
@@ -5443,450 +5658,6 @@
       <dsp:cNvGrpSpPr/>
     </dsp:nvGrpSpPr>
     <dsp:grpSpPr/>
-    <dsp:sp modelId="{0DFAA49F-C4D0-4134-B2EA-28D497D92077}">
-      <dsp:nvSpPr>
-        <dsp:cNvPr id="0" name=""/>
-        <dsp:cNvSpPr/>
-      </dsp:nvSpPr>
-      <dsp:spPr>
-        <a:xfrm>
-          <a:off x="624000" y="41360"/>
-          <a:ext cx="1784250" cy="1784250"/>
-        </a:xfrm>
-        <a:prstGeom prst="ellipse">
-          <a:avLst/>
-        </a:prstGeom>
-        <a:solidFill>
-          <a:schemeClr val="accent2">
-            <a:hueOff val="0"/>
-            <a:satOff val="0"/>
-            <a:lumOff val="0"/>
-            <a:alphaOff val="0"/>
-          </a:schemeClr>
-        </a:solidFill>
-        <a:ln>
-          <a:noFill/>
-        </a:ln>
-        <a:effectLst/>
-      </dsp:spPr>
-      <dsp:style>
-        <a:lnRef idx="0">
-          <a:scrgbClr r="0" g="0" b="0"/>
-        </a:lnRef>
-        <a:fillRef idx="1">
-          <a:scrgbClr r="0" g="0" b="0"/>
-        </a:fillRef>
-        <a:effectRef idx="2">
-          <a:scrgbClr r="0" g="0" b="0"/>
-        </a:effectRef>
-        <a:fontRef idx="minor"/>
-      </dsp:style>
-    </dsp:sp>
-    <dsp:sp modelId="{BF0B4F0E-D2EE-4632-95BA-7524CA716AB2}">
-      <dsp:nvSpPr>
-        <dsp:cNvPr id="0" name=""/>
-        <dsp:cNvSpPr/>
-      </dsp:nvSpPr>
-      <dsp:spPr>
-        <a:xfrm>
-          <a:off x="1004250" y="421610"/>
-          <a:ext cx="1023750" cy="1023750"/>
-        </a:xfrm>
-        <a:prstGeom prst="rect">
-          <a:avLst/>
-        </a:prstGeom>
-        <a:blipFill>
-          <a:blip xmlns:r="http://schemas.openxmlformats.org/officeDocument/2006/relationships" r:embed="rId1">
-            <a:extLst>
-              <a:ext uri="{28A0092B-C50C-407E-A947-70E740481C1C}">
-                <a14:useLocalDpi xmlns:a14="http://schemas.microsoft.com/office/drawing/2010/main" val="0"/>
-              </a:ext>
-              <a:ext uri="{96DAC541-7B7A-43D3-8B79-37D633B846F1}">
-                <asvg:svgBlip xmlns:asvg="http://schemas.microsoft.com/office/drawing/2016/SVG/main" r:embed="rId2"/>
-              </a:ext>
-            </a:extLst>
-          </a:blip>
-          <a:stretch>
-            <a:fillRect/>
-          </a:stretch>
-        </a:blipFill>
-        <a:ln>
-          <a:noFill/>
-        </a:ln>
-        <a:effectLst/>
-      </dsp:spPr>
-      <dsp:style>
-        <a:lnRef idx="0">
-          <a:scrgbClr r="0" g="0" b="0"/>
-        </a:lnRef>
-        <a:fillRef idx="3">
-          <a:scrgbClr r="0" g="0" b="0"/>
-        </a:fillRef>
-        <a:effectRef idx="2">
-          <a:scrgbClr r="0" g="0" b="0"/>
-        </a:effectRef>
-        <a:fontRef idx="minor">
-          <a:schemeClr val="lt1"/>
-        </a:fontRef>
-      </dsp:style>
-    </dsp:sp>
-    <dsp:sp modelId="{B0987F33-96C1-4E0B-87A3-46E2E146AA26}">
-      <dsp:nvSpPr>
-        <dsp:cNvPr id="0" name=""/>
-        <dsp:cNvSpPr/>
-      </dsp:nvSpPr>
-      <dsp:spPr>
-        <a:xfrm>
-          <a:off x="53625" y="2381360"/>
-          <a:ext cx="2925000" cy="720000"/>
-        </a:xfrm>
-        <a:prstGeom prst="rect">
-          <a:avLst/>
-        </a:prstGeom>
-        <a:noFill/>
-        <a:ln>
-          <a:noFill/>
-        </a:ln>
-        <a:effectLst/>
-      </dsp:spPr>
-      <dsp:style>
-        <a:lnRef idx="0">
-          <a:scrgbClr r="0" g="0" b="0"/>
-        </a:lnRef>
-        <a:fillRef idx="0">
-          <a:scrgbClr r="0" g="0" b="0"/>
-        </a:fillRef>
-        <a:effectRef idx="0">
-          <a:scrgbClr r="0" g="0" b="0"/>
-        </a:effectRef>
-        <a:fontRef idx="minor"/>
-      </dsp:style>
-      <dsp:txBody>
-        <a:bodyPr spcFirstLastPara="0" vert="horz" wrap="square" lIns="0" tIns="0" rIns="0" bIns="0" numCol="1" spcCol="1270" anchor="t" anchorCtr="0">
-          <a:noAutofit/>
-        </a:bodyPr>
-        <a:lstStyle/>
-        <a:p>
-          <a:pPr marL="0" lvl="0" indent="0" algn="ctr" defTabSz="844550">
-            <a:lnSpc>
-              <a:spcPct val="90000"/>
-            </a:lnSpc>
-            <a:spcBef>
-              <a:spcPct val="0"/>
-            </a:spcBef>
-            <a:spcAft>
-              <a:spcPct val="35000"/>
-            </a:spcAft>
-            <a:buNone/>
-            <a:defRPr cap="all"/>
-          </a:pPr>
-          <a:r>
-            <a:rPr lang="en-US" sz="1900" kern="1200"/>
-            <a:t>Makes concurrency simple</a:t>
-          </a:r>
-        </a:p>
-      </dsp:txBody>
-      <dsp:txXfrm>
-        <a:off x="53625" y="2381360"/>
-        <a:ext cx="2925000" cy="720000"/>
-      </dsp:txXfrm>
-    </dsp:sp>
-    <dsp:sp modelId="{05D0DBDA-03AC-462A-A8E6-B38F3201C62A}">
-      <dsp:nvSpPr>
-        <dsp:cNvPr id="0" name=""/>
-        <dsp:cNvSpPr/>
-      </dsp:nvSpPr>
-      <dsp:spPr>
-        <a:xfrm>
-          <a:off x="4060875" y="41360"/>
-          <a:ext cx="1784250" cy="1784250"/>
-        </a:xfrm>
-        <a:prstGeom prst="ellipse">
-          <a:avLst/>
-        </a:prstGeom>
-        <a:solidFill>
-          <a:schemeClr val="accent3">
-            <a:hueOff val="0"/>
-            <a:satOff val="0"/>
-            <a:lumOff val="0"/>
-            <a:alphaOff val="0"/>
-          </a:schemeClr>
-        </a:solidFill>
-        <a:ln>
-          <a:noFill/>
-        </a:ln>
-        <a:effectLst/>
-      </dsp:spPr>
-      <dsp:style>
-        <a:lnRef idx="0">
-          <a:scrgbClr r="0" g="0" b="0"/>
-        </a:lnRef>
-        <a:fillRef idx="1">
-          <a:scrgbClr r="0" g="0" b="0"/>
-        </a:fillRef>
-        <a:effectRef idx="2">
-          <a:scrgbClr r="0" g="0" b="0"/>
-        </a:effectRef>
-        <a:fontRef idx="minor"/>
-      </dsp:style>
-    </dsp:sp>
-    <dsp:sp modelId="{9B0A2710-118D-4B17-B938-FA5790B10928}">
-      <dsp:nvSpPr>
-        <dsp:cNvPr id="0" name=""/>
-        <dsp:cNvSpPr/>
-      </dsp:nvSpPr>
-      <dsp:spPr>
-        <a:xfrm>
-          <a:off x="4441125" y="421610"/>
-          <a:ext cx="1023750" cy="1023750"/>
-        </a:xfrm>
-        <a:prstGeom prst="rect">
-          <a:avLst/>
-        </a:prstGeom>
-        <a:blipFill>
-          <a:blip xmlns:r="http://schemas.openxmlformats.org/officeDocument/2006/relationships" r:embed="rId3">
-            <a:extLst>
-              <a:ext uri="{28A0092B-C50C-407E-A947-70E740481C1C}">
-                <a14:useLocalDpi xmlns:a14="http://schemas.microsoft.com/office/drawing/2010/main" val="0"/>
-              </a:ext>
-              <a:ext uri="{96DAC541-7B7A-43D3-8B79-37D633B846F1}">
-                <asvg:svgBlip xmlns:asvg="http://schemas.microsoft.com/office/drawing/2016/SVG/main" r:embed="rId4"/>
-              </a:ext>
-            </a:extLst>
-          </a:blip>
-          <a:stretch>
-            <a:fillRect/>
-          </a:stretch>
-        </a:blipFill>
-        <a:ln>
-          <a:noFill/>
-        </a:ln>
-        <a:effectLst/>
-      </dsp:spPr>
-      <dsp:style>
-        <a:lnRef idx="0">
-          <a:scrgbClr r="0" g="0" b="0"/>
-        </a:lnRef>
-        <a:fillRef idx="3">
-          <a:scrgbClr r="0" g="0" b="0"/>
-        </a:fillRef>
-        <a:effectRef idx="2">
-          <a:scrgbClr r="0" g="0" b="0"/>
-        </a:effectRef>
-        <a:fontRef idx="minor">
-          <a:schemeClr val="lt1"/>
-        </a:fontRef>
-      </dsp:style>
-    </dsp:sp>
-    <dsp:sp modelId="{BD095F1C-A12D-424E-BB05-33270C156D2C}">
-      <dsp:nvSpPr>
-        <dsp:cNvPr id="0" name=""/>
-        <dsp:cNvSpPr/>
-      </dsp:nvSpPr>
-      <dsp:spPr>
-        <a:xfrm>
-          <a:off x="3490500" y="2381360"/>
-          <a:ext cx="2925000" cy="720000"/>
-        </a:xfrm>
-        <a:prstGeom prst="rect">
-          <a:avLst/>
-        </a:prstGeom>
-        <a:noFill/>
-        <a:ln>
-          <a:noFill/>
-        </a:ln>
-        <a:effectLst/>
-      </dsp:spPr>
-      <dsp:style>
-        <a:lnRef idx="0">
-          <a:scrgbClr r="0" g="0" b="0"/>
-        </a:lnRef>
-        <a:fillRef idx="0">
-          <a:scrgbClr r="0" g="0" b="0"/>
-        </a:fillRef>
-        <a:effectRef idx="0">
-          <a:scrgbClr r="0" g="0" b="0"/>
-        </a:effectRef>
-        <a:fontRef idx="minor"/>
-      </dsp:style>
-      <dsp:txBody>
-        <a:bodyPr spcFirstLastPara="0" vert="horz" wrap="square" lIns="0" tIns="0" rIns="0" bIns="0" numCol="1" spcCol="1270" anchor="t" anchorCtr="0">
-          <a:noAutofit/>
-        </a:bodyPr>
-        <a:lstStyle/>
-        <a:p>
-          <a:pPr marL="0" lvl="0" indent="0" algn="ctr" defTabSz="844550">
-            <a:lnSpc>
-              <a:spcPct val="90000"/>
-            </a:lnSpc>
-            <a:spcBef>
-              <a:spcPct val="0"/>
-            </a:spcBef>
-            <a:spcAft>
-              <a:spcPct val="35000"/>
-            </a:spcAft>
-            <a:buNone/>
-            <a:defRPr cap="all"/>
-          </a:pPr>
-          <a:r>
-            <a:rPr lang="en-US" sz="1900" kern="1200"/>
-            <a:t>“go routines” (lightweight threads)</a:t>
-          </a:r>
-        </a:p>
-      </dsp:txBody>
-      <dsp:txXfrm>
-        <a:off x="3490500" y="2381360"/>
-        <a:ext cx="2925000" cy="720000"/>
-      </dsp:txXfrm>
-    </dsp:sp>
-    <dsp:sp modelId="{996EEDDB-6C7F-468F-9070-D8E8956F676C}">
-      <dsp:nvSpPr>
-        <dsp:cNvPr id="0" name=""/>
-        <dsp:cNvSpPr/>
-      </dsp:nvSpPr>
-      <dsp:spPr>
-        <a:xfrm>
-          <a:off x="7497750" y="41360"/>
-          <a:ext cx="1784250" cy="1784250"/>
-        </a:xfrm>
-        <a:prstGeom prst="ellipse">
-          <a:avLst/>
-        </a:prstGeom>
-        <a:solidFill>
-          <a:schemeClr val="accent4">
-            <a:hueOff val="0"/>
-            <a:satOff val="0"/>
-            <a:lumOff val="0"/>
-            <a:alphaOff val="0"/>
-          </a:schemeClr>
-        </a:solidFill>
-        <a:ln>
-          <a:noFill/>
-        </a:ln>
-        <a:effectLst/>
-      </dsp:spPr>
-      <dsp:style>
-        <a:lnRef idx="0">
-          <a:scrgbClr r="0" g="0" b="0"/>
-        </a:lnRef>
-        <a:fillRef idx="1">
-          <a:scrgbClr r="0" g="0" b="0"/>
-        </a:fillRef>
-        <a:effectRef idx="2">
-          <a:scrgbClr r="0" g="0" b="0"/>
-        </a:effectRef>
-        <a:fontRef idx="minor"/>
-      </dsp:style>
-    </dsp:sp>
-    <dsp:sp modelId="{9A752A03-CF5C-4918-80FE-66286BD1C057}">
-      <dsp:nvSpPr>
-        <dsp:cNvPr id="0" name=""/>
-        <dsp:cNvSpPr/>
-      </dsp:nvSpPr>
-      <dsp:spPr>
-        <a:xfrm>
-          <a:off x="7878000" y="421610"/>
-          <a:ext cx="1023750" cy="1023750"/>
-        </a:xfrm>
-        <a:prstGeom prst="rect">
-          <a:avLst/>
-        </a:prstGeom>
-        <a:blipFill>
-          <a:blip xmlns:r="http://schemas.openxmlformats.org/officeDocument/2006/relationships" r:embed="rId5">
-            <a:extLst>
-              <a:ext uri="{28A0092B-C50C-407E-A947-70E740481C1C}">
-                <a14:useLocalDpi xmlns:a14="http://schemas.microsoft.com/office/drawing/2010/main" val="0"/>
-              </a:ext>
-              <a:ext uri="{96DAC541-7B7A-43D3-8B79-37D633B846F1}">
-                <asvg:svgBlip xmlns:asvg="http://schemas.microsoft.com/office/drawing/2016/SVG/main" r:embed="rId6"/>
-              </a:ext>
-            </a:extLst>
-          </a:blip>
-          <a:stretch>
-            <a:fillRect/>
-          </a:stretch>
-        </a:blipFill>
-        <a:ln>
-          <a:noFill/>
-        </a:ln>
-        <a:effectLst/>
-      </dsp:spPr>
-      <dsp:style>
-        <a:lnRef idx="0">
-          <a:scrgbClr r="0" g="0" b="0"/>
-        </a:lnRef>
-        <a:fillRef idx="3">
-          <a:scrgbClr r="0" g="0" b="0"/>
-        </a:fillRef>
-        <a:effectRef idx="2">
-          <a:scrgbClr r="0" g="0" b="0"/>
-        </a:effectRef>
-        <a:fontRef idx="minor">
-          <a:schemeClr val="lt1"/>
-        </a:fontRef>
-      </dsp:style>
-    </dsp:sp>
-    <dsp:sp modelId="{18F9768B-781F-434F-BEED-0CEE40DA173A}">
-      <dsp:nvSpPr>
-        <dsp:cNvPr id="0" name=""/>
-        <dsp:cNvSpPr/>
-      </dsp:nvSpPr>
-      <dsp:spPr>
-        <a:xfrm>
-          <a:off x="6927375" y="2381360"/>
-          <a:ext cx="2925000" cy="720000"/>
-        </a:xfrm>
-        <a:prstGeom prst="rect">
-          <a:avLst/>
-        </a:prstGeom>
-        <a:noFill/>
-        <a:ln>
-          <a:noFill/>
-        </a:ln>
-        <a:effectLst/>
-      </dsp:spPr>
-      <dsp:style>
-        <a:lnRef idx="0">
-          <a:scrgbClr r="0" g="0" b="0"/>
-        </a:lnRef>
-        <a:fillRef idx="0">
-          <a:scrgbClr r="0" g="0" b="0"/>
-        </a:fillRef>
-        <a:effectRef idx="0">
-          <a:scrgbClr r="0" g="0" b="0"/>
-        </a:effectRef>
-        <a:fontRef idx="minor"/>
-      </dsp:style>
-      <dsp:txBody>
-        <a:bodyPr spcFirstLastPara="0" vert="horz" wrap="square" lIns="0" tIns="0" rIns="0" bIns="0" numCol="1" spcCol="1270" anchor="t" anchorCtr="0">
-          <a:noAutofit/>
-        </a:bodyPr>
-        <a:lstStyle/>
-        <a:p>
-          <a:pPr marL="0" lvl="0" indent="0" algn="ctr" defTabSz="844550">
-            <a:lnSpc>
-              <a:spcPct val="90000"/>
-            </a:lnSpc>
-            <a:spcBef>
-              <a:spcPct val="0"/>
-            </a:spcBef>
-            <a:spcAft>
-              <a:spcPct val="35000"/>
-            </a:spcAft>
-            <a:buNone/>
-            <a:defRPr cap="all"/>
-          </a:pPr>
-          <a:r>
-            <a:rPr lang="en-US" sz="1900" kern="1200"/>
-            <a:t>Inter-thread communication via channels</a:t>
-          </a:r>
-        </a:p>
-      </dsp:txBody>
-      <dsp:txXfrm>
-        <a:off x="6927375" y="2381360"/>
-        <a:ext cx="2925000" cy="720000"/>
-      </dsp:txXfrm>
-    </dsp:sp>
   </dsp:spTree>
 </dsp:drawing>
 </file>
@@ -5899,636 +5670,6 @@
       <dsp:cNvGrpSpPr/>
     </dsp:nvGrpSpPr>
     <dsp:grpSpPr/>
-    <dsp:sp modelId="{6B4F5C96-8807-E048-89F8-4F4EDD41EA0D}">
-      <dsp:nvSpPr>
-        <dsp:cNvPr id="0" name=""/>
-        <dsp:cNvSpPr/>
-      </dsp:nvSpPr>
-      <dsp:spPr>
-        <a:xfrm>
-          <a:off x="3202581" y="1613790"/>
-          <a:ext cx="209484" cy="917742"/>
-        </a:xfrm>
-        <a:custGeom>
-          <a:avLst/>
-          <a:gdLst/>
-          <a:ahLst/>
-          <a:cxnLst/>
-          <a:rect l="0" t="0" r="0" b="0"/>
-          <a:pathLst>
-            <a:path>
-              <a:moveTo>
-                <a:pt x="209484" y="0"/>
-              </a:moveTo>
-              <a:lnTo>
-                <a:pt x="209484" y="917742"/>
-              </a:lnTo>
-              <a:lnTo>
-                <a:pt x="0" y="917742"/>
-              </a:lnTo>
-            </a:path>
-          </a:pathLst>
-        </a:custGeom>
-        <a:noFill/>
-        <a:ln w="15875" cap="flat" cmpd="sng" algn="ctr">
-          <a:solidFill>
-            <a:schemeClr val="accent3">
-              <a:hueOff val="0"/>
-              <a:satOff val="0"/>
-              <a:lumOff val="0"/>
-              <a:alphaOff val="0"/>
-            </a:schemeClr>
-          </a:solidFill>
-          <a:prstDash val="solid"/>
-        </a:ln>
-        <a:effectLst/>
-      </dsp:spPr>
-      <dsp:style>
-        <a:lnRef idx="2">
-          <a:scrgbClr r="0" g="0" b="0"/>
-        </a:lnRef>
-        <a:fillRef idx="0">
-          <a:scrgbClr r="0" g="0" b="0"/>
-        </a:fillRef>
-        <a:effectRef idx="0">
-          <a:scrgbClr r="0" g="0" b="0"/>
-        </a:effectRef>
-        <a:fontRef idx="minor"/>
-      </dsp:style>
-    </dsp:sp>
-    <dsp:sp modelId="{38972E97-5C9D-8A48-8FFB-165AC203E25A}">
-      <dsp:nvSpPr>
-        <dsp:cNvPr id="0" name=""/>
-        <dsp:cNvSpPr/>
-      </dsp:nvSpPr>
-      <dsp:spPr>
-        <a:xfrm>
-          <a:off x="3412066" y="1613790"/>
-          <a:ext cx="2414062" cy="1835485"/>
-        </a:xfrm>
-        <a:custGeom>
-          <a:avLst/>
-          <a:gdLst/>
-          <a:ahLst/>
-          <a:cxnLst/>
-          <a:rect l="0" t="0" r="0" b="0"/>
-          <a:pathLst>
-            <a:path>
-              <a:moveTo>
-                <a:pt x="0" y="0"/>
-              </a:moveTo>
-              <a:lnTo>
-                <a:pt x="0" y="1626000"/>
-              </a:lnTo>
-              <a:lnTo>
-                <a:pt x="2414062" y="1626000"/>
-              </a:lnTo>
-              <a:lnTo>
-                <a:pt x="2414062" y="1835485"/>
-              </a:lnTo>
-            </a:path>
-          </a:pathLst>
-        </a:custGeom>
-        <a:noFill/>
-        <a:ln w="15875" cap="flat" cmpd="sng" algn="ctr">
-          <a:solidFill>
-            <a:schemeClr val="accent3">
-              <a:hueOff val="0"/>
-              <a:satOff val="0"/>
-              <a:lumOff val="0"/>
-              <a:alphaOff val="0"/>
-            </a:schemeClr>
-          </a:solidFill>
-          <a:prstDash val="solid"/>
-        </a:ln>
-        <a:effectLst/>
-      </dsp:spPr>
-      <dsp:style>
-        <a:lnRef idx="2">
-          <a:scrgbClr r="0" g="0" b="0"/>
-        </a:lnRef>
-        <a:fillRef idx="0">
-          <a:scrgbClr r="0" g="0" b="0"/>
-        </a:fillRef>
-        <a:effectRef idx="0">
-          <a:scrgbClr r="0" g="0" b="0"/>
-        </a:effectRef>
-        <a:fontRef idx="minor"/>
-      </dsp:style>
-    </dsp:sp>
-    <dsp:sp modelId="{D8D43DCF-2105-7E4B-84A1-54F871E84DDD}">
-      <dsp:nvSpPr>
-        <dsp:cNvPr id="0" name=""/>
-        <dsp:cNvSpPr/>
-      </dsp:nvSpPr>
-      <dsp:spPr>
-        <a:xfrm>
-          <a:off x="3366346" y="1613790"/>
-          <a:ext cx="91440" cy="1835485"/>
-        </a:xfrm>
-        <a:custGeom>
-          <a:avLst/>
-          <a:gdLst/>
-          <a:ahLst/>
-          <a:cxnLst/>
-          <a:rect l="0" t="0" r="0" b="0"/>
-          <a:pathLst>
-            <a:path>
-              <a:moveTo>
-                <a:pt x="45720" y="0"/>
-              </a:moveTo>
-              <a:lnTo>
-                <a:pt x="45720" y="1835485"/>
-              </a:lnTo>
-            </a:path>
-          </a:pathLst>
-        </a:custGeom>
-        <a:noFill/>
-        <a:ln w="15875" cap="flat" cmpd="sng" algn="ctr">
-          <a:solidFill>
-            <a:schemeClr val="accent3">
-              <a:hueOff val="0"/>
-              <a:satOff val="0"/>
-              <a:lumOff val="0"/>
-              <a:alphaOff val="0"/>
-            </a:schemeClr>
-          </a:solidFill>
-          <a:prstDash val="solid"/>
-        </a:ln>
-        <a:effectLst/>
-      </dsp:spPr>
-      <dsp:style>
-        <a:lnRef idx="2">
-          <a:scrgbClr r="0" g="0" b="0"/>
-        </a:lnRef>
-        <a:fillRef idx="0">
-          <a:scrgbClr r="0" g="0" b="0"/>
-        </a:fillRef>
-        <a:effectRef idx="0">
-          <a:scrgbClr r="0" g="0" b="0"/>
-        </a:effectRef>
-        <a:fontRef idx="minor"/>
-      </dsp:style>
-    </dsp:sp>
-    <dsp:sp modelId="{7F744F26-C3D9-DD41-9CA4-9FA81C1D9B2D}">
-      <dsp:nvSpPr>
-        <dsp:cNvPr id="0" name=""/>
-        <dsp:cNvSpPr/>
-      </dsp:nvSpPr>
-      <dsp:spPr>
-        <a:xfrm>
-          <a:off x="998004" y="1613790"/>
-          <a:ext cx="2414062" cy="1835485"/>
-        </a:xfrm>
-        <a:custGeom>
-          <a:avLst/>
-          <a:gdLst/>
-          <a:ahLst/>
-          <a:cxnLst/>
-          <a:rect l="0" t="0" r="0" b="0"/>
-          <a:pathLst>
-            <a:path>
-              <a:moveTo>
-                <a:pt x="2414062" y="0"/>
-              </a:moveTo>
-              <a:lnTo>
-                <a:pt x="2414062" y="1626000"/>
-              </a:lnTo>
-              <a:lnTo>
-                <a:pt x="0" y="1626000"/>
-              </a:lnTo>
-              <a:lnTo>
-                <a:pt x="0" y="1835485"/>
-              </a:lnTo>
-            </a:path>
-          </a:pathLst>
-        </a:custGeom>
-        <a:noFill/>
-        <a:ln w="15875" cap="flat" cmpd="sng" algn="ctr">
-          <a:solidFill>
-            <a:schemeClr val="accent3">
-              <a:hueOff val="0"/>
-              <a:satOff val="0"/>
-              <a:lumOff val="0"/>
-              <a:alphaOff val="0"/>
-            </a:schemeClr>
-          </a:solidFill>
-          <a:prstDash val="solid"/>
-        </a:ln>
-        <a:effectLst/>
-      </dsp:spPr>
-      <dsp:style>
-        <a:lnRef idx="2">
-          <a:scrgbClr r="0" g="0" b="0"/>
-        </a:lnRef>
-        <a:fillRef idx="0">
-          <a:scrgbClr r="0" g="0" b="0"/>
-        </a:fillRef>
-        <a:effectRef idx="0">
-          <a:scrgbClr r="0" g="0" b="0"/>
-        </a:effectRef>
-        <a:fontRef idx="minor"/>
-      </dsp:style>
-    </dsp:sp>
-    <dsp:sp modelId="{D3DE9126-EC0C-334A-BB60-1644755204F0}">
-      <dsp:nvSpPr>
-        <dsp:cNvPr id="0" name=""/>
-        <dsp:cNvSpPr/>
-      </dsp:nvSpPr>
-      <dsp:spPr>
-        <a:xfrm>
-          <a:off x="2414520" y="616244"/>
-          <a:ext cx="1995092" cy="997546"/>
-        </a:xfrm>
-        <a:prstGeom prst="rect">
-          <a:avLst/>
-        </a:prstGeom>
-        <a:solidFill>
-          <a:schemeClr val="accent1">
-            <a:hueOff val="0"/>
-            <a:satOff val="0"/>
-            <a:lumOff val="0"/>
-            <a:alphaOff val="0"/>
-          </a:schemeClr>
-        </a:solidFill>
-        <a:ln w="15875" cap="flat" cmpd="sng" algn="ctr">
-          <a:solidFill>
-            <a:schemeClr val="lt1">
-              <a:hueOff val="0"/>
-              <a:satOff val="0"/>
-              <a:lumOff val="0"/>
-              <a:alphaOff val="0"/>
-            </a:schemeClr>
-          </a:solidFill>
-          <a:prstDash val="solid"/>
-        </a:ln>
-        <a:effectLst/>
-      </dsp:spPr>
-      <dsp:style>
-        <a:lnRef idx="2">
-          <a:scrgbClr r="0" g="0" b="0"/>
-        </a:lnRef>
-        <a:fillRef idx="1">
-          <a:scrgbClr r="0" g="0" b="0"/>
-        </a:fillRef>
-        <a:effectRef idx="0">
-          <a:scrgbClr r="0" g="0" b="0"/>
-        </a:effectRef>
-        <a:fontRef idx="minor">
-          <a:schemeClr val="lt1"/>
-        </a:fontRef>
-      </dsp:style>
-      <dsp:txBody>
-        <a:bodyPr spcFirstLastPara="0" vert="horz" wrap="square" lIns="20320" tIns="20320" rIns="20320" bIns="20320" numCol="1" spcCol="1270" anchor="ctr" anchorCtr="0">
-          <a:noAutofit/>
-        </a:bodyPr>
-        <a:lstStyle/>
-        <a:p>
-          <a:pPr marL="0" lvl="0" indent="0" algn="ctr" defTabSz="1422400">
-            <a:lnSpc>
-              <a:spcPct val="90000"/>
-            </a:lnSpc>
-            <a:spcBef>
-              <a:spcPct val="0"/>
-            </a:spcBef>
-            <a:spcAft>
-              <a:spcPct val="35000"/>
-            </a:spcAft>
-            <a:buNone/>
-          </a:pPr>
-          <a:r>
-            <a:rPr lang="en-US" sz="3200" kern="1200"/>
-            <a:t>master</a:t>
-          </a:r>
-        </a:p>
-      </dsp:txBody>
-      <dsp:txXfrm>
-        <a:off x="2414520" y="616244"/>
-        <a:ext cx="1995092" cy="997546"/>
-      </dsp:txXfrm>
-    </dsp:sp>
-    <dsp:sp modelId="{FE6209A7-8DDE-0040-BDC9-04953BD041DC}">
-      <dsp:nvSpPr>
-        <dsp:cNvPr id="0" name=""/>
-        <dsp:cNvSpPr/>
-      </dsp:nvSpPr>
-      <dsp:spPr>
-        <a:xfrm>
-          <a:off x="458" y="3449276"/>
-          <a:ext cx="1995092" cy="997546"/>
-        </a:xfrm>
-        <a:prstGeom prst="rect">
-          <a:avLst/>
-        </a:prstGeom>
-        <a:solidFill>
-          <a:schemeClr val="accent3">
-            <a:hueOff val="0"/>
-            <a:satOff val="0"/>
-            <a:lumOff val="0"/>
-            <a:alphaOff val="0"/>
-          </a:schemeClr>
-        </a:solidFill>
-        <a:ln w="15875" cap="flat" cmpd="sng" algn="ctr">
-          <a:solidFill>
-            <a:schemeClr val="lt1">
-              <a:hueOff val="0"/>
-              <a:satOff val="0"/>
-              <a:lumOff val="0"/>
-              <a:alphaOff val="0"/>
-            </a:schemeClr>
-          </a:solidFill>
-          <a:prstDash val="solid"/>
-        </a:ln>
-        <a:effectLst/>
-      </dsp:spPr>
-      <dsp:style>
-        <a:lnRef idx="2">
-          <a:scrgbClr r="0" g="0" b="0"/>
-        </a:lnRef>
-        <a:fillRef idx="1">
-          <a:scrgbClr r="0" g="0" b="0"/>
-        </a:fillRef>
-        <a:effectRef idx="0">
-          <a:scrgbClr r="0" g="0" b="0"/>
-        </a:effectRef>
-        <a:fontRef idx="minor">
-          <a:schemeClr val="lt1"/>
-        </a:fontRef>
-      </dsp:style>
-      <dsp:txBody>
-        <a:bodyPr spcFirstLastPara="0" vert="horz" wrap="square" lIns="20320" tIns="20320" rIns="20320" bIns="20320" numCol="1" spcCol="1270" anchor="ctr" anchorCtr="0">
-          <a:noAutofit/>
-        </a:bodyPr>
-        <a:lstStyle/>
-        <a:p>
-          <a:pPr marL="0" lvl="0" indent="0" algn="ctr" defTabSz="1422400">
-            <a:lnSpc>
-              <a:spcPct val="90000"/>
-            </a:lnSpc>
-            <a:spcBef>
-              <a:spcPct val="0"/>
-            </a:spcBef>
-            <a:spcAft>
-              <a:spcPct val="35000"/>
-            </a:spcAft>
-            <a:buNone/>
-          </a:pPr>
-          <a:r>
-            <a:rPr lang="en-US" sz="3200" kern="1200" dirty="0"/>
-            <a:t>worker</a:t>
-          </a:r>
-        </a:p>
-      </dsp:txBody>
-      <dsp:txXfrm>
-        <a:off x="458" y="3449276"/>
-        <a:ext cx="1995092" cy="997546"/>
-      </dsp:txXfrm>
-    </dsp:sp>
-    <dsp:sp modelId="{B54320CA-B982-7440-93DF-FD4F5BB9F292}">
-      <dsp:nvSpPr>
-        <dsp:cNvPr id="0" name=""/>
-        <dsp:cNvSpPr/>
-      </dsp:nvSpPr>
-      <dsp:spPr>
-        <a:xfrm>
-          <a:off x="2414520" y="3449276"/>
-          <a:ext cx="1995092" cy="997546"/>
-        </a:xfrm>
-        <a:prstGeom prst="rect">
-          <a:avLst/>
-        </a:prstGeom>
-        <a:solidFill>
-          <a:schemeClr val="accent3">
-            <a:hueOff val="0"/>
-            <a:satOff val="0"/>
-            <a:lumOff val="0"/>
-            <a:alphaOff val="0"/>
-          </a:schemeClr>
-        </a:solidFill>
-        <a:ln w="15875" cap="flat" cmpd="sng" algn="ctr">
-          <a:solidFill>
-            <a:schemeClr val="lt1">
-              <a:hueOff val="0"/>
-              <a:satOff val="0"/>
-              <a:lumOff val="0"/>
-              <a:alphaOff val="0"/>
-            </a:schemeClr>
-          </a:solidFill>
-          <a:prstDash val="solid"/>
-        </a:ln>
-        <a:effectLst/>
-      </dsp:spPr>
-      <dsp:style>
-        <a:lnRef idx="2">
-          <a:scrgbClr r="0" g="0" b="0"/>
-        </a:lnRef>
-        <a:fillRef idx="1">
-          <a:scrgbClr r="0" g="0" b="0"/>
-        </a:fillRef>
-        <a:effectRef idx="0">
-          <a:scrgbClr r="0" g="0" b="0"/>
-        </a:effectRef>
-        <a:fontRef idx="minor">
-          <a:schemeClr val="lt1"/>
-        </a:fontRef>
-      </dsp:style>
-      <dsp:txBody>
-        <a:bodyPr spcFirstLastPara="0" vert="horz" wrap="square" lIns="20320" tIns="20320" rIns="20320" bIns="20320" numCol="1" spcCol="1270" anchor="ctr" anchorCtr="0">
-          <a:noAutofit/>
-        </a:bodyPr>
-        <a:lstStyle/>
-        <a:p>
-          <a:pPr marL="0" lvl="0" indent="0" algn="ctr" defTabSz="1422400">
-            <a:lnSpc>
-              <a:spcPct val="90000"/>
-            </a:lnSpc>
-            <a:spcBef>
-              <a:spcPct val="0"/>
-            </a:spcBef>
-            <a:spcAft>
-              <a:spcPct val="35000"/>
-            </a:spcAft>
-            <a:buNone/>
-          </a:pPr>
-          <a:r>
-            <a:rPr lang="en-US" sz="3200" kern="1200"/>
-            <a:t>worker</a:t>
-          </a:r>
-        </a:p>
-      </dsp:txBody>
-      <dsp:txXfrm>
-        <a:off x="2414520" y="3449276"/>
-        <a:ext cx="1995092" cy="997546"/>
-      </dsp:txXfrm>
-    </dsp:sp>
-    <dsp:sp modelId="{204C3AB9-3BB8-6346-A78C-24C70058E78A}">
-      <dsp:nvSpPr>
-        <dsp:cNvPr id="0" name=""/>
-        <dsp:cNvSpPr/>
-      </dsp:nvSpPr>
-      <dsp:spPr>
-        <a:xfrm>
-          <a:off x="4828582" y="3449276"/>
-          <a:ext cx="1995092" cy="997546"/>
-        </a:xfrm>
-        <a:prstGeom prst="rect">
-          <a:avLst/>
-        </a:prstGeom>
-        <a:solidFill>
-          <a:schemeClr val="accent3">
-            <a:hueOff val="0"/>
-            <a:satOff val="0"/>
-            <a:lumOff val="0"/>
-            <a:alphaOff val="0"/>
-          </a:schemeClr>
-        </a:solidFill>
-        <a:ln w="15875" cap="flat" cmpd="sng" algn="ctr">
-          <a:solidFill>
-            <a:schemeClr val="lt1">
-              <a:hueOff val="0"/>
-              <a:satOff val="0"/>
-              <a:lumOff val="0"/>
-              <a:alphaOff val="0"/>
-            </a:schemeClr>
-          </a:solidFill>
-          <a:prstDash val="solid"/>
-        </a:ln>
-        <a:effectLst/>
-      </dsp:spPr>
-      <dsp:style>
-        <a:lnRef idx="2">
-          <a:scrgbClr r="0" g="0" b="0"/>
-        </a:lnRef>
-        <a:fillRef idx="1">
-          <a:scrgbClr r="0" g="0" b="0"/>
-        </a:fillRef>
-        <a:effectRef idx="0">
-          <a:scrgbClr r="0" g="0" b="0"/>
-        </a:effectRef>
-        <a:fontRef idx="minor">
-          <a:schemeClr val="lt1"/>
-        </a:fontRef>
-      </dsp:style>
-      <dsp:txBody>
-        <a:bodyPr spcFirstLastPara="0" vert="horz" wrap="square" lIns="20320" tIns="20320" rIns="20320" bIns="20320" numCol="1" spcCol="1270" anchor="ctr" anchorCtr="0">
-          <a:noAutofit/>
-        </a:bodyPr>
-        <a:lstStyle/>
-        <a:p>
-          <a:pPr marL="0" lvl="0" indent="0" algn="ctr" defTabSz="1422400">
-            <a:lnSpc>
-              <a:spcPct val="90000"/>
-            </a:lnSpc>
-            <a:spcBef>
-              <a:spcPct val="0"/>
-            </a:spcBef>
-            <a:spcAft>
-              <a:spcPct val="35000"/>
-            </a:spcAft>
-            <a:buNone/>
-          </a:pPr>
-          <a:r>
-            <a:rPr lang="en-US" sz="3200" kern="1200"/>
-            <a:t>worker</a:t>
-          </a:r>
-        </a:p>
-      </dsp:txBody>
-      <dsp:txXfrm>
-        <a:off x="4828582" y="3449276"/>
-        <a:ext cx="1995092" cy="997546"/>
-      </dsp:txXfrm>
-    </dsp:sp>
-    <dsp:sp modelId="{6FCB05E4-C2DB-164F-9F8A-567D7848752D}">
-      <dsp:nvSpPr>
-        <dsp:cNvPr id="0" name=""/>
-        <dsp:cNvSpPr/>
-      </dsp:nvSpPr>
-      <dsp:spPr>
-        <a:xfrm>
-          <a:off x="1207489" y="2032760"/>
-          <a:ext cx="1995092" cy="997546"/>
-        </a:xfrm>
-        <a:prstGeom prst="rect">
-          <a:avLst/>
-        </a:prstGeom>
-        <a:solidFill>
-          <a:schemeClr val="accent4"/>
-        </a:solidFill>
-        <a:ln w="15875" cap="flat" cmpd="sng" algn="ctr">
-          <a:solidFill>
-            <a:schemeClr val="lt1">
-              <a:shade val="80000"/>
-              <a:hueOff val="0"/>
-              <a:satOff val="0"/>
-              <a:lumOff val="0"/>
-              <a:alphaOff val="0"/>
-            </a:schemeClr>
-          </a:solidFill>
-          <a:prstDash val="solid"/>
-        </a:ln>
-        <a:effectLst/>
-      </dsp:spPr>
-      <dsp:style>
-        <a:lnRef idx="2">
-          <a:scrgbClr r="0" g="0" b="0"/>
-        </a:lnRef>
-        <a:fillRef idx="1">
-          <a:scrgbClr r="0" g="0" b="0"/>
-        </a:fillRef>
-        <a:effectRef idx="0">
-          <a:scrgbClr r="0" g="0" b="0"/>
-        </a:effectRef>
-        <a:fontRef idx="minor">
-          <a:schemeClr val="lt1"/>
-        </a:fontRef>
-      </dsp:style>
-      <dsp:txBody>
-        <a:bodyPr spcFirstLastPara="0" vert="horz" wrap="square" lIns="20320" tIns="20320" rIns="20320" bIns="20320" numCol="1" spcCol="1270" anchor="ctr" anchorCtr="0">
-          <a:noAutofit/>
-        </a:bodyPr>
-        <a:lstStyle/>
-        <a:p>
-          <a:pPr marL="0" lvl="0" indent="0" algn="ctr" defTabSz="1422400">
-            <a:lnSpc>
-              <a:spcPct val="90000"/>
-            </a:lnSpc>
-            <a:spcBef>
-              <a:spcPct val="0"/>
-            </a:spcBef>
-            <a:spcAft>
-              <a:spcPct val="35000"/>
-            </a:spcAft>
-            <a:buNone/>
-          </a:pPr>
-          <a:r>
-            <a:rPr lang="en-US" sz="3200" kern="1200"/>
-            <a:t>reverse</a:t>
-          </a:r>
-        </a:p>
-        <a:p>
-          <a:pPr marL="0" lvl="0" indent="0" algn="ctr" defTabSz="1422400">
-            <a:lnSpc>
-              <a:spcPct val="90000"/>
-            </a:lnSpc>
-            <a:spcBef>
-              <a:spcPct val="0"/>
-            </a:spcBef>
-            <a:spcAft>
-              <a:spcPct val="35000"/>
-            </a:spcAft>
-            <a:buNone/>
-          </a:pPr>
-          <a:r>
-            <a:rPr lang="en-US" sz="3200" kern="1200"/>
-            <a:t>proxy</a:t>
-          </a:r>
-        </a:p>
-      </dsp:txBody>
-      <dsp:txXfrm>
-        <a:off x="1207489" y="2032760"/>
-        <a:ext cx="1995092" cy="997546"/>
-      </dsp:txXfrm>
-    </dsp:sp>
   </dsp:spTree>
 </dsp:drawing>
 </file>
@@ -6541,751 +5682,6 @@
       <dsp:cNvGrpSpPr/>
     </dsp:nvGrpSpPr>
     <dsp:grpSpPr/>
-    <dsp:sp modelId="{B7F315E4-9A4A-4911-8441-6DF70D585051}">
-      <dsp:nvSpPr>
-        <dsp:cNvPr id="0" name=""/>
-        <dsp:cNvSpPr/>
-      </dsp:nvSpPr>
-      <dsp:spPr>
-        <a:xfrm>
-          <a:off x="342011" y="529329"/>
-          <a:ext cx="1059398" cy="1059398"/>
-        </a:xfrm>
-        <a:prstGeom prst="ellipse">
-          <a:avLst/>
-        </a:prstGeom>
-        <a:solidFill>
-          <a:schemeClr val="accent2">
-            <a:hueOff val="0"/>
-            <a:satOff val="0"/>
-            <a:lumOff val="0"/>
-            <a:alphaOff val="0"/>
-          </a:schemeClr>
-        </a:solidFill>
-        <a:ln>
-          <a:noFill/>
-        </a:ln>
-        <a:effectLst/>
-      </dsp:spPr>
-      <dsp:style>
-        <a:lnRef idx="0">
-          <a:scrgbClr r="0" g="0" b="0"/>
-        </a:lnRef>
-        <a:fillRef idx="1">
-          <a:scrgbClr r="0" g="0" b="0"/>
-        </a:fillRef>
-        <a:effectRef idx="0">
-          <a:scrgbClr r="0" g="0" b="0"/>
-        </a:effectRef>
-        <a:fontRef idx="minor"/>
-      </dsp:style>
-    </dsp:sp>
-    <dsp:sp modelId="{0F23EADB-2575-42C9-9FE8-37B39897C4AA}">
-      <dsp:nvSpPr>
-        <dsp:cNvPr id="0" name=""/>
-        <dsp:cNvSpPr/>
-      </dsp:nvSpPr>
-      <dsp:spPr>
-        <a:xfrm>
-          <a:off x="567785" y="755102"/>
-          <a:ext cx="607851" cy="607851"/>
-        </a:xfrm>
-        <a:prstGeom prst="rect">
-          <a:avLst/>
-        </a:prstGeom>
-        <a:blipFill>
-          <a:blip xmlns:r="http://schemas.openxmlformats.org/officeDocument/2006/relationships" r:embed="rId1">
-            <a:extLst>
-              <a:ext uri="{28A0092B-C50C-407E-A947-70E740481C1C}">
-                <a14:useLocalDpi xmlns:a14="http://schemas.microsoft.com/office/drawing/2010/main" val="0"/>
-              </a:ext>
-              <a:ext uri="{96DAC541-7B7A-43D3-8B79-37D633B846F1}">
-                <asvg:svgBlip xmlns:asvg="http://schemas.microsoft.com/office/drawing/2016/SVG/main" r:embed="rId2"/>
-              </a:ext>
-            </a:extLst>
-          </a:blip>
-          <a:stretch>
-            <a:fillRect/>
-          </a:stretch>
-        </a:blipFill>
-        <a:ln w="15875" cap="flat" cmpd="sng" algn="ctr">
-          <a:noFill/>
-          <a:prstDash val="solid"/>
-        </a:ln>
-        <a:effectLst/>
-      </dsp:spPr>
-      <dsp:style>
-        <a:lnRef idx="2">
-          <a:scrgbClr r="0" g="0" b="0"/>
-        </a:lnRef>
-        <a:fillRef idx="1">
-          <a:scrgbClr r="0" g="0" b="0"/>
-        </a:fillRef>
-        <a:effectRef idx="0">
-          <a:scrgbClr r="0" g="0" b="0"/>
-        </a:effectRef>
-        <a:fontRef idx="minor">
-          <a:schemeClr val="lt1"/>
-        </a:fontRef>
-      </dsp:style>
-    </dsp:sp>
-    <dsp:sp modelId="{3058926A-AE62-402A-AB9D-DB5734293900}">
-      <dsp:nvSpPr>
-        <dsp:cNvPr id="0" name=""/>
-        <dsp:cNvSpPr/>
-      </dsp:nvSpPr>
-      <dsp:spPr>
-        <a:xfrm>
-          <a:off x="3351" y="1918704"/>
-          <a:ext cx="1736718" cy="694687"/>
-        </a:xfrm>
-        <a:prstGeom prst="rect">
-          <a:avLst/>
-        </a:prstGeom>
-        <a:noFill/>
-        <a:ln>
-          <a:noFill/>
-        </a:ln>
-        <a:effectLst/>
-      </dsp:spPr>
-      <dsp:style>
-        <a:lnRef idx="0">
-          <a:scrgbClr r="0" g="0" b="0"/>
-        </a:lnRef>
-        <a:fillRef idx="0">
-          <a:scrgbClr r="0" g="0" b="0"/>
-        </a:fillRef>
-        <a:effectRef idx="0">
-          <a:scrgbClr r="0" g="0" b="0"/>
-        </a:effectRef>
-        <a:fontRef idx="minor"/>
-      </dsp:style>
-      <dsp:txBody>
-        <a:bodyPr spcFirstLastPara="0" vert="horz" wrap="square" lIns="0" tIns="0" rIns="0" bIns="0" numCol="1" spcCol="1270" anchor="t" anchorCtr="0">
-          <a:noAutofit/>
-        </a:bodyPr>
-        <a:lstStyle/>
-        <a:p>
-          <a:pPr marL="0" lvl="0" indent="0" algn="ctr" defTabSz="800100">
-            <a:lnSpc>
-              <a:spcPct val="100000"/>
-            </a:lnSpc>
-            <a:spcBef>
-              <a:spcPct val="0"/>
-            </a:spcBef>
-            <a:spcAft>
-              <a:spcPct val="35000"/>
-            </a:spcAft>
-            <a:buNone/>
-            <a:defRPr cap="all"/>
-          </a:pPr>
-          <a:r>
-            <a:rPr lang="en-US" sz="1800" kern="1200"/>
-            <a:t>Reading Configuration</a:t>
-          </a:r>
-        </a:p>
-      </dsp:txBody>
-      <dsp:txXfrm>
-        <a:off x="3351" y="1918704"/>
-        <a:ext cx="1736718" cy="694687"/>
-      </dsp:txXfrm>
-    </dsp:sp>
-    <dsp:sp modelId="{CBCD006F-1220-48BC-BC4A-D0193F5BB7C9}">
-      <dsp:nvSpPr>
-        <dsp:cNvPr id="0" name=""/>
-        <dsp:cNvSpPr/>
-      </dsp:nvSpPr>
-      <dsp:spPr>
-        <a:xfrm>
-          <a:off x="2382656" y="529329"/>
-          <a:ext cx="1059398" cy="1059398"/>
-        </a:xfrm>
-        <a:prstGeom prst="ellipse">
-          <a:avLst/>
-        </a:prstGeom>
-        <a:solidFill>
-          <a:schemeClr val="accent3">
-            <a:hueOff val="0"/>
-            <a:satOff val="0"/>
-            <a:lumOff val="0"/>
-            <a:alphaOff val="0"/>
-          </a:schemeClr>
-        </a:solidFill>
-        <a:ln>
-          <a:noFill/>
-        </a:ln>
-        <a:effectLst/>
-      </dsp:spPr>
-      <dsp:style>
-        <a:lnRef idx="0">
-          <a:scrgbClr r="0" g="0" b="0"/>
-        </a:lnRef>
-        <a:fillRef idx="1">
-          <a:scrgbClr r="0" g="0" b="0"/>
-        </a:fillRef>
-        <a:effectRef idx="0">
-          <a:scrgbClr r="0" g="0" b="0"/>
-        </a:effectRef>
-        <a:fontRef idx="minor"/>
-      </dsp:style>
-    </dsp:sp>
-    <dsp:sp modelId="{90194363-0273-4241-AE1B-8222402AB781}">
-      <dsp:nvSpPr>
-        <dsp:cNvPr id="0" name=""/>
-        <dsp:cNvSpPr/>
-      </dsp:nvSpPr>
-      <dsp:spPr>
-        <a:xfrm>
-          <a:off x="2608429" y="755102"/>
-          <a:ext cx="607851" cy="607851"/>
-        </a:xfrm>
-        <a:prstGeom prst="rect">
-          <a:avLst/>
-        </a:prstGeom>
-        <a:blipFill>
-          <a:blip xmlns:r="http://schemas.openxmlformats.org/officeDocument/2006/relationships" r:embed="rId3">
-            <a:extLst>
-              <a:ext uri="{28A0092B-C50C-407E-A947-70E740481C1C}">
-                <a14:useLocalDpi xmlns:a14="http://schemas.microsoft.com/office/drawing/2010/main" val="0"/>
-              </a:ext>
-              <a:ext uri="{96DAC541-7B7A-43D3-8B79-37D633B846F1}">
-                <asvg:svgBlip xmlns:asvg="http://schemas.microsoft.com/office/drawing/2016/SVG/main" r:embed="rId4"/>
-              </a:ext>
-            </a:extLst>
-          </a:blip>
-          <a:stretch>
-            <a:fillRect/>
-          </a:stretch>
-        </a:blipFill>
-        <a:ln w="15875" cap="flat" cmpd="sng" algn="ctr">
-          <a:noFill/>
-          <a:prstDash val="solid"/>
-        </a:ln>
-        <a:effectLst/>
-      </dsp:spPr>
-      <dsp:style>
-        <a:lnRef idx="2">
-          <a:scrgbClr r="0" g="0" b="0"/>
-        </a:lnRef>
-        <a:fillRef idx="1">
-          <a:scrgbClr r="0" g="0" b="0"/>
-        </a:fillRef>
-        <a:effectRef idx="0">
-          <a:scrgbClr r="0" g="0" b="0"/>
-        </a:effectRef>
-        <a:fontRef idx="minor">
-          <a:schemeClr val="lt1"/>
-        </a:fontRef>
-      </dsp:style>
-    </dsp:sp>
-    <dsp:sp modelId="{2FE7C434-39FE-47EE-956C-6CCDB95B5FC9}">
-      <dsp:nvSpPr>
-        <dsp:cNvPr id="0" name=""/>
-        <dsp:cNvSpPr/>
-      </dsp:nvSpPr>
-      <dsp:spPr>
-        <a:xfrm>
-          <a:off x="2043996" y="1918704"/>
-          <a:ext cx="1736718" cy="694687"/>
-        </a:xfrm>
-        <a:prstGeom prst="rect">
-          <a:avLst/>
-        </a:prstGeom>
-        <a:noFill/>
-        <a:ln>
-          <a:noFill/>
-        </a:ln>
-        <a:effectLst/>
-      </dsp:spPr>
-      <dsp:style>
-        <a:lnRef idx="0">
-          <a:scrgbClr r="0" g="0" b="0"/>
-        </a:lnRef>
-        <a:fillRef idx="0">
-          <a:scrgbClr r="0" g="0" b="0"/>
-        </a:fillRef>
-        <a:effectRef idx="0">
-          <a:scrgbClr r="0" g="0" b="0"/>
-        </a:effectRef>
-        <a:fontRef idx="minor"/>
-      </dsp:style>
-      <dsp:txBody>
-        <a:bodyPr spcFirstLastPara="0" vert="horz" wrap="square" lIns="0" tIns="0" rIns="0" bIns="0" numCol="1" spcCol="1270" anchor="t" anchorCtr="0">
-          <a:noAutofit/>
-        </a:bodyPr>
-        <a:lstStyle/>
-        <a:p>
-          <a:pPr marL="0" lvl="0" indent="0" algn="ctr" defTabSz="800100">
-            <a:lnSpc>
-              <a:spcPct val="100000"/>
-            </a:lnSpc>
-            <a:spcBef>
-              <a:spcPct val="0"/>
-            </a:spcBef>
-            <a:spcAft>
-              <a:spcPct val="35000"/>
-            </a:spcAft>
-            <a:buNone/>
-            <a:defRPr cap="all"/>
-          </a:pPr>
-          <a:r>
-            <a:rPr lang="en-US" sz="1800" kern="1200"/>
-            <a:t>Spawning Workers</a:t>
-          </a:r>
-        </a:p>
-      </dsp:txBody>
-      <dsp:txXfrm>
-        <a:off x="2043996" y="1918704"/>
-        <a:ext cx="1736718" cy="694687"/>
-      </dsp:txXfrm>
-    </dsp:sp>
-    <dsp:sp modelId="{44197219-5504-4A2E-A9AB-F1FA5CC869C8}">
-      <dsp:nvSpPr>
-        <dsp:cNvPr id="0" name=""/>
-        <dsp:cNvSpPr/>
-      </dsp:nvSpPr>
-      <dsp:spPr>
-        <a:xfrm>
-          <a:off x="4423300" y="529329"/>
-          <a:ext cx="1059398" cy="1059398"/>
-        </a:xfrm>
-        <a:prstGeom prst="ellipse">
-          <a:avLst/>
-        </a:prstGeom>
-        <a:solidFill>
-          <a:schemeClr val="accent4">
-            <a:hueOff val="0"/>
-            <a:satOff val="0"/>
-            <a:lumOff val="0"/>
-            <a:alphaOff val="0"/>
-          </a:schemeClr>
-        </a:solidFill>
-        <a:ln>
-          <a:noFill/>
-        </a:ln>
-        <a:effectLst/>
-      </dsp:spPr>
-      <dsp:style>
-        <a:lnRef idx="0">
-          <a:scrgbClr r="0" g="0" b="0"/>
-        </a:lnRef>
-        <a:fillRef idx="1">
-          <a:scrgbClr r="0" g="0" b="0"/>
-        </a:fillRef>
-        <a:effectRef idx="0">
-          <a:scrgbClr r="0" g="0" b="0"/>
-        </a:effectRef>
-        <a:fontRef idx="minor"/>
-      </dsp:style>
-    </dsp:sp>
-    <dsp:sp modelId="{975378C7-F174-4934-AECA-40778DCD6B3F}">
-      <dsp:nvSpPr>
-        <dsp:cNvPr id="0" name=""/>
-        <dsp:cNvSpPr/>
-      </dsp:nvSpPr>
-      <dsp:spPr>
-        <a:xfrm>
-          <a:off x="4649074" y="755102"/>
-          <a:ext cx="607851" cy="607851"/>
-        </a:xfrm>
-        <a:prstGeom prst="rect">
-          <a:avLst/>
-        </a:prstGeom>
-        <a:blipFill>
-          <a:blip xmlns:r="http://schemas.openxmlformats.org/officeDocument/2006/relationships" r:embed="rId5">
-            <a:extLst>
-              <a:ext uri="{28A0092B-C50C-407E-A947-70E740481C1C}">
-                <a14:useLocalDpi xmlns:a14="http://schemas.microsoft.com/office/drawing/2010/main" val="0"/>
-              </a:ext>
-              <a:ext uri="{96DAC541-7B7A-43D3-8B79-37D633B846F1}">
-                <asvg:svgBlip xmlns:asvg="http://schemas.microsoft.com/office/drawing/2016/SVG/main" r:embed="rId6"/>
-              </a:ext>
-            </a:extLst>
-          </a:blip>
-          <a:stretch>
-            <a:fillRect/>
-          </a:stretch>
-        </a:blipFill>
-        <a:ln w="15875" cap="flat" cmpd="sng" algn="ctr">
-          <a:noFill/>
-          <a:prstDash val="solid"/>
-        </a:ln>
-        <a:effectLst/>
-      </dsp:spPr>
-      <dsp:style>
-        <a:lnRef idx="2">
-          <a:scrgbClr r="0" g="0" b="0"/>
-        </a:lnRef>
-        <a:fillRef idx="1">
-          <a:scrgbClr r="0" g="0" b="0"/>
-        </a:fillRef>
-        <a:effectRef idx="0">
-          <a:scrgbClr r="0" g="0" b="0"/>
-        </a:effectRef>
-        <a:fontRef idx="minor">
-          <a:schemeClr val="lt1"/>
-        </a:fontRef>
-      </dsp:style>
-    </dsp:sp>
-    <dsp:sp modelId="{F8ACF9BF-568B-4B59-BA35-B8F1C7C9A90C}">
-      <dsp:nvSpPr>
-        <dsp:cNvPr id="0" name=""/>
-        <dsp:cNvSpPr/>
-      </dsp:nvSpPr>
-      <dsp:spPr>
-        <a:xfrm>
-          <a:off x="4084640" y="1918704"/>
-          <a:ext cx="1736718" cy="694687"/>
-        </a:xfrm>
-        <a:prstGeom prst="rect">
-          <a:avLst/>
-        </a:prstGeom>
-        <a:noFill/>
-        <a:ln>
-          <a:noFill/>
-        </a:ln>
-        <a:effectLst/>
-      </dsp:spPr>
-      <dsp:style>
-        <a:lnRef idx="0">
-          <a:scrgbClr r="0" g="0" b="0"/>
-        </a:lnRef>
-        <a:fillRef idx="0">
-          <a:scrgbClr r="0" g="0" b="0"/>
-        </a:fillRef>
-        <a:effectRef idx="0">
-          <a:scrgbClr r="0" g="0" b="0"/>
-        </a:effectRef>
-        <a:fontRef idx="minor"/>
-      </dsp:style>
-      <dsp:txBody>
-        <a:bodyPr spcFirstLastPara="0" vert="horz" wrap="square" lIns="0" tIns="0" rIns="0" bIns="0" numCol="1" spcCol="1270" anchor="t" anchorCtr="0">
-          <a:noAutofit/>
-        </a:bodyPr>
-        <a:lstStyle/>
-        <a:p>
-          <a:pPr marL="0" lvl="0" indent="0" algn="ctr" defTabSz="800100">
-            <a:lnSpc>
-              <a:spcPct val="100000"/>
-            </a:lnSpc>
-            <a:spcBef>
-              <a:spcPct val="0"/>
-            </a:spcBef>
-            <a:spcAft>
-              <a:spcPct val="35000"/>
-            </a:spcAft>
-            <a:buNone/>
-            <a:defRPr cap="all"/>
-          </a:pPr>
-          <a:r>
-            <a:rPr lang="en-US" sz="1800" kern="1200"/>
-            <a:t>Load Balancing</a:t>
-          </a:r>
-        </a:p>
-      </dsp:txBody>
-      <dsp:txXfrm>
-        <a:off x="4084640" y="1918704"/>
-        <a:ext cx="1736718" cy="694687"/>
-      </dsp:txXfrm>
-    </dsp:sp>
-    <dsp:sp modelId="{2AB75645-5853-48AD-B737-219AB4C85948}">
-      <dsp:nvSpPr>
-        <dsp:cNvPr id="0" name=""/>
-        <dsp:cNvSpPr/>
-      </dsp:nvSpPr>
-      <dsp:spPr>
-        <a:xfrm>
-          <a:off x="6463945" y="529329"/>
-          <a:ext cx="1059398" cy="1059398"/>
-        </a:xfrm>
-        <a:prstGeom prst="ellipse">
-          <a:avLst/>
-        </a:prstGeom>
-        <a:solidFill>
-          <a:schemeClr val="accent5">
-            <a:hueOff val="0"/>
-            <a:satOff val="0"/>
-            <a:lumOff val="0"/>
-            <a:alphaOff val="0"/>
-          </a:schemeClr>
-        </a:solidFill>
-        <a:ln>
-          <a:noFill/>
-        </a:ln>
-        <a:effectLst/>
-      </dsp:spPr>
-      <dsp:style>
-        <a:lnRef idx="0">
-          <a:scrgbClr r="0" g="0" b="0"/>
-        </a:lnRef>
-        <a:fillRef idx="1">
-          <a:scrgbClr r="0" g="0" b="0"/>
-        </a:fillRef>
-        <a:effectRef idx="0">
-          <a:scrgbClr r="0" g="0" b="0"/>
-        </a:effectRef>
-        <a:fontRef idx="minor"/>
-      </dsp:style>
-    </dsp:sp>
-    <dsp:sp modelId="{12F11D3F-E0E6-4362-9E13-FF9497A95F06}">
-      <dsp:nvSpPr>
-        <dsp:cNvPr id="0" name=""/>
-        <dsp:cNvSpPr/>
-      </dsp:nvSpPr>
-      <dsp:spPr>
-        <a:xfrm>
-          <a:off x="6689718" y="755102"/>
-          <a:ext cx="607851" cy="607851"/>
-        </a:xfrm>
-        <a:prstGeom prst="rect">
-          <a:avLst/>
-        </a:prstGeom>
-        <a:blipFill>
-          <a:blip xmlns:r="http://schemas.openxmlformats.org/officeDocument/2006/relationships" r:embed="rId7">
-            <a:extLst>
-              <a:ext uri="{28A0092B-C50C-407E-A947-70E740481C1C}">
-                <a14:useLocalDpi xmlns:a14="http://schemas.microsoft.com/office/drawing/2010/main" val="0"/>
-              </a:ext>
-              <a:ext uri="{96DAC541-7B7A-43D3-8B79-37D633B846F1}">
-                <asvg:svgBlip xmlns:asvg="http://schemas.microsoft.com/office/drawing/2016/SVG/main" r:embed="rId8"/>
-              </a:ext>
-            </a:extLst>
-          </a:blip>
-          <a:stretch>
-            <a:fillRect/>
-          </a:stretch>
-        </a:blipFill>
-        <a:ln w="15875" cap="flat" cmpd="sng" algn="ctr">
-          <a:noFill/>
-          <a:prstDash val="solid"/>
-        </a:ln>
-        <a:effectLst/>
-      </dsp:spPr>
-      <dsp:style>
-        <a:lnRef idx="2">
-          <a:scrgbClr r="0" g="0" b="0"/>
-        </a:lnRef>
-        <a:fillRef idx="1">
-          <a:scrgbClr r="0" g="0" b="0"/>
-        </a:fillRef>
-        <a:effectRef idx="0">
-          <a:scrgbClr r="0" g="0" b="0"/>
-        </a:effectRef>
-        <a:fontRef idx="minor">
-          <a:schemeClr val="lt1"/>
-        </a:fontRef>
-      </dsp:style>
-    </dsp:sp>
-    <dsp:sp modelId="{22FBC249-3ADE-4172-BB7B-C0836612C26D}">
-      <dsp:nvSpPr>
-        <dsp:cNvPr id="0" name=""/>
-        <dsp:cNvSpPr/>
-      </dsp:nvSpPr>
-      <dsp:spPr>
-        <a:xfrm>
-          <a:off x="6125285" y="1918704"/>
-          <a:ext cx="1736718" cy="694687"/>
-        </a:xfrm>
-        <a:prstGeom prst="rect">
-          <a:avLst/>
-        </a:prstGeom>
-        <a:noFill/>
-        <a:ln>
-          <a:noFill/>
-        </a:ln>
-        <a:effectLst/>
-      </dsp:spPr>
-      <dsp:style>
-        <a:lnRef idx="0">
-          <a:scrgbClr r="0" g="0" b="0"/>
-        </a:lnRef>
-        <a:fillRef idx="0">
-          <a:scrgbClr r="0" g="0" b="0"/>
-        </a:fillRef>
-        <a:effectRef idx="0">
-          <a:scrgbClr r="0" g="0" b="0"/>
-        </a:effectRef>
-        <a:fontRef idx="minor"/>
-      </dsp:style>
-      <dsp:txBody>
-        <a:bodyPr spcFirstLastPara="0" vert="horz" wrap="square" lIns="0" tIns="0" rIns="0" bIns="0" numCol="1" spcCol="1270" anchor="t" anchorCtr="0">
-          <a:noAutofit/>
-        </a:bodyPr>
-        <a:lstStyle/>
-        <a:p>
-          <a:pPr marL="0" lvl="0" indent="0" algn="ctr" defTabSz="800100">
-            <a:lnSpc>
-              <a:spcPct val="100000"/>
-            </a:lnSpc>
-            <a:spcBef>
-              <a:spcPct val="0"/>
-            </a:spcBef>
-            <a:spcAft>
-              <a:spcPct val="35000"/>
-            </a:spcAft>
-            <a:buNone/>
-            <a:defRPr cap="all"/>
-          </a:pPr>
-          <a:r>
-            <a:rPr lang="en-US" sz="1800" kern="1200" dirty="0"/>
-            <a:t>Health-checking </a:t>
-          </a:r>
-        </a:p>
-      </dsp:txBody>
-      <dsp:txXfrm>
-        <a:off x="6125285" y="1918704"/>
-        <a:ext cx="1736718" cy="694687"/>
-      </dsp:txXfrm>
-    </dsp:sp>
-    <dsp:sp modelId="{422A9549-955E-4D24-9D37-CBCD8B525C95}">
-      <dsp:nvSpPr>
-        <dsp:cNvPr id="0" name=""/>
-        <dsp:cNvSpPr/>
-      </dsp:nvSpPr>
-      <dsp:spPr>
-        <a:xfrm>
-          <a:off x="8504589" y="529329"/>
-          <a:ext cx="1059398" cy="1059398"/>
-        </a:xfrm>
-        <a:prstGeom prst="ellipse">
-          <a:avLst/>
-        </a:prstGeom>
-        <a:solidFill>
-          <a:schemeClr val="accent6">
-            <a:hueOff val="0"/>
-            <a:satOff val="0"/>
-            <a:lumOff val="0"/>
-            <a:alphaOff val="0"/>
-          </a:schemeClr>
-        </a:solidFill>
-        <a:ln>
-          <a:noFill/>
-        </a:ln>
-        <a:effectLst/>
-      </dsp:spPr>
-      <dsp:style>
-        <a:lnRef idx="0">
-          <a:scrgbClr r="0" g="0" b="0"/>
-        </a:lnRef>
-        <a:fillRef idx="1">
-          <a:scrgbClr r="0" g="0" b="0"/>
-        </a:fillRef>
-        <a:effectRef idx="0">
-          <a:scrgbClr r="0" g="0" b="0"/>
-        </a:effectRef>
-        <a:fontRef idx="minor"/>
-      </dsp:style>
-    </dsp:sp>
-    <dsp:sp modelId="{74296712-CD70-4787-B706-8514E22B7895}">
-      <dsp:nvSpPr>
-        <dsp:cNvPr id="0" name=""/>
-        <dsp:cNvSpPr/>
-      </dsp:nvSpPr>
-      <dsp:spPr>
-        <a:xfrm>
-          <a:off x="8730363" y="755102"/>
-          <a:ext cx="607851" cy="607851"/>
-        </a:xfrm>
-        <a:prstGeom prst="rect">
-          <a:avLst/>
-        </a:prstGeom>
-        <a:blipFill>
-          <a:blip xmlns:r="http://schemas.openxmlformats.org/officeDocument/2006/relationships" r:embed="rId9">
-            <a:extLst>
-              <a:ext uri="{28A0092B-C50C-407E-A947-70E740481C1C}">
-                <a14:useLocalDpi xmlns:a14="http://schemas.microsoft.com/office/drawing/2010/main" val="0"/>
-              </a:ext>
-              <a:ext uri="{96DAC541-7B7A-43D3-8B79-37D633B846F1}">
-                <asvg:svgBlip xmlns:asvg="http://schemas.microsoft.com/office/drawing/2016/SVG/main" r:embed="rId10"/>
-              </a:ext>
-            </a:extLst>
-          </a:blip>
-          <a:stretch>
-            <a:fillRect/>
-          </a:stretch>
-        </a:blipFill>
-        <a:ln w="15875" cap="flat" cmpd="sng" algn="ctr">
-          <a:noFill/>
-          <a:prstDash val="solid"/>
-        </a:ln>
-        <a:effectLst/>
-      </dsp:spPr>
-      <dsp:style>
-        <a:lnRef idx="2">
-          <a:scrgbClr r="0" g="0" b="0"/>
-        </a:lnRef>
-        <a:fillRef idx="1">
-          <a:scrgbClr r="0" g="0" b="0"/>
-        </a:fillRef>
-        <a:effectRef idx="0">
-          <a:scrgbClr r="0" g="0" b="0"/>
-        </a:effectRef>
-        <a:fontRef idx="minor">
-          <a:schemeClr val="lt1"/>
-        </a:fontRef>
-      </dsp:style>
-    </dsp:sp>
-    <dsp:sp modelId="{C83B9F76-14F2-4FB4-AD8E-CE0C37A07D4E}">
-      <dsp:nvSpPr>
-        <dsp:cNvPr id="0" name=""/>
-        <dsp:cNvSpPr/>
-      </dsp:nvSpPr>
-      <dsp:spPr>
-        <a:xfrm>
-          <a:off x="8165929" y="1918704"/>
-          <a:ext cx="1736718" cy="694687"/>
-        </a:xfrm>
-        <a:prstGeom prst="rect">
-          <a:avLst/>
-        </a:prstGeom>
-        <a:noFill/>
-        <a:ln>
-          <a:noFill/>
-        </a:ln>
-        <a:effectLst/>
-      </dsp:spPr>
-      <dsp:style>
-        <a:lnRef idx="0">
-          <a:scrgbClr r="0" g="0" b="0"/>
-        </a:lnRef>
-        <a:fillRef idx="0">
-          <a:scrgbClr r="0" g="0" b="0"/>
-        </a:fillRef>
-        <a:effectRef idx="0">
-          <a:scrgbClr r="0" g="0" b="0"/>
-        </a:effectRef>
-        <a:fontRef idx="minor"/>
-      </dsp:style>
-      <dsp:txBody>
-        <a:bodyPr spcFirstLastPara="0" vert="horz" wrap="square" lIns="0" tIns="0" rIns="0" bIns="0" numCol="1" spcCol="1270" anchor="t" anchorCtr="0">
-          <a:noAutofit/>
-        </a:bodyPr>
-        <a:lstStyle/>
-        <a:p>
-          <a:pPr marL="0" lvl="0" indent="0" algn="ctr" defTabSz="800100">
-            <a:lnSpc>
-              <a:spcPct val="100000"/>
-            </a:lnSpc>
-            <a:spcBef>
-              <a:spcPct val="0"/>
-            </a:spcBef>
-            <a:spcAft>
-              <a:spcPct val="35000"/>
-            </a:spcAft>
-            <a:buNone/>
-            <a:defRPr cap="all"/>
-          </a:pPr>
-          <a:r>
-            <a:rPr lang="en-US" sz="1800" kern="1200"/>
-            <a:t>Graceful Shutdown</a:t>
-          </a:r>
-        </a:p>
-      </dsp:txBody>
-      <dsp:txXfrm>
-        <a:off x="8165929" y="1918704"/>
-        <a:ext cx="1736718" cy="694687"/>
-      </dsp:txXfrm>
-    </dsp:sp>
   </dsp:spTree>
 </dsp:drawing>
 </file>
@@ -7298,598 +5694,6 @@
       <dsp:cNvGrpSpPr/>
     </dsp:nvGrpSpPr>
     <dsp:grpSpPr/>
-    <dsp:sp modelId="{884A3CF4-070D-4BFD-B287-3E3786CE3A03}">
-      <dsp:nvSpPr>
-        <dsp:cNvPr id="0" name=""/>
-        <dsp:cNvSpPr/>
-      </dsp:nvSpPr>
-      <dsp:spPr>
-        <a:xfrm>
-          <a:off x="707776" y="390035"/>
-          <a:ext cx="1252520" cy="1252520"/>
-        </a:xfrm>
-        <a:prstGeom prst="ellipse">
-          <a:avLst/>
-        </a:prstGeom>
-        <a:solidFill>
-          <a:schemeClr val="accent2">
-            <a:hueOff val="0"/>
-            <a:satOff val="0"/>
-            <a:lumOff val="0"/>
-            <a:alphaOff val="0"/>
-          </a:schemeClr>
-        </a:solidFill>
-        <a:ln>
-          <a:noFill/>
-        </a:ln>
-        <a:effectLst/>
-      </dsp:spPr>
-      <dsp:style>
-        <a:lnRef idx="0">
-          <a:scrgbClr r="0" g="0" b="0"/>
-        </a:lnRef>
-        <a:fillRef idx="1">
-          <a:scrgbClr r="0" g="0" b="0"/>
-        </a:fillRef>
-        <a:effectRef idx="2">
-          <a:scrgbClr r="0" g="0" b="0"/>
-        </a:effectRef>
-        <a:fontRef idx="minor"/>
-      </dsp:style>
-    </dsp:sp>
-    <dsp:sp modelId="{C9CA56E4-1431-48C5-A451-E090C3E10C69}">
-      <dsp:nvSpPr>
-        <dsp:cNvPr id="0" name=""/>
-        <dsp:cNvSpPr/>
-      </dsp:nvSpPr>
-      <dsp:spPr>
-        <a:xfrm>
-          <a:off x="974707" y="656966"/>
-          <a:ext cx="718659" cy="718659"/>
-        </a:xfrm>
-        <a:prstGeom prst="rect">
-          <a:avLst/>
-        </a:prstGeom>
-        <a:blipFill>
-          <a:blip xmlns:r="http://schemas.openxmlformats.org/officeDocument/2006/relationships" r:embed="rId1">
-            <a:extLst>
-              <a:ext uri="{28A0092B-C50C-407E-A947-70E740481C1C}">
-                <a14:useLocalDpi xmlns:a14="http://schemas.microsoft.com/office/drawing/2010/main" val="0"/>
-              </a:ext>
-              <a:ext uri="{96DAC541-7B7A-43D3-8B79-37D633B846F1}">
-                <asvg:svgBlip xmlns:asvg="http://schemas.microsoft.com/office/drawing/2016/SVG/main" r:embed="rId2"/>
-              </a:ext>
-            </a:extLst>
-          </a:blip>
-          <a:stretch>
-            <a:fillRect/>
-          </a:stretch>
-        </a:blipFill>
-        <a:ln>
-          <a:noFill/>
-        </a:ln>
-        <a:effectLst/>
-      </dsp:spPr>
-      <dsp:style>
-        <a:lnRef idx="0">
-          <a:scrgbClr r="0" g="0" b="0"/>
-        </a:lnRef>
-        <a:fillRef idx="3">
-          <a:scrgbClr r="0" g="0" b="0"/>
-        </a:fillRef>
-        <a:effectRef idx="2">
-          <a:scrgbClr r="0" g="0" b="0"/>
-        </a:effectRef>
-        <a:fontRef idx="minor">
-          <a:schemeClr val="lt1"/>
-        </a:fontRef>
-      </dsp:style>
-    </dsp:sp>
-    <dsp:sp modelId="{B13751EF-ABBB-48B7-ADEA-6BBC53E02169}">
-      <dsp:nvSpPr>
-        <dsp:cNvPr id="0" name=""/>
-        <dsp:cNvSpPr/>
-      </dsp:nvSpPr>
-      <dsp:spPr>
-        <a:xfrm>
-          <a:off x="307380" y="2032685"/>
-          <a:ext cx="2053312" cy="720000"/>
-        </a:xfrm>
-        <a:prstGeom prst="rect">
-          <a:avLst/>
-        </a:prstGeom>
-        <a:noFill/>
-        <a:ln>
-          <a:noFill/>
-        </a:ln>
-        <a:effectLst/>
-      </dsp:spPr>
-      <dsp:style>
-        <a:lnRef idx="0">
-          <a:scrgbClr r="0" g="0" b="0"/>
-        </a:lnRef>
-        <a:fillRef idx="0">
-          <a:scrgbClr r="0" g="0" b="0"/>
-        </a:fillRef>
-        <a:effectRef idx="0">
-          <a:scrgbClr r="0" g="0" b="0"/>
-        </a:effectRef>
-        <a:fontRef idx="minor"/>
-      </dsp:style>
-      <dsp:txBody>
-        <a:bodyPr spcFirstLastPara="0" vert="horz" wrap="square" lIns="0" tIns="0" rIns="0" bIns="0" numCol="1" spcCol="1270" anchor="t" anchorCtr="0">
-          <a:noAutofit/>
-        </a:bodyPr>
-        <a:lstStyle/>
-        <a:p>
-          <a:pPr marL="0" lvl="0" indent="0" algn="ctr" defTabSz="1022350">
-            <a:lnSpc>
-              <a:spcPct val="90000"/>
-            </a:lnSpc>
-            <a:spcBef>
-              <a:spcPct val="0"/>
-            </a:spcBef>
-            <a:spcAft>
-              <a:spcPct val="35000"/>
-            </a:spcAft>
-            <a:buNone/>
-            <a:defRPr cap="all"/>
-          </a:pPr>
-          <a:r>
-            <a:rPr lang="en-US" sz="2300" kern="1200"/>
-            <a:t>Listen for file requests</a:t>
-          </a:r>
-        </a:p>
-      </dsp:txBody>
-      <dsp:txXfrm>
-        <a:off x="307380" y="2032685"/>
-        <a:ext cx="2053312" cy="720000"/>
-      </dsp:txXfrm>
-    </dsp:sp>
-    <dsp:sp modelId="{BDD52F23-FFBB-423D-81BE-D866E75FAE72}">
-      <dsp:nvSpPr>
-        <dsp:cNvPr id="0" name=""/>
-        <dsp:cNvSpPr/>
-      </dsp:nvSpPr>
-      <dsp:spPr>
-        <a:xfrm>
-          <a:off x="3120418" y="390035"/>
-          <a:ext cx="1252520" cy="1252520"/>
-        </a:xfrm>
-        <a:prstGeom prst="ellipse">
-          <a:avLst/>
-        </a:prstGeom>
-        <a:solidFill>
-          <a:schemeClr val="accent3">
-            <a:hueOff val="0"/>
-            <a:satOff val="0"/>
-            <a:lumOff val="0"/>
-            <a:alphaOff val="0"/>
-          </a:schemeClr>
-        </a:solidFill>
-        <a:ln>
-          <a:noFill/>
-        </a:ln>
-        <a:effectLst/>
-      </dsp:spPr>
-      <dsp:style>
-        <a:lnRef idx="0">
-          <a:scrgbClr r="0" g="0" b="0"/>
-        </a:lnRef>
-        <a:fillRef idx="1">
-          <a:scrgbClr r="0" g="0" b="0"/>
-        </a:fillRef>
-        <a:effectRef idx="2">
-          <a:scrgbClr r="0" g="0" b="0"/>
-        </a:effectRef>
-        <a:fontRef idx="minor"/>
-      </dsp:style>
-    </dsp:sp>
-    <dsp:sp modelId="{E25B7580-8B5F-4929-85E9-C3744B3A60F4}">
-      <dsp:nvSpPr>
-        <dsp:cNvPr id="0" name=""/>
-        <dsp:cNvSpPr/>
-      </dsp:nvSpPr>
-      <dsp:spPr>
-        <a:xfrm>
-          <a:off x="3387349" y="656966"/>
-          <a:ext cx="718659" cy="718659"/>
-        </a:xfrm>
-        <a:prstGeom prst="rect">
-          <a:avLst/>
-        </a:prstGeom>
-        <a:blipFill>
-          <a:blip xmlns:r="http://schemas.openxmlformats.org/officeDocument/2006/relationships" r:embed="rId3">
-            <a:extLst>
-              <a:ext uri="{28A0092B-C50C-407E-A947-70E740481C1C}">
-                <a14:useLocalDpi xmlns:a14="http://schemas.microsoft.com/office/drawing/2010/main" val="0"/>
-              </a:ext>
-              <a:ext uri="{96DAC541-7B7A-43D3-8B79-37D633B846F1}">
-                <asvg:svgBlip xmlns:asvg="http://schemas.microsoft.com/office/drawing/2016/SVG/main" r:embed="rId4"/>
-              </a:ext>
-            </a:extLst>
-          </a:blip>
-          <a:stretch>
-            <a:fillRect/>
-          </a:stretch>
-        </a:blipFill>
-        <a:ln>
-          <a:noFill/>
-        </a:ln>
-        <a:effectLst/>
-      </dsp:spPr>
-      <dsp:style>
-        <a:lnRef idx="0">
-          <a:scrgbClr r="0" g="0" b="0"/>
-        </a:lnRef>
-        <a:fillRef idx="3">
-          <a:scrgbClr r="0" g="0" b="0"/>
-        </a:fillRef>
-        <a:effectRef idx="2">
-          <a:scrgbClr r="0" g="0" b="0"/>
-        </a:effectRef>
-        <a:fontRef idx="minor">
-          <a:schemeClr val="lt1"/>
-        </a:fontRef>
-      </dsp:style>
-    </dsp:sp>
-    <dsp:sp modelId="{54C730D5-7CF2-43D6-A692-BFD617C06311}">
-      <dsp:nvSpPr>
-        <dsp:cNvPr id="0" name=""/>
-        <dsp:cNvSpPr/>
-      </dsp:nvSpPr>
-      <dsp:spPr>
-        <a:xfrm>
-          <a:off x="2720022" y="2032685"/>
-          <a:ext cx="2053312" cy="720000"/>
-        </a:xfrm>
-        <a:prstGeom prst="rect">
-          <a:avLst/>
-        </a:prstGeom>
-        <a:noFill/>
-        <a:ln>
-          <a:noFill/>
-        </a:ln>
-        <a:effectLst/>
-      </dsp:spPr>
-      <dsp:style>
-        <a:lnRef idx="0">
-          <a:scrgbClr r="0" g="0" b="0"/>
-        </a:lnRef>
-        <a:fillRef idx="0">
-          <a:scrgbClr r="0" g="0" b="0"/>
-        </a:fillRef>
-        <a:effectRef idx="0">
-          <a:scrgbClr r="0" g="0" b="0"/>
-        </a:effectRef>
-        <a:fontRef idx="minor"/>
-      </dsp:style>
-      <dsp:txBody>
-        <a:bodyPr spcFirstLastPara="0" vert="horz" wrap="square" lIns="0" tIns="0" rIns="0" bIns="0" numCol="1" spcCol="1270" anchor="t" anchorCtr="0">
-          <a:noAutofit/>
-        </a:bodyPr>
-        <a:lstStyle/>
-        <a:p>
-          <a:pPr marL="0" lvl="0" indent="0" algn="ctr" defTabSz="1022350">
-            <a:lnSpc>
-              <a:spcPct val="90000"/>
-            </a:lnSpc>
-            <a:spcBef>
-              <a:spcPct val="0"/>
-            </a:spcBef>
-            <a:spcAft>
-              <a:spcPct val="35000"/>
-            </a:spcAft>
-            <a:buNone/>
-            <a:defRPr cap="all"/>
-          </a:pPr>
-          <a:r>
-            <a:rPr lang="en-US" sz="2300" kern="1200"/>
-            <a:t>Serve requested files</a:t>
-          </a:r>
-        </a:p>
-      </dsp:txBody>
-      <dsp:txXfrm>
-        <a:off x="2720022" y="2032685"/>
-        <a:ext cx="2053312" cy="720000"/>
-      </dsp:txXfrm>
-    </dsp:sp>
-    <dsp:sp modelId="{A866E460-0EE7-40FD-B14F-591EDD482E97}">
-      <dsp:nvSpPr>
-        <dsp:cNvPr id="0" name=""/>
-        <dsp:cNvSpPr/>
-      </dsp:nvSpPr>
-      <dsp:spPr>
-        <a:xfrm>
-          <a:off x="5533060" y="390035"/>
-          <a:ext cx="1252520" cy="1252520"/>
-        </a:xfrm>
-        <a:prstGeom prst="ellipse">
-          <a:avLst/>
-        </a:prstGeom>
-        <a:solidFill>
-          <a:schemeClr val="accent4">
-            <a:hueOff val="0"/>
-            <a:satOff val="0"/>
-            <a:lumOff val="0"/>
-            <a:alphaOff val="0"/>
-          </a:schemeClr>
-        </a:solidFill>
-        <a:ln>
-          <a:noFill/>
-        </a:ln>
-        <a:effectLst/>
-      </dsp:spPr>
-      <dsp:style>
-        <a:lnRef idx="0">
-          <a:scrgbClr r="0" g="0" b="0"/>
-        </a:lnRef>
-        <a:fillRef idx="1">
-          <a:scrgbClr r="0" g="0" b="0"/>
-        </a:fillRef>
-        <a:effectRef idx="2">
-          <a:scrgbClr r="0" g="0" b="0"/>
-        </a:effectRef>
-        <a:fontRef idx="minor"/>
-      </dsp:style>
-    </dsp:sp>
-    <dsp:sp modelId="{EE55CF07-109D-4973-8E32-34B2FC678A85}">
-      <dsp:nvSpPr>
-        <dsp:cNvPr id="0" name=""/>
-        <dsp:cNvSpPr/>
-      </dsp:nvSpPr>
-      <dsp:spPr>
-        <a:xfrm>
-          <a:off x="5799991" y="656966"/>
-          <a:ext cx="718659" cy="718659"/>
-        </a:xfrm>
-        <a:prstGeom prst="rect">
-          <a:avLst/>
-        </a:prstGeom>
-        <a:blipFill>
-          <a:blip xmlns:r="http://schemas.openxmlformats.org/officeDocument/2006/relationships" r:embed="rId5">
-            <a:extLst>
-              <a:ext uri="{28A0092B-C50C-407E-A947-70E740481C1C}">
-                <a14:useLocalDpi xmlns:a14="http://schemas.microsoft.com/office/drawing/2010/main" val="0"/>
-              </a:ext>
-              <a:ext uri="{96DAC541-7B7A-43D3-8B79-37D633B846F1}">
-                <asvg:svgBlip xmlns:asvg="http://schemas.microsoft.com/office/drawing/2016/SVG/main" r:embed="rId6"/>
-              </a:ext>
-            </a:extLst>
-          </a:blip>
-          <a:stretch>
-            <a:fillRect/>
-          </a:stretch>
-        </a:blipFill>
-        <a:ln>
-          <a:noFill/>
-        </a:ln>
-        <a:effectLst/>
-      </dsp:spPr>
-      <dsp:style>
-        <a:lnRef idx="0">
-          <a:scrgbClr r="0" g="0" b="0"/>
-        </a:lnRef>
-        <a:fillRef idx="3">
-          <a:scrgbClr r="0" g="0" b="0"/>
-        </a:fillRef>
-        <a:effectRef idx="2">
-          <a:scrgbClr r="0" g="0" b="0"/>
-        </a:effectRef>
-        <a:fontRef idx="minor">
-          <a:schemeClr val="lt1"/>
-        </a:fontRef>
-      </dsp:style>
-    </dsp:sp>
-    <dsp:sp modelId="{A3E5717D-AC38-48C6-8858-5FA1069603E4}">
-      <dsp:nvSpPr>
-        <dsp:cNvPr id="0" name=""/>
-        <dsp:cNvSpPr/>
-      </dsp:nvSpPr>
-      <dsp:spPr>
-        <a:xfrm>
-          <a:off x="5132664" y="2032685"/>
-          <a:ext cx="2053312" cy="720000"/>
-        </a:xfrm>
-        <a:prstGeom prst="rect">
-          <a:avLst/>
-        </a:prstGeom>
-        <a:noFill/>
-        <a:ln>
-          <a:noFill/>
-        </a:ln>
-        <a:effectLst/>
-      </dsp:spPr>
-      <dsp:style>
-        <a:lnRef idx="0">
-          <a:scrgbClr r="0" g="0" b="0"/>
-        </a:lnRef>
-        <a:fillRef idx="0">
-          <a:scrgbClr r="0" g="0" b="0"/>
-        </a:fillRef>
-        <a:effectRef idx="0">
-          <a:scrgbClr r="0" g="0" b="0"/>
-        </a:effectRef>
-        <a:fontRef idx="minor"/>
-      </dsp:style>
-      <dsp:txBody>
-        <a:bodyPr spcFirstLastPara="0" vert="horz" wrap="square" lIns="0" tIns="0" rIns="0" bIns="0" numCol="1" spcCol="1270" anchor="t" anchorCtr="0">
-          <a:noAutofit/>
-        </a:bodyPr>
-        <a:lstStyle/>
-        <a:p>
-          <a:pPr marL="0" lvl="0" indent="0" algn="ctr" defTabSz="1022350">
-            <a:lnSpc>
-              <a:spcPct val="90000"/>
-            </a:lnSpc>
-            <a:spcBef>
-              <a:spcPct val="0"/>
-            </a:spcBef>
-            <a:spcAft>
-              <a:spcPct val="35000"/>
-            </a:spcAft>
-            <a:buNone/>
-            <a:defRPr cap="all"/>
-          </a:pPr>
-          <a:r>
-            <a:rPr lang="en-US" sz="2300" kern="1200"/>
-            <a:t>Caching</a:t>
-          </a:r>
-        </a:p>
-      </dsp:txBody>
-      <dsp:txXfrm>
-        <a:off x="5132664" y="2032685"/>
-        <a:ext cx="2053312" cy="720000"/>
-      </dsp:txXfrm>
-    </dsp:sp>
-    <dsp:sp modelId="{518C068B-B5AF-4620-90C4-2C29CB18B227}">
-      <dsp:nvSpPr>
-        <dsp:cNvPr id="0" name=""/>
-        <dsp:cNvSpPr/>
-      </dsp:nvSpPr>
-      <dsp:spPr>
-        <a:xfrm>
-          <a:off x="7945702" y="390035"/>
-          <a:ext cx="1252520" cy="1252520"/>
-        </a:xfrm>
-        <a:prstGeom prst="ellipse">
-          <a:avLst/>
-        </a:prstGeom>
-        <a:solidFill>
-          <a:schemeClr val="accent5">
-            <a:hueOff val="0"/>
-            <a:satOff val="0"/>
-            <a:lumOff val="0"/>
-            <a:alphaOff val="0"/>
-          </a:schemeClr>
-        </a:solidFill>
-        <a:ln>
-          <a:noFill/>
-        </a:ln>
-        <a:effectLst/>
-      </dsp:spPr>
-      <dsp:style>
-        <a:lnRef idx="0">
-          <a:scrgbClr r="0" g="0" b="0"/>
-        </a:lnRef>
-        <a:fillRef idx="1">
-          <a:scrgbClr r="0" g="0" b="0"/>
-        </a:fillRef>
-        <a:effectRef idx="2">
-          <a:scrgbClr r="0" g="0" b="0"/>
-        </a:effectRef>
-        <a:fontRef idx="minor"/>
-      </dsp:style>
-    </dsp:sp>
-    <dsp:sp modelId="{2E9A0E0F-6C84-4770-A590-D29104EB06F4}">
-      <dsp:nvSpPr>
-        <dsp:cNvPr id="0" name=""/>
-        <dsp:cNvSpPr/>
-      </dsp:nvSpPr>
-      <dsp:spPr>
-        <a:xfrm>
-          <a:off x="8212633" y="656966"/>
-          <a:ext cx="718659" cy="718659"/>
-        </a:xfrm>
-        <a:prstGeom prst="rect">
-          <a:avLst/>
-        </a:prstGeom>
-        <a:blipFill>
-          <a:blip xmlns:r="http://schemas.openxmlformats.org/officeDocument/2006/relationships" r:embed="rId7">
-            <a:extLst>
-              <a:ext uri="{28A0092B-C50C-407E-A947-70E740481C1C}">
-                <a14:useLocalDpi xmlns:a14="http://schemas.microsoft.com/office/drawing/2010/main" val="0"/>
-              </a:ext>
-              <a:ext uri="{96DAC541-7B7A-43D3-8B79-37D633B846F1}">
-                <asvg:svgBlip xmlns:asvg="http://schemas.microsoft.com/office/drawing/2016/SVG/main" r:embed="rId8"/>
-              </a:ext>
-            </a:extLst>
-          </a:blip>
-          <a:stretch>
-            <a:fillRect/>
-          </a:stretch>
-        </a:blipFill>
-        <a:ln>
-          <a:noFill/>
-        </a:ln>
-        <a:effectLst/>
-      </dsp:spPr>
-      <dsp:style>
-        <a:lnRef idx="0">
-          <a:scrgbClr r="0" g="0" b="0"/>
-        </a:lnRef>
-        <a:fillRef idx="3">
-          <a:scrgbClr r="0" g="0" b="0"/>
-        </a:fillRef>
-        <a:effectRef idx="2">
-          <a:scrgbClr r="0" g="0" b="0"/>
-        </a:effectRef>
-        <a:fontRef idx="minor">
-          <a:schemeClr val="lt1"/>
-        </a:fontRef>
-      </dsp:style>
-    </dsp:sp>
-    <dsp:sp modelId="{B51999FB-5910-4277-A373-55DE07F5B6DF}">
-      <dsp:nvSpPr>
-        <dsp:cNvPr id="0" name=""/>
-        <dsp:cNvSpPr/>
-      </dsp:nvSpPr>
-      <dsp:spPr>
-        <a:xfrm>
-          <a:off x="7545307" y="2032685"/>
-          <a:ext cx="2053312" cy="720000"/>
-        </a:xfrm>
-        <a:prstGeom prst="rect">
-          <a:avLst/>
-        </a:prstGeom>
-        <a:noFill/>
-        <a:ln>
-          <a:noFill/>
-        </a:ln>
-        <a:effectLst/>
-      </dsp:spPr>
-      <dsp:style>
-        <a:lnRef idx="0">
-          <a:scrgbClr r="0" g="0" b="0"/>
-        </a:lnRef>
-        <a:fillRef idx="0">
-          <a:scrgbClr r="0" g="0" b="0"/>
-        </a:fillRef>
-        <a:effectRef idx="0">
-          <a:scrgbClr r="0" g="0" b="0"/>
-        </a:effectRef>
-        <a:fontRef idx="minor"/>
-      </dsp:style>
-      <dsp:txBody>
-        <a:bodyPr spcFirstLastPara="0" vert="horz" wrap="square" lIns="0" tIns="0" rIns="0" bIns="0" numCol="1" spcCol="1270" anchor="t" anchorCtr="0">
-          <a:noAutofit/>
-        </a:bodyPr>
-        <a:lstStyle/>
-        <a:p>
-          <a:pPr marL="0" lvl="0" indent="0" algn="ctr" defTabSz="1022350">
-            <a:lnSpc>
-              <a:spcPct val="90000"/>
-            </a:lnSpc>
-            <a:spcBef>
-              <a:spcPct val="0"/>
-            </a:spcBef>
-            <a:spcAft>
-              <a:spcPct val="35000"/>
-            </a:spcAft>
-            <a:buNone/>
-            <a:defRPr cap="all"/>
-          </a:pPr>
-          <a:r>
-            <a:rPr lang="en-US" sz="2300" kern="1200"/>
-            <a:t>Respond to health-checks</a:t>
-          </a:r>
-        </a:p>
-      </dsp:txBody>
-      <dsp:txXfrm>
-        <a:off x="7545307" y="2032685"/>
-        <a:ext cx="2053312" cy="720000"/>
-      </dsp:txXfrm>
-    </dsp:sp>
   </dsp:spTree>
 </dsp:drawing>
 </file>
@@ -8096,7 +5900,7 @@
   </dgm:layoutNode>
   <dgm:extLst>
     <a:ext uri="{68A01E43-0DF5-4B5B-8FA6-DAF915123BFB}">
-      <dgm1612:lstStyle xmlns:dgm1612="http://schemas.microsoft.com/office/drawing/2016/12/diagram">
+      <dgm1612:lstStyle xmlns:dgm1612="http://schemas.microsoft.com/office/drawing/2016/12/diagram" xmlns="">
         <a:lvl1pPr>
           <a:lnSpc>
             <a:spcPct val="100000"/>
@@ -9457,7 +7261,7 @@
   </dgm:layoutNode>
   <dgm:extLst>
     <a:ext uri="{68A01E43-0DF5-4B5B-8FA6-DAF915123BFB}">
-      <dgm1612:lstStyle xmlns:dgm1612="http://schemas.microsoft.com/office/drawing/2016/12/diagram">
+      <dgm1612:lstStyle xmlns:dgm1612="http://schemas.microsoft.com/office/drawing/2016/12/diagram" xmlns="">
         <a:lvl1pPr>
           <a:lnSpc>
             <a:spcPct val="100000"/>
@@ -9672,7 +7476,7 @@
   </dgm:layoutNode>
   <dgm:extLst>
     <a:ext uri="{68A01E43-0DF5-4B5B-8FA6-DAF915123BFB}">
-      <dgm1612:lstStyle xmlns:dgm1612="http://schemas.microsoft.com/office/drawing/2016/12/diagram">
+      <dgm1612:lstStyle xmlns:dgm1612="http://schemas.microsoft.com/office/drawing/2016/12/diagram" xmlns="">
         <a:lvl1pPr>
           <a:lnSpc>
             <a:spcPct val="100000"/>
@@ -13903,7 +11707,7 @@
           <a:p>
             <a:fld id="{280B9499-7287-2C45-8BAD-F4399990666D}" type="datetimeFigureOut">
               <a:rPr lang="en-US" smtClean="0"/>
-              <a:t>12/8/18</a:t>
+              <a:t>12/9/2018</a:t>
             </a:fld>
             <a:endParaRPr lang="en-US"/>
           </a:p>
@@ -14304,7 +12108,7 @@
           <a:noFill/>
           <a:extLst>
             <a:ext uri="{909E8E84-426E-40dd-AFC4-6F175D3DCCD1}">
-              <a14:hiddenFill xmlns:a14="http://schemas.microsoft.com/office/drawing/2010/main" xmlns="">
+              <a14:hiddenFill xmlns="" xmlns:a14="http://schemas.microsoft.com/office/drawing/2010/main">
                 <a:solidFill>
                   <a:srgbClr val="FFFFFF"/>
                 </a:solidFill>
@@ -14364,7 +12168,7 @@
             </a:ln>
             <a:extLst>
               <a:ext uri="{91240B29-F687-4f45-9708-019B960494DF}">
-                <a14:hiddenLine xmlns:a14="http://schemas.microsoft.com/office/drawing/2010/main" xmlns="" w="9525">
+                <a14:hiddenLine xmlns="" xmlns:a14="http://schemas.microsoft.com/office/drawing/2010/main" w="9525">
                   <a:solidFill>
                     <a:srgbClr val="000000"/>
                   </a:solidFill>
@@ -14454,7 +12258,7 @@
             </a:ln>
             <a:extLst>
               <a:ext uri="{91240B29-F687-4f45-9708-019B960494DF}">
-                <a14:hiddenLine xmlns:a14="http://schemas.microsoft.com/office/drawing/2010/main" xmlns="" w="9525">
+                <a14:hiddenLine xmlns="" xmlns:a14="http://schemas.microsoft.com/office/drawing/2010/main" w="9525">
                   <a:solidFill>
                     <a:srgbClr val="000000"/>
                   </a:solidFill>
@@ -14544,7 +12348,7 @@
             </a:ln>
             <a:extLst>
               <a:ext uri="{91240B29-F687-4f45-9708-019B960494DF}">
-                <a14:hiddenLine xmlns:a14="http://schemas.microsoft.com/office/drawing/2010/main" xmlns="" w="9525">
+                <a14:hiddenLine xmlns="" xmlns:a14="http://schemas.microsoft.com/office/drawing/2010/main" w="9525">
                   <a:solidFill>
                     <a:srgbClr val="000000"/>
                   </a:solidFill>
@@ -14578,7 +12382,7 @@
             </a:ln>
             <a:extLst>
               <a:ext uri="{91240B29-F687-4f45-9708-019B960494DF}">
-                <a14:hiddenLine xmlns:a14="http://schemas.microsoft.com/office/drawing/2010/main" xmlns="" w="9525">
+                <a14:hiddenLine xmlns="" xmlns:a14="http://schemas.microsoft.com/office/drawing/2010/main" w="9525">
                   <a:solidFill>
                     <a:srgbClr val="000000"/>
                   </a:solidFill>
@@ -14668,7 +12472,7 @@
             </a:ln>
             <a:extLst>
               <a:ext uri="{91240B29-F687-4f45-9708-019B960494DF}">
-                <a14:hiddenLine xmlns:a14="http://schemas.microsoft.com/office/drawing/2010/main" xmlns="" w="9525">
+                <a14:hiddenLine xmlns="" xmlns:a14="http://schemas.microsoft.com/office/drawing/2010/main" w="9525">
                   <a:solidFill>
                     <a:srgbClr val="000000"/>
                   </a:solidFill>
@@ -14730,7 +12534,7 @@
             </a:ln>
             <a:extLst>
               <a:ext uri="{91240B29-F687-4f45-9708-019B960494DF}">
-                <a14:hiddenLine xmlns:a14="http://schemas.microsoft.com/office/drawing/2010/main" xmlns="" w="9525">
+                <a14:hiddenLine xmlns="" xmlns:a14="http://schemas.microsoft.com/office/drawing/2010/main" w="9525">
                   <a:solidFill>
                     <a:srgbClr val="000000"/>
                   </a:solidFill>
@@ -14792,7 +12596,7 @@
             </a:ln>
             <a:extLst>
               <a:ext uri="{91240B29-F687-4f45-9708-019B960494DF}">
-                <a14:hiddenLine xmlns:a14="http://schemas.microsoft.com/office/drawing/2010/main" xmlns="" w="9525">
+                <a14:hiddenLine xmlns="" xmlns:a14="http://schemas.microsoft.com/office/drawing/2010/main" w="9525">
                   <a:solidFill>
                     <a:srgbClr val="000000"/>
                   </a:solidFill>
@@ -14882,7 +12686,7 @@
             </a:ln>
             <a:extLst>
               <a:ext uri="{91240B29-F687-4f45-9708-019B960494DF}">
-                <a14:hiddenLine xmlns:a14="http://schemas.microsoft.com/office/drawing/2010/main" xmlns="" w="9525">
+                <a14:hiddenLine xmlns="" xmlns:a14="http://schemas.microsoft.com/office/drawing/2010/main" w="9525">
                   <a:solidFill>
                     <a:srgbClr val="000000"/>
                   </a:solidFill>
@@ -14944,7 +12748,7 @@
             </a:ln>
             <a:extLst>
               <a:ext uri="{91240B29-F687-4f45-9708-019B960494DF}">
-                <a14:hiddenLine xmlns:a14="http://schemas.microsoft.com/office/drawing/2010/main" xmlns="" w="9525">
+                <a14:hiddenLine xmlns="" xmlns:a14="http://schemas.microsoft.com/office/drawing/2010/main" w="9525">
                   <a:solidFill>
                     <a:srgbClr val="000000"/>
                   </a:solidFill>
@@ -15006,7 +12810,7 @@
             </a:ln>
             <a:extLst>
               <a:ext uri="{91240B29-F687-4f45-9708-019B960494DF}">
-                <a14:hiddenLine xmlns:a14="http://schemas.microsoft.com/office/drawing/2010/main" xmlns="" w="9525">
+                <a14:hiddenLine xmlns="" xmlns:a14="http://schemas.microsoft.com/office/drawing/2010/main" w="9525">
                   <a:solidFill>
                     <a:srgbClr val="000000"/>
                   </a:solidFill>
@@ -15096,7 +12900,7 @@
             </a:ln>
             <a:extLst>
               <a:ext uri="{91240B29-F687-4f45-9708-019B960494DF}">
-                <a14:hiddenLine xmlns:a14="http://schemas.microsoft.com/office/drawing/2010/main" xmlns="" w="9525">
+                <a14:hiddenLine xmlns="" xmlns:a14="http://schemas.microsoft.com/office/drawing/2010/main" w="9525">
                   <a:solidFill>
                     <a:srgbClr val="000000"/>
                   </a:solidFill>
@@ -15186,7 +12990,7 @@
             </a:ln>
             <a:extLst>
               <a:ext uri="{91240B29-F687-4f45-9708-019B960494DF}">
-                <a14:hiddenLine xmlns:a14="http://schemas.microsoft.com/office/drawing/2010/main" xmlns="" w="9525">
+                <a14:hiddenLine xmlns="" xmlns:a14="http://schemas.microsoft.com/office/drawing/2010/main" w="9525">
                   <a:solidFill>
                     <a:srgbClr val="000000"/>
                   </a:solidFill>
@@ -15248,7 +13052,7 @@
             </a:ln>
             <a:extLst>
               <a:ext uri="{91240B29-F687-4f45-9708-019B960494DF}">
-                <a14:hiddenLine xmlns:a14="http://schemas.microsoft.com/office/drawing/2010/main" xmlns="" w="9525">
+                <a14:hiddenLine xmlns="" xmlns:a14="http://schemas.microsoft.com/office/drawing/2010/main" w="9525">
                   <a:solidFill>
                     <a:srgbClr val="000000"/>
                   </a:solidFill>
@@ -15358,7 +13162,7 @@
             </a:ln>
             <a:extLst>
               <a:ext uri="{91240B29-F687-4f45-9708-019B960494DF}">
-                <a14:hiddenLine xmlns:a14="http://schemas.microsoft.com/office/drawing/2010/main" xmlns="" w="9525">
+                <a14:hiddenLine xmlns="" xmlns:a14="http://schemas.microsoft.com/office/drawing/2010/main" w="9525">
                   <a:solidFill>
                     <a:srgbClr val="000000"/>
                   </a:solidFill>
@@ -15420,7 +13224,7 @@
             </a:ln>
             <a:extLst>
               <a:ext uri="{91240B29-F687-4f45-9708-019B960494DF}">
-                <a14:hiddenLine xmlns:a14="http://schemas.microsoft.com/office/drawing/2010/main" xmlns="" w="9525">
+                <a14:hiddenLine xmlns="" xmlns:a14="http://schemas.microsoft.com/office/drawing/2010/main" w="9525">
                   <a:solidFill>
                     <a:srgbClr val="000000"/>
                   </a:solidFill>
@@ -15510,7 +13314,7 @@
             </a:ln>
             <a:extLst>
               <a:ext uri="{91240B29-F687-4f45-9708-019B960494DF}">
-                <a14:hiddenLine xmlns:a14="http://schemas.microsoft.com/office/drawing/2010/main" xmlns="" w="9525">
+                <a14:hiddenLine xmlns="" xmlns:a14="http://schemas.microsoft.com/office/drawing/2010/main" w="9525">
                   <a:solidFill>
                     <a:srgbClr val="000000"/>
                   </a:solidFill>
@@ -15600,7 +13404,7 @@
             </a:ln>
             <a:extLst>
               <a:ext uri="{91240B29-F687-4f45-9708-019B960494DF}">
-                <a14:hiddenLine xmlns:a14="http://schemas.microsoft.com/office/drawing/2010/main" xmlns="" w="9525">
+                <a14:hiddenLine xmlns="" xmlns:a14="http://schemas.microsoft.com/office/drawing/2010/main" w="9525">
                   <a:solidFill>
                     <a:srgbClr val="000000"/>
                   </a:solidFill>
@@ -15662,7 +13466,7 @@
             </a:ln>
             <a:extLst>
               <a:ext uri="{91240B29-F687-4f45-9708-019B960494DF}">
-                <a14:hiddenLine xmlns:a14="http://schemas.microsoft.com/office/drawing/2010/main" xmlns="" w="9525">
+                <a14:hiddenLine xmlns="" xmlns:a14="http://schemas.microsoft.com/office/drawing/2010/main" w="9525">
                   <a:solidFill>
                     <a:srgbClr val="000000"/>
                   </a:solidFill>
@@ -15752,7 +13556,7 @@
             </a:ln>
             <a:extLst>
               <a:ext uri="{91240B29-F687-4f45-9708-019B960494DF}">
-                <a14:hiddenLine xmlns:a14="http://schemas.microsoft.com/office/drawing/2010/main" xmlns="" w="9525">
+                <a14:hiddenLine xmlns="" xmlns:a14="http://schemas.microsoft.com/office/drawing/2010/main" w="9525">
                   <a:solidFill>
                     <a:srgbClr val="000000"/>
                   </a:solidFill>
@@ -15842,7 +13646,7 @@
             </a:ln>
             <a:extLst>
               <a:ext uri="{91240B29-F687-4f45-9708-019B960494DF}">
-                <a14:hiddenLine xmlns:a14="http://schemas.microsoft.com/office/drawing/2010/main" xmlns="" w="9525">
+                <a14:hiddenLine xmlns="" xmlns:a14="http://schemas.microsoft.com/office/drawing/2010/main" w="9525">
                   <a:solidFill>
                     <a:srgbClr val="000000"/>
                   </a:solidFill>
@@ -15898,7 +13702,7 @@
             </a:ln>
             <a:extLst>
               <a:ext uri="{91240B29-F687-4f45-9708-019B960494DF}">
-                <a14:hiddenLine xmlns:a14="http://schemas.microsoft.com/office/drawing/2010/main" xmlns="" w="9525">
+                <a14:hiddenLine xmlns="" xmlns:a14="http://schemas.microsoft.com/office/drawing/2010/main" w="9525">
                   <a:solidFill>
                     <a:srgbClr val="000000"/>
                   </a:solidFill>
@@ -15988,7 +13792,7 @@
             </a:ln>
             <a:extLst>
               <a:ext uri="{91240B29-F687-4f45-9708-019B960494DF}">
-                <a14:hiddenLine xmlns:a14="http://schemas.microsoft.com/office/drawing/2010/main" xmlns="" w="9525">
+                <a14:hiddenLine xmlns="" xmlns:a14="http://schemas.microsoft.com/office/drawing/2010/main" w="9525">
                   <a:solidFill>
                     <a:srgbClr val="000000"/>
                   </a:solidFill>
@@ -16044,7 +13848,7 @@
             </a:ln>
             <a:extLst>
               <a:ext uri="{91240B29-F687-4f45-9708-019B960494DF}">
-                <a14:hiddenLine xmlns:a14="http://schemas.microsoft.com/office/drawing/2010/main" xmlns="" w="9525">
+                <a14:hiddenLine xmlns="" xmlns:a14="http://schemas.microsoft.com/office/drawing/2010/main" w="9525">
                   <a:solidFill>
                     <a:srgbClr val="000000"/>
                   </a:solidFill>
@@ -16134,7 +13938,7 @@
             </a:ln>
             <a:extLst>
               <a:ext uri="{91240B29-F687-4f45-9708-019B960494DF}">
-                <a14:hiddenLine xmlns:a14="http://schemas.microsoft.com/office/drawing/2010/main" xmlns="" w="9525">
+                <a14:hiddenLine xmlns="" xmlns:a14="http://schemas.microsoft.com/office/drawing/2010/main" w="9525">
                   <a:solidFill>
                     <a:srgbClr val="000000"/>
                   </a:solidFill>
@@ -16202,7 +14006,7 @@
             </a:ln>
             <a:extLst>
               <a:ext uri="{91240B29-F687-4f45-9708-019B960494DF}">
-                <a14:hiddenLine xmlns:a14="http://schemas.microsoft.com/office/drawing/2010/main" xmlns="" w="9525">
+                <a14:hiddenLine xmlns="" xmlns:a14="http://schemas.microsoft.com/office/drawing/2010/main" w="9525">
                   <a:solidFill>
                     <a:srgbClr val="000000"/>
                   </a:solidFill>
@@ -16292,7 +14096,7 @@
             </a:ln>
             <a:extLst>
               <a:ext uri="{91240B29-F687-4f45-9708-019B960494DF}">
-                <a14:hiddenLine xmlns:a14="http://schemas.microsoft.com/office/drawing/2010/main" xmlns="" w="9525">
+                <a14:hiddenLine xmlns="" xmlns:a14="http://schemas.microsoft.com/office/drawing/2010/main" w="9525">
                   <a:solidFill>
                     <a:srgbClr val="000000"/>
                   </a:solidFill>
@@ -16360,7 +14164,7 @@
             </a:ln>
             <a:extLst>
               <a:ext uri="{91240B29-F687-4f45-9708-019B960494DF}">
-                <a14:hiddenLine xmlns:a14="http://schemas.microsoft.com/office/drawing/2010/main" xmlns="" w="9525">
+                <a14:hiddenLine xmlns="" xmlns:a14="http://schemas.microsoft.com/office/drawing/2010/main" w="9525">
                   <a:solidFill>
                     <a:srgbClr val="000000"/>
                   </a:solidFill>
@@ -16450,7 +14254,7 @@
             </a:ln>
             <a:extLst>
               <a:ext uri="{91240B29-F687-4f45-9708-019B960494DF}">
-                <a14:hiddenLine xmlns:a14="http://schemas.microsoft.com/office/drawing/2010/main" xmlns="" w="9525">
+                <a14:hiddenLine xmlns="" xmlns:a14="http://schemas.microsoft.com/office/drawing/2010/main" w="9525">
                   <a:solidFill>
                     <a:srgbClr val="000000"/>
                   </a:solidFill>
@@ -16484,7 +14288,7 @@
             </a:ln>
             <a:extLst>
               <a:ext uri="{91240B29-F687-4f45-9708-019B960494DF}">
-                <a14:hiddenLine xmlns:a14="http://schemas.microsoft.com/office/drawing/2010/main" xmlns="" w="9525">
+                <a14:hiddenLine xmlns="" xmlns:a14="http://schemas.microsoft.com/office/drawing/2010/main" w="9525">
                   <a:solidFill>
                     <a:srgbClr val="000000"/>
                   </a:solidFill>
@@ -16574,7 +14378,7 @@
             </a:ln>
             <a:extLst>
               <a:ext uri="{91240B29-F687-4f45-9708-019B960494DF}">
-                <a14:hiddenLine xmlns:a14="http://schemas.microsoft.com/office/drawing/2010/main" xmlns="" w="9525">
+                <a14:hiddenLine xmlns="" xmlns:a14="http://schemas.microsoft.com/office/drawing/2010/main" w="9525">
                   <a:solidFill>
                     <a:srgbClr val="000000"/>
                   </a:solidFill>
@@ -16636,7 +14440,7 @@
             </a:ln>
             <a:extLst>
               <a:ext uri="{91240B29-F687-4f45-9708-019B960494DF}">
-                <a14:hiddenLine xmlns:a14="http://schemas.microsoft.com/office/drawing/2010/main" xmlns="" w="9525">
+                <a14:hiddenLine xmlns="" xmlns:a14="http://schemas.microsoft.com/office/drawing/2010/main" w="9525">
                   <a:solidFill>
                     <a:srgbClr val="000000"/>
                   </a:solidFill>
@@ -16698,7 +14502,7 @@
             </a:ln>
             <a:extLst>
               <a:ext uri="{91240B29-F687-4f45-9708-019B960494DF}">
-                <a14:hiddenLine xmlns:a14="http://schemas.microsoft.com/office/drawing/2010/main" xmlns="" w="9525">
+                <a14:hiddenLine xmlns="" xmlns:a14="http://schemas.microsoft.com/office/drawing/2010/main" w="9525">
                   <a:solidFill>
                     <a:srgbClr val="000000"/>
                   </a:solidFill>
@@ -16788,7 +14592,7 @@
             </a:ln>
             <a:extLst>
               <a:ext uri="{91240B29-F687-4f45-9708-019B960494DF}">
-                <a14:hiddenLine xmlns:a14="http://schemas.microsoft.com/office/drawing/2010/main" xmlns="" w="9525">
+                <a14:hiddenLine xmlns="" xmlns:a14="http://schemas.microsoft.com/office/drawing/2010/main" w="9525">
                   <a:solidFill>
                     <a:srgbClr val="000000"/>
                   </a:solidFill>
@@ -16856,7 +14660,7 @@
             </a:ln>
             <a:extLst>
               <a:ext uri="{91240B29-F687-4f45-9708-019B960494DF}">
-                <a14:hiddenLine xmlns:a14="http://schemas.microsoft.com/office/drawing/2010/main" xmlns="" w="9525">
+                <a14:hiddenLine xmlns="" xmlns:a14="http://schemas.microsoft.com/office/drawing/2010/main" w="9525">
                   <a:solidFill>
                     <a:srgbClr val="000000"/>
                   </a:solidFill>
@@ -16918,7 +14722,7 @@
             </a:ln>
             <a:extLst>
               <a:ext uri="{91240B29-F687-4f45-9708-019B960494DF}">
-                <a14:hiddenLine xmlns:a14="http://schemas.microsoft.com/office/drawing/2010/main" xmlns="" w="9525">
+                <a14:hiddenLine xmlns="" xmlns:a14="http://schemas.microsoft.com/office/drawing/2010/main" w="9525">
                   <a:solidFill>
                     <a:srgbClr val="000000"/>
                   </a:solidFill>
@@ -17008,7 +14812,7 @@
             </a:ln>
             <a:extLst>
               <a:ext uri="{91240B29-F687-4f45-9708-019B960494DF}">
-                <a14:hiddenLine xmlns:a14="http://schemas.microsoft.com/office/drawing/2010/main" xmlns="" w="9525">
+                <a14:hiddenLine xmlns="" xmlns:a14="http://schemas.microsoft.com/office/drawing/2010/main" w="9525">
                   <a:solidFill>
                     <a:srgbClr val="000000"/>
                   </a:solidFill>
@@ -17070,7 +14874,7 @@
             </a:ln>
             <a:extLst>
               <a:ext uri="{91240B29-F687-4f45-9708-019B960494DF}">
-                <a14:hiddenLine xmlns:a14="http://schemas.microsoft.com/office/drawing/2010/main" xmlns="" w="9525">
+                <a14:hiddenLine xmlns="" xmlns:a14="http://schemas.microsoft.com/office/drawing/2010/main" w="9525">
                   <a:solidFill>
                     <a:srgbClr val="000000"/>
                   </a:solidFill>
@@ -17160,7 +14964,7 @@
             </a:ln>
             <a:extLst>
               <a:ext uri="{91240B29-F687-4f45-9708-019B960494DF}">
-                <a14:hiddenLine xmlns:a14="http://schemas.microsoft.com/office/drawing/2010/main" xmlns="" w="9525">
+                <a14:hiddenLine xmlns="" xmlns:a14="http://schemas.microsoft.com/office/drawing/2010/main" w="9525">
                   <a:solidFill>
                     <a:srgbClr val="000000"/>
                   </a:solidFill>
@@ -17222,7 +15026,7 @@
             </a:ln>
             <a:extLst>
               <a:ext uri="{91240B29-F687-4f45-9708-019B960494DF}">
-                <a14:hiddenLine xmlns:a14="http://schemas.microsoft.com/office/drawing/2010/main" xmlns="" w="9525">
+                <a14:hiddenLine xmlns="" xmlns:a14="http://schemas.microsoft.com/office/drawing/2010/main" w="9525">
                   <a:solidFill>
                     <a:srgbClr val="000000"/>
                   </a:solidFill>
@@ -17312,7 +15116,7 @@
             </a:ln>
             <a:extLst>
               <a:ext uri="{91240B29-F687-4f45-9708-019B960494DF}">
-                <a14:hiddenLine xmlns:a14="http://schemas.microsoft.com/office/drawing/2010/main" xmlns="" w="9525">
+                <a14:hiddenLine xmlns="" xmlns:a14="http://schemas.microsoft.com/office/drawing/2010/main" w="9525">
                   <a:solidFill>
                     <a:srgbClr val="000000"/>
                   </a:solidFill>
@@ -17346,7 +15150,7 @@
             </a:ln>
             <a:extLst>
               <a:ext uri="{91240B29-F687-4f45-9708-019B960494DF}">
-                <a14:hiddenLine xmlns:a14="http://schemas.microsoft.com/office/drawing/2010/main" xmlns="" w="9525">
+                <a14:hiddenLine xmlns="" xmlns:a14="http://schemas.microsoft.com/office/drawing/2010/main" w="9525">
                   <a:solidFill>
                     <a:srgbClr val="000000"/>
                   </a:solidFill>
@@ -17411,7 +15215,7 @@
             </a:ln>
             <a:extLst>
               <a:ext uri="{91240B29-F687-4f45-9708-019B960494DF}">
-                <a14:hiddenLine xmlns:a14="http://schemas.microsoft.com/office/drawing/2010/main" xmlns="" w="9525">
+                <a14:hiddenLine xmlns="" xmlns:a14="http://schemas.microsoft.com/office/drawing/2010/main" w="9525">
                   <a:solidFill>
                     <a:srgbClr val="000000"/>
                   </a:solidFill>
@@ -17501,7 +15305,7 @@
             </a:ln>
             <a:extLst>
               <a:ext uri="{91240B29-F687-4f45-9708-019B960494DF}">
-                <a14:hiddenLine xmlns:a14="http://schemas.microsoft.com/office/drawing/2010/main" xmlns="" w="9525">
+                <a14:hiddenLine xmlns="" xmlns:a14="http://schemas.microsoft.com/office/drawing/2010/main" w="9525">
                   <a:solidFill>
                     <a:srgbClr val="000000"/>
                   </a:solidFill>
@@ -17563,7 +15367,7 @@
             </a:ln>
             <a:extLst>
               <a:ext uri="{91240B29-F687-4f45-9708-019B960494DF}">
-                <a14:hiddenLine xmlns:a14="http://schemas.microsoft.com/office/drawing/2010/main" xmlns="" w="9525">
+                <a14:hiddenLine xmlns="" xmlns:a14="http://schemas.microsoft.com/office/drawing/2010/main" w="9525">
                   <a:solidFill>
                     <a:srgbClr val="000000"/>
                   </a:solidFill>
@@ -17653,7 +15457,7 @@
             </a:ln>
             <a:extLst>
               <a:ext uri="{91240B29-F687-4f45-9708-019B960494DF}">
-                <a14:hiddenLine xmlns:a14="http://schemas.microsoft.com/office/drawing/2010/main" xmlns="" w="9525">
+                <a14:hiddenLine xmlns="" xmlns:a14="http://schemas.microsoft.com/office/drawing/2010/main" w="9525">
                   <a:solidFill>
                     <a:srgbClr val="000000"/>
                   </a:solidFill>
@@ -17743,7 +15547,7 @@
             </a:ln>
             <a:extLst>
               <a:ext uri="{91240B29-F687-4f45-9708-019B960494DF}">
-                <a14:hiddenLine xmlns:a14="http://schemas.microsoft.com/office/drawing/2010/main" xmlns="" w="9525">
+                <a14:hiddenLine xmlns="" xmlns:a14="http://schemas.microsoft.com/office/drawing/2010/main" w="9525">
                   <a:solidFill>
                     <a:srgbClr val="000000"/>
                   </a:solidFill>
@@ -17808,7 +15612,7 @@
             </a:ln>
             <a:extLst>
               <a:ext uri="{91240B29-F687-4f45-9708-019B960494DF}">
-                <a14:hiddenLine xmlns:a14="http://schemas.microsoft.com/office/drawing/2010/main" xmlns="" w="9525">
+                <a14:hiddenLine xmlns="" xmlns:a14="http://schemas.microsoft.com/office/drawing/2010/main" w="9525">
                   <a:solidFill>
                     <a:srgbClr val="000000"/>
                   </a:solidFill>
@@ -17870,7 +15674,7 @@
             </a:ln>
             <a:extLst>
               <a:ext uri="{91240B29-F687-4f45-9708-019B960494DF}">
-                <a14:hiddenLine xmlns:a14="http://schemas.microsoft.com/office/drawing/2010/main" xmlns="" w="9525">
+                <a14:hiddenLine xmlns="" xmlns:a14="http://schemas.microsoft.com/office/drawing/2010/main" w="9525">
                   <a:solidFill>
                     <a:srgbClr val="000000"/>
                   </a:solidFill>
@@ -17960,7 +15764,7 @@
             </a:ln>
             <a:extLst>
               <a:ext uri="{91240B29-F687-4f45-9708-019B960494DF}">
-                <a14:hiddenLine xmlns:a14="http://schemas.microsoft.com/office/drawing/2010/main" xmlns="" w="9525">
+                <a14:hiddenLine xmlns="" xmlns:a14="http://schemas.microsoft.com/office/drawing/2010/main" w="9525">
                   <a:solidFill>
                     <a:srgbClr val="000000"/>
                   </a:solidFill>
@@ -18050,7 +15854,7 @@
             </a:ln>
             <a:extLst>
               <a:ext uri="{91240B29-F687-4f45-9708-019B960494DF}">
-                <a14:hiddenLine xmlns:a14="http://schemas.microsoft.com/office/drawing/2010/main" xmlns="" w="9525">
+                <a14:hiddenLine xmlns="" xmlns:a14="http://schemas.microsoft.com/office/drawing/2010/main" w="9525">
                   <a:solidFill>
                     <a:srgbClr val="000000"/>
                   </a:solidFill>
@@ -18112,7 +15916,7 @@
             </a:ln>
             <a:extLst>
               <a:ext uri="{91240B29-F687-4f45-9708-019B960494DF}">
-                <a14:hiddenLine xmlns:a14="http://schemas.microsoft.com/office/drawing/2010/main" xmlns="" w="9525">
+                <a14:hiddenLine xmlns="" xmlns:a14="http://schemas.microsoft.com/office/drawing/2010/main" w="9525">
                   <a:solidFill>
                     <a:srgbClr val="000000"/>
                   </a:solidFill>
@@ -18232,7 +16036,7 @@
             </a:ln>
             <a:extLst>
               <a:ext uri="{91240B29-F687-4f45-9708-019B960494DF}">
-                <a14:hiddenLine xmlns:a14="http://schemas.microsoft.com/office/drawing/2010/main" xmlns="" w="9525">
+                <a14:hiddenLine xmlns="" xmlns:a14="http://schemas.microsoft.com/office/drawing/2010/main" w="9525">
                   <a:solidFill>
                     <a:srgbClr val="000000"/>
                   </a:solidFill>
@@ -18300,7 +16104,7 @@
             </a:ln>
             <a:extLst>
               <a:ext uri="{91240B29-F687-4f45-9708-019B960494DF}">
-                <a14:hiddenLine xmlns:a14="http://schemas.microsoft.com/office/drawing/2010/main" xmlns="" w="9525">
+                <a14:hiddenLine xmlns="" xmlns:a14="http://schemas.microsoft.com/office/drawing/2010/main" w="9525">
                   <a:solidFill>
                     <a:srgbClr val="000000"/>
                   </a:solidFill>
@@ -18390,7 +16194,7 @@
             </a:ln>
             <a:extLst>
               <a:ext uri="{91240B29-F687-4f45-9708-019B960494DF}">
-                <a14:hiddenLine xmlns:a14="http://schemas.microsoft.com/office/drawing/2010/main" xmlns="" w="9525">
+                <a14:hiddenLine xmlns="" xmlns:a14="http://schemas.microsoft.com/office/drawing/2010/main" w="9525">
                   <a:solidFill>
                     <a:srgbClr val="000000"/>
                   </a:solidFill>
@@ -18530,7 +16334,7 @@
           <a:p>
             <a:fld id="{48A87A34-81AB-432B-8DAE-1953F412C126}" type="datetimeFigureOut">
               <a:rPr lang="en-US" dirty="0"/>
-              <a:t>12/8/18</a:t>
+              <a:t>12/9/2018</a:t>
             </a:fld>
             <a:endParaRPr lang="en-US" dirty="0"/>
           </a:p>
@@ -18792,7 +16596,7 @@
           <a:p>
             <a:fld id="{48A87A34-81AB-432B-8DAE-1953F412C126}" type="datetimeFigureOut">
               <a:rPr lang="en-US" dirty="0"/>
-              <a:t>12/8/18</a:t>
+              <a:t>12/9/2018</a:t>
             </a:fld>
             <a:endParaRPr lang="en-US" dirty="0"/>
           </a:p>
@@ -18983,7 +16787,7 @@
           <a:p>
             <a:fld id="{48A87A34-81AB-432B-8DAE-1953F412C126}" type="datetimeFigureOut">
               <a:rPr lang="en-US" dirty="0"/>
-              <a:t>12/8/18</a:t>
+              <a:t>12/9/2018</a:t>
             </a:fld>
             <a:endParaRPr lang="en-US" dirty="0"/>
           </a:p>
@@ -19241,7 +17045,7 @@
           <a:p>
             <a:fld id="{48A87A34-81AB-432B-8DAE-1953F412C126}" type="datetimeFigureOut">
               <a:rPr lang="en-US" dirty="0"/>
-              <a:t>12/8/18</a:t>
+              <a:t>12/9/2018</a:t>
             </a:fld>
             <a:endParaRPr lang="en-US" dirty="0"/>
           </a:p>
@@ -19670,7 +17474,7 @@
           <a:p>
             <a:fld id="{48A87A34-81AB-432B-8DAE-1953F412C126}" type="datetimeFigureOut">
               <a:rPr lang="en-US" dirty="0"/>
-              <a:t>12/8/18</a:t>
+              <a:t>12/9/2018</a:t>
             </a:fld>
             <a:endParaRPr lang="en-US" dirty="0"/>
           </a:p>
@@ -20211,7 +18015,7 @@
           <a:p>
             <a:fld id="{48A87A34-81AB-432B-8DAE-1953F412C126}" type="datetimeFigureOut">
               <a:rPr lang="en-US" dirty="0"/>
-              <a:t>12/8/18</a:t>
+              <a:t>12/9/2018</a:t>
             </a:fld>
             <a:endParaRPr lang="en-US" dirty="0"/>
           </a:p>
@@ -20926,7 +18730,7 @@
           <a:p>
             <a:fld id="{48A87A34-81AB-432B-8DAE-1953F412C126}" type="datetimeFigureOut">
               <a:rPr lang="en-US" dirty="0"/>
-              <a:t>12/8/18</a:t>
+              <a:t>12/9/2018</a:t>
             </a:fld>
             <a:endParaRPr lang="en-US" dirty="0"/>
           </a:p>
@@ -21091,7 +18895,7 @@
           <a:p>
             <a:fld id="{48A87A34-81AB-432B-8DAE-1953F412C126}" type="datetimeFigureOut">
               <a:rPr lang="en-US" dirty="0"/>
-              <a:t>12/8/18</a:t>
+              <a:t>12/9/2018</a:t>
             </a:fld>
             <a:endParaRPr lang="en-US" dirty="0"/>
           </a:p>
@@ -21266,7 +19070,7 @@
           <a:p>
             <a:fld id="{48A87A34-81AB-432B-8DAE-1953F412C126}" type="datetimeFigureOut">
               <a:rPr lang="en-US" dirty="0"/>
-              <a:t>12/8/18</a:t>
+              <a:t>12/9/2018</a:t>
             </a:fld>
             <a:endParaRPr lang="en-US" dirty="0"/>
           </a:p>
@@ -21431,7 +19235,7 @@
           <a:p>
             <a:fld id="{48A87A34-81AB-432B-8DAE-1953F412C126}" type="datetimeFigureOut">
               <a:rPr lang="en-US" dirty="0"/>
-              <a:t>12/8/18</a:t>
+              <a:t>12/9/2018</a:t>
             </a:fld>
             <a:endParaRPr lang="en-US" dirty="0"/>
           </a:p>
@@ -21676,7 +19480,7 @@
           <a:p>
             <a:fld id="{48A87A34-81AB-432B-8DAE-1953F412C126}" type="datetimeFigureOut">
               <a:rPr lang="en-US" dirty="0"/>
-              <a:t>12/8/18</a:t>
+              <a:t>12/9/2018</a:t>
             </a:fld>
             <a:endParaRPr lang="en-US" dirty="0"/>
           </a:p>
@@ -21903,7 +19707,7 @@
           <a:p>
             <a:fld id="{48A87A34-81AB-432B-8DAE-1953F412C126}" type="datetimeFigureOut">
               <a:rPr lang="en-US" dirty="0"/>
-              <a:t>12/8/18</a:t>
+              <a:t>12/9/2018</a:t>
             </a:fld>
             <a:endParaRPr lang="en-US" dirty="0"/>
           </a:p>
@@ -22279,7 +20083,7 @@
           <a:p>
             <a:fld id="{48A87A34-81AB-432B-8DAE-1953F412C126}" type="datetimeFigureOut">
               <a:rPr lang="en-US" dirty="0"/>
-              <a:t>12/8/18</a:t>
+              <a:t>12/9/2018</a:t>
             </a:fld>
             <a:endParaRPr lang="en-US" dirty="0"/>
           </a:p>
@@ -22392,7 +20196,7 @@
           <a:p>
             <a:fld id="{48A87A34-81AB-432B-8DAE-1953F412C126}" type="datetimeFigureOut">
               <a:rPr lang="en-US" dirty="0"/>
-              <a:t>12/8/18</a:t>
+              <a:t>12/9/2018</a:t>
             </a:fld>
             <a:endParaRPr lang="en-US" dirty="0"/>
           </a:p>
@@ -22482,7 +20286,7 @@
           <a:p>
             <a:fld id="{48A87A34-81AB-432B-8DAE-1953F412C126}" type="datetimeFigureOut">
               <a:rPr lang="en-US" dirty="0"/>
-              <a:t>12/8/18</a:t>
+              <a:t>12/9/2018</a:t>
             </a:fld>
             <a:endParaRPr lang="en-US" dirty="0"/>
           </a:p>
@@ -22726,7 +20530,7 @@
           <a:p>
             <a:fld id="{48A87A34-81AB-432B-8DAE-1953F412C126}" type="datetimeFigureOut">
               <a:rPr lang="en-US" dirty="0"/>
-              <a:t>12/8/18</a:t>
+              <a:t>12/9/2018</a:t>
             </a:fld>
             <a:endParaRPr lang="en-US" dirty="0"/>
           </a:p>
@@ -23001,7 +20805,7 @@
           <a:p>
             <a:fld id="{48A87A34-81AB-432B-8DAE-1953F412C126}" type="datetimeFigureOut">
               <a:rPr lang="en-US" dirty="0"/>
-              <a:t>12/8/18</a:t>
+              <a:t>12/9/2018</a:t>
             </a:fld>
             <a:endParaRPr lang="en-US" dirty="0"/>
           </a:p>
@@ -23135,7 +20939,7 @@
           <a:noFill/>
           <a:extLst>
             <a:ext uri="{909E8E84-426E-40dd-AFC4-6F175D3DCCD1}">
-              <a14:hiddenFill xmlns:a14="http://schemas.microsoft.com/office/drawing/2010/main" xmlns="">
+              <a14:hiddenFill xmlns="" xmlns:a14="http://schemas.microsoft.com/office/drawing/2010/main">
                 <a:solidFill>
                   <a:srgbClr val="FFFFFF"/>
                 </a:solidFill>
@@ -23209,7 +21013,7 @@
               </a:ln>
               <a:extLst>
                 <a:ext uri="{91240B29-F687-4f45-9708-019B960494DF}">
-                  <a14:hiddenLine xmlns:a14="http://schemas.microsoft.com/office/drawing/2010/main" xmlns="" w="9525">
+                  <a14:hiddenLine xmlns="" xmlns:a14="http://schemas.microsoft.com/office/drawing/2010/main" w="9525">
                     <a:solidFill>
                       <a:srgbClr val="000000"/>
                     </a:solidFill>
@@ -23299,7 +21103,7 @@
               </a:ln>
               <a:extLst>
                 <a:ext uri="{91240B29-F687-4f45-9708-019B960494DF}">
-                  <a14:hiddenLine xmlns:a14="http://schemas.microsoft.com/office/drawing/2010/main" xmlns="" w="9525">
+                  <a14:hiddenLine xmlns="" xmlns:a14="http://schemas.microsoft.com/office/drawing/2010/main" w="9525">
                     <a:solidFill>
                       <a:srgbClr val="000000"/>
                     </a:solidFill>
@@ -23389,7 +21193,7 @@
               </a:ln>
               <a:extLst>
                 <a:ext uri="{91240B29-F687-4f45-9708-019B960494DF}">
-                  <a14:hiddenLine xmlns:a14="http://schemas.microsoft.com/office/drawing/2010/main" xmlns="" w="9525">
+                  <a14:hiddenLine xmlns="" xmlns:a14="http://schemas.microsoft.com/office/drawing/2010/main" w="9525">
                     <a:solidFill>
                       <a:srgbClr val="000000"/>
                     </a:solidFill>
@@ -23451,7 +21255,7 @@
               </a:ln>
               <a:extLst>
                 <a:ext uri="{91240B29-F687-4f45-9708-019B960494DF}">
-                  <a14:hiddenLine xmlns:a14="http://schemas.microsoft.com/office/drawing/2010/main" xmlns="" w="9525">
+                  <a14:hiddenLine xmlns="" xmlns:a14="http://schemas.microsoft.com/office/drawing/2010/main" w="9525">
                     <a:solidFill>
                       <a:srgbClr val="000000"/>
                     </a:solidFill>
@@ -23541,7 +21345,7 @@
               </a:ln>
               <a:extLst>
                 <a:ext uri="{91240B29-F687-4f45-9708-019B960494DF}">
-                  <a14:hiddenLine xmlns:a14="http://schemas.microsoft.com/office/drawing/2010/main" xmlns="" w="9525">
+                  <a14:hiddenLine xmlns="" xmlns:a14="http://schemas.microsoft.com/office/drawing/2010/main" w="9525">
                     <a:solidFill>
                       <a:srgbClr val="000000"/>
                     </a:solidFill>
@@ -23603,7 +21407,7 @@
               </a:ln>
               <a:extLst>
                 <a:ext uri="{91240B29-F687-4f45-9708-019B960494DF}">
-                  <a14:hiddenLine xmlns:a14="http://schemas.microsoft.com/office/drawing/2010/main" xmlns="" w="9525">
+                  <a14:hiddenLine xmlns="" xmlns:a14="http://schemas.microsoft.com/office/drawing/2010/main" w="9525">
                     <a:solidFill>
                       <a:srgbClr val="000000"/>
                     </a:solidFill>
@@ -23665,7 +21469,7 @@
               </a:ln>
               <a:extLst>
                 <a:ext uri="{91240B29-F687-4f45-9708-019B960494DF}">
-                  <a14:hiddenLine xmlns:a14="http://schemas.microsoft.com/office/drawing/2010/main" xmlns="" w="9525">
+                  <a14:hiddenLine xmlns="" xmlns:a14="http://schemas.microsoft.com/office/drawing/2010/main" w="9525">
                     <a:solidFill>
                       <a:srgbClr val="000000"/>
                     </a:solidFill>
@@ -23755,7 +21559,7 @@
               </a:ln>
               <a:extLst>
                 <a:ext uri="{91240B29-F687-4f45-9708-019B960494DF}">
-                  <a14:hiddenLine xmlns:a14="http://schemas.microsoft.com/office/drawing/2010/main" xmlns="" w="9525">
+                  <a14:hiddenLine xmlns="" xmlns:a14="http://schemas.microsoft.com/office/drawing/2010/main" w="9525">
                     <a:solidFill>
                       <a:srgbClr val="000000"/>
                     </a:solidFill>
@@ -23845,7 +21649,7 @@
               </a:ln>
               <a:extLst>
                 <a:ext uri="{91240B29-F687-4f45-9708-019B960494DF}">
-                  <a14:hiddenLine xmlns:a14="http://schemas.microsoft.com/office/drawing/2010/main" xmlns="" w="9525">
+                  <a14:hiddenLine xmlns="" xmlns:a14="http://schemas.microsoft.com/office/drawing/2010/main" w="9525">
                     <a:solidFill>
                       <a:srgbClr val="000000"/>
                     </a:solidFill>
@@ -23907,7 +21711,7 @@
               </a:ln>
               <a:extLst>
                 <a:ext uri="{91240B29-F687-4f45-9708-019B960494DF}">
-                  <a14:hiddenLine xmlns:a14="http://schemas.microsoft.com/office/drawing/2010/main" xmlns="" w="9525">
+                  <a14:hiddenLine xmlns="" xmlns:a14="http://schemas.microsoft.com/office/drawing/2010/main" w="9525">
                     <a:solidFill>
                       <a:srgbClr val="000000"/>
                     </a:solidFill>
@@ -24017,7 +21821,7 @@
               </a:ln>
               <a:extLst>
                 <a:ext uri="{91240B29-F687-4f45-9708-019B960494DF}">
-                  <a14:hiddenLine xmlns:a14="http://schemas.microsoft.com/office/drawing/2010/main" xmlns="" w="9525">
+                  <a14:hiddenLine xmlns="" xmlns:a14="http://schemas.microsoft.com/office/drawing/2010/main" w="9525">
                     <a:solidFill>
                       <a:srgbClr val="000000"/>
                     </a:solidFill>
@@ -24101,7 +21905,7 @@
               </a:ln>
               <a:extLst>
                 <a:ext uri="{91240B29-F687-4f45-9708-019B960494DF}">
-                  <a14:hiddenLine xmlns:a14="http://schemas.microsoft.com/office/drawing/2010/main" xmlns="" w="9525">
+                  <a14:hiddenLine xmlns="" xmlns:a14="http://schemas.microsoft.com/office/drawing/2010/main" w="9525">
                     <a:solidFill>
                       <a:srgbClr val="000000"/>
                     </a:solidFill>
@@ -24163,7 +21967,7 @@
               </a:ln>
               <a:extLst>
                 <a:ext uri="{91240B29-F687-4f45-9708-019B960494DF}">
-                  <a14:hiddenLine xmlns:a14="http://schemas.microsoft.com/office/drawing/2010/main" xmlns="" w="9525">
+                  <a14:hiddenLine xmlns="" xmlns:a14="http://schemas.microsoft.com/office/drawing/2010/main" w="9525">
                     <a:solidFill>
                       <a:srgbClr val="000000"/>
                     </a:solidFill>
@@ -24225,7 +22029,7 @@
               </a:ln>
               <a:extLst>
                 <a:ext uri="{91240B29-F687-4f45-9708-019B960494DF}">
-                  <a14:hiddenLine xmlns:a14="http://schemas.microsoft.com/office/drawing/2010/main" xmlns="" w="9525">
+                  <a14:hiddenLine xmlns="" xmlns:a14="http://schemas.microsoft.com/office/drawing/2010/main" w="9525">
                     <a:solidFill>
                       <a:srgbClr val="000000"/>
                     </a:solidFill>
@@ -24315,7 +22119,7 @@
               </a:ln>
               <a:extLst>
                 <a:ext uri="{91240B29-F687-4f45-9708-019B960494DF}">
-                  <a14:hiddenLine xmlns:a14="http://schemas.microsoft.com/office/drawing/2010/main" xmlns="" w="9525">
+                  <a14:hiddenLine xmlns="" xmlns:a14="http://schemas.microsoft.com/office/drawing/2010/main" w="9525">
                     <a:solidFill>
                       <a:srgbClr val="000000"/>
                     </a:solidFill>
@@ -24349,7 +22153,7 @@
               </a:ln>
               <a:extLst>
                 <a:ext uri="{91240B29-F687-4f45-9708-019B960494DF}">
-                  <a14:hiddenLine xmlns:a14="http://schemas.microsoft.com/office/drawing/2010/main" xmlns="" w="9525">
+                  <a14:hiddenLine xmlns="" xmlns:a14="http://schemas.microsoft.com/office/drawing/2010/main" w="9525">
                     <a:solidFill>
                       <a:srgbClr val="000000"/>
                     </a:solidFill>
@@ -24414,7 +22218,7 @@
               </a:ln>
               <a:extLst>
                 <a:ext uri="{91240B29-F687-4f45-9708-019B960494DF}">
-                  <a14:hiddenLine xmlns:a14="http://schemas.microsoft.com/office/drawing/2010/main" xmlns="" w="9525">
+                  <a14:hiddenLine xmlns="" xmlns:a14="http://schemas.microsoft.com/office/drawing/2010/main" w="9525">
                     <a:solidFill>
                       <a:srgbClr val="000000"/>
                     </a:solidFill>
@@ -24504,7 +22308,7 @@
               </a:ln>
               <a:extLst>
                 <a:ext uri="{91240B29-F687-4f45-9708-019B960494DF}">
-                  <a14:hiddenLine xmlns:a14="http://schemas.microsoft.com/office/drawing/2010/main" xmlns="" w="9525">
+                  <a14:hiddenLine xmlns="" xmlns:a14="http://schemas.microsoft.com/office/drawing/2010/main" w="9525">
                     <a:solidFill>
                       <a:srgbClr val="000000"/>
                     </a:solidFill>
@@ -24566,7 +22370,7 @@
               </a:ln>
               <a:extLst>
                 <a:ext uri="{91240B29-F687-4f45-9708-019B960494DF}">
-                  <a14:hiddenLine xmlns:a14="http://schemas.microsoft.com/office/drawing/2010/main" xmlns="" w="9525">
+                  <a14:hiddenLine xmlns="" xmlns:a14="http://schemas.microsoft.com/office/drawing/2010/main" w="9525">
                     <a:solidFill>
                       <a:srgbClr val="000000"/>
                     </a:solidFill>
@@ -24656,7 +22460,7 @@
               </a:ln>
               <a:extLst>
                 <a:ext uri="{91240B29-F687-4f45-9708-019B960494DF}">
-                  <a14:hiddenLine xmlns:a14="http://schemas.microsoft.com/office/drawing/2010/main" xmlns="" w="9525">
+                  <a14:hiddenLine xmlns="" xmlns:a14="http://schemas.microsoft.com/office/drawing/2010/main" w="9525">
                     <a:solidFill>
                       <a:srgbClr val="000000"/>
                     </a:solidFill>
@@ -24721,7 +22525,7 @@
               </a:ln>
               <a:extLst>
                 <a:ext uri="{91240B29-F687-4f45-9708-019B960494DF}">
-                  <a14:hiddenLine xmlns:a14="http://schemas.microsoft.com/office/drawing/2010/main" xmlns="" w="9525">
+                  <a14:hiddenLine xmlns="" xmlns:a14="http://schemas.microsoft.com/office/drawing/2010/main" w="9525">
                     <a:solidFill>
                       <a:srgbClr val="000000"/>
                     </a:solidFill>
@@ -24783,7 +22587,7 @@
               </a:ln>
               <a:extLst>
                 <a:ext uri="{91240B29-F687-4f45-9708-019B960494DF}">
-                  <a14:hiddenLine xmlns:a14="http://schemas.microsoft.com/office/drawing/2010/main" xmlns="" w="9525">
+                  <a14:hiddenLine xmlns="" xmlns:a14="http://schemas.microsoft.com/office/drawing/2010/main" w="9525">
                     <a:solidFill>
                       <a:srgbClr val="000000"/>
                     </a:solidFill>
@@ -24873,7 +22677,7 @@
               </a:ln>
               <a:extLst>
                 <a:ext uri="{91240B29-F687-4f45-9708-019B960494DF}">
-                  <a14:hiddenLine xmlns:a14="http://schemas.microsoft.com/office/drawing/2010/main" xmlns="" w="9525">
+                  <a14:hiddenLine xmlns="" xmlns:a14="http://schemas.microsoft.com/office/drawing/2010/main" w="9525">
                     <a:solidFill>
                       <a:srgbClr val="000000"/>
                     </a:solidFill>
@@ -24963,7 +22767,7 @@
               </a:ln>
               <a:extLst>
                 <a:ext uri="{91240B29-F687-4f45-9708-019B960494DF}">
-                  <a14:hiddenLine xmlns:a14="http://schemas.microsoft.com/office/drawing/2010/main" xmlns="" w="9525">
+                  <a14:hiddenLine xmlns="" xmlns:a14="http://schemas.microsoft.com/office/drawing/2010/main" w="9525">
                     <a:solidFill>
                       <a:srgbClr val="000000"/>
                     </a:solidFill>
@@ -25028,7 +22832,7 @@
               </a:ln>
               <a:extLst>
                 <a:ext uri="{91240B29-F687-4f45-9708-019B960494DF}">
-                  <a14:hiddenLine xmlns:a14="http://schemas.microsoft.com/office/drawing/2010/main" xmlns="" w="9525">
+                  <a14:hiddenLine xmlns="" xmlns:a14="http://schemas.microsoft.com/office/drawing/2010/main" w="9525">
                     <a:solidFill>
                       <a:srgbClr val="000000"/>
                     </a:solidFill>
@@ -25148,7 +22952,7 @@
               </a:ln>
               <a:extLst>
                 <a:ext uri="{91240B29-F687-4f45-9708-019B960494DF}">
-                  <a14:hiddenLine xmlns:a14="http://schemas.microsoft.com/office/drawing/2010/main" xmlns="" w="9525">
+                  <a14:hiddenLine xmlns="" xmlns:a14="http://schemas.microsoft.com/office/drawing/2010/main" w="9525">
                     <a:solidFill>
                       <a:srgbClr val="000000"/>
                     </a:solidFill>
@@ -25246,7 +23050,7 @@
               </a:ln>
               <a:extLst>
                 <a:ext uri="{91240B29-F687-4f45-9708-019B960494DF}">
-                  <a14:hiddenLine xmlns:a14="http://schemas.microsoft.com/office/drawing/2010/main" xmlns="" w="9525">
+                  <a14:hiddenLine xmlns="" xmlns:a14="http://schemas.microsoft.com/office/drawing/2010/main" w="9525">
                     <a:solidFill>
                       <a:srgbClr val="000000"/>
                     </a:solidFill>
@@ -25361,7 +23165,7 @@
               </a:ln>
               <a:extLst>
                 <a:ext uri="{91240B29-F687-4f45-9708-019B960494DF}">
-                  <a14:hiddenLine xmlns:a14="http://schemas.microsoft.com/office/drawing/2010/main" xmlns="" w="9525">
+                  <a14:hiddenLine xmlns="" xmlns:a14="http://schemas.microsoft.com/office/drawing/2010/main" w="9525">
                     <a:solidFill>
                       <a:srgbClr val="000000"/>
                     </a:solidFill>
@@ -25451,7 +23255,7 @@
               </a:ln>
               <a:extLst>
                 <a:ext uri="{91240B29-F687-4f45-9708-019B960494DF}">
-                  <a14:hiddenLine xmlns:a14="http://schemas.microsoft.com/office/drawing/2010/main" xmlns="" w="9525">
+                  <a14:hiddenLine xmlns="" xmlns:a14="http://schemas.microsoft.com/office/drawing/2010/main" w="9525">
                     <a:solidFill>
                       <a:srgbClr val="000000"/>
                     </a:solidFill>
@@ -25516,7 +23320,7 @@
               </a:ln>
               <a:extLst>
                 <a:ext uri="{91240B29-F687-4f45-9708-019B960494DF}">
-                  <a14:hiddenLine xmlns:a14="http://schemas.microsoft.com/office/drawing/2010/main" xmlns="" w="9525">
+                  <a14:hiddenLine xmlns="" xmlns:a14="http://schemas.microsoft.com/office/drawing/2010/main" w="9525">
                     <a:solidFill>
                       <a:srgbClr val="000000"/>
                     </a:solidFill>
@@ -25606,7 +23410,7 @@
               </a:ln>
               <a:extLst>
                 <a:ext uri="{91240B29-F687-4f45-9708-019B960494DF}">
-                  <a14:hiddenLine xmlns:a14="http://schemas.microsoft.com/office/drawing/2010/main" xmlns="" w="9525">
+                  <a14:hiddenLine xmlns="" xmlns:a14="http://schemas.microsoft.com/office/drawing/2010/main" w="9525">
                     <a:solidFill>
                       <a:srgbClr val="000000"/>
                     </a:solidFill>
@@ -25674,7 +23478,7 @@
               </a:ln>
               <a:extLst>
                 <a:ext uri="{91240B29-F687-4f45-9708-019B960494DF}">
-                  <a14:hiddenLine xmlns:a14="http://schemas.microsoft.com/office/drawing/2010/main" xmlns="" w="9525">
+                  <a14:hiddenLine xmlns="" xmlns:a14="http://schemas.microsoft.com/office/drawing/2010/main" w="9525">
                     <a:solidFill>
                       <a:srgbClr val="000000"/>
                     </a:solidFill>
@@ -25764,7 +23568,7 @@
               </a:ln>
               <a:extLst>
                 <a:ext uri="{91240B29-F687-4f45-9708-019B960494DF}">
-                  <a14:hiddenLine xmlns:a14="http://schemas.microsoft.com/office/drawing/2010/main" xmlns="" w="9525">
+                  <a14:hiddenLine xmlns="" xmlns:a14="http://schemas.microsoft.com/office/drawing/2010/main" w="9525">
                     <a:solidFill>
                       <a:srgbClr val="000000"/>
                     </a:solidFill>
@@ -25832,7 +23636,7 @@
               </a:ln>
               <a:extLst>
                 <a:ext uri="{91240B29-F687-4f45-9708-019B960494DF}">
-                  <a14:hiddenLine xmlns:a14="http://schemas.microsoft.com/office/drawing/2010/main" xmlns="" w="9525">
+                  <a14:hiddenLine xmlns="" xmlns:a14="http://schemas.microsoft.com/office/drawing/2010/main" w="9525">
                     <a:solidFill>
                       <a:srgbClr val="000000"/>
                     </a:solidFill>
@@ -25922,7 +23726,7 @@
               </a:ln>
               <a:extLst>
                 <a:ext uri="{91240B29-F687-4f45-9708-019B960494DF}">
-                  <a14:hiddenLine xmlns:a14="http://schemas.microsoft.com/office/drawing/2010/main" xmlns="" w="9525">
+                  <a14:hiddenLine xmlns="" xmlns:a14="http://schemas.microsoft.com/office/drawing/2010/main" w="9525">
                     <a:solidFill>
                       <a:srgbClr val="000000"/>
                     </a:solidFill>
@@ -25956,7 +23760,7 @@
               </a:ln>
               <a:extLst>
                 <a:ext uri="{91240B29-F687-4f45-9708-019B960494DF}">
-                  <a14:hiddenLine xmlns:a14="http://schemas.microsoft.com/office/drawing/2010/main" xmlns="" w="9525">
+                  <a14:hiddenLine xmlns="" xmlns:a14="http://schemas.microsoft.com/office/drawing/2010/main" w="9525">
                     <a:solidFill>
                       <a:srgbClr val="000000"/>
                     </a:solidFill>
@@ -26097,7 +23901,7 @@
             <a:fld id="{48A87A34-81AB-432B-8DAE-1953F412C126}" type="datetimeFigureOut">
               <a:rPr lang="en-US" dirty="0"/>
               <a:pPr/>
-              <a:t>12/8/18</a:t>
+              <a:t>12/9/2018</a:t>
             </a:fld>
             <a:endParaRPr lang="en-US" dirty="0"/>
           </a:p>
@@ -26518,7 +24322,7 @@
           <p:cNvPr id="2" name="Title 1">
             <a:extLst>
               <a:ext uri="{FF2B5EF4-FFF2-40B4-BE49-F238E27FC236}">
-                <a16:creationId xmlns:a16="http://schemas.microsoft.com/office/drawing/2014/main" id="{BF4CCFA9-D00B-A842-BC3B-5609CB8FF111}"/>
+                <a16:creationId xmlns:a16="http://schemas.microsoft.com/office/drawing/2014/main" xmlns="" id="{BF4CCFA9-D00B-A842-BC3B-5609CB8FF111}"/>
               </a:ext>
             </a:extLst>
           </p:cNvPr>
@@ -26541,6 +24345,10 @@
               <a:rPr lang="en-US" sz="5400" dirty="0"/>
               <a:t>a fast multi-threaded, master-worker web-server:</a:t>
             </a:r>
+            <a:r>
+              <a:rPr lang="en-US" dirty="0"/>
+              <a:t/>
+            </a:r>
             <a:br>
               <a:rPr lang="en-US" dirty="0"/>
             </a:br>
@@ -26557,7 +24365,7 @@
           <p:cNvPr id="3" name="Subtitle 2">
             <a:extLst>
               <a:ext uri="{FF2B5EF4-FFF2-40B4-BE49-F238E27FC236}">
-                <a16:creationId xmlns:a16="http://schemas.microsoft.com/office/drawing/2014/main" id="{382537E0-6539-6B47-A920-108AD323578D}"/>
+                <a16:creationId xmlns:a16="http://schemas.microsoft.com/office/drawing/2014/main" xmlns="" id="{382537E0-6539-6B47-A920-108AD323578D}"/>
               </a:ext>
             </a:extLst>
           </p:cNvPr>
@@ -26653,10 +24461,10 @@
           <p:cNvPr id="8" name="Rectangle 7">
             <a:extLst>
               <a:ext uri="{FF2B5EF4-FFF2-40B4-BE49-F238E27FC236}">
-                <a16:creationId xmlns:a16="http://schemas.microsoft.com/office/drawing/2014/main" id="{E978A47D-4F17-40FE-AB70-7AF78A9575EB}"/>
+                <a16:creationId xmlns:a16="http://schemas.microsoft.com/office/drawing/2014/main" xmlns="" id="{E978A47D-4F17-40FE-AB70-7AF78A9575EB}"/>
               </a:ext>
               <a:ext uri="{C183D7F6-B498-43B3-948B-1728B52AA6E4}">
-                <adec:decorative xmlns:adec="http://schemas.microsoft.com/office/drawing/2017/decorative" val="1"/>
+                <adec:decorative xmlns:adec="http://schemas.microsoft.com/office/drawing/2017/decorative" xmlns="" val="1"/>
               </a:ext>
             </a:extLst>
           </p:cNvPr>
@@ -26666,7 +24474,7 @@
           <p:nvPr>
             <p:extLst>
               <p:ext uri="{386F3935-93C4-4BCD-93E2-E3B085C9AB24}">
-                <p16:designElem xmlns:p16="http://schemas.microsoft.com/office/powerpoint/2015/main" val="1"/>
+                <p16:designElem xmlns:p16="http://schemas.microsoft.com/office/powerpoint/2015/main" xmlns="" val="1"/>
               </p:ext>
             </p:extLst>
           </p:nvPr>
@@ -26713,10 +24521,10 @@
           <p:cNvPr id="10" name="Group 9">
             <a:extLst>
               <a:ext uri="{FF2B5EF4-FFF2-40B4-BE49-F238E27FC236}">
-                <a16:creationId xmlns:a16="http://schemas.microsoft.com/office/drawing/2014/main" id="{85BE3A7E-6A3F-401E-A025-BBB8FDB8DD30}"/>
+                <a16:creationId xmlns:a16="http://schemas.microsoft.com/office/drawing/2014/main" xmlns="" id="{85BE3A7E-6A3F-401E-A025-BBB8FDB8DD30}"/>
               </a:ext>
               <a:ext uri="{C183D7F6-B498-43B3-948B-1728B52AA6E4}">
-                <adec:decorative xmlns:adec="http://schemas.microsoft.com/office/drawing/2017/decorative" val="1"/>
+                <adec:decorative xmlns:adec="http://schemas.microsoft.com/office/drawing/2017/decorative" xmlns="" val="1"/>
               </a:ext>
             </a:extLst>
           </p:cNvPr>
@@ -26726,7 +24534,7 @@
           <p:nvPr>
             <p:extLst>
               <p:ext uri="{386F3935-93C4-4BCD-93E2-E3B085C9AB24}">
-                <p16:designElem xmlns:p16="http://schemas.microsoft.com/office/powerpoint/2015/main" val="1"/>
+                <p16:designElem xmlns:p16="http://schemas.microsoft.com/office/powerpoint/2015/main" xmlns="" val="1"/>
               </p:ext>
             </p:extLst>
           </p:nvPr>
@@ -26749,10 +24557,10 @@
             <p:cNvPr id="11" name="Rectangle 5">
               <a:extLst>
                 <a:ext uri="{FF2B5EF4-FFF2-40B4-BE49-F238E27FC236}">
-                  <a16:creationId xmlns:a16="http://schemas.microsoft.com/office/drawing/2014/main" id="{41EE9036-817C-476C-BD59-B5184F9A3E35}"/>
+                  <a16:creationId xmlns:a16="http://schemas.microsoft.com/office/drawing/2014/main" xmlns="" id="{41EE9036-817C-476C-BD59-B5184F9A3E35}"/>
                 </a:ext>
                 <a:ext uri="{C183D7F6-B498-43B3-948B-1728B52AA6E4}">
-                  <adec:decorative xmlns:adec="http://schemas.microsoft.com/office/drawing/2017/decorative" val="1"/>
+                  <adec:decorative xmlns:adec="http://schemas.microsoft.com/office/drawing/2017/decorative" xmlns="" val="1"/>
                 </a:ext>
               </a:extLst>
             </p:cNvPr>
@@ -26762,7 +24570,7 @@
             <p:nvPr>
               <p:extLst>
                 <p:ext uri="{386F3935-93C4-4BCD-93E2-E3B085C9AB24}">
-                  <p16:designElem xmlns:p16="http://schemas.microsoft.com/office/powerpoint/2015/main" val="1"/>
+                  <p16:designElem xmlns:p16="http://schemas.microsoft.com/office/powerpoint/2015/main" xmlns="" val="1"/>
                 </p:ext>
               </p:extLst>
             </p:nvPr>
@@ -26781,7 +24589,7 @@
             </a:ln>
             <a:extLst>
               <a:ext uri="{91240B29-F687-4f45-9708-019B960494DF}">
-                <a14:hiddenLine xmlns="" xmlns:a16="http://schemas.microsoft.com/office/drawing/2014/main" xmlns:p14="http://schemas.microsoft.com/office/powerpoint/2010/main" xmlns:a14="http://schemas.microsoft.com/office/drawing/2010/main" w="9525">
+                <a14:hiddenLine xmlns:a14="http://schemas.microsoft.com/office/drawing/2010/main" xmlns:p14="http://schemas.microsoft.com/office/powerpoint/2010/main" xmlns:a16="http://schemas.microsoft.com/office/drawing/2014/main" xmlns="" w="9525">
                   <a:solidFill>
                     <a:srgbClr val="000000"/>
                   </a:solidFill>
@@ -26798,10 +24606,10 @@
             <p:cNvPr id="12" name="Freeform 6">
               <a:extLst>
                 <a:ext uri="{FF2B5EF4-FFF2-40B4-BE49-F238E27FC236}">
-                  <a16:creationId xmlns:a16="http://schemas.microsoft.com/office/drawing/2014/main" id="{F098087A-B4E4-4300-A841-44988BD88E2F}"/>
+                  <a16:creationId xmlns:a16="http://schemas.microsoft.com/office/drawing/2014/main" xmlns="" id="{F098087A-B4E4-4300-A841-44988BD88E2F}"/>
                 </a:ext>
                 <a:ext uri="{C183D7F6-B498-43B3-948B-1728B52AA6E4}">
-                  <adec:decorative xmlns:adec="http://schemas.microsoft.com/office/drawing/2017/decorative" val="1"/>
+                  <adec:decorative xmlns:adec="http://schemas.microsoft.com/office/drawing/2017/decorative" xmlns="" val="1"/>
                 </a:ext>
               </a:extLst>
             </p:cNvPr>
@@ -26811,7 +24619,7 @@
             <p:nvPr>
               <p:extLst>
                 <p:ext uri="{386F3935-93C4-4BCD-93E2-E3B085C9AB24}">
-                  <p16:designElem xmlns:p16="http://schemas.microsoft.com/office/powerpoint/2015/main" val="1"/>
+                  <p16:designElem xmlns:p16="http://schemas.microsoft.com/office/powerpoint/2015/main" xmlns="" val="1"/>
                 </p:ext>
               </p:extLst>
             </p:nvPr>
@@ -26886,7 +24694,7 @@
             </a:ln>
             <a:extLst>
               <a:ext uri="{91240B29-F687-4f45-9708-019B960494DF}">
-                <a14:hiddenLine xmlns="" xmlns:a16="http://schemas.microsoft.com/office/drawing/2014/main" xmlns:p14="http://schemas.microsoft.com/office/powerpoint/2010/main" xmlns:a14="http://schemas.microsoft.com/office/drawing/2010/main" w="9525">
+                <a14:hiddenLine xmlns:a14="http://schemas.microsoft.com/office/drawing/2010/main" xmlns:p14="http://schemas.microsoft.com/office/powerpoint/2010/main" xmlns:a16="http://schemas.microsoft.com/office/drawing/2014/main" xmlns="" w="9525">
                   <a:solidFill>
                     <a:srgbClr val="000000"/>
                   </a:solidFill>
@@ -26903,10 +24711,10 @@
             <p:cNvPr id="13" name="Freeform 7">
               <a:extLst>
                 <a:ext uri="{FF2B5EF4-FFF2-40B4-BE49-F238E27FC236}">
-                  <a16:creationId xmlns:a16="http://schemas.microsoft.com/office/drawing/2014/main" id="{F5BD5F4B-A39C-4DF9-84E4-A4D33F30E6EE}"/>
+                  <a16:creationId xmlns:a16="http://schemas.microsoft.com/office/drawing/2014/main" xmlns="" id="{F5BD5F4B-A39C-4DF9-84E4-A4D33F30E6EE}"/>
                 </a:ext>
                 <a:ext uri="{C183D7F6-B498-43B3-948B-1728B52AA6E4}">
-                  <adec:decorative xmlns:adec="http://schemas.microsoft.com/office/drawing/2017/decorative" val="1"/>
+                  <adec:decorative xmlns:adec="http://schemas.microsoft.com/office/drawing/2017/decorative" xmlns="" val="1"/>
                 </a:ext>
               </a:extLst>
             </p:cNvPr>
@@ -26916,7 +24724,7 @@
             <p:nvPr>
               <p:extLst>
                 <p:ext uri="{386F3935-93C4-4BCD-93E2-E3B085C9AB24}">
-                  <p16:designElem xmlns:p16="http://schemas.microsoft.com/office/powerpoint/2015/main" val="1"/>
+                  <p16:designElem xmlns:p16="http://schemas.microsoft.com/office/powerpoint/2015/main" xmlns="" val="1"/>
                 </p:ext>
               </p:extLst>
             </p:nvPr>
@@ -26991,7 +24799,7 @@
             </a:ln>
             <a:extLst>
               <a:ext uri="{91240B29-F687-4f45-9708-019B960494DF}">
-                <a14:hiddenLine xmlns="" xmlns:a16="http://schemas.microsoft.com/office/drawing/2014/main" xmlns:p14="http://schemas.microsoft.com/office/powerpoint/2010/main" xmlns:a14="http://schemas.microsoft.com/office/drawing/2010/main" w="9525">
+                <a14:hiddenLine xmlns:a14="http://schemas.microsoft.com/office/drawing/2010/main" xmlns:p14="http://schemas.microsoft.com/office/powerpoint/2010/main" xmlns:a16="http://schemas.microsoft.com/office/drawing/2014/main" xmlns="" w="9525">
                   <a:solidFill>
                     <a:srgbClr val="000000"/>
                   </a:solidFill>
@@ -27008,10 +24816,10 @@
             <p:cNvPr id="14" name="Freeform 8">
               <a:extLst>
                 <a:ext uri="{FF2B5EF4-FFF2-40B4-BE49-F238E27FC236}">
-                  <a16:creationId xmlns:a16="http://schemas.microsoft.com/office/drawing/2014/main" id="{D7FA9858-BFA0-4D5B-AF72-B1B65EB0699C}"/>
+                  <a16:creationId xmlns:a16="http://schemas.microsoft.com/office/drawing/2014/main" xmlns="" id="{D7FA9858-BFA0-4D5B-AF72-B1B65EB0699C}"/>
                 </a:ext>
                 <a:ext uri="{C183D7F6-B498-43B3-948B-1728B52AA6E4}">
-                  <adec:decorative xmlns:adec="http://schemas.microsoft.com/office/drawing/2017/decorative" val="1"/>
+                  <adec:decorative xmlns:adec="http://schemas.microsoft.com/office/drawing/2017/decorative" xmlns="" val="1"/>
                 </a:ext>
               </a:extLst>
             </p:cNvPr>
@@ -27019,7 +24827,7 @@
             <p:nvPr>
               <p:extLst>
                 <p:ext uri="{386F3935-93C4-4BCD-93E2-E3B085C9AB24}">
-                  <p16:designElem xmlns:p16="http://schemas.microsoft.com/office/powerpoint/2015/main" val="1"/>
+                  <p16:designElem xmlns:p16="http://schemas.microsoft.com/office/powerpoint/2015/main" xmlns="" val="1"/>
                 </p:ext>
               </p:extLst>
             </p:nvPr>
@@ -27068,7 +24876,7 @@
             </a:ln>
             <a:extLst>
               <a:ext uri="{91240B29-F687-4f45-9708-019B960494DF}">
-                <a14:hiddenLine xmlns="" xmlns:a16="http://schemas.microsoft.com/office/drawing/2014/main" xmlns:p14="http://schemas.microsoft.com/office/powerpoint/2010/main" xmlns:a14="http://schemas.microsoft.com/office/drawing/2010/main" w="9525">
+                <a14:hiddenLine xmlns:a14="http://schemas.microsoft.com/office/drawing/2010/main" xmlns:p14="http://schemas.microsoft.com/office/powerpoint/2010/main" xmlns:a16="http://schemas.microsoft.com/office/drawing/2014/main" xmlns="" w="9525">
                   <a:solidFill>
                     <a:srgbClr val="000000"/>
                   </a:solidFill>
@@ -27085,10 +24893,10 @@
             <p:cNvPr id="15" name="Freeform 9">
               <a:extLst>
                 <a:ext uri="{FF2B5EF4-FFF2-40B4-BE49-F238E27FC236}">
-                  <a16:creationId xmlns:a16="http://schemas.microsoft.com/office/drawing/2014/main" id="{A508A5F3-AFE0-4750-A9C2-B51A514FFC4C}"/>
+                  <a16:creationId xmlns:a16="http://schemas.microsoft.com/office/drawing/2014/main" xmlns="" id="{A508A5F3-AFE0-4750-A9C2-B51A514FFC4C}"/>
                 </a:ext>
                 <a:ext uri="{C183D7F6-B498-43B3-948B-1728B52AA6E4}">
-                  <adec:decorative xmlns:adec="http://schemas.microsoft.com/office/drawing/2017/decorative" val="1"/>
+                  <adec:decorative xmlns:adec="http://schemas.microsoft.com/office/drawing/2017/decorative" xmlns="" val="1"/>
                 </a:ext>
               </a:extLst>
             </p:cNvPr>
@@ -27098,7 +24906,7 @@
             <p:nvPr>
               <p:extLst>
                 <p:ext uri="{386F3935-93C4-4BCD-93E2-E3B085C9AB24}">
-                  <p16:designElem xmlns:p16="http://schemas.microsoft.com/office/powerpoint/2015/main" val="1"/>
+                  <p16:designElem xmlns:p16="http://schemas.microsoft.com/office/powerpoint/2015/main" xmlns="" val="1"/>
                 </p:ext>
               </p:extLst>
             </p:nvPr>
@@ -27173,7 +24981,7 @@
             </a:ln>
             <a:extLst>
               <a:ext uri="{91240B29-F687-4f45-9708-019B960494DF}">
-                <a14:hiddenLine xmlns="" xmlns:a16="http://schemas.microsoft.com/office/drawing/2014/main" xmlns:p14="http://schemas.microsoft.com/office/powerpoint/2010/main" xmlns:a14="http://schemas.microsoft.com/office/drawing/2010/main" w="9525">
+                <a14:hiddenLine xmlns:a14="http://schemas.microsoft.com/office/drawing/2010/main" xmlns:p14="http://schemas.microsoft.com/office/powerpoint/2010/main" xmlns:a16="http://schemas.microsoft.com/office/drawing/2014/main" xmlns="" w="9525">
                   <a:solidFill>
                     <a:srgbClr val="000000"/>
                   </a:solidFill>
@@ -27190,10 +24998,10 @@
             <p:cNvPr id="16" name="Freeform 10">
               <a:extLst>
                 <a:ext uri="{FF2B5EF4-FFF2-40B4-BE49-F238E27FC236}">
-                  <a16:creationId xmlns:a16="http://schemas.microsoft.com/office/drawing/2014/main" id="{92B4AAEB-ABF4-42A7-BE52-0B442190D16A}"/>
+                  <a16:creationId xmlns:a16="http://schemas.microsoft.com/office/drawing/2014/main" xmlns="" id="{92B4AAEB-ABF4-42A7-BE52-0B442190D16A}"/>
                 </a:ext>
                 <a:ext uri="{C183D7F6-B498-43B3-948B-1728B52AA6E4}">
-                  <adec:decorative xmlns:adec="http://schemas.microsoft.com/office/drawing/2017/decorative" val="1"/>
+                  <adec:decorative xmlns:adec="http://schemas.microsoft.com/office/drawing/2017/decorative" xmlns="" val="1"/>
                 </a:ext>
               </a:extLst>
             </p:cNvPr>
@@ -27201,7 +25009,7 @@
             <p:nvPr>
               <p:extLst>
                 <p:ext uri="{386F3935-93C4-4BCD-93E2-E3B085C9AB24}">
-                  <p16:designElem xmlns:p16="http://schemas.microsoft.com/office/powerpoint/2015/main" val="1"/>
+                  <p16:designElem xmlns:p16="http://schemas.microsoft.com/office/powerpoint/2015/main" xmlns="" val="1"/>
                 </p:ext>
               </p:extLst>
             </p:nvPr>
@@ -27250,7 +25058,7 @@
             </a:ln>
             <a:extLst>
               <a:ext uri="{91240B29-F687-4f45-9708-019B960494DF}">
-                <a14:hiddenLine xmlns="" xmlns:a16="http://schemas.microsoft.com/office/drawing/2014/main" xmlns:p14="http://schemas.microsoft.com/office/powerpoint/2010/main" xmlns:a14="http://schemas.microsoft.com/office/drawing/2010/main" w="9525">
+                <a14:hiddenLine xmlns:a14="http://schemas.microsoft.com/office/drawing/2010/main" xmlns:p14="http://schemas.microsoft.com/office/powerpoint/2010/main" xmlns:a16="http://schemas.microsoft.com/office/drawing/2014/main" xmlns="" w="9525">
                   <a:solidFill>
                     <a:srgbClr val="000000"/>
                   </a:solidFill>
@@ -27267,10 +25075,10 @@
             <p:cNvPr id="17" name="Freeform 11">
               <a:extLst>
                 <a:ext uri="{FF2B5EF4-FFF2-40B4-BE49-F238E27FC236}">
-                  <a16:creationId xmlns:a16="http://schemas.microsoft.com/office/drawing/2014/main" id="{3767C370-4A42-4376-8CAE-606C4BC8F450}"/>
+                  <a16:creationId xmlns:a16="http://schemas.microsoft.com/office/drawing/2014/main" xmlns="" id="{3767C370-4A42-4376-8CAE-606C4BC8F450}"/>
                 </a:ext>
                 <a:ext uri="{C183D7F6-B498-43B3-948B-1728B52AA6E4}">
-                  <adec:decorative xmlns:adec="http://schemas.microsoft.com/office/drawing/2017/decorative" val="1"/>
+                  <adec:decorative xmlns:adec="http://schemas.microsoft.com/office/drawing/2017/decorative" xmlns="" val="1"/>
                 </a:ext>
               </a:extLst>
             </p:cNvPr>
@@ -27278,7 +25086,7 @@
             <p:nvPr>
               <p:extLst>
                 <p:ext uri="{386F3935-93C4-4BCD-93E2-E3B085C9AB24}">
-                  <p16:designElem xmlns:p16="http://schemas.microsoft.com/office/powerpoint/2015/main" val="1"/>
+                  <p16:designElem xmlns:p16="http://schemas.microsoft.com/office/powerpoint/2015/main" xmlns="" val="1"/>
                 </p:ext>
               </p:extLst>
             </p:nvPr>
@@ -27327,7 +25135,7 @@
             </a:ln>
             <a:extLst>
               <a:ext uri="{91240B29-F687-4f45-9708-019B960494DF}">
-                <a14:hiddenLine xmlns="" xmlns:a16="http://schemas.microsoft.com/office/drawing/2014/main" xmlns:p14="http://schemas.microsoft.com/office/powerpoint/2010/main" xmlns:a14="http://schemas.microsoft.com/office/drawing/2010/main" w="9525">
+                <a14:hiddenLine xmlns:a14="http://schemas.microsoft.com/office/drawing/2010/main" xmlns:p14="http://schemas.microsoft.com/office/powerpoint/2010/main" xmlns:a16="http://schemas.microsoft.com/office/drawing/2014/main" xmlns="" w="9525">
                   <a:solidFill>
                     <a:srgbClr val="000000"/>
                   </a:solidFill>
@@ -27344,10 +25152,10 @@
             <p:cNvPr id="18" name="Freeform 12">
               <a:extLst>
                 <a:ext uri="{FF2B5EF4-FFF2-40B4-BE49-F238E27FC236}">
-                  <a16:creationId xmlns:a16="http://schemas.microsoft.com/office/drawing/2014/main" id="{36205F53-9C95-4954-B97C-1625BB8A350F}"/>
+                  <a16:creationId xmlns:a16="http://schemas.microsoft.com/office/drawing/2014/main" xmlns="" id="{36205F53-9C95-4954-B97C-1625BB8A350F}"/>
                 </a:ext>
                 <a:ext uri="{C183D7F6-B498-43B3-948B-1728B52AA6E4}">
-                  <adec:decorative xmlns:adec="http://schemas.microsoft.com/office/drawing/2017/decorative" val="1"/>
+                  <adec:decorative xmlns:adec="http://schemas.microsoft.com/office/drawing/2017/decorative" xmlns="" val="1"/>
                 </a:ext>
               </a:extLst>
             </p:cNvPr>
@@ -27357,7 +25165,7 @@
             <p:nvPr>
               <p:extLst>
                 <p:ext uri="{386F3935-93C4-4BCD-93E2-E3B085C9AB24}">
-                  <p16:designElem xmlns:p16="http://schemas.microsoft.com/office/powerpoint/2015/main" val="1"/>
+                  <p16:designElem xmlns:p16="http://schemas.microsoft.com/office/powerpoint/2015/main" xmlns="" val="1"/>
                 </p:ext>
               </p:extLst>
             </p:nvPr>
@@ -27432,7 +25240,7 @@
             </a:ln>
             <a:extLst>
               <a:ext uri="{91240B29-F687-4f45-9708-019B960494DF}">
-                <a14:hiddenLine xmlns="" xmlns:a16="http://schemas.microsoft.com/office/drawing/2014/main" xmlns:p14="http://schemas.microsoft.com/office/powerpoint/2010/main" xmlns:a14="http://schemas.microsoft.com/office/drawing/2010/main" w="9525">
+                <a14:hiddenLine xmlns:a14="http://schemas.microsoft.com/office/drawing/2010/main" xmlns:p14="http://schemas.microsoft.com/office/powerpoint/2010/main" xmlns:a16="http://schemas.microsoft.com/office/drawing/2014/main" xmlns="" w="9525">
                   <a:solidFill>
                     <a:srgbClr val="000000"/>
                   </a:solidFill>
@@ -27449,10 +25257,10 @@
             <p:cNvPr id="19" name="Freeform 13">
               <a:extLst>
                 <a:ext uri="{FF2B5EF4-FFF2-40B4-BE49-F238E27FC236}">
-                  <a16:creationId xmlns:a16="http://schemas.microsoft.com/office/drawing/2014/main" id="{DC80B58E-3469-43E9-96FC-D747B6983030}"/>
+                  <a16:creationId xmlns:a16="http://schemas.microsoft.com/office/drawing/2014/main" xmlns="" id="{DC80B58E-3469-43E9-96FC-D747B6983030}"/>
                 </a:ext>
                 <a:ext uri="{C183D7F6-B498-43B3-948B-1728B52AA6E4}">
-                  <adec:decorative xmlns:adec="http://schemas.microsoft.com/office/drawing/2017/decorative" val="1"/>
+                  <adec:decorative xmlns:adec="http://schemas.microsoft.com/office/drawing/2017/decorative" xmlns="" val="1"/>
                 </a:ext>
               </a:extLst>
             </p:cNvPr>
@@ -27462,7 +25270,7 @@
             <p:nvPr>
               <p:extLst>
                 <p:ext uri="{386F3935-93C4-4BCD-93E2-E3B085C9AB24}">
-                  <p16:designElem xmlns:p16="http://schemas.microsoft.com/office/powerpoint/2015/main" val="1"/>
+                  <p16:designElem xmlns:p16="http://schemas.microsoft.com/office/powerpoint/2015/main" xmlns="" val="1"/>
                 </p:ext>
               </p:extLst>
             </p:nvPr>
@@ -27537,7 +25345,7 @@
             </a:ln>
             <a:extLst>
               <a:ext uri="{91240B29-F687-4f45-9708-019B960494DF}">
-                <a14:hiddenLine xmlns="" xmlns:a16="http://schemas.microsoft.com/office/drawing/2014/main" xmlns:p14="http://schemas.microsoft.com/office/powerpoint/2010/main" xmlns:a14="http://schemas.microsoft.com/office/drawing/2010/main" w="9525">
+                <a14:hiddenLine xmlns:a14="http://schemas.microsoft.com/office/drawing/2010/main" xmlns:p14="http://schemas.microsoft.com/office/powerpoint/2010/main" xmlns:a16="http://schemas.microsoft.com/office/drawing/2014/main" xmlns="" w="9525">
                   <a:solidFill>
                     <a:srgbClr val="000000"/>
                   </a:solidFill>
@@ -27554,10 +25362,10 @@
             <p:cNvPr id="20" name="Freeform 14">
               <a:extLst>
                 <a:ext uri="{FF2B5EF4-FFF2-40B4-BE49-F238E27FC236}">
-                  <a16:creationId xmlns:a16="http://schemas.microsoft.com/office/drawing/2014/main" id="{E17A4ED2-DDD7-4B4D-A39C-9B0121C88622}"/>
+                  <a16:creationId xmlns:a16="http://schemas.microsoft.com/office/drawing/2014/main" xmlns="" id="{E17A4ED2-DDD7-4B4D-A39C-9B0121C88622}"/>
                 </a:ext>
                 <a:ext uri="{C183D7F6-B498-43B3-948B-1728B52AA6E4}">
-                  <adec:decorative xmlns:adec="http://schemas.microsoft.com/office/drawing/2017/decorative" val="1"/>
+                  <adec:decorative xmlns:adec="http://schemas.microsoft.com/office/drawing/2017/decorative" xmlns="" val="1"/>
                 </a:ext>
               </a:extLst>
             </p:cNvPr>
@@ -27565,7 +25373,7 @@
             <p:nvPr>
               <p:extLst>
                 <p:ext uri="{386F3935-93C4-4BCD-93E2-E3B085C9AB24}">
-                  <p16:designElem xmlns:p16="http://schemas.microsoft.com/office/powerpoint/2015/main" val="1"/>
+                  <p16:designElem xmlns:p16="http://schemas.microsoft.com/office/powerpoint/2015/main" xmlns="" val="1"/>
                 </p:ext>
               </p:extLst>
             </p:nvPr>
@@ -27614,7 +25422,7 @@
             </a:ln>
             <a:extLst>
               <a:ext uri="{91240B29-F687-4f45-9708-019B960494DF}">
-                <a14:hiddenLine xmlns="" xmlns:a16="http://schemas.microsoft.com/office/drawing/2014/main" xmlns:p14="http://schemas.microsoft.com/office/powerpoint/2010/main" xmlns:a14="http://schemas.microsoft.com/office/drawing/2010/main" w="9525">
+                <a14:hiddenLine xmlns:a14="http://schemas.microsoft.com/office/drawing/2010/main" xmlns:p14="http://schemas.microsoft.com/office/powerpoint/2010/main" xmlns:a16="http://schemas.microsoft.com/office/drawing/2014/main" xmlns="" w="9525">
                   <a:solidFill>
                     <a:srgbClr val="000000"/>
                   </a:solidFill>
@@ -27631,10 +25439,10 @@
             <p:cNvPr id="21" name="Freeform 15">
               <a:extLst>
                 <a:ext uri="{FF2B5EF4-FFF2-40B4-BE49-F238E27FC236}">
-                  <a16:creationId xmlns:a16="http://schemas.microsoft.com/office/drawing/2014/main" id="{A2C14A85-E7A9-4E1D-809F-20F5CFA788BE}"/>
+                  <a16:creationId xmlns:a16="http://schemas.microsoft.com/office/drawing/2014/main" xmlns="" id="{A2C14A85-E7A9-4E1D-809F-20F5CFA788BE}"/>
                 </a:ext>
                 <a:ext uri="{C183D7F6-B498-43B3-948B-1728B52AA6E4}">
-                  <adec:decorative xmlns:adec="http://schemas.microsoft.com/office/drawing/2017/decorative" val="1"/>
+                  <adec:decorative xmlns:adec="http://schemas.microsoft.com/office/drawing/2017/decorative" xmlns="" val="1"/>
                 </a:ext>
               </a:extLst>
             </p:cNvPr>
@@ -27644,7 +25452,7 @@
             <p:nvPr>
               <p:extLst>
                 <p:ext uri="{386F3935-93C4-4BCD-93E2-E3B085C9AB24}">
-                  <p16:designElem xmlns:p16="http://schemas.microsoft.com/office/powerpoint/2015/main" val="1"/>
+                  <p16:designElem xmlns:p16="http://schemas.microsoft.com/office/powerpoint/2015/main" xmlns="" val="1"/>
                 </p:ext>
               </p:extLst>
             </p:nvPr>
@@ -27739,7 +25547,7 @@
             </a:ln>
             <a:extLst>
               <a:ext uri="{91240B29-F687-4f45-9708-019B960494DF}">
-                <a14:hiddenLine xmlns="" xmlns:a16="http://schemas.microsoft.com/office/drawing/2014/main" xmlns:p14="http://schemas.microsoft.com/office/powerpoint/2010/main" xmlns:a14="http://schemas.microsoft.com/office/drawing/2010/main" w="9525">
+                <a14:hiddenLine xmlns:a14="http://schemas.microsoft.com/office/drawing/2010/main" xmlns:p14="http://schemas.microsoft.com/office/powerpoint/2010/main" xmlns:a16="http://schemas.microsoft.com/office/drawing/2014/main" xmlns="" w="9525">
                   <a:solidFill>
                     <a:srgbClr val="000000"/>
                   </a:solidFill>
@@ -27756,10 +25564,10 @@
             <p:cNvPr id="22" name="Line 16">
               <a:extLst>
                 <a:ext uri="{FF2B5EF4-FFF2-40B4-BE49-F238E27FC236}">
-                  <a16:creationId xmlns:a16="http://schemas.microsoft.com/office/drawing/2014/main" id="{F3D51E32-9399-4B7F-8D91-BF9A068B834B}"/>
+                  <a16:creationId xmlns:a16="http://schemas.microsoft.com/office/drawing/2014/main" xmlns="" id="{F3D51E32-9399-4B7F-8D91-BF9A068B834B}"/>
                 </a:ext>
                 <a:ext uri="{C183D7F6-B498-43B3-948B-1728B52AA6E4}">
-                  <adec:decorative xmlns:adec="http://schemas.microsoft.com/office/drawing/2017/decorative" val="1"/>
+                  <adec:decorative xmlns:adec="http://schemas.microsoft.com/office/drawing/2017/decorative" xmlns="" val="1"/>
                 </a:ext>
               </a:extLst>
             </p:cNvPr>
@@ -27769,7 +25577,7 @@
             <p:nvPr>
               <p:extLst>
                 <p:ext uri="{386F3935-93C4-4BCD-93E2-E3B085C9AB24}">
-                  <p16:designElem xmlns:p16="http://schemas.microsoft.com/office/powerpoint/2015/main" val="1"/>
+                  <p16:designElem xmlns:p16="http://schemas.microsoft.com/office/powerpoint/2015/main" xmlns="" val="1"/>
                 </p:ext>
               </p:extLst>
             </p:nvPr>
@@ -27799,10 +25607,10 @@
             <p:cNvPr id="23" name="Freeform 17">
               <a:extLst>
                 <a:ext uri="{FF2B5EF4-FFF2-40B4-BE49-F238E27FC236}">
-                  <a16:creationId xmlns:a16="http://schemas.microsoft.com/office/drawing/2014/main" id="{9969F9D2-502D-4C1D-ABA5-02B1BF2A0013}"/>
+                  <a16:creationId xmlns:a16="http://schemas.microsoft.com/office/drawing/2014/main" xmlns="" id="{9969F9D2-502D-4C1D-ABA5-02B1BF2A0013}"/>
                 </a:ext>
                 <a:ext uri="{C183D7F6-B498-43B3-948B-1728B52AA6E4}">
-                  <adec:decorative xmlns:adec="http://schemas.microsoft.com/office/drawing/2017/decorative" val="1"/>
+                  <adec:decorative xmlns:adec="http://schemas.microsoft.com/office/drawing/2017/decorative" xmlns="" val="1"/>
                 </a:ext>
               </a:extLst>
             </p:cNvPr>
@@ -27810,7 +25618,7 @@
             <p:nvPr>
               <p:extLst>
                 <p:ext uri="{386F3935-93C4-4BCD-93E2-E3B085C9AB24}">
-                  <p16:designElem xmlns:p16="http://schemas.microsoft.com/office/powerpoint/2015/main" val="1"/>
+                  <p16:designElem xmlns:p16="http://schemas.microsoft.com/office/powerpoint/2015/main" xmlns="" val="1"/>
                 </p:ext>
               </p:extLst>
             </p:nvPr>
@@ -27853,7 +25661,7 @@
             </a:ln>
             <a:extLst>
               <a:ext uri="{91240B29-F687-4f45-9708-019B960494DF}">
-                <a14:hiddenLine xmlns="" xmlns:a16="http://schemas.microsoft.com/office/drawing/2014/main" xmlns:p14="http://schemas.microsoft.com/office/powerpoint/2010/main" xmlns:a14="http://schemas.microsoft.com/office/drawing/2010/main" w="9525">
+                <a14:hiddenLine xmlns:a14="http://schemas.microsoft.com/office/drawing/2010/main" xmlns:p14="http://schemas.microsoft.com/office/powerpoint/2010/main" xmlns:a16="http://schemas.microsoft.com/office/drawing/2014/main" xmlns="" w="9525">
                   <a:solidFill>
                     <a:srgbClr val="000000"/>
                   </a:solidFill>
@@ -27870,10 +25678,10 @@
             <p:cNvPr id="24" name="Freeform 18">
               <a:extLst>
                 <a:ext uri="{FF2B5EF4-FFF2-40B4-BE49-F238E27FC236}">
-                  <a16:creationId xmlns:a16="http://schemas.microsoft.com/office/drawing/2014/main" id="{4AE555C6-5623-478A-BF35-63E9929A3A23}"/>
+                  <a16:creationId xmlns:a16="http://schemas.microsoft.com/office/drawing/2014/main" xmlns="" id="{4AE555C6-5623-478A-BF35-63E9929A3A23}"/>
                 </a:ext>
                 <a:ext uri="{C183D7F6-B498-43B3-948B-1728B52AA6E4}">
-                  <adec:decorative xmlns:adec="http://schemas.microsoft.com/office/drawing/2017/decorative" val="1"/>
+                  <adec:decorative xmlns:adec="http://schemas.microsoft.com/office/drawing/2017/decorative" xmlns="" val="1"/>
                 </a:ext>
               </a:extLst>
             </p:cNvPr>
@@ -27881,7 +25689,7 @@
             <p:nvPr>
               <p:extLst>
                 <p:ext uri="{386F3935-93C4-4BCD-93E2-E3B085C9AB24}">
-                  <p16:designElem xmlns:p16="http://schemas.microsoft.com/office/powerpoint/2015/main" val="1"/>
+                  <p16:designElem xmlns:p16="http://schemas.microsoft.com/office/powerpoint/2015/main" xmlns="" val="1"/>
                 </p:ext>
               </p:extLst>
             </p:nvPr>
@@ -27930,7 +25738,7 @@
             </a:ln>
             <a:extLst>
               <a:ext uri="{91240B29-F687-4f45-9708-019B960494DF}">
-                <a14:hiddenLine xmlns="" xmlns:a16="http://schemas.microsoft.com/office/drawing/2014/main" xmlns:p14="http://schemas.microsoft.com/office/powerpoint/2010/main" xmlns:a14="http://schemas.microsoft.com/office/drawing/2010/main" w="9525">
+                <a14:hiddenLine xmlns:a14="http://schemas.microsoft.com/office/drawing/2010/main" xmlns:p14="http://schemas.microsoft.com/office/powerpoint/2010/main" xmlns:a16="http://schemas.microsoft.com/office/drawing/2014/main" xmlns="" w="9525">
                   <a:solidFill>
                     <a:srgbClr val="000000"/>
                   </a:solidFill>
@@ -27947,10 +25755,10 @@
             <p:cNvPr id="25" name="Freeform 19">
               <a:extLst>
                 <a:ext uri="{FF2B5EF4-FFF2-40B4-BE49-F238E27FC236}">
-                  <a16:creationId xmlns:a16="http://schemas.microsoft.com/office/drawing/2014/main" id="{A3D3AED4-A69E-4301-9BB4-436DC5F0C95D}"/>
+                  <a16:creationId xmlns:a16="http://schemas.microsoft.com/office/drawing/2014/main" xmlns="" id="{A3D3AED4-A69E-4301-9BB4-436DC5F0C95D}"/>
                 </a:ext>
                 <a:ext uri="{C183D7F6-B498-43B3-948B-1728B52AA6E4}">
-                  <adec:decorative xmlns:adec="http://schemas.microsoft.com/office/drawing/2017/decorative" val="1"/>
+                  <adec:decorative xmlns:adec="http://schemas.microsoft.com/office/drawing/2017/decorative" xmlns="" val="1"/>
                 </a:ext>
               </a:extLst>
             </p:cNvPr>
@@ -27958,7 +25766,7 @@
             <p:nvPr>
               <p:extLst>
                 <p:ext uri="{386F3935-93C4-4BCD-93E2-E3B085C9AB24}">
-                  <p16:designElem xmlns:p16="http://schemas.microsoft.com/office/powerpoint/2015/main" val="1"/>
+                  <p16:designElem xmlns:p16="http://schemas.microsoft.com/office/powerpoint/2015/main" xmlns="" val="1"/>
                 </p:ext>
               </p:extLst>
             </p:nvPr>
@@ -28007,7 +25815,7 @@
             </a:ln>
             <a:extLst>
               <a:ext uri="{91240B29-F687-4f45-9708-019B960494DF}">
-                <a14:hiddenLine xmlns="" xmlns:a16="http://schemas.microsoft.com/office/drawing/2014/main" xmlns:p14="http://schemas.microsoft.com/office/powerpoint/2010/main" xmlns:a14="http://schemas.microsoft.com/office/drawing/2010/main" w="9525">
+                <a14:hiddenLine xmlns:a14="http://schemas.microsoft.com/office/drawing/2010/main" xmlns:p14="http://schemas.microsoft.com/office/powerpoint/2010/main" xmlns:a16="http://schemas.microsoft.com/office/drawing/2014/main" xmlns="" w="9525">
                   <a:solidFill>
                     <a:srgbClr val="000000"/>
                   </a:solidFill>
@@ -28024,10 +25832,10 @@
             <p:cNvPr id="26" name="Freeform 20">
               <a:extLst>
                 <a:ext uri="{FF2B5EF4-FFF2-40B4-BE49-F238E27FC236}">
-                  <a16:creationId xmlns:a16="http://schemas.microsoft.com/office/drawing/2014/main" id="{C3B8082C-2D81-48D7-8B45-85B7C892963C}"/>
+                  <a16:creationId xmlns:a16="http://schemas.microsoft.com/office/drawing/2014/main" xmlns="" id="{C3B8082C-2D81-48D7-8B45-85B7C892963C}"/>
                 </a:ext>
                 <a:ext uri="{C183D7F6-B498-43B3-948B-1728B52AA6E4}">
-                  <adec:decorative xmlns:adec="http://schemas.microsoft.com/office/drawing/2017/decorative" val="1"/>
+                  <adec:decorative xmlns:adec="http://schemas.microsoft.com/office/drawing/2017/decorative" xmlns="" val="1"/>
                 </a:ext>
               </a:extLst>
             </p:cNvPr>
@@ -28037,7 +25845,7 @@
             <p:nvPr>
               <p:extLst>
                 <p:ext uri="{386F3935-93C4-4BCD-93E2-E3B085C9AB24}">
-                  <p16:designElem xmlns:p16="http://schemas.microsoft.com/office/powerpoint/2015/main" val="1"/>
+                  <p16:designElem xmlns:p16="http://schemas.microsoft.com/office/powerpoint/2015/main" xmlns="" val="1"/>
                 </p:ext>
               </p:extLst>
             </p:nvPr>
@@ -28112,7 +25920,7 @@
             </a:ln>
             <a:extLst>
               <a:ext uri="{91240B29-F687-4f45-9708-019B960494DF}">
-                <a14:hiddenLine xmlns="" xmlns:a16="http://schemas.microsoft.com/office/drawing/2014/main" xmlns:p14="http://schemas.microsoft.com/office/powerpoint/2010/main" xmlns:a14="http://schemas.microsoft.com/office/drawing/2010/main" w="9525">
+                <a14:hiddenLine xmlns:a14="http://schemas.microsoft.com/office/drawing/2010/main" xmlns:p14="http://schemas.microsoft.com/office/powerpoint/2010/main" xmlns:a16="http://schemas.microsoft.com/office/drawing/2014/main" xmlns="" w="9525">
                   <a:solidFill>
                     <a:srgbClr val="000000"/>
                   </a:solidFill>
@@ -28129,10 +25937,10 @@
             <p:cNvPr id="27" name="Rectangle 21">
               <a:extLst>
                 <a:ext uri="{FF2B5EF4-FFF2-40B4-BE49-F238E27FC236}">
-                  <a16:creationId xmlns:a16="http://schemas.microsoft.com/office/drawing/2014/main" id="{9AD35461-BA86-408B-8A29-244EB2F2FB55}"/>
+                  <a16:creationId xmlns:a16="http://schemas.microsoft.com/office/drawing/2014/main" xmlns="" id="{9AD35461-BA86-408B-8A29-244EB2F2FB55}"/>
                 </a:ext>
                 <a:ext uri="{C183D7F6-B498-43B3-948B-1728B52AA6E4}">
-                  <adec:decorative xmlns:adec="http://schemas.microsoft.com/office/drawing/2017/decorative" val="1"/>
+                  <adec:decorative xmlns:adec="http://schemas.microsoft.com/office/drawing/2017/decorative" xmlns="" val="1"/>
                 </a:ext>
               </a:extLst>
             </p:cNvPr>
@@ -28142,7 +25950,7 @@
             <p:nvPr>
               <p:extLst>
                 <p:ext uri="{386F3935-93C4-4BCD-93E2-E3B085C9AB24}">
-                  <p16:designElem xmlns:p16="http://schemas.microsoft.com/office/powerpoint/2015/main" val="1"/>
+                  <p16:designElem xmlns:p16="http://schemas.microsoft.com/office/powerpoint/2015/main" xmlns="" val="1"/>
                 </p:ext>
               </p:extLst>
             </p:nvPr>
@@ -28161,7 +25969,7 @@
             </a:ln>
             <a:extLst>
               <a:ext uri="{91240B29-F687-4f45-9708-019B960494DF}">
-                <a14:hiddenLine xmlns="" xmlns:a16="http://schemas.microsoft.com/office/drawing/2014/main" xmlns:p14="http://schemas.microsoft.com/office/powerpoint/2010/main" xmlns:a14="http://schemas.microsoft.com/office/drawing/2010/main" w="9525">
+                <a14:hiddenLine xmlns:a14="http://schemas.microsoft.com/office/drawing/2010/main" xmlns:p14="http://schemas.microsoft.com/office/powerpoint/2010/main" xmlns:a16="http://schemas.microsoft.com/office/drawing/2014/main" xmlns="" w="9525">
                   <a:solidFill>
                     <a:srgbClr val="000000"/>
                   </a:solidFill>
@@ -28178,10 +25986,10 @@
             <p:cNvPr id="28" name="Freeform 22">
               <a:extLst>
                 <a:ext uri="{FF2B5EF4-FFF2-40B4-BE49-F238E27FC236}">
-                  <a16:creationId xmlns:a16="http://schemas.microsoft.com/office/drawing/2014/main" id="{F238E495-B6C6-4857-899B-CDD584831201}"/>
+                  <a16:creationId xmlns:a16="http://schemas.microsoft.com/office/drawing/2014/main" xmlns="" id="{F238E495-B6C6-4857-899B-CDD584831201}"/>
                 </a:ext>
                 <a:ext uri="{C183D7F6-B498-43B3-948B-1728B52AA6E4}">
-                  <adec:decorative xmlns:adec="http://schemas.microsoft.com/office/drawing/2017/decorative" val="1"/>
+                  <adec:decorative xmlns:adec="http://schemas.microsoft.com/office/drawing/2017/decorative" xmlns="" val="1"/>
                 </a:ext>
               </a:extLst>
             </p:cNvPr>
@@ -28189,7 +25997,7 @@
             <p:nvPr>
               <p:extLst>
                 <p:ext uri="{386F3935-93C4-4BCD-93E2-E3B085C9AB24}">
-                  <p16:designElem xmlns:p16="http://schemas.microsoft.com/office/powerpoint/2015/main" val="1"/>
+                  <p16:designElem xmlns:p16="http://schemas.microsoft.com/office/powerpoint/2015/main" xmlns="" val="1"/>
                 </p:ext>
               </p:extLst>
             </p:nvPr>
@@ -28241,7 +26049,7 @@
             </a:ln>
             <a:extLst>
               <a:ext uri="{91240B29-F687-4f45-9708-019B960494DF}">
-                <a14:hiddenLine xmlns="" xmlns:a16="http://schemas.microsoft.com/office/drawing/2014/main" xmlns:p14="http://schemas.microsoft.com/office/powerpoint/2010/main" xmlns:a14="http://schemas.microsoft.com/office/drawing/2010/main" w="9525">
+                <a14:hiddenLine xmlns:a14="http://schemas.microsoft.com/office/drawing/2010/main" xmlns:p14="http://schemas.microsoft.com/office/powerpoint/2010/main" xmlns:a16="http://schemas.microsoft.com/office/drawing/2014/main" xmlns="" w="9525">
                   <a:solidFill>
                     <a:srgbClr val="000000"/>
                   </a:solidFill>
@@ -28258,10 +26066,10 @@
             <p:cNvPr id="29" name="Freeform 23">
               <a:extLst>
                 <a:ext uri="{FF2B5EF4-FFF2-40B4-BE49-F238E27FC236}">
-                  <a16:creationId xmlns:a16="http://schemas.microsoft.com/office/drawing/2014/main" id="{E20A751E-054C-4EC2-8DA3-0EC923A65888}"/>
+                  <a16:creationId xmlns:a16="http://schemas.microsoft.com/office/drawing/2014/main" xmlns="" id="{E20A751E-054C-4EC2-8DA3-0EC923A65888}"/>
                 </a:ext>
                 <a:ext uri="{C183D7F6-B498-43B3-948B-1728B52AA6E4}">
-                  <adec:decorative xmlns:adec="http://schemas.microsoft.com/office/drawing/2017/decorative" val="1"/>
+                  <adec:decorative xmlns:adec="http://schemas.microsoft.com/office/drawing/2017/decorative" xmlns="" val="1"/>
                 </a:ext>
               </a:extLst>
             </p:cNvPr>
@@ -28271,7 +26079,7 @@
             <p:nvPr>
               <p:extLst>
                 <p:ext uri="{386F3935-93C4-4BCD-93E2-E3B085C9AB24}">
-                  <p16:designElem xmlns:p16="http://schemas.microsoft.com/office/powerpoint/2015/main" val="1"/>
+                  <p16:designElem xmlns:p16="http://schemas.microsoft.com/office/powerpoint/2015/main" xmlns="" val="1"/>
                 </p:ext>
               </p:extLst>
             </p:nvPr>
@@ -28346,7 +26154,7 @@
             </a:ln>
             <a:extLst>
               <a:ext uri="{91240B29-F687-4f45-9708-019B960494DF}">
-                <a14:hiddenLine xmlns="" xmlns:a16="http://schemas.microsoft.com/office/drawing/2014/main" xmlns:p14="http://schemas.microsoft.com/office/powerpoint/2010/main" xmlns:a14="http://schemas.microsoft.com/office/drawing/2010/main" w="9525">
+                <a14:hiddenLine xmlns:a14="http://schemas.microsoft.com/office/drawing/2010/main" xmlns:p14="http://schemas.microsoft.com/office/powerpoint/2010/main" xmlns:a16="http://schemas.microsoft.com/office/drawing/2014/main" xmlns="" w="9525">
                   <a:solidFill>
                     <a:srgbClr val="000000"/>
                   </a:solidFill>
@@ -28363,10 +26171,10 @@
             <p:cNvPr id="30" name="Freeform 24">
               <a:extLst>
                 <a:ext uri="{FF2B5EF4-FFF2-40B4-BE49-F238E27FC236}">
-                  <a16:creationId xmlns:a16="http://schemas.microsoft.com/office/drawing/2014/main" id="{B6E8E701-3D21-4E5C-AB6E-9A7404697066}"/>
+                  <a16:creationId xmlns:a16="http://schemas.microsoft.com/office/drawing/2014/main" xmlns="" id="{B6E8E701-3D21-4E5C-AB6E-9A7404697066}"/>
                 </a:ext>
                 <a:ext uri="{C183D7F6-B498-43B3-948B-1728B52AA6E4}">
-                  <adec:decorative xmlns:adec="http://schemas.microsoft.com/office/drawing/2017/decorative" val="1"/>
+                  <adec:decorative xmlns:adec="http://schemas.microsoft.com/office/drawing/2017/decorative" xmlns="" val="1"/>
                 </a:ext>
               </a:extLst>
             </p:cNvPr>
@@ -28374,7 +26182,7 @@
             <p:nvPr>
               <p:extLst>
                 <p:ext uri="{386F3935-93C4-4BCD-93E2-E3B085C9AB24}">
-                  <p16:designElem xmlns:p16="http://schemas.microsoft.com/office/powerpoint/2015/main" val="1"/>
+                  <p16:designElem xmlns:p16="http://schemas.microsoft.com/office/powerpoint/2015/main" xmlns="" val="1"/>
                 </p:ext>
               </p:extLst>
             </p:nvPr>
@@ -28423,7 +26231,7 @@
             </a:ln>
             <a:extLst>
               <a:ext uri="{91240B29-F687-4f45-9708-019B960494DF}">
-                <a14:hiddenLine xmlns="" xmlns:a16="http://schemas.microsoft.com/office/drawing/2014/main" xmlns:p14="http://schemas.microsoft.com/office/powerpoint/2010/main" xmlns:a14="http://schemas.microsoft.com/office/drawing/2010/main" w="9525">
+                <a14:hiddenLine xmlns:a14="http://schemas.microsoft.com/office/drawing/2010/main" xmlns:p14="http://schemas.microsoft.com/office/powerpoint/2010/main" xmlns:a16="http://schemas.microsoft.com/office/drawing/2014/main" xmlns="" w="9525">
                   <a:solidFill>
                     <a:srgbClr val="000000"/>
                   </a:solidFill>
@@ -28440,10 +26248,10 @@
             <p:cNvPr id="31" name="Freeform 25">
               <a:extLst>
                 <a:ext uri="{FF2B5EF4-FFF2-40B4-BE49-F238E27FC236}">
-                  <a16:creationId xmlns:a16="http://schemas.microsoft.com/office/drawing/2014/main" id="{431BDA41-D09D-4984-B888-756F5F81B49E}"/>
+                  <a16:creationId xmlns:a16="http://schemas.microsoft.com/office/drawing/2014/main" xmlns="" id="{431BDA41-D09D-4984-B888-756F5F81B49E}"/>
                 </a:ext>
                 <a:ext uri="{C183D7F6-B498-43B3-948B-1728B52AA6E4}">
-                  <adec:decorative xmlns:adec="http://schemas.microsoft.com/office/drawing/2017/decorative" val="1"/>
+                  <adec:decorative xmlns:adec="http://schemas.microsoft.com/office/drawing/2017/decorative" xmlns="" val="1"/>
                 </a:ext>
               </a:extLst>
             </p:cNvPr>
@@ -28453,7 +26261,7 @@
             <p:nvPr>
               <p:extLst>
                 <p:ext uri="{386F3935-93C4-4BCD-93E2-E3B085C9AB24}">
-                  <p16:designElem xmlns:p16="http://schemas.microsoft.com/office/powerpoint/2015/main" val="1"/>
+                  <p16:designElem xmlns:p16="http://schemas.microsoft.com/office/powerpoint/2015/main" xmlns="" val="1"/>
                 </p:ext>
               </p:extLst>
             </p:nvPr>
@@ -28528,7 +26336,7 @@
             </a:ln>
             <a:extLst>
               <a:ext uri="{91240B29-F687-4f45-9708-019B960494DF}">
-                <a14:hiddenLine xmlns="" xmlns:a16="http://schemas.microsoft.com/office/drawing/2014/main" xmlns:p14="http://schemas.microsoft.com/office/powerpoint/2010/main" xmlns:a14="http://schemas.microsoft.com/office/drawing/2010/main" w="9525">
+                <a14:hiddenLine xmlns:a14="http://schemas.microsoft.com/office/drawing/2010/main" xmlns:p14="http://schemas.microsoft.com/office/powerpoint/2010/main" xmlns:a16="http://schemas.microsoft.com/office/drawing/2014/main" xmlns="" w="9525">
                   <a:solidFill>
                     <a:srgbClr val="000000"/>
                   </a:solidFill>
@@ -28545,10 +26353,10 @@
             <p:cNvPr id="32" name="Freeform 26">
               <a:extLst>
                 <a:ext uri="{FF2B5EF4-FFF2-40B4-BE49-F238E27FC236}">
-                  <a16:creationId xmlns:a16="http://schemas.microsoft.com/office/drawing/2014/main" id="{0DC943D2-20E4-4C00-82D2-D405A7C00BBE}"/>
+                  <a16:creationId xmlns:a16="http://schemas.microsoft.com/office/drawing/2014/main" xmlns="" id="{0DC943D2-20E4-4C00-82D2-D405A7C00BBE}"/>
                 </a:ext>
                 <a:ext uri="{C183D7F6-B498-43B3-948B-1728B52AA6E4}">
-                  <adec:decorative xmlns:adec="http://schemas.microsoft.com/office/drawing/2017/decorative" val="1"/>
+                  <adec:decorative xmlns:adec="http://schemas.microsoft.com/office/drawing/2017/decorative" xmlns="" val="1"/>
                 </a:ext>
               </a:extLst>
             </p:cNvPr>
@@ -28556,7 +26364,7 @@
             <p:nvPr>
               <p:extLst>
                 <p:ext uri="{386F3935-93C4-4BCD-93E2-E3B085C9AB24}">
-                  <p16:designElem xmlns:p16="http://schemas.microsoft.com/office/powerpoint/2015/main" val="1"/>
+                  <p16:designElem xmlns:p16="http://schemas.microsoft.com/office/powerpoint/2015/main" xmlns="" val="1"/>
                 </p:ext>
               </p:extLst>
             </p:nvPr>
@@ -28608,7 +26416,7 @@
             </a:ln>
             <a:extLst>
               <a:ext uri="{91240B29-F687-4f45-9708-019B960494DF}">
-                <a14:hiddenLine xmlns="" xmlns:a16="http://schemas.microsoft.com/office/drawing/2014/main" xmlns:p14="http://schemas.microsoft.com/office/powerpoint/2010/main" xmlns:a14="http://schemas.microsoft.com/office/drawing/2010/main" w="9525">
+                <a14:hiddenLine xmlns:a14="http://schemas.microsoft.com/office/drawing/2010/main" xmlns:p14="http://schemas.microsoft.com/office/powerpoint/2010/main" xmlns:a16="http://schemas.microsoft.com/office/drawing/2014/main" xmlns="" w="9525">
                   <a:solidFill>
                     <a:srgbClr val="000000"/>
                   </a:solidFill>
@@ -28625,10 +26433,10 @@
             <p:cNvPr id="33" name="Freeform 27">
               <a:extLst>
                 <a:ext uri="{FF2B5EF4-FFF2-40B4-BE49-F238E27FC236}">
-                  <a16:creationId xmlns:a16="http://schemas.microsoft.com/office/drawing/2014/main" id="{4BC34A74-80A2-4DE1-8ADC-BBD1709035BA}"/>
+                  <a16:creationId xmlns:a16="http://schemas.microsoft.com/office/drawing/2014/main" xmlns="" id="{4BC34A74-80A2-4DE1-8ADC-BBD1709035BA}"/>
                 </a:ext>
                 <a:ext uri="{C183D7F6-B498-43B3-948B-1728B52AA6E4}">
-                  <adec:decorative xmlns:adec="http://schemas.microsoft.com/office/drawing/2017/decorative" val="1"/>
+                  <adec:decorative xmlns:adec="http://schemas.microsoft.com/office/drawing/2017/decorative" xmlns="" val="1"/>
                 </a:ext>
               </a:extLst>
             </p:cNvPr>
@@ -28636,7 +26444,7 @@
             <p:nvPr>
               <p:extLst>
                 <p:ext uri="{386F3935-93C4-4BCD-93E2-E3B085C9AB24}">
-                  <p16:designElem xmlns:p16="http://schemas.microsoft.com/office/powerpoint/2015/main" val="1"/>
+                  <p16:designElem xmlns:p16="http://schemas.microsoft.com/office/powerpoint/2015/main" xmlns="" val="1"/>
                 </p:ext>
               </p:extLst>
             </p:nvPr>
@@ -28685,7 +26493,7 @@
             </a:ln>
             <a:extLst>
               <a:ext uri="{91240B29-F687-4f45-9708-019B960494DF}">
-                <a14:hiddenLine xmlns="" xmlns:a16="http://schemas.microsoft.com/office/drawing/2014/main" xmlns:p14="http://schemas.microsoft.com/office/powerpoint/2010/main" xmlns:a14="http://schemas.microsoft.com/office/drawing/2010/main" w="9525">
+                <a14:hiddenLine xmlns:a14="http://schemas.microsoft.com/office/drawing/2010/main" xmlns:p14="http://schemas.microsoft.com/office/powerpoint/2010/main" xmlns:a16="http://schemas.microsoft.com/office/drawing/2014/main" xmlns="" w="9525">
                   <a:solidFill>
                     <a:srgbClr val="000000"/>
                   </a:solidFill>
@@ -28702,10 +26510,10 @@
             <p:cNvPr id="34" name="Freeform 28">
               <a:extLst>
                 <a:ext uri="{FF2B5EF4-FFF2-40B4-BE49-F238E27FC236}">
-                  <a16:creationId xmlns:a16="http://schemas.microsoft.com/office/drawing/2014/main" id="{C6C3CA25-431F-4E26-952D-4AA9C4C725CF}"/>
+                  <a16:creationId xmlns:a16="http://schemas.microsoft.com/office/drawing/2014/main" xmlns="" id="{C6C3CA25-431F-4E26-952D-4AA9C4C725CF}"/>
                 </a:ext>
                 <a:ext uri="{C183D7F6-B498-43B3-948B-1728B52AA6E4}">
-                  <adec:decorative xmlns:adec="http://schemas.microsoft.com/office/drawing/2017/decorative" val="1"/>
+                  <adec:decorative xmlns:adec="http://schemas.microsoft.com/office/drawing/2017/decorative" xmlns="" val="1"/>
                 </a:ext>
               </a:extLst>
             </p:cNvPr>
@@ -28715,7 +26523,7 @@
             <p:nvPr>
               <p:extLst>
                 <p:ext uri="{386F3935-93C4-4BCD-93E2-E3B085C9AB24}">
-                  <p16:designElem xmlns:p16="http://schemas.microsoft.com/office/powerpoint/2015/main" val="1"/>
+                  <p16:designElem xmlns:p16="http://schemas.microsoft.com/office/powerpoint/2015/main" xmlns="" val="1"/>
                 </p:ext>
               </p:extLst>
             </p:nvPr>
@@ -28790,7 +26598,7 @@
             </a:ln>
             <a:extLst>
               <a:ext uri="{91240B29-F687-4f45-9708-019B960494DF}">
-                <a14:hiddenLine xmlns="" xmlns:a16="http://schemas.microsoft.com/office/drawing/2014/main" xmlns:p14="http://schemas.microsoft.com/office/powerpoint/2010/main" xmlns:a14="http://schemas.microsoft.com/office/drawing/2010/main" w="9525">
+                <a14:hiddenLine xmlns:a14="http://schemas.microsoft.com/office/drawing/2010/main" xmlns:p14="http://schemas.microsoft.com/office/powerpoint/2010/main" xmlns:a16="http://schemas.microsoft.com/office/drawing/2014/main" xmlns="" w="9525">
                   <a:solidFill>
                     <a:srgbClr val="000000"/>
                   </a:solidFill>
@@ -28807,10 +26615,10 @@
             <p:cNvPr id="35" name="Freeform 29">
               <a:extLst>
                 <a:ext uri="{FF2B5EF4-FFF2-40B4-BE49-F238E27FC236}">
-                  <a16:creationId xmlns:a16="http://schemas.microsoft.com/office/drawing/2014/main" id="{776D1836-82AE-40EF-9829-C6B8D2CF0258}"/>
+                  <a16:creationId xmlns:a16="http://schemas.microsoft.com/office/drawing/2014/main" xmlns="" id="{776D1836-82AE-40EF-9829-C6B8D2CF0258}"/>
                 </a:ext>
                 <a:ext uri="{C183D7F6-B498-43B3-948B-1728B52AA6E4}">
-                  <adec:decorative xmlns:adec="http://schemas.microsoft.com/office/drawing/2017/decorative" val="1"/>
+                  <adec:decorative xmlns:adec="http://schemas.microsoft.com/office/drawing/2017/decorative" xmlns="" val="1"/>
                 </a:ext>
               </a:extLst>
             </p:cNvPr>
@@ -28820,7 +26628,7 @@
             <p:nvPr>
               <p:extLst>
                 <p:ext uri="{386F3935-93C4-4BCD-93E2-E3B085C9AB24}">
-                  <p16:designElem xmlns:p16="http://schemas.microsoft.com/office/powerpoint/2015/main" val="1"/>
+                  <p16:designElem xmlns:p16="http://schemas.microsoft.com/office/powerpoint/2015/main" xmlns="" val="1"/>
                 </p:ext>
               </p:extLst>
             </p:nvPr>
@@ -28895,7 +26703,7 @@
             </a:ln>
             <a:extLst>
               <a:ext uri="{91240B29-F687-4f45-9708-019B960494DF}">
-                <a14:hiddenLine xmlns="" xmlns:a16="http://schemas.microsoft.com/office/drawing/2014/main" xmlns:p14="http://schemas.microsoft.com/office/powerpoint/2010/main" xmlns:a14="http://schemas.microsoft.com/office/drawing/2010/main" w="9525">
+                <a14:hiddenLine xmlns:a14="http://schemas.microsoft.com/office/drawing/2010/main" xmlns:p14="http://schemas.microsoft.com/office/powerpoint/2010/main" xmlns:a16="http://schemas.microsoft.com/office/drawing/2014/main" xmlns="" w="9525">
                   <a:solidFill>
                     <a:srgbClr val="000000"/>
                   </a:solidFill>
@@ -28912,10 +26720,10 @@
             <p:cNvPr id="36" name="Freeform 30">
               <a:extLst>
                 <a:ext uri="{FF2B5EF4-FFF2-40B4-BE49-F238E27FC236}">
-                  <a16:creationId xmlns:a16="http://schemas.microsoft.com/office/drawing/2014/main" id="{9A8E397E-ADF9-45C1-98F4-3F5A86378B6F}"/>
+                  <a16:creationId xmlns:a16="http://schemas.microsoft.com/office/drawing/2014/main" xmlns="" id="{9A8E397E-ADF9-45C1-98F4-3F5A86378B6F}"/>
                 </a:ext>
                 <a:ext uri="{C183D7F6-B498-43B3-948B-1728B52AA6E4}">
-                  <adec:decorative xmlns:adec="http://schemas.microsoft.com/office/drawing/2017/decorative" val="1"/>
+                  <adec:decorative xmlns:adec="http://schemas.microsoft.com/office/drawing/2017/decorative" xmlns="" val="1"/>
                 </a:ext>
               </a:extLst>
             </p:cNvPr>
@@ -28923,7 +26731,7 @@
             <p:nvPr>
               <p:extLst>
                 <p:ext uri="{386F3935-93C4-4BCD-93E2-E3B085C9AB24}">
-                  <p16:designElem xmlns:p16="http://schemas.microsoft.com/office/powerpoint/2015/main" val="1"/>
+                  <p16:designElem xmlns:p16="http://schemas.microsoft.com/office/powerpoint/2015/main" xmlns="" val="1"/>
                 </p:ext>
               </p:extLst>
             </p:nvPr>
@@ -28975,7 +26783,7 @@
             </a:ln>
             <a:extLst>
               <a:ext uri="{91240B29-F687-4f45-9708-019B960494DF}">
-                <a14:hiddenLine xmlns="" xmlns:a16="http://schemas.microsoft.com/office/drawing/2014/main" xmlns:p14="http://schemas.microsoft.com/office/powerpoint/2010/main" xmlns:a14="http://schemas.microsoft.com/office/drawing/2010/main" w="9525">
+                <a14:hiddenLine xmlns:a14="http://schemas.microsoft.com/office/drawing/2010/main" xmlns:p14="http://schemas.microsoft.com/office/powerpoint/2010/main" xmlns:a16="http://schemas.microsoft.com/office/drawing/2014/main" xmlns="" w="9525">
                   <a:solidFill>
                     <a:srgbClr val="000000"/>
                   </a:solidFill>
@@ -28992,10 +26800,10 @@
             <p:cNvPr id="37" name="Freeform 31">
               <a:extLst>
                 <a:ext uri="{FF2B5EF4-FFF2-40B4-BE49-F238E27FC236}">
-                  <a16:creationId xmlns:a16="http://schemas.microsoft.com/office/drawing/2014/main" id="{DE07CFD9-357F-40BC-A792-CE874BFE5094}"/>
+                  <a16:creationId xmlns:a16="http://schemas.microsoft.com/office/drawing/2014/main" xmlns="" id="{DE07CFD9-357F-40BC-A792-CE874BFE5094}"/>
                 </a:ext>
                 <a:ext uri="{C183D7F6-B498-43B3-948B-1728B52AA6E4}">
-                  <adec:decorative xmlns:adec="http://schemas.microsoft.com/office/drawing/2017/decorative" val="1"/>
+                  <adec:decorative xmlns:adec="http://schemas.microsoft.com/office/drawing/2017/decorative" xmlns="" val="1"/>
                 </a:ext>
               </a:extLst>
             </p:cNvPr>
@@ -29005,7 +26813,7 @@
             <p:nvPr>
               <p:extLst>
                 <p:ext uri="{386F3935-93C4-4BCD-93E2-E3B085C9AB24}">
-                  <p16:designElem xmlns:p16="http://schemas.microsoft.com/office/powerpoint/2015/main" val="1"/>
+                  <p16:designElem xmlns:p16="http://schemas.microsoft.com/office/powerpoint/2015/main" xmlns="" val="1"/>
                 </p:ext>
               </p:extLst>
             </p:nvPr>
@@ -29110,7 +26918,7 @@
             </a:ln>
             <a:extLst>
               <a:ext uri="{91240B29-F687-4f45-9708-019B960494DF}">
-                <a14:hiddenLine xmlns="" xmlns:a16="http://schemas.microsoft.com/office/drawing/2014/main" xmlns:p14="http://schemas.microsoft.com/office/powerpoint/2010/main" xmlns:a14="http://schemas.microsoft.com/office/drawing/2010/main" w="9525">
+                <a14:hiddenLine xmlns:a14="http://schemas.microsoft.com/office/drawing/2010/main" xmlns:p14="http://schemas.microsoft.com/office/powerpoint/2010/main" xmlns:a16="http://schemas.microsoft.com/office/drawing/2014/main" xmlns="" w="9525">
                   <a:solidFill>
                     <a:srgbClr val="000000"/>
                   </a:solidFill>
@@ -29128,7 +26936,7 @@
           <p:cNvPr id="2" name="Title 1">
             <a:extLst>
               <a:ext uri="{FF2B5EF4-FFF2-40B4-BE49-F238E27FC236}">
-                <a16:creationId xmlns:a16="http://schemas.microsoft.com/office/drawing/2014/main" id="{0F01F816-955C-B941-A14D-D5112D7A3E9C}"/>
+                <a16:creationId xmlns:a16="http://schemas.microsoft.com/office/drawing/2014/main" xmlns="" id="{0F01F816-955C-B941-A14D-D5112D7A3E9C}"/>
               </a:ext>
             </a:extLst>
           </p:cNvPr>
@@ -29164,10 +26972,10 @@
           <p:cNvPr id="39" name="Straight Connector 38">
             <a:extLst>
               <a:ext uri="{FF2B5EF4-FFF2-40B4-BE49-F238E27FC236}">
-                <a16:creationId xmlns:a16="http://schemas.microsoft.com/office/drawing/2014/main" id="{085ECEC0-FF5D-4348-92C7-1EA7C61E770C}"/>
+                <a16:creationId xmlns:a16="http://schemas.microsoft.com/office/drawing/2014/main" xmlns="" id="{085ECEC0-FF5D-4348-92C7-1EA7C61E770C}"/>
               </a:ext>
               <a:ext uri="{C183D7F6-B498-43B3-948B-1728B52AA6E4}">
-                <adec:decorative xmlns:adec="http://schemas.microsoft.com/office/drawing/2017/decorative" val="1"/>
+                <adec:decorative xmlns:adec="http://schemas.microsoft.com/office/drawing/2017/decorative" xmlns="" val="1"/>
               </a:ext>
             </a:extLst>
           </p:cNvPr>
@@ -29177,7 +26985,7 @@
           <p:nvPr>
             <p:extLst>
               <p:ext uri="{386F3935-93C4-4BCD-93E2-E3B085C9AB24}">
-                <p16:designElem xmlns:p16="http://schemas.microsoft.com/office/powerpoint/2015/main" val="1"/>
+                <p16:designElem xmlns:p16="http://schemas.microsoft.com/office/powerpoint/2015/main" xmlns="" val="1"/>
               </p:ext>
             </p:extLst>
           </p:nvPr>
@@ -29218,7 +27026,7 @@
           <p:cNvPr id="3" name="Content Placeholder 2">
             <a:extLst>
               <a:ext uri="{FF2B5EF4-FFF2-40B4-BE49-F238E27FC236}">
-                <a16:creationId xmlns:a16="http://schemas.microsoft.com/office/drawing/2014/main" id="{5E981716-005B-6E42-97D0-42888D6A5683}"/>
+                <a16:creationId xmlns:a16="http://schemas.microsoft.com/office/drawing/2014/main" xmlns="" id="{5E981716-005B-6E42-97D0-42888D6A5683}"/>
               </a:ext>
             </a:extLst>
           </p:cNvPr>
@@ -29281,10 +27089,10 @@
           <p:cNvPr id="41" name="Group 40">
             <a:extLst>
               <a:ext uri="{FF2B5EF4-FFF2-40B4-BE49-F238E27FC236}">
-                <a16:creationId xmlns:a16="http://schemas.microsoft.com/office/drawing/2014/main" id="{F4E035BE-9FF4-43D3-BC25-CF582D7FF85E}"/>
+                <a16:creationId xmlns:a16="http://schemas.microsoft.com/office/drawing/2014/main" xmlns="" id="{F4E035BE-9FF4-43D3-BC25-CF582D7FF85E}"/>
               </a:ext>
               <a:ext uri="{C183D7F6-B498-43B3-948B-1728B52AA6E4}">
-                <adec:decorative xmlns:adec="http://schemas.microsoft.com/office/drawing/2017/decorative" val="1"/>
+                <adec:decorative xmlns:adec="http://schemas.microsoft.com/office/drawing/2017/decorative" xmlns="" val="1"/>
               </a:ext>
             </a:extLst>
           </p:cNvPr>
@@ -29294,7 +27102,7 @@
           <p:nvPr>
             <p:extLst>
               <p:ext uri="{386F3935-93C4-4BCD-93E2-E3B085C9AB24}">
-                <p16:designElem xmlns:p16="http://schemas.microsoft.com/office/powerpoint/2015/main" val="1"/>
+                <p16:designElem xmlns:p16="http://schemas.microsoft.com/office/powerpoint/2015/main" xmlns="" val="1"/>
               </p:ext>
             </p:extLst>
           </p:nvPr>
@@ -29317,10 +27125,10 @@
             <p:cNvPr id="42" name="Freeform 32">
               <a:extLst>
                 <a:ext uri="{FF2B5EF4-FFF2-40B4-BE49-F238E27FC236}">
-                  <a16:creationId xmlns:a16="http://schemas.microsoft.com/office/drawing/2014/main" id="{F98BCEB2-EC20-4E84-A994-0AC37292C8B2}"/>
+                  <a16:creationId xmlns:a16="http://schemas.microsoft.com/office/drawing/2014/main" xmlns="" id="{F98BCEB2-EC20-4E84-A994-0AC37292C8B2}"/>
                 </a:ext>
                 <a:ext uri="{C183D7F6-B498-43B3-948B-1728B52AA6E4}">
-                  <adec:decorative xmlns:adec="http://schemas.microsoft.com/office/drawing/2017/decorative" val="1"/>
+                  <adec:decorative xmlns:adec="http://schemas.microsoft.com/office/drawing/2017/decorative" xmlns="" val="1"/>
                 </a:ext>
               </a:extLst>
             </p:cNvPr>
@@ -29328,7 +27136,7 @@
             <p:nvPr>
               <p:extLst>
                 <p:ext uri="{386F3935-93C4-4BCD-93E2-E3B085C9AB24}">
-                  <p16:designElem xmlns:p16="http://schemas.microsoft.com/office/powerpoint/2015/main" val="1"/>
+                  <p16:designElem xmlns:p16="http://schemas.microsoft.com/office/powerpoint/2015/main" xmlns="" val="1"/>
                 </p:ext>
               </p:extLst>
             </p:nvPr>
@@ -29380,7 +27188,7 @@
             </a:ln>
             <a:extLst>
               <a:ext uri="{91240B29-F687-4f45-9708-019B960494DF}">
-                <a14:hiddenLine xmlns="" xmlns:a16="http://schemas.microsoft.com/office/drawing/2014/main" xmlns:p14="http://schemas.microsoft.com/office/powerpoint/2010/main" xmlns:a14="http://schemas.microsoft.com/office/drawing/2010/main" w="9525">
+                <a14:hiddenLine xmlns:a14="http://schemas.microsoft.com/office/drawing/2010/main" xmlns:p14="http://schemas.microsoft.com/office/powerpoint/2010/main" xmlns:a16="http://schemas.microsoft.com/office/drawing/2014/main" xmlns="" w="9525">
                   <a:solidFill>
                     <a:srgbClr val="000000"/>
                   </a:solidFill>
@@ -29397,10 +27205,10 @@
             <p:cNvPr id="43" name="Freeform 33">
               <a:extLst>
                 <a:ext uri="{FF2B5EF4-FFF2-40B4-BE49-F238E27FC236}">
-                  <a16:creationId xmlns:a16="http://schemas.microsoft.com/office/drawing/2014/main" id="{7A2E1821-AEDF-417E-9F17-83379E9C0941}"/>
+                  <a16:creationId xmlns:a16="http://schemas.microsoft.com/office/drawing/2014/main" xmlns="" id="{7A2E1821-AEDF-417E-9F17-83379E9C0941}"/>
                 </a:ext>
                 <a:ext uri="{C183D7F6-B498-43B3-948B-1728B52AA6E4}">
-                  <adec:decorative xmlns:adec="http://schemas.microsoft.com/office/drawing/2017/decorative" val="1"/>
+                  <adec:decorative xmlns:adec="http://schemas.microsoft.com/office/drawing/2017/decorative" xmlns="" val="1"/>
                 </a:ext>
               </a:extLst>
             </p:cNvPr>
@@ -29410,7 +27218,7 @@
             <p:nvPr>
               <p:extLst>
                 <p:ext uri="{386F3935-93C4-4BCD-93E2-E3B085C9AB24}">
-                  <p16:designElem xmlns:p16="http://schemas.microsoft.com/office/powerpoint/2015/main" val="1"/>
+                  <p16:designElem xmlns:p16="http://schemas.microsoft.com/office/powerpoint/2015/main" xmlns="" val="1"/>
                 </p:ext>
               </p:extLst>
             </p:nvPr>
@@ -29510,7 +27318,7 @@
             </a:ln>
             <a:extLst>
               <a:ext uri="{91240B29-F687-4f45-9708-019B960494DF}">
-                <a14:hiddenLine xmlns="" xmlns:a16="http://schemas.microsoft.com/office/drawing/2014/main" xmlns:p14="http://schemas.microsoft.com/office/powerpoint/2010/main" xmlns:a14="http://schemas.microsoft.com/office/drawing/2010/main" w="9525">
+                <a14:hiddenLine xmlns:a14="http://schemas.microsoft.com/office/drawing/2010/main" xmlns:p14="http://schemas.microsoft.com/office/powerpoint/2010/main" xmlns:a16="http://schemas.microsoft.com/office/drawing/2014/main" xmlns="" w="9525">
                   <a:solidFill>
                     <a:srgbClr val="000000"/>
                   </a:solidFill>
@@ -29527,10 +27335,10 @@
             <p:cNvPr id="44" name="Freeform 34">
               <a:extLst>
                 <a:ext uri="{FF2B5EF4-FFF2-40B4-BE49-F238E27FC236}">
-                  <a16:creationId xmlns:a16="http://schemas.microsoft.com/office/drawing/2014/main" id="{CB3734E2-8292-4B47-B6AB-0E5A058DE95A}"/>
+                  <a16:creationId xmlns:a16="http://schemas.microsoft.com/office/drawing/2014/main" xmlns="" id="{CB3734E2-8292-4B47-B6AB-0E5A058DE95A}"/>
                 </a:ext>
                 <a:ext uri="{C183D7F6-B498-43B3-948B-1728B52AA6E4}">
-                  <adec:decorative xmlns:adec="http://schemas.microsoft.com/office/drawing/2017/decorative" val="1"/>
+                  <adec:decorative xmlns:adec="http://schemas.microsoft.com/office/drawing/2017/decorative" xmlns="" val="1"/>
                 </a:ext>
               </a:extLst>
             </p:cNvPr>
@@ -29540,7 +27348,7 @@
             <p:nvPr>
               <p:extLst>
                 <p:ext uri="{386F3935-93C4-4BCD-93E2-E3B085C9AB24}">
-                  <p16:designElem xmlns:p16="http://schemas.microsoft.com/office/powerpoint/2015/main" val="1"/>
+                  <p16:designElem xmlns:p16="http://schemas.microsoft.com/office/powerpoint/2015/main" xmlns="" val="1"/>
                 </p:ext>
               </p:extLst>
             </p:nvPr>
@@ -29615,7 +27423,7 @@
             </a:ln>
             <a:extLst>
               <a:ext uri="{91240B29-F687-4f45-9708-019B960494DF}">
-                <a14:hiddenLine xmlns="" xmlns:a16="http://schemas.microsoft.com/office/drawing/2014/main" xmlns:p14="http://schemas.microsoft.com/office/powerpoint/2010/main" xmlns:a14="http://schemas.microsoft.com/office/drawing/2010/main" w="9525">
+                <a14:hiddenLine xmlns:a14="http://schemas.microsoft.com/office/drawing/2010/main" xmlns:p14="http://schemas.microsoft.com/office/powerpoint/2010/main" xmlns:a16="http://schemas.microsoft.com/office/drawing/2014/main" xmlns="" w="9525">
                   <a:solidFill>
                     <a:srgbClr val="000000"/>
                   </a:solidFill>
@@ -29632,10 +27440,10 @@
             <p:cNvPr id="45" name="Freeform 35">
               <a:extLst>
                 <a:ext uri="{FF2B5EF4-FFF2-40B4-BE49-F238E27FC236}">
-                  <a16:creationId xmlns:a16="http://schemas.microsoft.com/office/drawing/2014/main" id="{A0B09C51-29AB-45C0-B707-CCFB9DF280B1}"/>
+                  <a16:creationId xmlns:a16="http://schemas.microsoft.com/office/drawing/2014/main" xmlns="" id="{A0B09C51-29AB-45C0-B707-CCFB9DF280B1}"/>
                 </a:ext>
                 <a:ext uri="{C183D7F6-B498-43B3-948B-1728B52AA6E4}">
-                  <adec:decorative xmlns:adec="http://schemas.microsoft.com/office/drawing/2017/decorative" val="1"/>
+                  <adec:decorative xmlns:adec="http://schemas.microsoft.com/office/drawing/2017/decorative" xmlns="" val="1"/>
                 </a:ext>
               </a:extLst>
             </p:cNvPr>
@@ -29643,7 +27451,7 @@
             <p:nvPr>
               <p:extLst>
                 <p:ext uri="{386F3935-93C4-4BCD-93E2-E3B085C9AB24}">
-                  <p16:designElem xmlns:p16="http://schemas.microsoft.com/office/powerpoint/2015/main" val="1"/>
+                  <p16:designElem xmlns:p16="http://schemas.microsoft.com/office/powerpoint/2015/main" xmlns="" val="1"/>
                 </p:ext>
               </p:extLst>
             </p:nvPr>
@@ -29695,7 +27503,7 @@
             </a:ln>
             <a:extLst>
               <a:ext uri="{91240B29-F687-4f45-9708-019B960494DF}">
-                <a14:hiddenLine xmlns="" xmlns:a16="http://schemas.microsoft.com/office/drawing/2014/main" xmlns:p14="http://schemas.microsoft.com/office/powerpoint/2010/main" xmlns:a14="http://schemas.microsoft.com/office/drawing/2010/main" w="9525">
+                <a14:hiddenLine xmlns:a14="http://schemas.microsoft.com/office/drawing/2010/main" xmlns:p14="http://schemas.microsoft.com/office/powerpoint/2010/main" xmlns:a16="http://schemas.microsoft.com/office/drawing/2014/main" xmlns="" w="9525">
                   <a:solidFill>
                     <a:srgbClr val="000000"/>
                   </a:solidFill>
@@ -29712,10 +27520,10 @@
             <p:cNvPr id="46" name="Freeform 36">
               <a:extLst>
                 <a:ext uri="{FF2B5EF4-FFF2-40B4-BE49-F238E27FC236}">
-                  <a16:creationId xmlns:a16="http://schemas.microsoft.com/office/drawing/2014/main" id="{510C0CED-AE1B-45AE-B5E1-57521E589D27}"/>
+                  <a16:creationId xmlns:a16="http://schemas.microsoft.com/office/drawing/2014/main" xmlns="" id="{510C0CED-AE1B-45AE-B5E1-57521E589D27}"/>
                 </a:ext>
                 <a:ext uri="{C183D7F6-B498-43B3-948B-1728B52AA6E4}">
-                  <adec:decorative xmlns:adec="http://schemas.microsoft.com/office/drawing/2017/decorative" val="1"/>
+                  <adec:decorative xmlns:adec="http://schemas.microsoft.com/office/drawing/2017/decorative" xmlns="" val="1"/>
                 </a:ext>
               </a:extLst>
             </p:cNvPr>
@@ -29725,7 +27533,7 @@
             <p:nvPr>
               <p:extLst>
                 <p:ext uri="{386F3935-93C4-4BCD-93E2-E3B085C9AB24}">
-                  <p16:designElem xmlns:p16="http://schemas.microsoft.com/office/powerpoint/2015/main" val="1"/>
+                  <p16:designElem xmlns:p16="http://schemas.microsoft.com/office/powerpoint/2015/main" xmlns="" val="1"/>
                 </p:ext>
               </p:extLst>
             </p:nvPr>
@@ -29800,7 +27608,7 @@
             </a:ln>
             <a:extLst>
               <a:ext uri="{91240B29-F687-4f45-9708-019B960494DF}">
-                <a14:hiddenLine xmlns="" xmlns:a16="http://schemas.microsoft.com/office/drawing/2014/main" xmlns:p14="http://schemas.microsoft.com/office/powerpoint/2010/main" xmlns:a14="http://schemas.microsoft.com/office/drawing/2010/main" w="9525">
+                <a14:hiddenLine xmlns:a14="http://schemas.microsoft.com/office/drawing/2010/main" xmlns:p14="http://schemas.microsoft.com/office/powerpoint/2010/main" xmlns:a16="http://schemas.microsoft.com/office/drawing/2014/main" xmlns="" w="9525">
                   <a:solidFill>
                     <a:srgbClr val="000000"/>
                   </a:solidFill>
@@ -29817,10 +27625,10 @@
             <p:cNvPr id="47" name="Freeform 37">
               <a:extLst>
                 <a:ext uri="{FF2B5EF4-FFF2-40B4-BE49-F238E27FC236}">
-                  <a16:creationId xmlns:a16="http://schemas.microsoft.com/office/drawing/2014/main" id="{591F2327-4B45-41AA-B41C-7404B6A1E4F2}"/>
+                  <a16:creationId xmlns:a16="http://schemas.microsoft.com/office/drawing/2014/main" xmlns="" id="{591F2327-4B45-41AA-B41C-7404B6A1E4F2}"/>
                 </a:ext>
                 <a:ext uri="{C183D7F6-B498-43B3-948B-1728B52AA6E4}">
-                  <adec:decorative xmlns:adec="http://schemas.microsoft.com/office/drawing/2017/decorative" val="1"/>
+                  <adec:decorative xmlns:adec="http://schemas.microsoft.com/office/drawing/2017/decorative" xmlns="" val="1"/>
                 </a:ext>
               </a:extLst>
             </p:cNvPr>
@@ -29828,7 +27636,7 @@
             <p:nvPr>
               <p:extLst>
                 <p:ext uri="{386F3935-93C4-4BCD-93E2-E3B085C9AB24}">
-                  <p16:designElem xmlns:p16="http://schemas.microsoft.com/office/powerpoint/2015/main" val="1"/>
+                  <p16:designElem xmlns:p16="http://schemas.microsoft.com/office/powerpoint/2015/main" xmlns="" val="1"/>
                 </p:ext>
               </p:extLst>
             </p:nvPr>
@@ -29883,7 +27691,7 @@
             </a:ln>
             <a:extLst>
               <a:ext uri="{91240B29-F687-4f45-9708-019B960494DF}">
-                <a14:hiddenLine xmlns="" xmlns:a16="http://schemas.microsoft.com/office/drawing/2014/main" xmlns:p14="http://schemas.microsoft.com/office/powerpoint/2010/main" xmlns:a14="http://schemas.microsoft.com/office/drawing/2010/main" w="9525">
+                <a14:hiddenLine xmlns:a14="http://schemas.microsoft.com/office/drawing/2010/main" xmlns:p14="http://schemas.microsoft.com/office/powerpoint/2010/main" xmlns:a16="http://schemas.microsoft.com/office/drawing/2014/main" xmlns="" w="9525">
                   <a:solidFill>
                     <a:srgbClr val="000000"/>
                   </a:solidFill>
@@ -29900,10 +27708,10 @@
             <p:cNvPr id="48" name="Freeform 38">
               <a:extLst>
                 <a:ext uri="{FF2B5EF4-FFF2-40B4-BE49-F238E27FC236}">
-                  <a16:creationId xmlns:a16="http://schemas.microsoft.com/office/drawing/2014/main" id="{5A63224C-41A0-42C0-96F6-0B2BE99A1353}"/>
+                  <a16:creationId xmlns:a16="http://schemas.microsoft.com/office/drawing/2014/main" xmlns="" id="{5A63224C-41A0-42C0-96F6-0B2BE99A1353}"/>
                 </a:ext>
                 <a:ext uri="{C183D7F6-B498-43B3-948B-1728B52AA6E4}">
-                  <adec:decorative xmlns:adec="http://schemas.microsoft.com/office/drawing/2017/decorative" val="1"/>
+                  <adec:decorative xmlns:adec="http://schemas.microsoft.com/office/drawing/2017/decorative" xmlns="" val="1"/>
                 </a:ext>
               </a:extLst>
             </p:cNvPr>
@@ -29913,7 +27721,7 @@
             <p:nvPr>
               <p:extLst>
                 <p:ext uri="{386F3935-93C4-4BCD-93E2-E3B085C9AB24}">
-                  <p16:designElem xmlns:p16="http://schemas.microsoft.com/office/powerpoint/2015/main" val="1"/>
+                  <p16:designElem xmlns:p16="http://schemas.microsoft.com/office/powerpoint/2015/main" xmlns="" val="1"/>
                 </p:ext>
               </p:extLst>
             </p:nvPr>
@@ -29988,7 +27796,7 @@
             </a:ln>
             <a:extLst>
               <a:ext uri="{91240B29-F687-4f45-9708-019B960494DF}">
-                <a14:hiddenLine xmlns="" xmlns:a16="http://schemas.microsoft.com/office/drawing/2014/main" xmlns:p14="http://schemas.microsoft.com/office/powerpoint/2010/main" xmlns:a14="http://schemas.microsoft.com/office/drawing/2010/main" w="9525">
+                <a14:hiddenLine xmlns:a14="http://schemas.microsoft.com/office/drawing/2010/main" xmlns:p14="http://schemas.microsoft.com/office/powerpoint/2010/main" xmlns:a16="http://schemas.microsoft.com/office/drawing/2014/main" xmlns="" w="9525">
                   <a:solidFill>
                     <a:srgbClr val="000000"/>
                   </a:solidFill>
@@ -30005,10 +27813,10 @@
             <p:cNvPr id="49" name="Freeform 39">
               <a:extLst>
                 <a:ext uri="{FF2B5EF4-FFF2-40B4-BE49-F238E27FC236}">
-                  <a16:creationId xmlns:a16="http://schemas.microsoft.com/office/drawing/2014/main" id="{A7C00B9F-C253-4776-9935-EC02254A4F2F}"/>
+                  <a16:creationId xmlns:a16="http://schemas.microsoft.com/office/drawing/2014/main" xmlns="" id="{A7C00B9F-C253-4776-9935-EC02254A4F2F}"/>
                 </a:ext>
                 <a:ext uri="{C183D7F6-B498-43B3-948B-1728B52AA6E4}">
-                  <adec:decorative xmlns:adec="http://schemas.microsoft.com/office/drawing/2017/decorative" val="1"/>
+                  <adec:decorative xmlns:adec="http://schemas.microsoft.com/office/drawing/2017/decorative" xmlns="" val="1"/>
                 </a:ext>
               </a:extLst>
             </p:cNvPr>
@@ -30016,7 +27824,7 @@
             <p:nvPr>
               <p:extLst>
                 <p:ext uri="{386F3935-93C4-4BCD-93E2-E3B085C9AB24}">
-                  <p16:designElem xmlns:p16="http://schemas.microsoft.com/office/powerpoint/2015/main" val="1"/>
+                  <p16:designElem xmlns:p16="http://schemas.microsoft.com/office/powerpoint/2015/main" xmlns="" val="1"/>
                 </p:ext>
               </p:extLst>
             </p:nvPr>
@@ -30071,7 +27879,7 @@
             </a:ln>
             <a:extLst>
               <a:ext uri="{91240B29-F687-4f45-9708-019B960494DF}">
-                <a14:hiddenLine xmlns="" xmlns:a16="http://schemas.microsoft.com/office/drawing/2014/main" xmlns:p14="http://schemas.microsoft.com/office/powerpoint/2010/main" xmlns:a14="http://schemas.microsoft.com/office/drawing/2010/main" w="9525">
+                <a14:hiddenLine xmlns:a14="http://schemas.microsoft.com/office/drawing/2010/main" xmlns:p14="http://schemas.microsoft.com/office/powerpoint/2010/main" xmlns:a16="http://schemas.microsoft.com/office/drawing/2014/main" xmlns="" w="9525">
                   <a:solidFill>
                     <a:srgbClr val="000000"/>
                   </a:solidFill>
@@ -30088,10 +27896,10 @@
             <p:cNvPr id="50" name="Freeform 40">
               <a:extLst>
                 <a:ext uri="{FF2B5EF4-FFF2-40B4-BE49-F238E27FC236}">
-                  <a16:creationId xmlns:a16="http://schemas.microsoft.com/office/drawing/2014/main" id="{5062D4AA-13F3-4064-8440-FFE8562D8540}"/>
+                  <a16:creationId xmlns:a16="http://schemas.microsoft.com/office/drawing/2014/main" xmlns="" id="{5062D4AA-13F3-4064-8440-FFE8562D8540}"/>
                 </a:ext>
                 <a:ext uri="{C183D7F6-B498-43B3-948B-1728B52AA6E4}">
-                  <adec:decorative xmlns:adec="http://schemas.microsoft.com/office/drawing/2017/decorative" val="1"/>
+                  <adec:decorative xmlns:adec="http://schemas.microsoft.com/office/drawing/2017/decorative" xmlns="" val="1"/>
                 </a:ext>
               </a:extLst>
             </p:cNvPr>
@@ -30101,7 +27909,7 @@
             <p:nvPr>
               <p:extLst>
                 <p:ext uri="{386F3935-93C4-4BCD-93E2-E3B085C9AB24}">
-                  <p16:designElem xmlns:p16="http://schemas.microsoft.com/office/powerpoint/2015/main" val="1"/>
+                  <p16:designElem xmlns:p16="http://schemas.microsoft.com/office/powerpoint/2015/main" xmlns="" val="1"/>
                 </p:ext>
               </p:extLst>
             </p:nvPr>
@@ -30176,7 +27984,7 @@
             </a:ln>
             <a:extLst>
               <a:ext uri="{91240B29-F687-4f45-9708-019B960494DF}">
-                <a14:hiddenLine xmlns="" xmlns:a16="http://schemas.microsoft.com/office/drawing/2014/main" xmlns:p14="http://schemas.microsoft.com/office/powerpoint/2010/main" xmlns:a14="http://schemas.microsoft.com/office/drawing/2010/main" w="9525">
+                <a14:hiddenLine xmlns:a14="http://schemas.microsoft.com/office/drawing/2010/main" xmlns:p14="http://schemas.microsoft.com/office/powerpoint/2010/main" xmlns:a16="http://schemas.microsoft.com/office/drawing/2014/main" xmlns="" w="9525">
                   <a:solidFill>
                     <a:srgbClr val="000000"/>
                   </a:solidFill>
@@ -30193,10 +28001,10 @@
             <p:cNvPr id="51" name="Rectangle 41">
               <a:extLst>
                 <a:ext uri="{FF2B5EF4-FFF2-40B4-BE49-F238E27FC236}">
-                  <a16:creationId xmlns:a16="http://schemas.microsoft.com/office/drawing/2014/main" id="{3E143B27-CB82-440B-879B-D25C1891C191}"/>
+                  <a16:creationId xmlns:a16="http://schemas.microsoft.com/office/drawing/2014/main" xmlns="" id="{3E143B27-CB82-440B-879B-D25C1891C191}"/>
                 </a:ext>
                 <a:ext uri="{C183D7F6-B498-43B3-948B-1728B52AA6E4}">
-                  <adec:decorative xmlns:adec="http://schemas.microsoft.com/office/drawing/2017/decorative" val="1"/>
+                  <adec:decorative xmlns:adec="http://schemas.microsoft.com/office/drawing/2017/decorative" xmlns="" val="1"/>
                 </a:ext>
               </a:extLst>
             </p:cNvPr>
@@ -30206,7 +28014,7 @@
             <p:nvPr>
               <p:extLst>
                 <p:ext uri="{386F3935-93C4-4BCD-93E2-E3B085C9AB24}">
-                  <p16:designElem xmlns:p16="http://schemas.microsoft.com/office/powerpoint/2015/main" val="1"/>
+                  <p16:designElem xmlns:p16="http://schemas.microsoft.com/office/powerpoint/2015/main" xmlns="" val="1"/>
                 </p:ext>
               </p:extLst>
             </p:nvPr>
@@ -30225,7 +28033,7 @@
             </a:ln>
             <a:extLst>
               <a:ext uri="{91240B29-F687-4f45-9708-019B960494DF}">
-                <a14:hiddenLine xmlns="" xmlns:a16="http://schemas.microsoft.com/office/drawing/2014/main" xmlns:p14="http://schemas.microsoft.com/office/powerpoint/2010/main" xmlns:a14="http://schemas.microsoft.com/office/drawing/2010/main" w="9525">
+                <a14:hiddenLine xmlns:a14="http://schemas.microsoft.com/office/drawing/2010/main" xmlns:p14="http://schemas.microsoft.com/office/powerpoint/2010/main" xmlns:a16="http://schemas.microsoft.com/office/drawing/2014/main" xmlns="" w="9525">
                   <a:solidFill>
                     <a:srgbClr val="000000"/>
                   </a:solidFill>
@@ -30273,7 +28081,7 @@
           <p:cNvPr id="2" name="Title 1">
             <a:extLst>
               <a:ext uri="{FF2B5EF4-FFF2-40B4-BE49-F238E27FC236}">
-                <a16:creationId xmlns:a16="http://schemas.microsoft.com/office/drawing/2014/main" id="{7F3B99DD-ABEF-E94D-B397-179343488225}"/>
+                <a16:creationId xmlns:a16="http://schemas.microsoft.com/office/drawing/2014/main" xmlns="" id="{7F3B99DD-ABEF-E94D-B397-179343488225}"/>
               </a:ext>
             </a:extLst>
           </p:cNvPr>
@@ -30308,7 +28116,7 @@
           <p:cNvPr id="5" name="Content Placeholder 2">
             <a:extLst>
               <a:ext uri="{FF2B5EF4-FFF2-40B4-BE49-F238E27FC236}">
-                <a16:creationId xmlns:a16="http://schemas.microsoft.com/office/drawing/2014/main" id="{34CD5546-3355-4D27-8184-60C4744701FE}"/>
+                <a16:creationId xmlns:a16="http://schemas.microsoft.com/office/drawing/2014/main" xmlns="" id="{34CD5546-3355-4D27-8184-60C4744701FE}"/>
               </a:ext>
             </a:extLst>
           </p:cNvPr>
@@ -30369,10 +28177,10 @@
           <p:cNvPr id="11" name="Rectangle 10">
             <a:extLst>
               <a:ext uri="{FF2B5EF4-FFF2-40B4-BE49-F238E27FC236}">
-                <a16:creationId xmlns:a16="http://schemas.microsoft.com/office/drawing/2014/main" id="{C2E4E997-8672-4FFD-B8EC-9932A8E4714B}"/>
+                <a16:creationId xmlns:a16="http://schemas.microsoft.com/office/drawing/2014/main" xmlns="" id="{C2E4E997-8672-4FFD-B8EC-9932A8E4714B}"/>
               </a:ext>
               <a:ext uri="{C183D7F6-B498-43B3-948B-1728B52AA6E4}">
-                <adec:decorative xmlns:adec="http://schemas.microsoft.com/office/drawing/2017/decorative" val="1"/>
+                <adec:decorative xmlns:adec="http://schemas.microsoft.com/office/drawing/2017/decorative" xmlns="" val="1"/>
               </a:ext>
             </a:extLst>
           </p:cNvPr>
@@ -30382,7 +28190,7 @@
           <p:nvPr>
             <p:extLst>
               <p:ext uri="{386F3935-93C4-4BCD-93E2-E3B085C9AB24}">
-                <p16:designElem xmlns:p16="http://schemas.microsoft.com/office/powerpoint/2015/main" val="1"/>
+                <p16:designElem xmlns:p16="http://schemas.microsoft.com/office/powerpoint/2015/main" xmlns="" val="1"/>
               </p:ext>
             </p:extLst>
           </p:nvPr>
@@ -30429,10 +28237,10 @@
           <p:cNvPr id="13" name="Picture 2">
             <a:extLst>
               <a:ext uri="{FF2B5EF4-FFF2-40B4-BE49-F238E27FC236}">
-                <a16:creationId xmlns:a16="http://schemas.microsoft.com/office/drawing/2014/main" id="{FE6BA9E6-1D9E-4D30-B528-D49FA1342E4E}"/>
+                <a16:creationId xmlns:a16="http://schemas.microsoft.com/office/drawing/2014/main" xmlns="" id="{FE6BA9E6-1D9E-4D30-B528-D49FA1342E4E}"/>
               </a:ext>
               <a:ext uri="{C183D7F6-B498-43B3-948B-1728B52AA6E4}">
-                <adec:decorative xmlns:adec="http://schemas.microsoft.com/office/drawing/2017/decorative" val="1"/>
+                <adec:decorative xmlns:adec="http://schemas.microsoft.com/office/drawing/2017/decorative" xmlns="" val="1"/>
               </a:ext>
             </a:extLst>
           </p:cNvPr>
@@ -30442,7 +28250,7 @@
           <p:nvPr>
             <p:extLst>
               <p:ext uri="{386F3935-93C4-4BCD-93E2-E3B085C9AB24}">
-                <p16:designElem xmlns:p16="http://schemas.microsoft.com/office/powerpoint/2015/main" val="1"/>
+                <p16:designElem xmlns:p16="http://schemas.microsoft.com/office/powerpoint/2015/main" xmlns="" val="1"/>
               </p:ext>
             </p:extLst>
           </p:nvPr>
@@ -30472,7 +28280,7 @@
           <a:noFill/>
           <a:extLst>
             <a:ext uri="{909E8E84-426E-40dd-AFC4-6F175D3DCCD1}">
-              <a14:hiddenFill xmlns="" xmlns:a16="http://schemas.microsoft.com/office/drawing/2014/main" xmlns:p14="http://schemas.microsoft.com/office/powerpoint/2010/main" xmlns:a14="http://schemas.microsoft.com/office/drawing/2010/main">
+              <a14:hiddenFill xmlns:a14="http://schemas.microsoft.com/office/drawing/2010/main" xmlns:p14="http://schemas.microsoft.com/office/powerpoint/2010/main" xmlns:a16="http://schemas.microsoft.com/office/drawing/2014/main" xmlns="">
                 <a:solidFill>
                   <a:srgbClr val="FFFFFF"/>
                 </a:solidFill>
@@ -30486,7 +28294,7 @@
           <p:cNvPr id="2" name="Title 1">
             <a:extLst>
               <a:ext uri="{FF2B5EF4-FFF2-40B4-BE49-F238E27FC236}">
-                <a16:creationId xmlns:a16="http://schemas.microsoft.com/office/drawing/2014/main" id="{7036839F-A36B-F245-8104-1AF252DC2292}"/>
+                <a16:creationId xmlns:a16="http://schemas.microsoft.com/office/drawing/2014/main" xmlns="" id="{7036839F-A36B-F245-8104-1AF252DC2292}"/>
               </a:ext>
             </a:extLst>
           </p:cNvPr>
@@ -30521,7 +28329,7 @@
           <p:cNvPr id="6" name="TextBox 5">
             <a:extLst>
               <a:ext uri="{FF2B5EF4-FFF2-40B4-BE49-F238E27FC236}">
-                <a16:creationId xmlns:a16="http://schemas.microsoft.com/office/drawing/2014/main" id="{CAEF9264-692A-9E47-8628-EF989679A9CA}"/>
+                <a16:creationId xmlns:a16="http://schemas.microsoft.com/office/drawing/2014/main" xmlns="" id="{CAEF9264-692A-9E47-8628-EF989679A9CA}"/>
               </a:ext>
             </a:extLst>
           </p:cNvPr>
@@ -30580,7 +28388,7 @@
           <p:cNvPr id="5" name="Content Placeholder 4">
             <a:extLst>
               <a:ext uri="{FF2B5EF4-FFF2-40B4-BE49-F238E27FC236}">
-                <a16:creationId xmlns:a16="http://schemas.microsoft.com/office/drawing/2014/main" id="{0F6DFF96-8144-A342-B58F-FEE34D091E07}"/>
+                <a16:creationId xmlns:a16="http://schemas.microsoft.com/office/drawing/2014/main" xmlns="" id="{0F6DFF96-8144-A342-B58F-FEE34D091E07}"/>
               </a:ext>
             </a:extLst>
           </p:cNvPr>
@@ -30632,10 +28440,10 @@
           <p:cNvPr id="15" name="Group 14">
             <a:extLst>
               <a:ext uri="{FF2B5EF4-FFF2-40B4-BE49-F238E27FC236}">
-                <a16:creationId xmlns:a16="http://schemas.microsoft.com/office/drawing/2014/main" id="{453E4DEE-E996-40F8-8635-0FF43D7348F9}"/>
+                <a16:creationId xmlns:a16="http://schemas.microsoft.com/office/drawing/2014/main" xmlns="" id="{453E4DEE-E996-40F8-8635-0FF43D7348F9}"/>
               </a:ext>
               <a:ext uri="{C183D7F6-B498-43B3-948B-1728B52AA6E4}">
-                <adec:decorative xmlns:adec="http://schemas.microsoft.com/office/drawing/2017/decorative" val="1"/>
+                <adec:decorative xmlns:adec="http://schemas.microsoft.com/office/drawing/2017/decorative" xmlns="" val="1"/>
               </a:ext>
             </a:extLst>
           </p:cNvPr>
@@ -30645,7 +28453,7 @@
           <p:nvPr>
             <p:extLst>
               <p:ext uri="{386F3935-93C4-4BCD-93E2-E3B085C9AB24}">
-                <p16:designElem xmlns:p16="http://schemas.microsoft.com/office/powerpoint/2015/main" val="1"/>
+                <p16:designElem xmlns:p16="http://schemas.microsoft.com/office/powerpoint/2015/main" xmlns="" val="1"/>
               </p:ext>
             </p:extLst>
           </p:nvPr>
@@ -30678,10 +28486,10 @@
             <p:cNvPr id="16" name="Rectangle 5">
               <a:extLst>
                 <a:ext uri="{FF2B5EF4-FFF2-40B4-BE49-F238E27FC236}">
-                  <a16:creationId xmlns:a16="http://schemas.microsoft.com/office/drawing/2014/main" id="{08BD1D3E-43CE-49EB-A424-0738950C6424}"/>
+                  <a16:creationId xmlns:a16="http://schemas.microsoft.com/office/drawing/2014/main" xmlns="" id="{08BD1D3E-43CE-49EB-A424-0738950C6424}"/>
                 </a:ext>
                 <a:ext uri="{C183D7F6-B498-43B3-948B-1728B52AA6E4}">
-                  <adec:decorative xmlns:adec="http://schemas.microsoft.com/office/drawing/2017/decorative" val="1"/>
+                  <adec:decorative xmlns:adec="http://schemas.microsoft.com/office/drawing/2017/decorative" xmlns="" val="1"/>
                 </a:ext>
               </a:extLst>
             </p:cNvPr>
@@ -30691,7 +28499,7 @@
             <p:nvPr>
               <p:extLst>
                 <p:ext uri="{386F3935-93C4-4BCD-93E2-E3B085C9AB24}">
-                  <p16:designElem xmlns:p16="http://schemas.microsoft.com/office/powerpoint/2015/main" val="1"/>
+                  <p16:designElem xmlns:p16="http://schemas.microsoft.com/office/powerpoint/2015/main" xmlns="" val="1"/>
                 </p:ext>
               </p:extLst>
             </p:nvPr>
@@ -30710,7 +28518,7 @@
             </a:ln>
             <a:extLst>
               <a:ext uri="{91240B29-F687-4f45-9708-019B960494DF}">
-                <a14:hiddenLine xmlns="" xmlns:a16="http://schemas.microsoft.com/office/drawing/2014/main" xmlns:p14="http://schemas.microsoft.com/office/powerpoint/2010/main" xmlns:a14="http://schemas.microsoft.com/office/drawing/2010/main" w="9525">
+                <a14:hiddenLine xmlns:a14="http://schemas.microsoft.com/office/drawing/2010/main" xmlns:p14="http://schemas.microsoft.com/office/powerpoint/2010/main" xmlns:a16="http://schemas.microsoft.com/office/drawing/2014/main" xmlns="" w="9525">
                   <a:solidFill>
                     <a:srgbClr val="000000"/>
                   </a:solidFill>
@@ -30727,10 +28535,10 @@
             <p:cNvPr id="17" name="Freeform 6">
               <a:extLst>
                 <a:ext uri="{FF2B5EF4-FFF2-40B4-BE49-F238E27FC236}">
-                  <a16:creationId xmlns:a16="http://schemas.microsoft.com/office/drawing/2014/main" id="{E9182037-E3FA-489A-95D5-29E4248420D8}"/>
+                  <a16:creationId xmlns:a16="http://schemas.microsoft.com/office/drawing/2014/main" xmlns="" id="{E9182037-E3FA-489A-95D5-29E4248420D8}"/>
                 </a:ext>
                 <a:ext uri="{C183D7F6-B498-43B3-948B-1728B52AA6E4}">
-                  <adec:decorative xmlns:adec="http://schemas.microsoft.com/office/drawing/2017/decorative" val="1"/>
+                  <adec:decorative xmlns:adec="http://schemas.microsoft.com/office/drawing/2017/decorative" xmlns="" val="1"/>
                 </a:ext>
               </a:extLst>
             </p:cNvPr>
@@ -30740,7 +28548,7 @@
             <p:nvPr>
               <p:extLst>
                 <p:ext uri="{386F3935-93C4-4BCD-93E2-E3B085C9AB24}">
-                  <p16:designElem xmlns:p16="http://schemas.microsoft.com/office/powerpoint/2015/main" val="1"/>
+                  <p16:designElem xmlns:p16="http://schemas.microsoft.com/office/powerpoint/2015/main" xmlns="" val="1"/>
                 </p:ext>
               </p:extLst>
             </p:nvPr>
@@ -30815,7 +28623,7 @@
             </a:ln>
             <a:extLst>
               <a:ext uri="{91240B29-F687-4f45-9708-019B960494DF}">
-                <a14:hiddenLine xmlns="" xmlns:a16="http://schemas.microsoft.com/office/drawing/2014/main" xmlns:p14="http://schemas.microsoft.com/office/powerpoint/2010/main" xmlns:a14="http://schemas.microsoft.com/office/drawing/2010/main" w="9525">
+                <a14:hiddenLine xmlns:a14="http://schemas.microsoft.com/office/drawing/2010/main" xmlns:p14="http://schemas.microsoft.com/office/powerpoint/2010/main" xmlns:a16="http://schemas.microsoft.com/office/drawing/2014/main" xmlns="" w="9525">
                   <a:solidFill>
                     <a:srgbClr val="000000"/>
                   </a:solidFill>
@@ -30832,10 +28640,10 @@
             <p:cNvPr id="18" name="Freeform 7">
               <a:extLst>
                 <a:ext uri="{FF2B5EF4-FFF2-40B4-BE49-F238E27FC236}">
-                  <a16:creationId xmlns:a16="http://schemas.microsoft.com/office/drawing/2014/main" id="{E8864E76-AD7F-4BEE-B3F6-A78FA42AEFAC}"/>
+                  <a16:creationId xmlns:a16="http://schemas.microsoft.com/office/drawing/2014/main" xmlns="" id="{E8864E76-AD7F-4BEE-B3F6-A78FA42AEFAC}"/>
                 </a:ext>
                 <a:ext uri="{C183D7F6-B498-43B3-948B-1728B52AA6E4}">
-                  <adec:decorative xmlns:adec="http://schemas.microsoft.com/office/drawing/2017/decorative" val="1"/>
+                  <adec:decorative xmlns:adec="http://schemas.microsoft.com/office/drawing/2017/decorative" xmlns="" val="1"/>
                 </a:ext>
               </a:extLst>
             </p:cNvPr>
@@ -30845,7 +28653,7 @@
             <p:nvPr>
               <p:extLst>
                 <p:ext uri="{386F3935-93C4-4BCD-93E2-E3B085C9AB24}">
-                  <p16:designElem xmlns:p16="http://schemas.microsoft.com/office/powerpoint/2015/main" val="1"/>
+                  <p16:designElem xmlns:p16="http://schemas.microsoft.com/office/powerpoint/2015/main" xmlns="" val="1"/>
                 </p:ext>
               </p:extLst>
             </p:nvPr>
@@ -30920,7 +28728,7 @@
             </a:ln>
             <a:extLst>
               <a:ext uri="{91240B29-F687-4f45-9708-019B960494DF}">
-                <a14:hiddenLine xmlns="" xmlns:a16="http://schemas.microsoft.com/office/drawing/2014/main" xmlns:p14="http://schemas.microsoft.com/office/powerpoint/2010/main" xmlns:a14="http://schemas.microsoft.com/office/drawing/2010/main" w="9525">
+                <a14:hiddenLine xmlns:a14="http://schemas.microsoft.com/office/drawing/2010/main" xmlns:p14="http://schemas.microsoft.com/office/powerpoint/2010/main" xmlns:a16="http://schemas.microsoft.com/office/drawing/2014/main" xmlns="" w="9525">
                   <a:solidFill>
                     <a:srgbClr val="000000"/>
                   </a:solidFill>
@@ -30937,10 +28745,10 @@
             <p:cNvPr id="19" name="Freeform 8">
               <a:extLst>
                 <a:ext uri="{FF2B5EF4-FFF2-40B4-BE49-F238E27FC236}">
-                  <a16:creationId xmlns:a16="http://schemas.microsoft.com/office/drawing/2014/main" id="{8AD071B3-046D-4479-91FE-01E9AD7C8AAB}"/>
+                  <a16:creationId xmlns:a16="http://schemas.microsoft.com/office/drawing/2014/main" xmlns="" id="{8AD071B3-046D-4479-91FE-01E9AD7C8AAB}"/>
                 </a:ext>
                 <a:ext uri="{C183D7F6-B498-43B3-948B-1728B52AA6E4}">
-                  <adec:decorative xmlns:adec="http://schemas.microsoft.com/office/drawing/2017/decorative" val="1"/>
+                  <adec:decorative xmlns:adec="http://schemas.microsoft.com/office/drawing/2017/decorative" xmlns="" val="1"/>
                 </a:ext>
               </a:extLst>
             </p:cNvPr>
@@ -30948,7 +28756,7 @@
             <p:nvPr>
               <p:extLst>
                 <p:ext uri="{386F3935-93C4-4BCD-93E2-E3B085C9AB24}">
-                  <p16:designElem xmlns:p16="http://schemas.microsoft.com/office/powerpoint/2015/main" val="1"/>
+                  <p16:designElem xmlns:p16="http://schemas.microsoft.com/office/powerpoint/2015/main" xmlns="" val="1"/>
                 </p:ext>
               </p:extLst>
             </p:nvPr>
@@ -30997,7 +28805,7 @@
             </a:ln>
             <a:extLst>
               <a:ext uri="{91240B29-F687-4f45-9708-019B960494DF}">
-                <a14:hiddenLine xmlns="" xmlns:a16="http://schemas.microsoft.com/office/drawing/2014/main" xmlns:p14="http://schemas.microsoft.com/office/powerpoint/2010/main" xmlns:a14="http://schemas.microsoft.com/office/drawing/2010/main" w="9525">
+                <a14:hiddenLine xmlns:a14="http://schemas.microsoft.com/office/drawing/2010/main" xmlns:p14="http://schemas.microsoft.com/office/powerpoint/2010/main" xmlns:a16="http://schemas.microsoft.com/office/drawing/2014/main" xmlns="" w="9525">
                   <a:solidFill>
                     <a:srgbClr val="000000"/>
                   </a:solidFill>
@@ -31014,10 +28822,10 @@
             <p:cNvPr id="20" name="Freeform 9">
               <a:extLst>
                 <a:ext uri="{FF2B5EF4-FFF2-40B4-BE49-F238E27FC236}">
-                  <a16:creationId xmlns:a16="http://schemas.microsoft.com/office/drawing/2014/main" id="{91D776F5-E902-4A4D-A75D-A46E063C9F38}"/>
+                  <a16:creationId xmlns:a16="http://schemas.microsoft.com/office/drawing/2014/main" xmlns="" id="{91D776F5-E902-4A4D-A75D-A46E063C9F38}"/>
                 </a:ext>
                 <a:ext uri="{C183D7F6-B498-43B3-948B-1728B52AA6E4}">
-                  <adec:decorative xmlns:adec="http://schemas.microsoft.com/office/drawing/2017/decorative" val="1"/>
+                  <adec:decorative xmlns:adec="http://schemas.microsoft.com/office/drawing/2017/decorative" xmlns="" val="1"/>
                 </a:ext>
               </a:extLst>
             </p:cNvPr>
@@ -31027,7 +28835,7 @@
             <p:nvPr>
               <p:extLst>
                 <p:ext uri="{386F3935-93C4-4BCD-93E2-E3B085C9AB24}">
-                  <p16:designElem xmlns:p16="http://schemas.microsoft.com/office/powerpoint/2015/main" val="1"/>
+                  <p16:designElem xmlns:p16="http://schemas.microsoft.com/office/powerpoint/2015/main" xmlns="" val="1"/>
                 </p:ext>
               </p:extLst>
             </p:nvPr>
@@ -31102,7 +28910,7 @@
             </a:ln>
             <a:extLst>
               <a:ext uri="{91240B29-F687-4f45-9708-019B960494DF}">
-                <a14:hiddenLine xmlns="" xmlns:a16="http://schemas.microsoft.com/office/drawing/2014/main" xmlns:p14="http://schemas.microsoft.com/office/powerpoint/2010/main" xmlns:a14="http://schemas.microsoft.com/office/drawing/2010/main" w="9525">
+                <a14:hiddenLine xmlns:a14="http://schemas.microsoft.com/office/drawing/2010/main" xmlns:p14="http://schemas.microsoft.com/office/powerpoint/2010/main" xmlns:a16="http://schemas.microsoft.com/office/drawing/2014/main" xmlns="" w="9525">
                   <a:solidFill>
                     <a:srgbClr val="000000"/>
                   </a:solidFill>
@@ -31119,10 +28927,10 @@
             <p:cNvPr id="21" name="Freeform 10">
               <a:extLst>
                 <a:ext uri="{FF2B5EF4-FFF2-40B4-BE49-F238E27FC236}">
-                  <a16:creationId xmlns:a16="http://schemas.microsoft.com/office/drawing/2014/main" id="{EBED8F24-A998-4952-AB68-E2074F0746FE}"/>
+                  <a16:creationId xmlns:a16="http://schemas.microsoft.com/office/drawing/2014/main" xmlns="" id="{EBED8F24-A998-4952-AB68-E2074F0746FE}"/>
                 </a:ext>
                 <a:ext uri="{C183D7F6-B498-43B3-948B-1728B52AA6E4}">
-                  <adec:decorative xmlns:adec="http://schemas.microsoft.com/office/drawing/2017/decorative" val="1"/>
+                  <adec:decorative xmlns:adec="http://schemas.microsoft.com/office/drawing/2017/decorative" xmlns="" val="1"/>
                 </a:ext>
               </a:extLst>
             </p:cNvPr>
@@ -31130,7 +28938,7 @@
             <p:nvPr>
               <p:extLst>
                 <p:ext uri="{386F3935-93C4-4BCD-93E2-E3B085C9AB24}">
-                  <p16:designElem xmlns:p16="http://schemas.microsoft.com/office/powerpoint/2015/main" val="1"/>
+                  <p16:designElem xmlns:p16="http://schemas.microsoft.com/office/powerpoint/2015/main" xmlns="" val="1"/>
                 </p:ext>
               </p:extLst>
             </p:nvPr>
@@ -31179,7 +28987,7 @@
             </a:ln>
             <a:extLst>
               <a:ext uri="{91240B29-F687-4f45-9708-019B960494DF}">
-                <a14:hiddenLine xmlns="" xmlns:a16="http://schemas.microsoft.com/office/drawing/2014/main" xmlns:p14="http://schemas.microsoft.com/office/powerpoint/2010/main" xmlns:a14="http://schemas.microsoft.com/office/drawing/2010/main" w="9525">
+                <a14:hiddenLine xmlns:a14="http://schemas.microsoft.com/office/drawing/2010/main" xmlns:p14="http://schemas.microsoft.com/office/powerpoint/2010/main" xmlns:a16="http://schemas.microsoft.com/office/drawing/2014/main" xmlns="" w="9525">
                   <a:solidFill>
                     <a:srgbClr val="000000"/>
                   </a:solidFill>
@@ -31196,10 +29004,10 @@
             <p:cNvPr id="22" name="Freeform 11">
               <a:extLst>
                 <a:ext uri="{FF2B5EF4-FFF2-40B4-BE49-F238E27FC236}">
-                  <a16:creationId xmlns:a16="http://schemas.microsoft.com/office/drawing/2014/main" id="{74D7A646-8CDC-49B3-9C44-3EF38DB4264C}"/>
+                  <a16:creationId xmlns:a16="http://schemas.microsoft.com/office/drawing/2014/main" xmlns="" id="{74D7A646-8CDC-49B3-9C44-3EF38DB4264C}"/>
                 </a:ext>
                 <a:ext uri="{C183D7F6-B498-43B3-948B-1728B52AA6E4}">
-                  <adec:decorative xmlns:adec="http://schemas.microsoft.com/office/drawing/2017/decorative" val="1"/>
+                  <adec:decorative xmlns:adec="http://schemas.microsoft.com/office/drawing/2017/decorative" xmlns="" val="1"/>
                 </a:ext>
               </a:extLst>
             </p:cNvPr>
@@ -31207,7 +29015,7 @@
             <p:nvPr>
               <p:extLst>
                 <p:ext uri="{386F3935-93C4-4BCD-93E2-E3B085C9AB24}">
-                  <p16:designElem xmlns:p16="http://schemas.microsoft.com/office/powerpoint/2015/main" val="1"/>
+                  <p16:designElem xmlns:p16="http://schemas.microsoft.com/office/powerpoint/2015/main" xmlns="" val="1"/>
                 </p:ext>
               </p:extLst>
             </p:nvPr>
@@ -31256,7 +29064,7 @@
             </a:ln>
             <a:extLst>
               <a:ext uri="{91240B29-F687-4f45-9708-019B960494DF}">
-                <a14:hiddenLine xmlns="" xmlns:a16="http://schemas.microsoft.com/office/drawing/2014/main" xmlns:p14="http://schemas.microsoft.com/office/powerpoint/2010/main" xmlns:a14="http://schemas.microsoft.com/office/drawing/2010/main" w="9525">
+                <a14:hiddenLine xmlns:a14="http://schemas.microsoft.com/office/drawing/2010/main" xmlns:p14="http://schemas.microsoft.com/office/powerpoint/2010/main" xmlns:a16="http://schemas.microsoft.com/office/drawing/2014/main" xmlns="" w="9525">
                   <a:solidFill>
                     <a:srgbClr val="000000"/>
                   </a:solidFill>
@@ -31273,10 +29081,10 @@
             <p:cNvPr id="23" name="Freeform 12">
               <a:extLst>
                 <a:ext uri="{FF2B5EF4-FFF2-40B4-BE49-F238E27FC236}">
-                  <a16:creationId xmlns:a16="http://schemas.microsoft.com/office/drawing/2014/main" id="{D4E99D14-E4F4-419B-9AAF-8D1CEAB28A2D}"/>
+                  <a16:creationId xmlns:a16="http://schemas.microsoft.com/office/drawing/2014/main" xmlns="" id="{D4E99D14-E4F4-419B-9AAF-8D1CEAB28A2D}"/>
                 </a:ext>
                 <a:ext uri="{C183D7F6-B498-43B3-948B-1728B52AA6E4}">
-                  <adec:decorative xmlns:adec="http://schemas.microsoft.com/office/drawing/2017/decorative" val="1"/>
+                  <adec:decorative xmlns:adec="http://schemas.microsoft.com/office/drawing/2017/decorative" xmlns="" val="1"/>
                 </a:ext>
               </a:extLst>
             </p:cNvPr>
@@ -31286,7 +29094,7 @@
             <p:nvPr>
               <p:extLst>
                 <p:ext uri="{386F3935-93C4-4BCD-93E2-E3B085C9AB24}">
-                  <p16:designElem xmlns:p16="http://schemas.microsoft.com/office/powerpoint/2015/main" val="1"/>
+                  <p16:designElem xmlns:p16="http://schemas.microsoft.com/office/powerpoint/2015/main" xmlns="" val="1"/>
                 </p:ext>
               </p:extLst>
             </p:nvPr>
@@ -31361,7 +29169,7 @@
             </a:ln>
             <a:extLst>
               <a:ext uri="{91240B29-F687-4f45-9708-019B960494DF}">
-                <a14:hiddenLine xmlns="" xmlns:a16="http://schemas.microsoft.com/office/drawing/2014/main" xmlns:p14="http://schemas.microsoft.com/office/powerpoint/2010/main" xmlns:a14="http://schemas.microsoft.com/office/drawing/2010/main" w="9525">
+                <a14:hiddenLine xmlns:a14="http://schemas.microsoft.com/office/drawing/2010/main" xmlns:p14="http://schemas.microsoft.com/office/powerpoint/2010/main" xmlns:a16="http://schemas.microsoft.com/office/drawing/2014/main" xmlns="" w="9525">
                   <a:solidFill>
                     <a:srgbClr val="000000"/>
                   </a:solidFill>
@@ -31378,10 +29186,10 @@
             <p:cNvPr id="24" name="Freeform 13">
               <a:extLst>
                 <a:ext uri="{FF2B5EF4-FFF2-40B4-BE49-F238E27FC236}">
-                  <a16:creationId xmlns:a16="http://schemas.microsoft.com/office/drawing/2014/main" id="{377E106C-5445-4A52-9F7E-DA1738744291}"/>
+                  <a16:creationId xmlns:a16="http://schemas.microsoft.com/office/drawing/2014/main" xmlns="" id="{377E106C-5445-4A52-9F7E-DA1738744291}"/>
                 </a:ext>
                 <a:ext uri="{C183D7F6-B498-43B3-948B-1728B52AA6E4}">
-                  <adec:decorative xmlns:adec="http://schemas.microsoft.com/office/drawing/2017/decorative" val="1"/>
+                  <adec:decorative xmlns:adec="http://schemas.microsoft.com/office/drawing/2017/decorative" xmlns="" val="1"/>
                 </a:ext>
               </a:extLst>
             </p:cNvPr>
@@ -31391,7 +29199,7 @@
             <p:nvPr>
               <p:extLst>
                 <p:ext uri="{386F3935-93C4-4BCD-93E2-E3B085C9AB24}">
-                  <p16:designElem xmlns:p16="http://schemas.microsoft.com/office/powerpoint/2015/main" val="1"/>
+                  <p16:designElem xmlns:p16="http://schemas.microsoft.com/office/powerpoint/2015/main" xmlns="" val="1"/>
                 </p:ext>
               </p:extLst>
             </p:nvPr>
@@ -31466,7 +29274,7 @@
             </a:ln>
             <a:extLst>
               <a:ext uri="{91240B29-F687-4f45-9708-019B960494DF}">
-                <a14:hiddenLine xmlns="" xmlns:a16="http://schemas.microsoft.com/office/drawing/2014/main" xmlns:p14="http://schemas.microsoft.com/office/powerpoint/2010/main" xmlns:a14="http://schemas.microsoft.com/office/drawing/2010/main" w="9525">
+                <a14:hiddenLine xmlns:a14="http://schemas.microsoft.com/office/drawing/2010/main" xmlns:p14="http://schemas.microsoft.com/office/powerpoint/2010/main" xmlns:a16="http://schemas.microsoft.com/office/drawing/2014/main" xmlns="" w="9525">
                   <a:solidFill>
                     <a:srgbClr val="000000"/>
                   </a:solidFill>
@@ -31483,10 +29291,10 @@
             <p:cNvPr id="25" name="Freeform 14">
               <a:extLst>
                 <a:ext uri="{FF2B5EF4-FFF2-40B4-BE49-F238E27FC236}">
-                  <a16:creationId xmlns:a16="http://schemas.microsoft.com/office/drawing/2014/main" id="{752BFE96-D378-4BAE-A64B-F851A34C4770}"/>
+                  <a16:creationId xmlns:a16="http://schemas.microsoft.com/office/drawing/2014/main" xmlns="" id="{752BFE96-D378-4BAE-A64B-F851A34C4770}"/>
                 </a:ext>
                 <a:ext uri="{C183D7F6-B498-43B3-948B-1728B52AA6E4}">
-                  <adec:decorative xmlns:adec="http://schemas.microsoft.com/office/drawing/2017/decorative" val="1"/>
+                  <adec:decorative xmlns:adec="http://schemas.microsoft.com/office/drawing/2017/decorative" xmlns="" val="1"/>
                 </a:ext>
               </a:extLst>
             </p:cNvPr>
@@ -31494,7 +29302,7 @@
             <p:nvPr>
               <p:extLst>
                 <p:ext uri="{386F3935-93C4-4BCD-93E2-E3B085C9AB24}">
-                  <p16:designElem xmlns:p16="http://schemas.microsoft.com/office/powerpoint/2015/main" val="1"/>
+                  <p16:designElem xmlns:p16="http://schemas.microsoft.com/office/powerpoint/2015/main" xmlns="" val="1"/>
                 </p:ext>
               </p:extLst>
             </p:nvPr>
@@ -31543,7 +29351,7 @@
             </a:ln>
             <a:extLst>
               <a:ext uri="{91240B29-F687-4f45-9708-019B960494DF}">
-                <a14:hiddenLine xmlns="" xmlns:a16="http://schemas.microsoft.com/office/drawing/2014/main" xmlns:p14="http://schemas.microsoft.com/office/powerpoint/2010/main" xmlns:a14="http://schemas.microsoft.com/office/drawing/2010/main" w="9525">
+                <a14:hiddenLine xmlns:a14="http://schemas.microsoft.com/office/drawing/2010/main" xmlns:p14="http://schemas.microsoft.com/office/powerpoint/2010/main" xmlns:a16="http://schemas.microsoft.com/office/drawing/2014/main" xmlns="" w="9525">
                   <a:solidFill>
                     <a:srgbClr val="000000"/>
                   </a:solidFill>
@@ -31560,10 +29368,10 @@
             <p:cNvPr id="26" name="Freeform 15">
               <a:extLst>
                 <a:ext uri="{FF2B5EF4-FFF2-40B4-BE49-F238E27FC236}">
-                  <a16:creationId xmlns:a16="http://schemas.microsoft.com/office/drawing/2014/main" id="{B88FFB19-5A5E-4078-B467-9D4ABD21BD9A}"/>
+                  <a16:creationId xmlns:a16="http://schemas.microsoft.com/office/drawing/2014/main" xmlns="" id="{B88FFB19-5A5E-4078-B467-9D4ABD21BD9A}"/>
                 </a:ext>
                 <a:ext uri="{C183D7F6-B498-43B3-948B-1728B52AA6E4}">
-                  <adec:decorative xmlns:adec="http://schemas.microsoft.com/office/drawing/2017/decorative" val="1"/>
+                  <adec:decorative xmlns:adec="http://schemas.microsoft.com/office/drawing/2017/decorative" xmlns="" val="1"/>
                 </a:ext>
               </a:extLst>
             </p:cNvPr>
@@ -31573,7 +29381,7 @@
             <p:nvPr>
               <p:extLst>
                 <p:ext uri="{386F3935-93C4-4BCD-93E2-E3B085C9AB24}">
-                  <p16:designElem xmlns:p16="http://schemas.microsoft.com/office/powerpoint/2015/main" val="1"/>
+                  <p16:designElem xmlns:p16="http://schemas.microsoft.com/office/powerpoint/2015/main" xmlns="" val="1"/>
                 </p:ext>
               </p:extLst>
             </p:nvPr>
@@ -31668,7 +29476,7 @@
             </a:ln>
             <a:extLst>
               <a:ext uri="{91240B29-F687-4f45-9708-019B960494DF}">
-                <a14:hiddenLine xmlns="" xmlns:a16="http://schemas.microsoft.com/office/drawing/2014/main" xmlns:p14="http://schemas.microsoft.com/office/powerpoint/2010/main" xmlns:a14="http://schemas.microsoft.com/office/drawing/2010/main" w="9525">
+                <a14:hiddenLine xmlns:a14="http://schemas.microsoft.com/office/drawing/2010/main" xmlns:p14="http://schemas.microsoft.com/office/powerpoint/2010/main" xmlns:a16="http://schemas.microsoft.com/office/drawing/2014/main" xmlns="" w="9525">
                   <a:solidFill>
                     <a:srgbClr val="000000"/>
                   </a:solidFill>
@@ -31685,10 +29493,10 @@
             <p:cNvPr id="27" name="Line 16">
               <a:extLst>
                 <a:ext uri="{FF2B5EF4-FFF2-40B4-BE49-F238E27FC236}">
-                  <a16:creationId xmlns:a16="http://schemas.microsoft.com/office/drawing/2014/main" id="{11042975-3D19-4728-BCDA-D3F5CD633EDB}"/>
+                  <a16:creationId xmlns:a16="http://schemas.microsoft.com/office/drawing/2014/main" xmlns="" id="{11042975-3D19-4728-BCDA-D3F5CD633EDB}"/>
                 </a:ext>
                 <a:ext uri="{C183D7F6-B498-43B3-948B-1728B52AA6E4}">
-                  <adec:decorative xmlns:adec="http://schemas.microsoft.com/office/drawing/2017/decorative" val="1"/>
+                  <adec:decorative xmlns:adec="http://schemas.microsoft.com/office/drawing/2017/decorative" xmlns="" val="1"/>
                 </a:ext>
               </a:extLst>
             </p:cNvPr>
@@ -31698,7 +29506,7 @@
             <p:nvPr>
               <p:extLst>
                 <p:ext uri="{386F3935-93C4-4BCD-93E2-E3B085C9AB24}">
-                  <p16:designElem xmlns:p16="http://schemas.microsoft.com/office/powerpoint/2015/main" val="1"/>
+                  <p16:designElem xmlns:p16="http://schemas.microsoft.com/office/powerpoint/2015/main" xmlns="" val="1"/>
                 </p:ext>
               </p:extLst>
             </p:nvPr>
@@ -31728,10 +29536,10 @@
             <p:cNvPr id="28" name="Freeform 17">
               <a:extLst>
                 <a:ext uri="{FF2B5EF4-FFF2-40B4-BE49-F238E27FC236}">
-                  <a16:creationId xmlns:a16="http://schemas.microsoft.com/office/drawing/2014/main" id="{A28972BD-D2E1-4DCA-A907-2E3B6F606649}"/>
+                  <a16:creationId xmlns:a16="http://schemas.microsoft.com/office/drawing/2014/main" xmlns="" id="{A28972BD-D2E1-4DCA-A907-2E3B6F606649}"/>
                 </a:ext>
                 <a:ext uri="{C183D7F6-B498-43B3-948B-1728B52AA6E4}">
-                  <adec:decorative xmlns:adec="http://schemas.microsoft.com/office/drawing/2017/decorative" val="1"/>
+                  <adec:decorative xmlns:adec="http://schemas.microsoft.com/office/drawing/2017/decorative" xmlns="" val="1"/>
                 </a:ext>
               </a:extLst>
             </p:cNvPr>
@@ -31739,7 +29547,7 @@
             <p:nvPr>
               <p:extLst>
                 <p:ext uri="{386F3935-93C4-4BCD-93E2-E3B085C9AB24}">
-                  <p16:designElem xmlns:p16="http://schemas.microsoft.com/office/powerpoint/2015/main" val="1"/>
+                  <p16:designElem xmlns:p16="http://schemas.microsoft.com/office/powerpoint/2015/main" xmlns="" val="1"/>
                 </p:ext>
               </p:extLst>
             </p:nvPr>
@@ -31782,7 +29590,7 @@
             </a:ln>
             <a:extLst>
               <a:ext uri="{91240B29-F687-4f45-9708-019B960494DF}">
-                <a14:hiddenLine xmlns="" xmlns:a16="http://schemas.microsoft.com/office/drawing/2014/main" xmlns:p14="http://schemas.microsoft.com/office/powerpoint/2010/main" xmlns:a14="http://schemas.microsoft.com/office/drawing/2010/main" w="9525">
+                <a14:hiddenLine xmlns:a14="http://schemas.microsoft.com/office/drawing/2010/main" xmlns:p14="http://schemas.microsoft.com/office/powerpoint/2010/main" xmlns:a16="http://schemas.microsoft.com/office/drawing/2014/main" xmlns="" w="9525">
                   <a:solidFill>
                     <a:srgbClr val="000000"/>
                   </a:solidFill>
@@ -31799,10 +29607,10 @@
             <p:cNvPr id="29" name="Freeform 18">
               <a:extLst>
                 <a:ext uri="{FF2B5EF4-FFF2-40B4-BE49-F238E27FC236}">
-                  <a16:creationId xmlns:a16="http://schemas.microsoft.com/office/drawing/2014/main" id="{1C806824-5C2D-4747-B038-69EE4074B366}"/>
+                  <a16:creationId xmlns:a16="http://schemas.microsoft.com/office/drawing/2014/main" xmlns="" id="{1C806824-5C2D-4747-B038-69EE4074B366}"/>
                 </a:ext>
                 <a:ext uri="{C183D7F6-B498-43B3-948B-1728B52AA6E4}">
-                  <adec:decorative xmlns:adec="http://schemas.microsoft.com/office/drawing/2017/decorative" val="1"/>
+                  <adec:decorative xmlns:adec="http://schemas.microsoft.com/office/drawing/2017/decorative" xmlns="" val="1"/>
                 </a:ext>
               </a:extLst>
             </p:cNvPr>
@@ -31810,7 +29618,7 @@
             <p:nvPr>
               <p:extLst>
                 <p:ext uri="{386F3935-93C4-4BCD-93E2-E3B085C9AB24}">
-                  <p16:designElem xmlns:p16="http://schemas.microsoft.com/office/powerpoint/2015/main" val="1"/>
+                  <p16:designElem xmlns:p16="http://schemas.microsoft.com/office/powerpoint/2015/main" xmlns="" val="1"/>
                 </p:ext>
               </p:extLst>
             </p:nvPr>
@@ -31859,7 +29667,7 @@
             </a:ln>
             <a:extLst>
               <a:ext uri="{91240B29-F687-4f45-9708-019B960494DF}">
-                <a14:hiddenLine xmlns="" xmlns:a16="http://schemas.microsoft.com/office/drawing/2014/main" xmlns:p14="http://schemas.microsoft.com/office/powerpoint/2010/main" xmlns:a14="http://schemas.microsoft.com/office/drawing/2010/main" w="9525">
+                <a14:hiddenLine xmlns:a14="http://schemas.microsoft.com/office/drawing/2010/main" xmlns:p14="http://schemas.microsoft.com/office/powerpoint/2010/main" xmlns:a16="http://schemas.microsoft.com/office/drawing/2014/main" xmlns="" w="9525">
                   <a:solidFill>
                     <a:srgbClr val="000000"/>
                   </a:solidFill>
@@ -31876,10 +29684,10 @@
             <p:cNvPr id="30" name="Freeform 19">
               <a:extLst>
                 <a:ext uri="{FF2B5EF4-FFF2-40B4-BE49-F238E27FC236}">
-                  <a16:creationId xmlns:a16="http://schemas.microsoft.com/office/drawing/2014/main" id="{3B33F710-16D7-4F48-BFCA-66C9CA2352CB}"/>
+                  <a16:creationId xmlns:a16="http://schemas.microsoft.com/office/drawing/2014/main" xmlns="" id="{3B33F710-16D7-4F48-BFCA-66C9CA2352CB}"/>
                 </a:ext>
                 <a:ext uri="{C183D7F6-B498-43B3-948B-1728B52AA6E4}">
-                  <adec:decorative xmlns:adec="http://schemas.microsoft.com/office/drawing/2017/decorative" val="1"/>
+                  <adec:decorative xmlns:adec="http://schemas.microsoft.com/office/drawing/2017/decorative" xmlns="" val="1"/>
                 </a:ext>
               </a:extLst>
             </p:cNvPr>
@@ -31887,7 +29695,7 @@
             <p:nvPr>
               <p:extLst>
                 <p:ext uri="{386F3935-93C4-4BCD-93E2-E3B085C9AB24}">
-                  <p16:designElem xmlns:p16="http://schemas.microsoft.com/office/powerpoint/2015/main" val="1"/>
+                  <p16:designElem xmlns:p16="http://schemas.microsoft.com/office/powerpoint/2015/main" xmlns="" val="1"/>
                 </p:ext>
               </p:extLst>
             </p:nvPr>
@@ -31936,7 +29744,7 @@
             </a:ln>
             <a:extLst>
               <a:ext uri="{91240B29-F687-4f45-9708-019B960494DF}">
-                <a14:hiddenLine xmlns="" xmlns:a16="http://schemas.microsoft.com/office/drawing/2014/main" xmlns:p14="http://schemas.microsoft.com/office/powerpoint/2010/main" xmlns:a14="http://schemas.microsoft.com/office/drawing/2010/main" w="9525">
+                <a14:hiddenLine xmlns:a14="http://schemas.microsoft.com/office/drawing/2010/main" xmlns:p14="http://schemas.microsoft.com/office/powerpoint/2010/main" xmlns:a16="http://schemas.microsoft.com/office/drawing/2014/main" xmlns="" w="9525">
                   <a:solidFill>
                     <a:srgbClr val="000000"/>
                   </a:solidFill>
@@ -31953,10 +29761,10 @@
             <p:cNvPr id="31" name="Freeform 20">
               <a:extLst>
                 <a:ext uri="{FF2B5EF4-FFF2-40B4-BE49-F238E27FC236}">
-                  <a16:creationId xmlns:a16="http://schemas.microsoft.com/office/drawing/2014/main" id="{6C8C8ED4-90FA-4E97-AAF0-D5D51E6A935E}"/>
+                  <a16:creationId xmlns:a16="http://schemas.microsoft.com/office/drawing/2014/main" xmlns="" id="{6C8C8ED4-90FA-4E97-AAF0-D5D51E6A935E}"/>
                 </a:ext>
                 <a:ext uri="{C183D7F6-B498-43B3-948B-1728B52AA6E4}">
-                  <adec:decorative xmlns:adec="http://schemas.microsoft.com/office/drawing/2017/decorative" val="1"/>
+                  <adec:decorative xmlns:adec="http://schemas.microsoft.com/office/drawing/2017/decorative" xmlns="" val="1"/>
                 </a:ext>
               </a:extLst>
             </p:cNvPr>
@@ -31966,7 +29774,7 @@
             <p:nvPr>
               <p:extLst>
                 <p:ext uri="{386F3935-93C4-4BCD-93E2-E3B085C9AB24}">
-                  <p16:designElem xmlns:p16="http://schemas.microsoft.com/office/powerpoint/2015/main" val="1"/>
+                  <p16:designElem xmlns:p16="http://schemas.microsoft.com/office/powerpoint/2015/main" xmlns="" val="1"/>
                 </p:ext>
               </p:extLst>
             </p:nvPr>
@@ -32041,7 +29849,7 @@
             </a:ln>
             <a:extLst>
               <a:ext uri="{91240B29-F687-4f45-9708-019B960494DF}">
-                <a14:hiddenLine xmlns="" xmlns:a16="http://schemas.microsoft.com/office/drawing/2014/main" xmlns:p14="http://schemas.microsoft.com/office/powerpoint/2010/main" xmlns:a14="http://schemas.microsoft.com/office/drawing/2010/main" w="9525">
+                <a14:hiddenLine xmlns:a14="http://schemas.microsoft.com/office/drawing/2010/main" xmlns:p14="http://schemas.microsoft.com/office/powerpoint/2010/main" xmlns:a16="http://schemas.microsoft.com/office/drawing/2014/main" xmlns="" w="9525">
                   <a:solidFill>
                     <a:srgbClr val="000000"/>
                   </a:solidFill>
@@ -32058,10 +29866,10 @@
             <p:cNvPr id="32" name="Rectangle 21">
               <a:extLst>
                 <a:ext uri="{FF2B5EF4-FFF2-40B4-BE49-F238E27FC236}">
-                  <a16:creationId xmlns:a16="http://schemas.microsoft.com/office/drawing/2014/main" id="{6C5EB9C1-B25F-4172-8A96-5950ECC828FC}"/>
+                  <a16:creationId xmlns:a16="http://schemas.microsoft.com/office/drawing/2014/main" xmlns="" id="{6C5EB9C1-B25F-4172-8A96-5950ECC828FC}"/>
                 </a:ext>
                 <a:ext uri="{C183D7F6-B498-43B3-948B-1728B52AA6E4}">
-                  <adec:decorative xmlns:adec="http://schemas.microsoft.com/office/drawing/2017/decorative" val="1"/>
+                  <adec:decorative xmlns:adec="http://schemas.microsoft.com/office/drawing/2017/decorative" xmlns="" val="1"/>
                 </a:ext>
               </a:extLst>
             </p:cNvPr>
@@ -32071,7 +29879,7 @@
             <p:nvPr>
               <p:extLst>
                 <p:ext uri="{386F3935-93C4-4BCD-93E2-E3B085C9AB24}">
-                  <p16:designElem xmlns:p16="http://schemas.microsoft.com/office/powerpoint/2015/main" val="1"/>
+                  <p16:designElem xmlns:p16="http://schemas.microsoft.com/office/powerpoint/2015/main" xmlns="" val="1"/>
                 </p:ext>
               </p:extLst>
             </p:nvPr>
@@ -32090,7 +29898,7 @@
             </a:ln>
             <a:extLst>
               <a:ext uri="{91240B29-F687-4f45-9708-019B960494DF}">
-                <a14:hiddenLine xmlns="" xmlns:a16="http://schemas.microsoft.com/office/drawing/2014/main" xmlns:p14="http://schemas.microsoft.com/office/powerpoint/2010/main" xmlns:a14="http://schemas.microsoft.com/office/drawing/2010/main" w="9525">
+                <a14:hiddenLine xmlns:a14="http://schemas.microsoft.com/office/drawing/2010/main" xmlns:p14="http://schemas.microsoft.com/office/powerpoint/2010/main" xmlns:a16="http://schemas.microsoft.com/office/drawing/2014/main" xmlns="" w="9525">
                   <a:solidFill>
                     <a:srgbClr val="000000"/>
                   </a:solidFill>
@@ -32107,10 +29915,10 @@
             <p:cNvPr id="33" name="Freeform 22">
               <a:extLst>
                 <a:ext uri="{FF2B5EF4-FFF2-40B4-BE49-F238E27FC236}">
-                  <a16:creationId xmlns:a16="http://schemas.microsoft.com/office/drawing/2014/main" id="{097E6E8A-9373-4655-882B-21715CCE97EE}"/>
+                  <a16:creationId xmlns:a16="http://schemas.microsoft.com/office/drawing/2014/main" xmlns="" id="{097E6E8A-9373-4655-882B-21715CCE97EE}"/>
                 </a:ext>
                 <a:ext uri="{C183D7F6-B498-43B3-948B-1728B52AA6E4}">
-                  <adec:decorative xmlns:adec="http://schemas.microsoft.com/office/drawing/2017/decorative" val="1"/>
+                  <adec:decorative xmlns:adec="http://schemas.microsoft.com/office/drawing/2017/decorative" xmlns="" val="1"/>
                 </a:ext>
               </a:extLst>
             </p:cNvPr>
@@ -32118,7 +29926,7 @@
             <p:nvPr>
               <p:extLst>
                 <p:ext uri="{386F3935-93C4-4BCD-93E2-E3B085C9AB24}">
-                  <p16:designElem xmlns:p16="http://schemas.microsoft.com/office/powerpoint/2015/main" val="1"/>
+                  <p16:designElem xmlns:p16="http://schemas.microsoft.com/office/powerpoint/2015/main" xmlns="" val="1"/>
                 </p:ext>
               </p:extLst>
             </p:nvPr>
@@ -32170,7 +29978,7 @@
             </a:ln>
             <a:extLst>
               <a:ext uri="{91240B29-F687-4f45-9708-019B960494DF}">
-                <a14:hiddenLine xmlns="" xmlns:a16="http://schemas.microsoft.com/office/drawing/2014/main" xmlns:p14="http://schemas.microsoft.com/office/powerpoint/2010/main" xmlns:a14="http://schemas.microsoft.com/office/drawing/2010/main" w="9525">
+                <a14:hiddenLine xmlns:a14="http://schemas.microsoft.com/office/drawing/2010/main" xmlns:p14="http://schemas.microsoft.com/office/powerpoint/2010/main" xmlns:a16="http://schemas.microsoft.com/office/drawing/2014/main" xmlns="" w="9525">
                   <a:solidFill>
                     <a:srgbClr val="000000"/>
                   </a:solidFill>
@@ -32187,10 +29995,10 @@
             <p:cNvPr id="34" name="Freeform 23">
               <a:extLst>
                 <a:ext uri="{FF2B5EF4-FFF2-40B4-BE49-F238E27FC236}">
-                  <a16:creationId xmlns:a16="http://schemas.microsoft.com/office/drawing/2014/main" id="{EB8CC766-1206-4372-ACAF-8230AF4D5421}"/>
+                  <a16:creationId xmlns:a16="http://schemas.microsoft.com/office/drawing/2014/main" xmlns="" id="{EB8CC766-1206-4372-ACAF-8230AF4D5421}"/>
                 </a:ext>
                 <a:ext uri="{C183D7F6-B498-43B3-948B-1728B52AA6E4}">
-                  <adec:decorative xmlns:adec="http://schemas.microsoft.com/office/drawing/2017/decorative" val="1"/>
+                  <adec:decorative xmlns:adec="http://schemas.microsoft.com/office/drawing/2017/decorative" xmlns="" val="1"/>
                 </a:ext>
               </a:extLst>
             </p:cNvPr>
@@ -32200,7 +30008,7 @@
             <p:nvPr>
               <p:extLst>
                 <p:ext uri="{386F3935-93C4-4BCD-93E2-E3B085C9AB24}">
-                  <p16:designElem xmlns:p16="http://schemas.microsoft.com/office/powerpoint/2015/main" val="1"/>
+                  <p16:designElem xmlns:p16="http://schemas.microsoft.com/office/powerpoint/2015/main" xmlns="" val="1"/>
                 </p:ext>
               </p:extLst>
             </p:nvPr>
@@ -32275,7 +30083,7 @@
             </a:ln>
             <a:extLst>
               <a:ext uri="{91240B29-F687-4f45-9708-019B960494DF}">
-                <a14:hiddenLine xmlns="" xmlns:a16="http://schemas.microsoft.com/office/drawing/2014/main" xmlns:p14="http://schemas.microsoft.com/office/powerpoint/2010/main" xmlns:a14="http://schemas.microsoft.com/office/drawing/2010/main" w="9525">
+                <a14:hiddenLine xmlns:a14="http://schemas.microsoft.com/office/drawing/2010/main" xmlns:p14="http://schemas.microsoft.com/office/powerpoint/2010/main" xmlns:a16="http://schemas.microsoft.com/office/drawing/2014/main" xmlns="" w="9525">
                   <a:solidFill>
                     <a:srgbClr val="000000"/>
                   </a:solidFill>
@@ -32292,10 +30100,10 @@
             <p:cNvPr id="35" name="Freeform 24">
               <a:extLst>
                 <a:ext uri="{FF2B5EF4-FFF2-40B4-BE49-F238E27FC236}">
-                  <a16:creationId xmlns:a16="http://schemas.microsoft.com/office/drawing/2014/main" id="{1C8E2511-2489-47B2-9C19-C410910DD901}"/>
+                  <a16:creationId xmlns:a16="http://schemas.microsoft.com/office/drawing/2014/main" xmlns="" id="{1C8E2511-2489-47B2-9C19-C410910DD901}"/>
                 </a:ext>
                 <a:ext uri="{C183D7F6-B498-43B3-948B-1728B52AA6E4}">
-                  <adec:decorative xmlns:adec="http://schemas.microsoft.com/office/drawing/2017/decorative" val="1"/>
+                  <adec:decorative xmlns:adec="http://schemas.microsoft.com/office/drawing/2017/decorative" xmlns="" val="1"/>
                 </a:ext>
               </a:extLst>
             </p:cNvPr>
@@ -32303,7 +30111,7 @@
             <p:nvPr>
               <p:extLst>
                 <p:ext uri="{386F3935-93C4-4BCD-93E2-E3B085C9AB24}">
-                  <p16:designElem xmlns:p16="http://schemas.microsoft.com/office/powerpoint/2015/main" val="1"/>
+                  <p16:designElem xmlns:p16="http://schemas.microsoft.com/office/powerpoint/2015/main" xmlns="" val="1"/>
                 </p:ext>
               </p:extLst>
             </p:nvPr>
@@ -32352,7 +30160,7 @@
             </a:ln>
             <a:extLst>
               <a:ext uri="{91240B29-F687-4f45-9708-019B960494DF}">
-                <a14:hiddenLine xmlns="" xmlns:a16="http://schemas.microsoft.com/office/drawing/2014/main" xmlns:p14="http://schemas.microsoft.com/office/powerpoint/2010/main" xmlns:a14="http://schemas.microsoft.com/office/drawing/2010/main" w="9525">
+                <a14:hiddenLine xmlns:a14="http://schemas.microsoft.com/office/drawing/2010/main" xmlns:p14="http://schemas.microsoft.com/office/powerpoint/2010/main" xmlns:a16="http://schemas.microsoft.com/office/drawing/2014/main" xmlns="" w="9525">
                   <a:solidFill>
                     <a:srgbClr val="000000"/>
                   </a:solidFill>
@@ -32369,10 +30177,10 @@
             <p:cNvPr id="36" name="Freeform 25">
               <a:extLst>
                 <a:ext uri="{FF2B5EF4-FFF2-40B4-BE49-F238E27FC236}">
-                  <a16:creationId xmlns:a16="http://schemas.microsoft.com/office/drawing/2014/main" id="{D7820196-0A47-47EF-832C-A688E8977D60}"/>
+                  <a16:creationId xmlns:a16="http://schemas.microsoft.com/office/drawing/2014/main" xmlns="" id="{D7820196-0A47-47EF-832C-A688E8977D60}"/>
                 </a:ext>
                 <a:ext uri="{C183D7F6-B498-43B3-948B-1728B52AA6E4}">
-                  <adec:decorative xmlns:adec="http://schemas.microsoft.com/office/drawing/2017/decorative" val="1"/>
+                  <adec:decorative xmlns:adec="http://schemas.microsoft.com/office/drawing/2017/decorative" xmlns="" val="1"/>
                 </a:ext>
               </a:extLst>
             </p:cNvPr>
@@ -32382,7 +30190,7 @@
             <p:nvPr>
               <p:extLst>
                 <p:ext uri="{386F3935-93C4-4BCD-93E2-E3B085C9AB24}">
-                  <p16:designElem xmlns:p16="http://schemas.microsoft.com/office/powerpoint/2015/main" val="1"/>
+                  <p16:designElem xmlns:p16="http://schemas.microsoft.com/office/powerpoint/2015/main" xmlns="" val="1"/>
                 </p:ext>
               </p:extLst>
             </p:nvPr>
@@ -32457,7 +30265,7 @@
             </a:ln>
             <a:extLst>
               <a:ext uri="{91240B29-F687-4f45-9708-019B960494DF}">
-                <a14:hiddenLine xmlns="" xmlns:a16="http://schemas.microsoft.com/office/drawing/2014/main" xmlns:p14="http://schemas.microsoft.com/office/powerpoint/2010/main" xmlns:a14="http://schemas.microsoft.com/office/drawing/2010/main" w="9525">
+                <a14:hiddenLine xmlns:a14="http://schemas.microsoft.com/office/drawing/2010/main" xmlns:p14="http://schemas.microsoft.com/office/powerpoint/2010/main" xmlns:a16="http://schemas.microsoft.com/office/drawing/2014/main" xmlns="" w="9525">
                   <a:solidFill>
                     <a:srgbClr val="000000"/>
                   </a:solidFill>
@@ -32474,10 +30282,10 @@
             <p:cNvPr id="37" name="Freeform 26">
               <a:extLst>
                 <a:ext uri="{FF2B5EF4-FFF2-40B4-BE49-F238E27FC236}">
-                  <a16:creationId xmlns:a16="http://schemas.microsoft.com/office/drawing/2014/main" id="{4982E0BF-34AE-48A3-AD6B-E0F3CD05DB34}"/>
+                  <a16:creationId xmlns:a16="http://schemas.microsoft.com/office/drawing/2014/main" xmlns="" id="{4982E0BF-34AE-48A3-AD6B-E0F3CD05DB34}"/>
                 </a:ext>
                 <a:ext uri="{C183D7F6-B498-43B3-948B-1728B52AA6E4}">
-                  <adec:decorative xmlns:adec="http://schemas.microsoft.com/office/drawing/2017/decorative" val="1"/>
+                  <adec:decorative xmlns:adec="http://schemas.microsoft.com/office/drawing/2017/decorative" xmlns="" val="1"/>
                 </a:ext>
               </a:extLst>
             </p:cNvPr>
@@ -32485,7 +30293,7 @@
             <p:nvPr>
               <p:extLst>
                 <p:ext uri="{386F3935-93C4-4BCD-93E2-E3B085C9AB24}">
-                  <p16:designElem xmlns:p16="http://schemas.microsoft.com/office/powerpoint/2015/main" val="1"/>
+                  <p16:designElem xmlns:p16="http://schemas.microsoft.com/office/powerpoint/2015/main" xmlns="" val="1"/>
                 </p:ext>
               </p:extLst>
             </p:nvPr>
@@ -32537,7 +30345,7 @@
             </a:ln>
             <a:extLst>
               <a:ext uri="{91240B29-F687-4f45-9708-019B960494DF}">
-                <a14:hiddenLine xmlns="" xmlns:a16="http://schemas.microsoft.com/office/drawing/2014/main" xmlns:p14="http://schemas.microsoft.com/office/powerpoint/2010/main" xmlns:a14="http://schemas.microsoft.com/office/drawing/2010/main" w="9525">
+                <a14:hiddenLine xmlns:a14="http://schemas.microsoft.com/office/drawing/2010/main" xmlns:p14="http://schemas.microsoft.com/office/powerpoint/2010/main" xmlns:a16="http://schemas.microsoft.com/office/drawing/2014/main" xmlns="" w="9525">
                   <a:solidFill>
                     <a:srgbClr val="000000"/>
                   </a:solidFill>
@@ -32554,10 +30362,10 @@
             <p:cNvPr id="38" name="Freeform 27">
               <a:extLst>
                 <a:ext uri="{FF2B5EF4-FFF2-40B4-BE49-F238E27FC236}">
-                  <a16:creationId xmlns:a16="http://schemas.microsoft.com/office/drawing/2014/main" id="{CD34643B-9DF2-4310-8868-48252C3393F0}"/>
+                  <a16:creationId xmlns:a16="http://schemas.microsoft.com/office/drawing/2014/main" xmlns="" id="{CD34643B-9DF2-4310-8868-48252C3393F0}"/>
                 </a:ext>
                 <a:ext uri="{C183D7F6-B498-43B3-948B-1728B52AA6E4}">
-                  <adec:decorative xmlns:adec="http://schemas.microsoft.com/office/drawing/2017/decorative" val="1"/>
+                  <adec:decorative xmlns:adec="http://schemas.microsoft.com/office/drawing/2017/decorative" xmlns="" val="1"/>
                 </a:ext>
               </a:extLst>
             </p:cNvPr>
@@ -32565,7 +30373,7 @@
             <p:nvPr>
               <p:extLst>
                 <p:ext uri="{386F3935-93C4-4BCD-93E2-E3B085C9AB24}">
-                  <p16:designElem xmlns:p16="http://schemas.microsoft.com/office/powerpoint/2015/main" val="1"/>
+                  <p16:designElem xmlns:p16="http://schemas.microsoft.com/office/powerpoint/2015/main" xmlns="" val="1"/>
                 </p:ext>
               </p:extLst>
             </p:nvPr>
@@ -32614,7 +30422,7 @@
             </a:ln>
             <a:extLst>
               <a:ext uri="{91240B29-F687-4f45-9708-019B960494DF}">
-                <a14:hiddenLine xmlns="" xmlns:a16="http://schemas.microsoft.com/office/drawing/2014/main" xmlns:p14="http://schemas.microsoft.com/office/powerpoint/2010/main" xmlns:a14="http://schemas.microsoft.com/office/drawing/2010/main" w="9525">
+                <a14:hiddenLine xmlns:a14="http://schemas.microsoft.com/office/drawing/2010/main" xmlns:p14="http://schemas.microsoft.com/office/powerpoint/2010/main" xmlns:a16="http://schemas.microsoft.com/office/drawing/2014/main" xmlns="" w="9525">
                   <a:solidFill>
                     <a:srgbClr val="000000"/>
                   </a:solidFill>
@@ -32631,10 +30439,10 @@
             <p:cNvPr id="39" name="Freeform 28">
               <a:extLst>
                 <a:ext uri="{FF2B5EF4-FFF2-40B4-BE49-F238E27FC236}">
-                  <a16:creationId xmlns:a16="http://schemas.microsoft.com/office/drawing/2014/main" id="{4E020C4E-AF64-44A8-B830-779541D8D549}"/>
+                  <a16:creationId xmlns:a16="http://schemas.microsoft.com/office/drawing/2014/main" xmlns="" id="{4E020C4E-AF64-44A8-B830-779541D8D549}"/>
                 </a:ext>
                 <a:ext uri="{C183D7F6-B498-43B3-948B-1728B52AA6E4}">
-                  <adec:decorative xmlns:adec="http://schemas.microsoft.com/office/drawing/2017/decorative" val="1"/>
+                  <adec:decorative xmlns:adec="http://schemas.microsoft.com/office/drawing/2017/decorative" xmlns="" val="1"/>
                 </a:ext>
               </a:extLst>
             </p:cNvPr>
@@ -32644,7 +30452,7 @@
             <p:nvPr>
               <p:extLst>
                 <p:ext uri="{386F3935-93C4-4BCD-93E2-E3B085C9AB24}">
-                  <p16:designElem xmlns:p16="http://schemas.microsoft.com/office/powerpoint/2015/main" val="1"/>
+                  <p16:designElem xmlns:p16="http://schemas.microsoft.com/office/powerpoint/2015/main" xmlns="" val="1"/>
                 </p:ext>
               </p:extLst>
             </p:nvPr>
@@ -32719,7 +30527,7 @@
             </a:ln>
             <a:extLst>
               <a:ext uri="{91240B29-F687-4f45-9708-019B960494DF}">
-                <a14:hiddenLine xmlns="" xmlns:a16="http://schemas.microsoft.com/office/drawing/2014/main" xmlns:p14="http://schemas.microsoft.com/office/powerpoint/2010/main" xmlns:a14="http://schemas.microsoft.com/office/drawing/2010/main" w="9525">
+                <a14:hiddenLine xmlns:a14="http://schemas.microsoft.com/office/drawing/2010/main" xmlns:p14="http://schemas.microsoft.com/office/powerpoint/2010/main" xmlns:a16="http://schemas.microsoft.com/office/drawing/2014/main" xmlns="" w="9525">
                   <a:solidFill>
                     <a:srgbClr val="000000"/>
                   </a:solidFill>
@@ -32736,10 +30544,10 @@
             <p:cNvPr id="40" name="Freeform 29">
               <a:extLst>
                 <a:ext uri="{FF2B5EF4-FFF2-40B4-BE49-F238E27FC236}">
-                  <a16:creationId xmlns:a16="http://schemas.microsoft.com/office/drawing/2014/main" id="{D97BC3D3-B1B3-4825-9169-BBEF1DBCF055}"/>
+                  <a16:creationId xmlns:a16="http://schemas.microsoft.com/office/drawing/2014/main" xmlns="" id="{D97BC3D3-B1B3-4825-9169-BBEF1DBCF055}"/>
                 </a:ext>
                 <a:ext uri="{C183D7F6-B498-43B3-948B-1728B52AA6E4}">
-                  <adec:decorative xmlns:adec="http://schemas.microsoft.com/office/drawing/2017/decorative" val="1"/>
+                  <adec:decorative xmlns:adec="http://schemas.microsoft.com/office/drawing/2017/decorative" xmlns="" val="1"/>
                 </a:ext>
               </a:extLst>
             </p:cNvPr>
@@ -32749,7 +30557,7 @@
             <p:nvPr>
               <p:extLst>
                 <p:ext uri="{386F3935-93C4-4BCD-93E2-E3B085C9AB24}">
-                  <p16:designElem xmlns:p16="http://schemas.microsoft.com/office/powerpoint/2015/main" val="1"/>
+                  <p16:designElem xmlns:p16="http://schemas.microsoft.com/office/powerpoint/2015/main" xmlns="" val="1"/>
                 </p:ext>
               </p:extLst>
             </p:nvPr>
@@ -32824,7 +30632,7 @@
             </a:ln>
             <a:extLst>
               <a:ext uri="{91240B29-F687-4f45-9708-019B960494DF}">
-                <a14:hiddenLine xmlns="" xmlns:a16="http://schemas.microsoft.com/office/drawing/2014/main" xmlns:p14="http://schemas.microsoft.com/office/powerpoint/2010/main" xmlns:a14="http://schemas.microsoft.com/office/drawing/2010/main" w="9525">
+                <a14:hiddenLine xmlns:a14="http://schemas.microsoft.com/office/drawing/2010/main" xmlns:p14="http://schemas.microsoft.com/office/powerpoint/2010/main" xmlns:a16="http://schemas.microsoft.com/office/drawing/2014/main" xmlns="" w="9525">
                   <a:solidFill>
                     <a:srgbClr val="000000"/>
                   </a:solidFill>
@@ -32841,10 +30649,10 @@
             <p:cNvPr id="41" name="Freeform 30">
               <a:extLst>
                 <a:ext uri="{FF2B5EF4-FFF2-40B4-BE49-F238E27FC236}">
-                  <a16:creationId xmlns:a16="http://schemas.microsoft.com/office/drawing/2014/main" id="{A750DC4F-1DAF-470E-98C6-6C68DEB93363}"/>
+                  <a16:creationId xmlns:a16="http://schemas.microsoft.com/office/drawing/2014/main" xmlns="" id="{A750DC4F-1DAF-470E-98C6-6C68DEB93363}"/>
                 </a:ext>
                 <a:ext uri="{C183D7F6-B498-43B3-948B-1728B52AA6E4}">
-                  <adec:decorative xmlns:adec="http://schemas.microsoft.com/office/drawing/2017/decorative" val="1"/>
+                  <adec:decorative xmlns:adec="http://schemas.microsoft.com/office/drawing/2017/decorative" xmlns="" val="1"/>
                 </a:ext>
               </a:extLst>
             </p:cNvPr>
@@ -32852,7 +30660,7 @@
             <p:nvPr>
               <p:extLst>
                 <p:ext uri="{386F3935-93C4-4BCD-93E2-E3B085C9AB24}">
-                  <p16:designElem xmlns:p16="http://schemas.microsoft.com/office/powerpoint/2015/main" val="1"/>
+                  <p16:designElem xmlns:p16="http://schemas.microsoft.com/office/powerpoint/2015/main" xmlns="" val="1"/>
                 </p:ext>
               </p:extLst>
             </p:nvPr>
@@ -32904,7 +30712,7 @@
             </a:ln>
             <a:extLst>
               <a:ext uri="{91240B29-F687-4f45-9708-019B960494DF}">
-                <a14:hiddenLine xmlns="" xmlns:a16="http://schemas.microsoft.com/office/drawing/2014/main" xmlns:p14="http://schemas.microsoft.com/office/powerpoint/2010/main" xmlns:a14="http://schemas.microsoft.com/office/drawing/2010/main" w="9525">
+                <a14:hiddenLine xmlns:a14="http://schemas.microsoft.com/office/drawing/2010/main" xmlns:p14="http://schemas.microsoft.com/office/powerpoint/2010/main" xmlns:a16="http://schemas.microsoft.com/office/drawing/2014/main" xmlns="" w="9525">
                   <a:solidFill>
                     <a:srgbClr val="000000"/>
                   </a:solidFill>
@@ -32921,10 +30729,10 @@
             <p:cNvPr id="42" name="Freeform 31">
               <a:extLst>
                 <a:ext uri="{FF2B5EF4-FFF2-40B4-BE49-F238E27FC236}">
-                  <a16:creationId xmlns:a16="http://schemas.microsoft.com/office/drawing/2014/main" id="{2F99594A-5BBD-4E10-A818-8BE52B7D952C}"/>
+                  <a16:creationId xmlns:a16="http://schemas.microsoft.com/office/drawing/2014/main" xmlns="" id="{2F99594A-5BBD-4E10-A818-8BE52B7D952C}"/>
                 </a:ext>
                 <a:ext uri="{C183D7F6-B498-43B3-948B-1728B52AA6E4}">
-                  <adec:decorative xmlns:adec="http://schemas.microsoft.com/office/drawing/2017/decorative" val="1"/>
+                  <adec:decorative xmlns:adec="http://schemas.microsoft.com/office/drawing/2017/decorative" xmlns="" val="1"/>
                 </a:ext>
               </a:extLst>
             </p:cNvPr>
@@ -32934,7 +30742,7 @@
             <p:nvPr>
               <p:extLst>
                 <p:ext uri="{386F3935-93C4-4BCD-93E2-E3B085C9AB24}">
-                  <p16:designElem xmlns:p16="http://schemas.microsoft.com/office/powerpoint/2015/main" val="1"/>
+                  <p16:designElem xmlns:p16="http://schemas.microsoft.com/office/powerpoint/2015/main" xmlns="" val="1"/>
                 </p:ext>
               </p:extLst>
             </p:nvPr>
@@ -33039,7 +30847,7 @@
             </a:ln>
             <a:extLst>
               <a:ext uri="{91240B29-F687-4f45-9708-019B960494DF}">
-                <a14:hiddenLine xmlns="" xmlns:a16="http://schemas.microsoft.com/office/drawing/2014/main" xmlns:p14="http://schemas.microsoft.com/office/powerpoint/2010/main" xmlns:a14="http://schemas.microsoft.com/office/drawing/2010/main" w="9525">
+                <a14:hiddenLine xmlns:a14="http://schemas.microsoft.com/office/drawing/2010/main" xmlns:p14="http://schemas.microsoft.com/office/powerpoint/2010/main" xmlns:a16="http://schemas.microsoft.com/office/drawing/2014/main" xmlns="" w="9525">
                   <a:solidFill>
                     <a:srgbClr val="000000"/>
                   </a:solidFill>
@@ -33087,7 +30895,7 @@
           <p:cNvPr id="2" name="Title 1">
             <a:extLst>
               <a:ext uri="{FF2B5EF4-FFF2-40B4-BE49-F238E27FC236}">
-                <a16:creationId xmlns:a16="http://schemas.microsoft.com/office/drawing/2014/main" id="{09654967-B537-084B-A478-57E1E9995B63}"/>
+                <a16:creationId xmlns:a16="http://schemas.microsoft.com/office/drawing/2014/main" xmlns="" id="{09654967-B537-084B-A478-57E1E9995B63}"/>
               </a:ext>
             </a:extLst>
           </p:cNvPr>
@@ -33122,7 +30930,7 @@
           <p:cNvPr id="4" name="Content Placeholder 3">
             <a:extLst>
               <a:ext uri="{FF2B5EF4-FFF2-40B4-BE49-F238E27FC236}">
-                <a16:creationId xmlns:a16="http://schemas.microsoft.com/office/drawing/2014/main" id="{131D42B0-70D9-7146-9581-A3D9B2969C85}"/>
+                <a16:creationId xmlns:a16="http://schemas.microsoft.com/office/drawing/2014/main" xmlns="" id="{131D42B0-70D9-7146-9581-A3D9B2969C85}"/>
               </a:ext>
             </a:extLst>
           </p:cNvPr>
@@ -33183,7 +30991,7 @@
           <p:cNvPr id="2" name="Title 1">
             <a:extLst>
               <a:ext uri="{FF2B5EF4-FFF2-40B4-BE49-F238E27FC236}">
-                <a16:creationId xmlns:a16="http://schemas.microsoft.com/office/drawing/2014/main" id="{7BB237A2-1DEA-784F-A219-4749973D6C8C}"/>
+                <a16:creationId xmlns:a16="http://schemas.microsoft.com/office/drawing/2014/main" xmlns="" id="{7BB237A2-1DEA-784F-A219-4749973D6C8C}"/>
               </a:ext>
             </a:extLst>
           </p:cNvPr>
@@ -33218,7 +31026,7 @@
           <p:cNvPr id="5" name="Content Placeholder 2">
             <a:extLst>
               <a:ext uri="{FF2B5EF4-FFF2-40B4-BE49-F238E27FC236}">
-                <a16:creationId xmlns:a16="http://schemas.microsoft.com/office/drawing/2014/main" id="{BA8C5298-B553-43BC-9840-D4164BF381B8}"/>
+                <a16:creationId xmlns:a16="http://schemas.microsoft.com/office/drawing/2014/main" xmlns="" id="{BA8C5298-B553-43BC-9840-D4164BF381B8}"/>
               </a:ext>
             </a:extLst>
           </p:cNvPr>
@@ -33279,10 +31087,10 @@
           <p:cNvPr id="72" name="Picture 2">
             <a:extLst>
               <a:ext uri="{FF2B5EF4-FFF2-40B4-BE49-F238E27FC236}">
-                <a16:creationId xmlns:a16="http://schemas.microsoft.com/office/drawing/2014/main" id="{9EB19A0D-88ED-4EC7-B012-FDA45662F228}"/>
+                <a16:creationId xmlns:a16="http://schemas.microsoft.com/office/drawing/2014/main" xmlns="" id="{9EB19A0D-88ED-4EC7-B012-FDA45662F228}"/>
               </a:ext>
               <a:ext uri="{C183D7F6-B498-43B3-948B-1728B52AA6E4}">
-                <adec:decorative xmlns:adec="http://schemas.microsoft.com/office/drawing/2017/decorative" val="1"/>
+                <adec:decorative xmlns:adec="http://schemas.microsoft.com/office/drawing/2017/decorative" xmlns="" val="1"/>
               </a:ext>
             </a:extLst>
           </p:cNvPr>
@@ -33292,7 +31100,7 @@
           <p:nvPr>
             <p:extLst>
               <p:ext uri="{386F3935-93C4-4BCD-93E2-E3B085C9AB24}">
-                <p16:designElem xmlns:p16="http://schemas.microsoft.com/office/powerpoint/2015/main" val="1"/>
+                <p16:designElem xmlns:p16="http://schemas.microsoft.com/office/powerpoint/2015/main" xmlns="" val="1"/>
               </p:ext>
             </p:extLst>
           </p:nvPr>
@@ -33322,7 +31130,7 @@
           <a:noFill/>
           <a:extLst>
             <a:ext uri="{909E8E84-426E-40dd-AFC4-6F175D3DCCD1}">
-              <a14:hiddenFill xmlns="" xmlns:a16="http://schemas.microsoft.com/office/drawing/2014/main" xmlns:p14="http://schemas.microsoft.com/office/powerpoint/2010/main" xmlns:a14="http://schemas.microsoft.com/office/drawing/2010/main">
+              <a14:hiddenFill xmlns:a14="http://schemas.microsoft.com/office/drawing/2010/main" xmlns:p14="http://schemas.microsoft.com/office/powerpoint/2010/main" xmlns:a16="http://schemas.microsoft.com/office/drawing/2014/main" xmlns="">
                 <a:solidFill>
                   <a:srgbClr val="FFFFFF"/>
                 </a:solidFill>
@@ -33336,10 +31144,10 @@
           <p:cNvPr id="73" name="Group 13">
             <a:extLst>
               <a:ext uri="{FF2B5EF4-FFF2-40B4-BE49-F238E27FC236}">
-                <a16:creationId xmlns:a16="http://schemas.microsoft.com/office/drawing/2014/main" id="{039C885C-7507-48BC-8DA5-9B9A8A3B290E}"/>
+                <a16:creationId xmlns:a16="http://schemas.microsoft.com/office/drawing/2014/main" xmlns="" id="{039C885C-7507-48BC-8DA5-9B9A8A3B290E}"/>
               </a:ext>
               <a:ext uri="{C183D7F6-B498-43B3-948B-1728B52AA6E4}">
-                <adec:decorative xmlns:adec="http://schemas.microsoft.com/office/drawing/2017/decorative" val="1"/>
+                <adec:decorative xmlns:adec="http://schemas.microsoft.com/office/drawing/2017/decorative" xmlns="" val="1"/>
               </a:ext>
             </a:extLst>
           </p:cNvPr>
@@ -33349,7 +31157,7 @@
           <p:nvPr>
             <p:extLst>
               <p:ext uri="{386F3935-93C4-4BCD-93E2-E3B085C9AB24}">
-                <p16:designElem xmlns:p16="http://schemas.microsoft.com/office/powerpoint/2015/main" val="1"/>
+                <p16:designElem xmlns:p16="http://schemas.microsoft.com/office/powerpoint/2015/main" xmlns="" val="1"/>
               </p:ext>
             </p:extLst>
           </p:nvPr>
@@ -33382,10 +31190,10 @@
             <p:cNvPr id="15" name="Rectangle 5">
               <a:extLst>
                 <a:ext uri="{FF2B5EF4-FFF2-40B4-BE49-F238E27FC236}">
-                  <a16:creationId xmlns:a16="http://schemas.microsoft.com/office/drawing/2014/main" id="{80315E80-D09C-4AAC-A1AA-6416ADD0A776}"/>
+                  <a16:creationId xmlns:a16="http://schemas.microsoft.com/office/drawing/2014/main" xmlns="" id="{80315E80-D09C-4AAC-A1AA-6416ADD0A776}"/>
                 </a:ext>
                 <a:ext uri="{C183D7F6-B498-43B3-948B-1728B52AA6E4}">
-                  <adec:decorative xmlns:adec="http://schemas.microsoft.com/office/drawing/2017/decorative" val="1"/>
+                  <adec:decorative xmlns:adec="http://schemas.microsoft.com/office/drawing/2017/decorative" xmlns="" val="1"/>
                 </a:ext>
               </a:extLst>
             </p:cNvPr>
@@ -33395,7 +31203,7 @@
             <p:nvPr>
               <p:extLst>
                 <p:ext uri="{386F3935-93C4-4BCD-93E2-E3B085C9AB24}">
-                  <p16:designElem xmlns:p16="http://schemas.microsoft.com/office/powerpoint/2015/main" val="1"/>
+                  <p16:designElem xmlns:p16="http://schemas.microsoft.com/office/powerpoint/2015/main" xmlns="" val="1"/>
                 </p:ext>
               </p:extLst>
             </p:nvPr>
@@ -33414,7 +31222,7 @@
             </a:ln>
             <a:extLst>
               <a:ext uri="{91240B29-F687-4f45-9708-019B960494DF}">
-                <a14:hiddenLine xmlns="" xmlns:a16="http://schemas.microsoft.com/office/drawing/2014/main" xmlns:p14="http://schemas.microsoft.com/office/powerpoint/2010/main" xmlns:a14="http://schemas.microsoft.com/office/drawing/2010/main" w="9525">
+                <a14:hiddenLine xmlns:a14="http://schemas.microsoft.com/office/drawing/2010/main" xmlns:p14="http://schemas.microsoft.com/office/powerpoint/2010/main" xmlns:a16="http://schemas.microsoft.com/office/drawing/2014/main" xmlns="" w="9525">
                   <a:solidFill>
                     <a:srgbClr val="000000"/>
                   </a:solidFill>
@@ -33431,10 +31239,10 @@
             <p:cNvPr id="16" name="Freeform 6">
               <a:extLst>
                 <a:ext uri="{FF2B5EF4-FFF2-40B4-BE49-F238E27FC236}">
-                  <a16:creationId xmlns:a16="http://schemas.microsoft.com/office/drawing/2014/main" id="{464D5536-A035-4505-AF73-4F7CAE48825E}"/>
+                  <a16:creationId xmlns:a16="http://schemas.microsoft.com/office/drawing/2014/main" xmlns="" id="{464D5536-A035-4505-AF73-4F7CAE48825E}"/>
                 </a:ext>
                 <a:ext uri="{C183D7F6-B498-43B3-948B-1728B52AA6E4}">
-                  <adec:decorative xmlns:adec="http://schemas.microsoft.com/office/drawing/2017/decorative" val="1"/>
+                  <adec:decorative xmlns:adec="http://schemas.microsoft.com/office/drawing/2017/decorative" xmlns="" val="1"/>
                 </a:ext>
               </a:extLst>
             </p:cNvPr>
@@ -33444,7 +31252,7 @@
             <p:nvPr>
               <p:extLst>
                 <p:ext uri="{386F3935-93C4-4BCD-93E2-E3B085C9AB24}">
-                  <p16:designElem xmlns:p16="http://schemas.microsoft.com/office/powerpoint/2015/main" val="1"/>
+                  <p16:designElem xmlns:p16="http://schemas.microsoft.com/office/powerpoint/2015/main" xmlns="" val="1"/>
                 </p:ext>
               </p:extLst>
             </p:nvPr>
@@ -33519,7 +31327,7 @@
             </a:ln>
             <a:extLst>
               <a:ext uri="{91240B29-F687-4f45-9708-019B960494DF}">
-                <a14:hiddenLine xmlns="" xmlns:a16="http://schemas.microsoft.com/office/drawing/2014/main" xmlns:p14="http://schemas.microsoft.com/office/powerpoint/2010/main" xmlns:a14="http://schemas.microsoft.com/office/drawing/2010/main" w="9525">
+                <a14:hiddenLine xmlns:a14="http://schemas.microsoft.com/office/drawing/2010/main" xmlns:p14="http://schemas.microsoft.com/office/powerpoint/2010/main" xmlns:a16="http://schemas.microsoft.com/office/drawing/2014/main" xmlns="" w="9525">
                   <a:solidFill>
                     <a:srgbClr val="000000"/>
                   </a:solidFill>
@@ -33536,10 +31344,10 @@
             <p:cNvPr id="17" name="Freeform 7">
               <a:extLst>
                 <a:ext uri="{FF2B5EF4-FFF2-40B4-BE49-F238E27FC236}">
-                  <a16:creationId xmlns:a16="http://schemas.microsoft.com/office/drawing/2014/main" id="{81218E36-F40D-459F-A201-0A62E0FA57A4}"/>
+                  <a16:creationId xmlns:a16="http://schemas.microsoft.com/office/drawing/2014/main" xmlns="" id="{81218E36-F40D-459F-A201-0A62E0FA57A4}"/>
                 </a:ext>
                 <a:ext uri="{C183D7F6-B498-43B3-948B-1728B52AA6E4}">
-                  <adec:decorative xmlns:adec="http://schemas.microsoft.com/office/drawing/2017/decorative" val="1"/>
+                  <adec:decorative xmlns:adec="http://schemas.microsoft.com/office/drawing/2017/decorative" xmlns="" val="1"/>
                 </a:ext>
               </a:extLst>
             </p:cNvPr>
@@ -33549,7 +31357,7 @@
             <p:nvPr>
               <p:extLst>
                 <p:ext uri="{386F3935-93C4-4BCD-93E2-E3B085C9AB24}">
-                  <p16:designElem xmlns:p16="http://schemas.microsoft.com/office/powerpoint/2015/main" val="1"/>
+                  <p16:designElem xmlns:p16="http://schemas.microsoft.com/office/powerpoint/2015/main" xmlns="" val="1"/>
                 </p:ext>
               </p:extLst>
             </p:nvPr>
@@ -33624,7 +31432,7 @@
             </a:ln>
             <a:extLst>
               <a:ext uri="{91240B29-F687-4f45-9708-019B960494DF}">
-                <a14:hiddenLine xmlns="" xmlns:a16="http://schemas.microsoft.com/office/drawing/2014/main" xmlns:p14="http://schemas.microsoft.com/office/powerpoint/2010/main" xmlns:a14="http://schemas.microsoft.com/office/drawing/2010/main" w="9525">
+                <a14:hiddenLine xmlns:a14="http://schemas.microsoft.com/office/drawing/2010/main" xmlns:p14="http://schemas.microsoft.com/office/powerpoint/2010/main" xmlns:a16="http://schemas.microsoft.com/office/drawing/2014/main" xmlns="" w="9525">
                   <a:solidFill>
                     <a:srgbClr val="000000"/>
                   </a:solidFill>
@@ -33641,10 +31449,10 @@
             <p:cNvPr id="18" name="Rectangle 8">
               <a:extLst>
                 <a:ext uri="{FF2B5EF4-FFF2-40B4-BE49-F238E27FC236}">
-                  <a16:creationId xmlns:a16="http://schemas.microsoft.com/office/drawing/2014/main" id="{5B53825A-3A84-4E26-A19D-A61548B6A596}"/>
+                  <a16:creationId xmlns:a16="http://schemas.microsoft.com/office/drawing/2014/main" xmlns="" id="{5B53825A-3A84-4E26-A19D-A61548B6A596}"/>
                 </a:ext>
                 <a:ext uri="{C183D7F6-B498-43B3-948B-1728B52AA6E4}">
-                  <adec:decorative xmlns:adec="http://schemas.microsoft.com/office/drawing/2017/decorative" val="1"/>
+                  <adec:decorative xmlns:adec="http://schemas.microsoft.com/office/drawing/2017/decorative" xmlns="" val="1"/>
                 </a:ext>
               </a:extLst>
             </p:cNvPr>
@@ -33654,7 +31462,7 @@
             <p:nvPr>
               <p:extLst>
                 <p:ext uri="{386F3935-93C4-4BCD-93E2-E3B085C9AB24}">
-                  <p16:designElem xmlns:p16="http://schemas.microsoft.com/office/powerpoint/2015/main" val="1"/>
+                  <p16:designElem xmlns:p16="http://schemas.microsoft.com/office/powerpoint/2015/main" xmlns="" val="1"/>
                 </p:ext>
               </p:extLst>
             </p:nvPr>
@@ -33673,7 +31481,7 @@
             </a:ln>
             <a:extLst>
               <a:ext uri="{91240B29-F687-4f45-9708-019B960494DF}">
-                <a14:hiddenLine xmlns="" xmlns:a16="http://schemas.microsoft.com/office/drawing/2014/main" xmlns:p14="http://schemas.microsoft.com/office/powerpoint/2010/main" xmlns:a14="http://schemas.microsoft.com/office/drawing/2010/main" w="9525">
+                <a14:hiddenLine xmlns:a14="http://schemas.microsoft.com/office/drawing/2010/main" xmlns:p14="http://schemas.microsoft.com/office/powerpoint/2010/main" xmlns:a16="http://schemas.microsoft.com/office/drawing/2014/main" xmlns="" w="9525">
                   <a:solidFill>
                     <a:srgbClr val="000000"/>
                   </a:solidFill>
@@ -33690,10 +31498,10 @@
             <p:cNvPr id="19" name="Freeform 9">
               <a:extLst>
                 <a:ext uri="{FF2B5EF4-FFF2-40B4-BE49-F238E27FC236}">
-                  <a16:creationId xmlns:a16="http://schemas.microsoft.com/office/drawing/2014/main" id="{AD90489C-7868-4D44-828E-5BD078E1078F}"/>
+                  <a16:creationId xmlns:a16="http://schemas.microsoft.com/office/drawing/2014/main" xmlns="" id="{AD90489C-7868-4D44-828E-5BD078E1078F}"/>
                 </a:ext>
                 <a:ext uri="{C183D7F6-B498-43B3-948B-1728B52AA6E4}">
-                  <adec:decorative xmlns:adec="http://schemas.microsoft.com/office/drawing/2017/decorative" val="1"/>
+                  <adec:decorative xmlns:adec="http://schemas.microsoft.com/office/drawing/2017/decorative" xmlns="" val="1"/>
                 </a:ext>
               </a:extLst>
             </p:cNvPr>
@@ -33703,7 +31511,7 @@
             <p:nvPr>
               <p:extLst>
                 <p:ext uri="{386F3935-93C4-4BCD-93E2-E3B085C9AB24}">
-                  <p16:designElem xmlns:p16="http://schemas.microsoft.com/office/powerpoint/2015/main" val="1"/>
+                  <p16:designElem xmlns:p16="http://schemas.microsoft.com/office/powerpoint/2015/main" xmlns="" val="1"/>
                 </p:ext>
               </p:extLst>
             </p:nvPr>
@@ -33778,7 +31586,7 @@
             </a:ln>
             <a:extLst>
               <a:ext uri="{91240B29-F687-4f45-9708-019B960494DF}">
-                <a14:hiddenLine xmlns="" xmlns:a16="http://schemas.microsoft.com/office/drawing/2014/main" xmlns:p14="http://schemas.microsoft.com/office/powerpoint/2010/main" xmlns:a14="http://schemas.microsoft.com/office/drawing/2010/main" w="9525">
+                <a14:hiddenLine xmlns:a14="http://schemas.microsoft.com/office/drawing/2010/main" xmlns:p14="http://schemas.microsoft.com/office/powerpoint/2010/main" xmlns:a16="http://schemas.microsoft.com/office/drawing/2014/main" xmlns="" w="9525">
                   <a:solidFill>
                     <a:srgbClr val="000000"/>
                   </a:solidFill>
@@ -33795,10 +31603,10 @@
             <p:cNvPr id="20" name="Freeform 10">
               <a:extLst>
                 <a:ext uri="{FF2B5EF4-FFF2-40B4-BE49-F238E27FC236}">
-                  <a16:creationId xmlns:a16="http://schemas.microsoft.com/office/drawing/2014/main" id="{98ED0810-C456-43E0-A430-4BF3E84BB3FC}"/>
+                  <a16:creationId xmlns:a16="http://schemas.microsoft.com/office/drawing/2014/main" xmlns="" id="{98ED0810-C456-43E0-A430-4BF3E84BB3FC}"/>
                 </a:ext>
                 <a:ext uri="{C183D7F6-B498-43B3-948B-1728B52AA6E4}">
-                  <adec:decorative xmlns:adec="http://schemas.microsoft.com/office/drawing/2017/decorative" val="1"/>
+                  <adec:decorative xmlns:adec="http://schemas.microsoft.com/office/drawing/2017/decorative" xmlns="" val="1"/>
                 </a:ext>
               </a:extLst>
             </p:cNvPr>
@@ -33806,7 +31614,7 @@
             <p:nvPr>
               <p:extLst>
                 <p:ext uri="{386F3935-93C4-4BCD-93E2-E3B085C9AB24}">
-                  <p16:designElem xmlns:p16="http://schemas.microsoft.com/office/powerpoint/2015/main" val="1"/>
+                  <p16:designElem xmlns:p16="http://schemas.microsoft.com/office/powerpoint/2015/main" xmlns="" val="1"/>
                 </p:ext>
               </p:extLst>
             </p:nvPr>
@@ -33855,7 +31663,7 @@
             </a:ln>
             <a:extLst>
               <a:ext uri="{91240B29-F687-4f45-9708-019B960494DF}">
-                <a14:hiddenLine xmlns="" xmlns:a16="http://schemas.microsoft.com/office/drawing/2014/main" xmlns:p14="http://schemas.microsoft.com/office/powerpoint/2010/main" xmlns:a14="http://schemas.microsoft.com/office/drawing/2010/main" w="9525">
+                <a14:hiddenLine xmlns:a14="http://schemas.microsoft.com/office/drawing/2010/main" xmlns:p14="http://schemas.microsoft.com/office/powerpoint/2010/main" xmlns:a16="http://schemas.microsoft.com/office/drawing/2014/main" xmlns="" w="9525">
                   <a:solidFill>
                     <a:srgbClr val="000000"/>
                   </a:solidFill>
@@ -33872,10 +31680,10 @@
             <p:cNvPr id="21" name="Freeform 11">
               <a:extLst>
                 <a:ext uri="{FF2B5EF4-FFF2-40B4-BE49-F238E27FC236}">
-                  <a16:creationId xmlns:a16="http://schemas.microsoft.com/office/drawing/2014/main" id="{E5A0D863-274E-498B-A757-EE462B7CFC49}"/>
+                  <a16:creationId xmlns:a16="http://schemas.microsoft.com/office/drawing/2014/main" xmlns="" id="{E5A0D863-274E-498B-A757-EE462B7CFC49}"/>
                 </a:ext>
                 <a:ext uri="{C183D7F6-B498-43B3-948B-1728B52AA6E4}">
-                  <adec:decorative xmlns:adec="http://schemas.microsoft.com/office/drawing/2017/decorative" val="1"/>
+                  <adec:decorative xmlns:adec="http://schemas.microsoft.com/office/drawing/2017/decorative" xmlns="" val="1"/>
                 </a:ext>
               </a:extLst>
             </p:cNvPr>
@@ -33883,7 +31691,7 @@
             <p:nvPr>
               <p:extLst>
                 <p:ext uri="{386F3935-93C4-4BCD-93E2-E3B085C9AB24}">
-                  <p16:designElem xmlns:p16="http://schemas.microsoft.com/office/powerpoint/2015/main" val="1"/>
+                  <p16:designElem xmlns:p16="http://schemas.microsoft.com/office/powerpoint/2015/main" xmlns="" val="1"/>
                 </p:ext>
               </p:extLst>
             </p:nvPr>
@@ -33932,7 +31740,7 @@
             </a:ln>
             <a:extLst>
               <a:ext uri="{91240B29-F687-4f45-9708-019B960494DF}">
-                <a14:hiddenLine xmlns="" xmlns:a16="http://schemas.microsoft.com/office/drawing/2014/main" xmlns:p14="http://schemas.microsoft.com/office/powerpoint/2010/main" xmlns:a14="http://schemas.microsoft.com/office/drawing/2010/main" w="9525">
+                <a14:hiddenLine xmlns:a14="http://schemas.microsoft.com/office/drawing/2010/main" xmlns:p14="http://schemas.microsoft.com/office/powerpoint/2010/main" xmlns:a16="http://schemas.microsoft.com/office/drawing/2014/main" xmlns="" w="9525">
                   <a:solidFill>
                     <a:srgbClr val="000000"/>
                   </a:solidFill>
@@ -33949,10 +31757,10 @@
             <p:cNvPr id="22" name="Freeform 12">
               <a:extLst>
                 <a:ext uri="{FF2B5EF4-FFF2-40B4-BE49-F238E27FC236}">
-                  <a16:creationId xmlns:a16="http://schemas.microsoft.com/office/drawing/2014/main" id="{B7819E45-002E-4BE7-9D91-AF82D377627F}"/>
+                  <a16:creationId xmlns:a16="http://schemas.microsoft.com/office/drawing/2014/main" xmlns="" id="{B7819E45-002E-4BE7-9D91-AF82D377627F}"/>
                 </a:ext>
                 <a:ext uri="{C183D7F6-B498-43B3-948B-1728B52AA6E4}">
-                  <adec:decorative xmlns:adec="http://schemas.microsoft.com/office/drawing/2017/decorative" val="1"/>
+                  <adec:decorative xmlns:adec="http://schemas.microsoft.com/office/drawing/2017/decorative" xmlns="" val="1"/>
                 </a:ext>
               </a:extLst>
             </p:cNvPr>
@@ -33962,7 +31770,7 @@
             <p:nvPr>
               <p:extLst>
                 <p:ext uri="{386F3935-93C4-4BCD-93E2-E3B085C9AB24}">
-                  <p16:designElem xmlns:p16="http://schemas.microsoft.com/office/powerpoint/2015/main" val="1"/>
+                  <p16:designElem xmlns:p16="http://schemas.microsoft.com/office/powerpoint/2015/main" xmlns="" val="1"/>
                 </p:ext>
               </p:extLst>
             </p:nvPr>
@@ -34037,7 +31845,7 @@
             </a:ln>
             <a:extLst>
               <a:ext uri="{91240B29-F687-4f45-9708-019B960494DF}">
-                <a14:hiddenLine xmlns="" xmlns:a16="http://schemas.microsoft.com/office/drawing/2014/main" xmlns:p14="http://schemas.microsoft.com/office/powerpoint/2010/main" xmlns:a14="http://schemas.microsoft.com/office/drawing/2010/main" w="9525">
+                <a14:hiddenLine xmlns:a14="http://schemas.microsoft.com/office/drawing/2010/main" xmlns:p14="http://schemas.microsoft.com/office/powerpoint/2010/main" xmlns:a16="http://schemas.microsoft.com/office/drawing/2014/main" xmlns="" w="9525">
                   <a:solidFill>
                     <a:srgbClr val="000000"/>
                   </a:solidFill>
@@ -34054,10 +31862,10 @@
             <p:cNvPr id="23" name="Freeform 13">
               <a:extLst>
                 <a:ext uri="{FF2B5EF4-FFF2-40B4-BE49-F238E27FC236}">
-                  <a16:creationId xmlns:a16="http://schemas.microsoft.com/office/drawing/2014/main" id="{8B2A702D-53E8-4674-87E0-CA1F7E562788}"/>
+                  <a16:creationId xmlns:a16="http://schemas.microsoft.com/office/drawing/2014/main" xmlns="" id="{8B2A702D-53E8-4674-87E0-CA1F7E562788}"/>
                 </a:ext>
                 <a:ext uri="{C183D7F6-B498-43B3-948B-1728B52AA6E4}">
-                  <adec:decorative xmlns:adec="http://schemas.microsoft.com/office/drawing/2017/decorative" val="1"/>
+                  <adec:decorative xmlns:adec="http://schemas.microsoft.com/office/drawing/2017/decorative" xmlns="" val="1"/>
                 </a:ext>
               </a:extLst>
             </p:cNvPr>
@@ -34065,7 +31873,7 @@
             <p:nvPr>
               <p:extLst>
                 <p:ext uri="{386F3935-93C4-4BCD-93E2-E3B085C9AB24}">
-                  <p16:designElem xmlns:p16="http://schemas.microsoft.com/office/powerpoint/2015/main" val="1"/>
+                  <p16:designElem xmlns:p16="http://schemas.microsoft.com/office/powerpoint/2015/main" xmlns="" val="1"/>
                 </p:ext>
               </p:extLst>
             </p:nvPr>
@@ -34114,7 +31922,7 @@
             </a:ln>
             <a:extLst>
               <a:ext uri="{91240B29-F687-4f45-9708-019B960494DF}">
-                <a14:hiddenLine xmlns="" xmlns:a16="http://schemas.microsoft.com/office/drawing/2014/main" xmlns:p14="http://schemas.microsoft.com/office/powerpoint/2010/main" xmlns:a14="http://schemas.microsoft.com/office/drawing/2010/main" w="9525">
+                <a14:hiddenLine xmlns:a14="http://schemas.microsoft.com/office/drawing/2010/main" xmlns:p14="http://schemas.microsoft.com/office/powerpoint/2010/main" xmlns:a16="http://schemas.microsoft.com/office/drawing/2014/main" xmlns="" w="9525">
                   <a:solidFill>
                     <a:srgbClr val="000000"/>
                   </a:solidFill>
@@ -34131,10 +31939,10 @@
             <p:cNvPr id="24" name="Freeform 14">
               <a:extLst>
                 <a:ext uri="{FF2B5EF4-FFF2-40B4-BE49-F238E27FC236}">
-                  <a16:creationId xmlns:a16="http://schemas.microsoft.com/office/drawing/2014/main" id="{451CEEF2-55A9-4CDF-BB69-2D07031F0D37}"/>
+                  <a16:creationId xmlns:a16="http://schemas.microsoft.com/office/drawing/2014/main" xmlns="" id="{451CEEF2-55A9-4CDF-BB69-2D07031F0D37}"/>
                 </a:ext>
                 <a:ext uri="{C183D7F6-B498-43B3-948B-1728B52AA6E4}">
-                  <adec:decorative xmlns:adec="http://schemas.microsoft.com/office/drawing/2017/decorative" val="1"/>
+                  <adec:decorative xmlns:adec="http://schemas.microsoft.com/office/drawing/2017/decorative" xmlns="" val="1"/>
                 </a:ext>
               </a:extLst>
             </p:cNvPr>
@@ -34142,7 +31950,7 @@
             <p:nvPr>
               <p:extLst>
                 <p:ext uri="{386F3935-93C4-4BCD-93E2-E3B085C9AB24}">
-                  <p16:designElem xmlns:p16="http://schemas.microsoft.com/office/powerpoint/2015/main" val="1"/>
+                  <p16:designElem xmlns:p16="http://schemas.microsoft.com/office/powerpoint/2015/main" xmlns="" val="1"/>
                 </p:ext>
               </p:extLst>
             </p:nvPr>
@@ -34191,7 +31999,7 @@
             </a:ln>
             <a:extLst>
               <a:ext uri="{91240B29-F687-4f45-9708-019B960494DF}">
-                <a14:hiddenLine xmlns="" xmlns:a16="http://schemas.microsoft.com/office/drawing/2014/main" xmlns:p14="http://schemas.microsoft.com/office/powerpoint/2010/main" xmlns:a14="http://schemas.microsoft.com/office/drawing/2010/main" w="9525">
+                <a14:hiddenLine xmlns:a14="http://schemas.microsoft.com/office/drawing/2010/main" xmlns:p14="http://schemas.microsoft.com/office/powerpoint/2010/main" xmlns:a16="http://schemas.microsoft.com/office/drawing/2014/main" xmlns="" w="9525">
                   <a:solidFill>
                     <a:srgbClr val="000000"/>
                   </a:solidFill>
@@ -34208,10 +32016,10 @@
             <p:cNvPr id="25" name="Freeform 15">
               <a:extLst>
                 <a:ext uri="{FF2B5EF4-FFF2-40B4-BE49-F238E27FC236}">
-                  <a16:creationId xmlns:a16="http://schemas.microsoft.com/office/drawing/2014/main" id="{DCEC5350-68CD-460C-999B-A6055EA50638}"/>
+                  <a16:creationId xmlns:a16="http://schemas.microsoft.com/office/drawing/2014/main" xmlns="" id="{DCEC5350-68CD-460C-999B-A6055EA50638}"/>
                 </a:ext>
                 <a:ext uri="{C183D7F6-B498-43B3-948B-1728B52AA6E4}">
-                  <adec:decorative xmlns:adec="http://schemas.microsoft.com/office/drawing/2017/decorative" val="1"/>
+                  <adec:decorative xmlns:adec="http://schemas.microsoft.com/office/drawing/2017/decorative" xmlns="" val="1"/>
                 </a:ext>
               </a:extLst>
             </p:cNvPr>
@@ -34221,7 +32029,7 @@
             <p:nvPr>
               <p:extLst>
                 <p:ext uri="{386F3935-93C4-4BCD-93E2-E3B085C9AB24}">
-                  <p16:designElem xmlns:p16="http://schemas.microsoft.com/office/powerpoint/2015/main" val="1"/>
+                  <p16:designElem xmlns:p16="http://schemas.microsoft.com/office/powerpoint/2015/main" xmlns="" val="1"/>
                 </p:ext>
               </p:extLst>
             </p:nvPr>
@@ -34296,7 +32104,7 @@
             </a:ln>
             <a:extLst>
               <a:ext uri="{91240B29-F687-4f45-9708-019B960494DF}">
-                <a14:hiddenLine xmlns="" xmlns:a16="http://schemas.microsoft.com/office/drawing/2014/main" xmlns:p14="http://schemas.microsoft.com/office/powerpoint/2010/main" xmlns:a14="http://schemas.microsoft.com/office/drawing/2010/main" w="9525">
+                <a14:hiddenLine xmlns:a14="http://schemas.microsoft.com/office/drawing/2010/main" xmlns:p14="http://schemas.microsoft.com/office/powerpoint/2010/main" xmlns:a16="http://schemas.microsoft.com/office/drawing/2014/main" xmlns="" w="9525">
                   <a:solidFill>
                     <a:srgbClr val="000000"/>
                   </a:solidFill>
@@ -34313,10 +32121,10 @@
             <p:cNvPr id="26" name="Freeform 16">
               <a:extLst>
                 <a:ext uri="{FF2B5EF4-FFF2-40B4-BE49-F238E27FC236}">
-                  <a16:creationId xmlns:a16="http://schemas.microsoft.com/office/drawing/2014/main" id="{26945734-B592-423F-BCF3-8ED9227467CE}"/>
+                  <a16:creationId xmlns:a16="http://schemas.microsoft.com/office/drawing/2014/main" xmlns="" id="{26945734-B592-423F-BCF3-8ED9227467CE}"/>
                 </a:ext>
                 <a:ext uri="{C183D7F6-B498-43B3-948B-1728B52AA6E4}">
-                  <adec:decorative xmlns:adec="http://schemas.microsoft.com/office/drawing/2017/decorative" val="1"/>
+                  <adec:decorative xmlns:adec="http://schemas.microsoft.com/office/drawing/2017/decorative" xmlns="" val="1"/>
                 </a:ext>
               </a:extLst>
             </p:cNvPr>
@@ -34326,7 +32134,7 @@
             <p:nvPr>
               <p:extLst>
                 <p:ext uri="{386F3935-93C4-4BCD-93E2-E3B085C9AB24}">
-                  <p16:designElem xmlns:p16="http://schemas.microsoft.com/office/powerpoint/2015/main" val="1"/>
+                  <p16:designElem xmlns:p16="http://schemas.microsoft.com/office/powerpoint/2015/main" xmlns="" val="1"/>
                 </p:ext>
               </p:extLst>
             </p:nvPr>
@@ -34401,7 +32209,7 @@
             </a:ln>
             <a:extLst>
               <a:ext uri="{91240B29-F687-4f45-9708-019B960494DF}">
-                <a14:hiddenLine xmlns="" xmlns:a16="http://schemas.microsoft.com/office/drawing/2014/main" xmlns:p14="http://schemas.microsoft.com/office/powerpoint/2010/main" xmlns:a14="http://schemas.microsoft.com/office/drawing/2010/main" w="9525">
+                <a14:hiddenLine xmlns:a14="http://schemas.microsoft.com/office/drawing/2010/main" xmlns:p14="http://schemas.microsoft.com/office/powerpoint/2010/main" xmlns:a16="http://schemas.microsoft.com/office/drawing/2014/main" xmlns="" w="9525">
                   <a:solidFill>
                     <a:srgbClr val="000000"/>
                   </a:solidFill>
@@ -34418,10 +32226,10 @@
             <p:cNvPr id="27" name="Freeform 17">
               <a:extLst>
                 <a:ext uri="{FF2B5EF4-FFF2-40B4-BE49-F238E27FC236}">
-                  <a16:creationId xmlns:a16="http://schemas.microsoft.com/office/drawing/2014/main" id="{D6FF6791-D332-4D35-90E0-42011DF40CCF}"/>
+                  <a16:creationId xmlns:a16="http://schemas.microsoft.com/office/drawing/2014/main" xmlns="" id="{D6FF6791-D332-4D35-90E0-42011DF40CCF}"/>
                 </a:ext>
                 <a:ext uri="{C183D7F6-B498-43B3-948B-1728B52AA6E4}">
-                  <adec:decorative xmlns:adec="http://schemas.microsoft.com/office/drawing/2017/decorative" val="1"/>
+                  <adec:decorative xmlns:adec="http://schemas.microsoft.com/office/drawing/2017/decorative" xmlns="" val="1"/>
                 </a:ext>
               </a:extLst>
             </p:cNvPr>
@@ -34429,7 +32237,7 @@
             <p:nvPr>
               <p:extLst>
                 <p:ext uri="{386F3935-93C4-4BCD-93E2-E3B085C9AB24}">
-                  <p16:designElem xmlns:p16="http://schemas.microsoft.com/office/powerpoint/2015/main" val="1"/>
+                  <p16:designElem xmlns:p16="http://schemas.microsoft.com/office/powerpoint/2015/main" xmlns="" val="1"/>
                 </p:ext>
               </p:extLst>
             </p:nvPr>
@@ -34478,7 +32286,7 @@
             </a:ln>
             <a:extLst>
               <a:ext uri="{91240B29-F687-4f45-9708-019B960494DF}">
-                <a14:hiddenLine xmlns="" xmlns:a16="http://schemas.microsoft.com/office/drawing/2014/main" xmlns:p14="http://schemas.microsoft.com/office/powerpoint/2010/main" xmlns:a14="http://schemas.microsoft.com/office/drawing/2010/main" w="9525">
+                <a14:hiddenLine xmlns:a14="http://schemas.microsoft.com/office/drawing/2010/main" xmlns:p14="http://schemas.microsoft.com/office/powerpoint/2010/main" xmlns:a16="http://schemas.microsoft.com/office/drawing/2014/main" xmlns="" w="9525">
                   <a:solidFill>
                     <a:srgbClr val="000000"/>
                   </a:solidFill>
@@ -34495,10 +32303,10 @@
             <p:cNvPr id="28" name="Freeform 18">
               <a:extLst>
                 <a:ext uri="{FF2B5EF4-FFF2-40B4-BE49-F238E27FC236}">
-                  <a16:creationId xmlns:a16="http://schemas.microsoft.com/office/drawing/2014/main" id="{B1ED9C0C-0AD0-4F60-BB85-02B00AFE7606}"/>
+                  <a16:creationId xmlns:a16="http://schemas.microsoft.com/office/drawing/2014/main" xmlns="" id="{B1ED9C0C-0AD0-4F60-BB85-02B00AFE7606}"/>
                 </a:ext>
                 <a:ext uri="{C183D7F6-B498-43B3-948B-1728B52AA6E4}">
-                  <adec:decorative xmlns:adec="http://schemas.microsoft.com/office/drawing/2017/decorative" val="1"/>
+                  <adec:decorative xmlns:adec="http://schemas.microsoft.com/office/drawing/2017/decorative" xmlns="" val="1"/>
                 </a:ext>
               </a:extLst>
             </p:cNvPr>
@@ -34508,7 +32316,7 @@
             <p:nvPr>
               <p:extLst>
                 <p:ext uri="{386F3935-93C4-4BCD-93E2-E3B085C9AB24}">
-                  <p16:designElem xmlns:p16="http://schemas.microsoft.com/office/powerpoint/2015/main" val="1"/>
+                  <p16:designElem xmlns:p16="http://schemas.microsoft.com/office/powerpoint/2015/main" xmlns="" val="1"/>
                 </p:ext>
               </p:extLst>
             </p:nvPr>
@@ -34603,7 +32411,7 @@
             </a:ln>
             <a:extLst>
               <a:ext uri="{91240B29-F687-4f45-9708-019B960494DF}">
-                <a14:hiddenLine xmlns="" xmlns:a16="http://schemas.microsoft.com/office/drawing/2014/main" xmlns:p14="http://schemas.microsoft.com/office/powerpoint/2010/main" xmlns:a14="http://schemas.microsoft.com/office/drawing/2010/main" w="9525">
+                <a14:hiddenLine xmlns:a14="http://schemas.microsoft.com/office/drawing/2010/main" xmlns:p14="http://schemas.microsoft.com/office/powerpoint/2010/main" xmlns:a16="http://schemas.microsoft.com/office/drawing/2014/main" xmlns="" w="9525">
                   <a:solidFill>
                     <a:srgbClr val="000000"/>
                   </a:solidFill>
@@ -34620,10 +32428,10 @@
             <p:cNvPr id="29" name="Freeform 19">
               <a:extLst>
                 <a:ext uri="{FF2B5EF4-FFF2-40B4-BE49-F238E27FC236}">
-                  <a16:creationId xmlns:a16="http://schemas.microsoft.com/office/drawing/2014/main" id="{E202B26B-3FB3-4127-9295-F6E24A75EDD0}"/>
+                  <a16:creationId xmlns:a16="http://schemas.microsoft.com/office/drawing/2014/main" xmlns="" id="{E202B26B-3FB3-4127-9295-F6E24A75EDD0}"/>
                 </a:ext>
                 <a:ext uri="{C183D7F6-B498-43B3-948B-1728B52AA6E4}">
-                  <adec:decorative xmlns:adec="http://schemas.microsoft.com/office/drawing/2017/decorative" val="1"/>
+                  <adec:decorative xmlns:adec="http://schemas.microsoft.com/office/drawing/2017/decorative" xmlns="" val="1"/>
                 </a:ext>
               </a:extLst>
             </p:cNvPr>
@@ -34631,7 +32439,7 @@
             <p:nvPr>
               <p:extLst>
                 <p:ext uri="{386F3935-93C4-4BCD-93E2-E3B085C9AB24}">
-                  <p16:designElem xmlns:p16="http://schemas.microsoft.com/office/powerpoint/2015/main" val="1"/>
+                  <p16:designElem xmlns:p16="http://schemas.microsoft.com/office/powerpoint/2015/main" xmlns="" val="1"/>
                 </p:ext>
               </p:extLst>
             </p:nvPr>
@@ -34680,7 +32488,7 @@
             </a:ln>
             <a:extLst>
               <a:ext uri="{91240B29-F687-4f45-9708-019B960494DF}">
-                <a14:hiddenLine xmlns="" xmlns:a16="http://schemas.microsoft.com/office/drawing/2014/main" xmlns:p14="http://schemas.microsoft.com/office/powerpoint/2010/main" xmlns:a14="http://schemas.microsoft.com/office/drawing/2010/main" w="9525">
+                <a14:hiddenLine xmlns:a14="http://schemas.microsoft.com/office/drawing/2010/main" xmlns:p14="http://schemas.microsoft.com/office/powerpoint/2010/main" xmlns:a16="http://schemas.microsoft.com/office/drawing/2014/main" xmlns="" w="9525">
                   <a:solidFill>
                     <a:srgbClr val="000000"/>
                   </a:solidFill>
@@ -34697,10 +32505,10 @@
             <p:cNvPr id="30" name="Freeform 20">
               <a:extLst>
                 <a:ext uri="{FF2B5EF4-FFF2-40B4-BE49-F238E27FC236}">
-                  <a16:creationId xmlns:a16="http://schemas.microsoft.com/office/drawing/2014/main" id="{A9B0C70B-3686-4190-8592-736E11AB4D04}"/>
+                  <a16:creationId xmlns:a16="http://schemas.microsoft.com/office/drawing/2014/main" xmlns="" id="{A9B0C70B-3686-4190-8592-736E11AB4D04}"/>
                 </a:ext>
                 <a:ext uri="{C183D7F6-B498-43B3-948B-1728B52AA6E4}">
-                  <adec:decorative xmlns:adec="http://schemas.microsoft.com/office/drawing/2017/decorative" val="1"/>
+                  <adec:decorative xmlns:adec="http://schemas.microsoft.com/office/drawing/2017/decorative" xmlns="" val="1"/>
                 </a:ext>
               </a:extLst>
             </p:cNvPr>
@@ -34710,7 +32518,7 @@
             <p:nvPr>
               <p:extLst>
                 <p:ext uri="{386F3935-93C4-4BCD-93E2-E3B085C9AB24}">
-                  <p16:designElem xmlns:p16="http://schemas.microsoft.com/office/powerpoint/2015/main" val="1"/>
+                  <p16:designElem xmlns:p16="http://schemas.microsoft.com/office/powerpoint/2015/main" xmlns="" val="1"/>
                 </p:ext>
               </p:extLst>
             </p:nvPr>
@@ -34785,7 +32593,7 @@
             </a:ln>
             <a:extLst>
               <a:ext uri="{91240B29-F687-4f45-9708-019B960494DF}">
-                <a14:hiddenLine xmlns="" xmlns:a16="http://schemas.microsoft.com/office/drawing/2014/main" xmlns:p14="http://schemas.microsoft.com/office/powerpoint/2010/main" xmlns:a14="http://schemas.microsoft.com/office/drawing/2010/main" w="9525">
+                <a14:hiddenLine xmlns:a14="http://schemas.microsoft.com/office/drawing/2010/main" xmlns:p14="http://schemas.microsoft.com/office/powerpoint/2010/main" xmlns:a16="http://schemas.microsoft.com/office/drawing/2014/main" xmlns="" w="9525">
                   <a:solidFill>
                     <a:srgbClr val="000000"/>
                   </a:solidFill>
@@ -34802,10 +32610,10 @@
             <p:cNvPr id="31" name="Freeform 21">
               <a:extLst>
                 <a:ext uri="{FF2B5EF4-FFF2-40B4-BE49-F238E27FC236}">
-                  <a16:creationId xmlns:a16="http://schemas.microsoft.com/office/drawing/2014/main" id="{3DCD01FB-20E8-42C3-AFE9-DFD3F426A15A}"/>
+                  <a16:creationId xmlns:a16="http://schemas.microsoft.com/office/drawing/2014/main" xmlns="" id="{3DCD01FB-20E8-42C3-AFE9-DFD3F426A15A}"/>
                 </a:ext>
                 <a:ext uri="{C183D7F6-B498-43B3-948B-1728B52AA6E4}">
-                  <adec:decorative xmlns:adec="http://schemas.microsoft.com/office/drawing/2017/decorative" val="1"/>
+                  <adec:decorative xmlns:adec="http://schemas.microsoft.com/office/drawing/2017/decorative" xmlns="" val="1"/>
                 </a:ext>
               </a:extLst>
             </p:cNvPr>
@@ -34815,7 +32623,7 @@
             <p:nvPr>
               <p:extLst>
                 <p:ext uri="{386F3935-93C4-4BCD-93E2-E3B085C9AB24}">
-                  <p16:designElem xmlns:p16="http://schemas.microsoft.com/office/powerpoint/2015/main" val="1"/>
+                  <p16:designElem xmlns:p16="http://schemas.microsoft.com/office/powerpoint/2015/main" xmlns="" val="1"/>
                 </p:ext>
               </p:extLst>
             </p:nvPr>
@@ -34890,7 +32698,7 @@
             </a:ln>
             <a:extLst>
               <a:ext uri="{91240B29-F687-4f45-9708-019B960494DF}">
-                <a14:hiddenLine xmlns="" xmlns:a16="http://schemas.microsoft.com/office/drawing/2014/main" xmlns:p14="http://schemas.microsoft.com/office/powerpoint/2010/main" xmlns:a14="http://schemas.microsoft.com/office/drawing/2010/main" w="9525">
+                <a14:hiddenLine xmlns:a14="http://schemas.microsoft.com/office/drawing/2010/main" xmlns:p14="http://schemas.microsoft.com/office/powerpoint/2010/main" xmlns:a16="http://schemas.microsoft.com/office/drawing/2014/main" xmlns="" w="9525">
                   <a:solidFill>
                     <a:srgbClr val="000000"/>
                   </a:solidFill>
@@ -34907,10 +32715,10 @@
             <p:cNvPr id="32" name="Freeform 22">
               <a:extLst>
                 <a:ext uri="{FF2B5EF4-FFF2-40B4-BE49-F238E27FC236}">
-                  <a16:creationId xmlns:a16="http://schemas.microsoft.com/office/drawing/2014/main" id="{E18D3AEB-E104-4243-893A-880F9A3C450F}"/>
+                  <a16:creationId xmlns:a16="http://schemas.microsoft.com/office/drawing/2014/main" xmlns="" id="{E18D3AEB-E104-4243-893A-880F9A3C450F}"/>
                 </a:ext>
                 <a:ext uri="{C183D7F6-B498-43B3-948B-1728B52AA6E4}">
-                  <adec:decorative xmlns:adec="http://schemas.microsoft.com/office/drawing/2017/decorative" val="1"/>
+                  <adec:decorative xmlns:adec="http://schemas.microsoft.com/office/drawing/2017/decorative" xmlns="" val="1"/>
                 </a:ext>
               </a:extLst>
             </p:cNvPr>
@@ -34918,7 +32726,7 @@
             <p:nvPr>
               <p:extLst>
                 <p:ext uri="{386F3935-93C4-4BCD-93E2-E3B085C9AB24}">
-                  <p16:designElem xmlns:p16="http://schemas.microsoft.com/office/powerpoint/2015/main" val="1"/>
+                  <p16:designElem xmlns:p16="http://schemas.microsoft.com/office/powerpoint/2015/main" xmlns="" val="1"/>
                 </p:ext>
               </p:extLst>
             </p:nvPr>
@@ -34967,7 +32775,7 @@
             </a:ln>
             <a:extLst>
               <a:ext uri="{91240B29-F687-4f45-9708-019B960494DF}">
-                <a14:hiddenLine xmlns="" xmlns:a16="http://schemas.microsoft.com/office/drawing/2014/main" xmlns:p14="http://schemas.microsoft.com/office/powerpoint/2010/main" xmlns:a14="http://schemas.microsoft.com/office/drawing/2010/main" w="9525">
+                <a14:hiddenLine xmlns:a14="http://schemas.microsoft.com/office/drawing/2010/main" xmlns:p14="http://schemas.microsoft.com/office/powerpoint/2010/main" xmlns:a16="http://schemas.microsoft.com/office/drawing/2014/main" xmlns="" w="9525">
                   <a:solidFill>
                     <a:srgbClr val="000000"/>
                   </a:solidFill>
@@ -34984,10 +32792,10 @@
             <p:cNvPr id="33" name="Freeform 23">
               <a:extLst>
                 <a:ext uri="{FF2B5EF4-FFF2-40B4-BE49-F238E27FC236}">
-                  <a16:creationId xmlns:a16="http://schemas.microsoft.com/office/drawing/2014/main" id="{25B79020-576E-46E2-BDDD-3D93C9DD53B9}"/>
+                  <a16:creationId xmlns:a16="http://schemas.microsoft.com/office/drawing/2014/main" xmlns="" id="{25B79020-576E-46E2-BDDD-3D93C9DD53B9}"/>
                 </a:ext>
                 <a:ext uri="{C183D7F6-B498-43B3-948B-1728B52AA6E4}">
-                  <adec:decorative xmlns:adec="http://schemas.microsoft.com/office/drawing/2017/decorative" val="1"/>
+                  <adec:decorative xmlns:adec="http://schemas.microsoft.com/office/drawing/2017/decorative" xmlns="" val="1"/>
                 </a:ext>
               </a:extLst>
             </p:cNvPr>
@@ -34997,7 +32805,7 @@
             <p:nvPr>
               <p:extLst>
                 <p:ext uri="{386F3935-93C4-4BCD-93E2-E3B085C9AB24}">
-                  <p16:designElem xmlns:p16="http://schemas.microsoft.com/office/powerpoint/2015/main" val="1"/>
+                  <p16:designElem xmlns:p16="http://schemas.microsoft.com/office/powerpoint/2015/main" xmlns="" val="1"/>
                 </p:ext>
               </p:extLst>
             </p:nvPr>
@@ -35072,7 +32880,7 @@
             </a:ln>
             <a:extLst>
               <a:ext uri="{91240B29-F687-4f45-9708-019B960494DF}">
-                <a14:hiddenLine xmlns="" xmlns:a16="http://schemas.microsoft.com/office/drawing/2014/main" xmlns:p14="http://schemas.microsoft.com/office/powerpoint/2010/main" xmlns:a14="http://schemas.microsoft.com/office/drawing/2010/main" w="9525">
+                <a14:hiddenLine xmlns:a14="http://schemas.microsoft.com/office/drawing/2010/main" xmlns:p14="http://schemas.microsoft.com/office/powerpoint/2010/main" xmlns:a16="http://schemas.microsoft.com/office/drawing/2014/main" xmlns="" w="9525">
                   <a:solidFill>
                     <a:srgbClr val="000000"/>
                   </a:solidFill>
@@ -35089,10 +32897,10 @@
             <p:cNvPr id="34" name="Freeform 24">
               <a:extLst>
                 <a:ext uri="{FF2B5EF4-FFF2-40B4-BE49-F238E27FC236}">
-                  <a16:creationId xmlns:a16="http://schemas.microsoft.com/office/drawing/2014/main" id="{F9BE123C-99CB-4F9F-B6AD-D78B410111BB}"/>
+                  <a16:creationId xmlns:a16="http://schemas.microsoft.com/office/drawing/2014/main" xmlns="" id="{F9BE123C-99CB-4F9F-B6AD-D78B410111BB}"/>
                 </a:ext>
                 <a:ext uri="{C183D7F6-B498-43B3-948B-1728B52AA6E4}">
-                  <adec:decorative xmlns:adec="http://schemas.microsoft.com/office/drawing/2017/decorative" val="1"/>
+                  <adec:decorative xmlns:adec="http://schemas.microsoft.com/office/drawing/2017/decorative" xmlns="" val="1"/>
                 </a:ext>
               </a:extLst>
             </p:cNvPr>
@@ -35102,7 +32910,7 @@
             <p:nvPr>
               <p:extLst>
                 <p:ext uri="{386F3935-93C4-4BCD-93E2-E3B085C9AB24}">
-                  <p16:designElem xmlns:p16="http://schemas.microsoft.com/office/powerpoint/2015/main" val="1"/>
+                  <p16:designElem xmlns:p16="http://schemas.microsoft.com/office/powerpoint/2015/main" xmlns="" val="1"/>
                 </p:ext>
               </p:extLst>
             </p:nvPr>
@@ -35177,7 +32985,7 @@
             </a:ln>
             <a:extLst>
               <a:ext uri="{91240B29-F687-4f45-9708-019B960494DF}">
-                <a14:hiddenLine xmlns="" xmlns:a16="http://schemas.microsoft.com/office/drawing/2014/main" xmlns:p14="http://schemas.microsoft.com/office/powerpoint/2010/main" xmlns:a14="http://schemas.microsoft.com/office/drawing/2010/main" w="9525">
+                <a14:hiddenLine xmlns:a14="http://schemas.microsoft.com/office/drawing/2010/main" xmlns:p14="http://schemas.microsoft.com/office/powerpoint/2010/main" xmlns:a16="http://schemas.microsoft.com/office/drawing/2014/main" xmlns="" w="9525">
                   <a:solidFill>
                     <a:srgbClr val="000000"/>
                   </a:solidFill>
@@ -35194,10 +33002,10 @@
             <p:cNvPr id="35" name="Freeform 25">
               <a:extLst>
                 <a:ext uri="{FF2B5EF4-FFF2-40B4-BE49-F238E27FC236}">
-                  <a16:creationId xmlns:a16="http://schemas.microsoft.com/office/drawing/2014/main" id="{2652409A-0FBC-471C-8070-735AA2D18C0D}"/>
+                  <a16:creationId xmlns:a16="http://schemas.microsoft.com/office/drawing/2014/main" xmlns="" id="{2652409A-0FBC-471C-8070-735AA2D18C0D}"/>
                 </a:ext>
                 <a:ext uri="{C183D7F6-B498-43B3-948B-1728B52AA6E4}">
-                  <adec:decorative xmlns:adec="http://schemas.microsoft.com/office/drawing/2017/decorative" val="1"/>
+                  <adec:decorative xmlns:adec="http://schemas.microsoft.com/office/drawing/2017/decorative" xmlns="" val="1"/>
                 </a:ext>
               </a:extLst>
             </p:cNvPr>
@@ -35205,7 +33013,7 @@
             <p:nvPr>
               <p:extLst>
                 <p:ext uri="{386F3935-93C4-4BCD-93E2-E3B085C9AB24}">
-                  <p16:designElem xmlns:p16="http://schemas.microsoft.com/office/powerpoint/2015/main" val="1"/>
+                  <p16:designElem xmlns:p16="http://schemas.microsoft.com/office/powerpoint/2015/main" xmlns="" val="1"/>
                 </p:ext>
               </p:extLst>
             </p:nvPr>
@@ -35248,7 +33056,7 @@
             </a:ln>
             <a:extLst>
               <a:ext uri="{91240B29-F687-4f45-9708-019B960494DF}">
-                <a14:hiddenLine xmlns="" xmlns:a16="http://schemas.microsoft.com/office/drawing/2014/main" xmlns:p14="http://schemas.microsoft.com/office/powerpoint/2010/main" xmlns:a14="http://schemas.microsoft.com/office/drawing/2010/main" w="9525">
+                <a14:hiddenLine xmlns:a14="http://schemas.microsoft.com/office/drawing/2010/main" xmlns:p14="http://schemas.microsoft.com/office/powerpoint/2010/main" xmlns:a16="http://schemas.microsoft.com/office/drawing/2014/main" xmlns="" w="9525">
                   <a:solidFill>
                     <a:srgbClr val="000000"/>
                   </a:solidFill>
@@ -35265,10 +33073,10 @@
             <p:cNvPr id="36" name="Freeform 26">
               <a:extLst>
                 <a:ext uri="{FF2B5EF4-FFF2-40B4-BE49-F238E27FC236}">
-                  <a16:creationId xmlns:a16="http://schemas.microsoft.com/office/drawing/2014/main" id="{A7B0AC30-BECB-435E-B184-5893DAF4CF1E}"/>
+                  <a16:creationId xmlns:a16="http://schemas.microsoft.com/office/drawing/2014/main" xmlns="" id="{A7B0AC30-BECB-435E-B184-5893DAF4CF1E}"/>
                 </a:ext>
                 <a:ext uri="{C183D7F6-B498-43B3-948B-1728B52AA6E4}">
-                  <adec:decorative xmlns:adec="http://schemas.microsoft.com/office/drawing/2017/decorative" val="1"/>
+                  <adec:decorative xmlns:adec="http://schemas.microsoft.com/office/drawing/2017/decorative" xmlns="" val="1"/>
                 </a:ext>
               </a:extLst>
             </p:cNvPr>
@@ -35278,7 +33086,7 @@
             <p:nvPr>
               <p:extLst>
                 <p:ext uri="{386F3935-93C4-4BCD-93E2-E3B085C9AB24}">
-                  <p16:designElem xmlns:p16="http://schemas.microsoft.com/office/powerpoint/2015/main" val="1"/>
+                  <p16:designElem xmlns:p16="http://schemas.microsoft.com/office/powerpoint/2015/main" xmlns="" val="1"/>
                 </p:ext>
               </p:extLst>
             </p:nvPr>
@@ -35353,7 +33161,7 @@
             </a:ln>
             <a:extLst>
               <a:ext uri="{91240B29-F687-4f45-9708-019B960494DF}">
-                <a14:hiddenLine xmlns="" xmlns:a16="http://schemas.microsoft.com/office/drawing/2014/main" xmlns:p14="http://schemas.microsoft.com/office/powerpoint/2010/main" xmlns:a14="http://schemas.microsoft.com/office/drawing/2010/main" w="9525">
+                <a14:hiddenLine xmlns:a14="http://schemas.microsoft.com/office/drawing/2010/main" xmlns:p14="http://schemas.microsoft.com/office/powerpoint/2010/main" xmlns:a16="http://schemas.microsoft.com/office/drawing/2014/main" xmlns="" w="9525">
                   <a:solidFill>
                     <a:srgbClr val="000000"/>
                   </a:solidFill>
@@ -35370,10 +33178,10 @@
             <p:cNvPr id="37" name="Freeform 27">
               <a:extLst>
                 <a:ext uri="{FF2B5EF4-FFF2-40B4-BE49-F238E27FC236}">
-                  <a16:creationId xmlns:a16="http://schemas.microsoft.com/office/drawing/2014/main" id="{209F3AA3-0D92-49EA-8E9E-E8519359107A}"/>
+                  <a16:creationId xmlns:a16="http://schemas.microsoft.com/office/drawing/2014/main" xmlns="" id="{209F3AA3-0D92-49EA-8E9E-E8519359107A}"/>
                 </a:ext>
                 <a:ext uri="{C183D7F6-B498-43B3-948B-1728B52AA6E4}">
-                  <adec:decorative xmlns:adec="http://schemas.microsoft.com/office/drawing/2017/decorative" val="1"/>
+                  <adec:decorative xmlns:adec="http://schemas.microsoft.com/office/drawing/2017/decorative" xmlns="" val="1"/>
                 </a:ext>
               </a:extLst>
             </p:cNvPr>
@@ -35381,7 +33189,7 @@
             <p:nvPr>
               <p:extLst>
                 <p:ext uri="{386F3935-93C4-4BCD-93E2-E3B085C9AB24}">
-                  <p16:designElem xmlns:p16="http://schemas.microsoft.com/office/powerpoint/2015/main" val="1"/>
+                  <p16:designElem xmlns:p16="http://schemas.microsoft.com/office/powerpoint/2015/main" xmlns="" val="1"/>
                 </p:ext>
               </p:extLst>
             </p:nvPr>
@@ -35424,7 +33232,7 @@
             </a:ln>
             <a:extLst>
               <a:ext uri="{91240B29-F687-4f45-9708-019B960494DF}">
-                <a14:hiddenLine xmlns="" xmlns:a16="http://schemas.microsoft.com/office/drawing/2014/main" xmlns:p14="http://schemas.microsoft.com/office/powerpoint/2010/main" xmlns:a14="http://schemas.microsoft.com/office/drawing/2010/main" w="9525">
+                <a14:hiddenLine xmlns:a14="http://schemas.microsoft.com/office/drawing/2010/main" xmlns:p14="http://schemas.microsoft.com/office/powerpoint/2010/main" xmlns:a16="http://schemas.microsoft.com/office/drawing/2014/main" xmlns="" w="9525">
                   <a:solidFill>
                     <a:srgbClr val="000000"/>
                   </a:solidFill>
@@ -35441,10 +33249,10 @@
             <p:cNvPr id="38" name="Freeform 28">
               <a:extLst>
                 <a:ext uri="{FF2B5EF4-FFF2-40B4-BE49-F238E27FC236}">
-                  <a16:creationId xmlns:a16="http://schemas.microsoft.com/office/drawing/2014/main" id="{96C003E9-8BC2-48CC-ABF7-540233FDB0B8}"/>
+                  <a16:creationId xmlns:a16="http://schemas.microsoft.com/office/drawing/2014/main" xmlns="" id="{96C003E9-8BC2-48CC-ABF7-540233FDB0B8}"/>
                 </a:ext>
                 <a:ext uri="{C183D7F6-B498-43B3-948B-1728B52AA6E4}">
-                  <adec:decorative xmlns:adec="http://schemas.microsoft.com/office/drawing/2017/decorative" val="1"/>
+                  <adec:decorative xmlns:adec="http://schemas.microsoft.com/office/drawing/2017/decorative" xmlns="" val="1"/>
                 </a:ext>
               </a:extLst>
             </p:cNvPr>
@@ -35454,7 +33262,7 @@
             <p:nvPr>
               <p:extLst>
                 <p:ext uri="{386F3935-93C4-4BCD-93E2-E3B085C9AB24}">
-                  <p16:designElem xmlns:p16="http://schemas.microsoft.com/office/powerpoint/2015/main" val="1"/>
+                  <p16:designElem xmlns:p16="http://schemas.microsoft.com/office/powerpoint/2015/main" xmlns="" val="1"/>
                 </p:ext>
               </p:extLst>
             </p:nvPr>
@@ -35529,7 +33337,7 @@
             </a:ln>
             <a:extLst>
               <a:ext uri="{91240B29-F687-4f45-9708-019B960494DF}">
-                <a14:hiddenLine xmlns="" xmlns:a16="http://schemas.microsoft.com/office/drawing/2014/main" xmlns:p14="http://schemas.microsoft.com/office/powerpoint/2010/main" xmlns:a14="http://schemas.microsoft.com/office/drawing/2010/main" w="9525">
+                <a14:hiddenLine xmlns:a14="http://schemas.microsoft.com/office/drawing/2010/main" xmlns:p14="http://schemas.microsoft.com/office/powerpoint/2010/main" xmlns:a16="http://schemas.microsoft.com/office/drawing/2014/main" xmlns="" w="9525">
                   <a:solidFill>
                     <a:srgbClr val="000000"/>
                   </a:solidFill>
@@ -35546,10 +33354,10 @@
             <p:cNvPr id="39" name="Freeform 29">
               <a:extLst>
                 <a:ext uri="{FF2B5EF4-FFF2-40B4-BE49-F238E27FC236}">
-                  <a16:creationId xmlns:a16="http://schemas.microsoft.com/office/drawing/2014/main" id="{13BDD8BA-D378-486C-AAC9-F4BC3E85607F}"/>
+                  <a16:creationId xmlns:a16="http://schemas.microsoft.com/office/drawing/2014/main" xmlns="" id="{13BDD8BA-D378-486C-AAC9-F4BC3E85607F}"/>
                 </a:ext>
                 <a:ext uri="{C183D7F6-B498-43B3-948B-1728B52AA6E4}">
-                  <adec:decorative xmlns:adec="http://schemas.microsoft.com/office/drawing/2017/decorative" val="1"/>
+                  <adec:decorative xmlns:adec="http://schemas.microsoft.com/office/drawing/2017/decorative" xmlns="" val="1"/>
                 </a:ext>
               </a:extLst>
             </p:cNvPr>
@@ -35557,7 +33365,7 @@
             <p:nvPr>
               <p:extLst>
                 <p:ext uri="{386F3935-93C4-4BCD-93E2-E3B085C9AB24}">
-                  <p16:designElem xmlns:p16="http://schemas.microsoft.com/office/powerpoint/2015/main" val="1"/>
+                  <p16:designElem xmlns:p16="http://schemas.microsoft.com/office/powerpoint/2015/main" xmlns="" val="1"/>
                 </p:ext>
               </p:extLst>
             </p:nvPr>
@@ -35612,7 +33420,7 @@
             </a:ln>
             <a:extLst>
               <a:ext uri="{91240B29-F687-4f45-9708-019B960494DF}">
-                <a14:hiddenLine xmlns="" xmlns:a16="http://schemas.microsoft.com/office/drawing/2014/main" xmlns:p14="http://schemas.microsoft.com/office/powerpoint/2010/main" xmlns:a14="http://schemas.microsoft.com/office/drawing/2010/main" w="9525">
+                <a14:hiddenLine xmlns:a14="http://schemas.microsoft.com/office/drawing/2010/main" xmlns:p14="http://schemas.microsoft.com/office/powerpoint/2010/main" xmlns:a16="http://schemas.microsoft.com/office/drawing/2014/main" xmlns="" w="9525">
                   <a:solidFill>
                     <a:srgbClr val="000000"/>
                   </a:solidFill>
@@ -35629,10 +33437,10 @@
             <p:cNvPr id="40" name="Freeform 30">
               <a:extLst>
                 <a:ext uri="{FF2B5EF4-FFF2-40B4-BE49-F238E27FC236}">
-                  <a16:creationId xmlns:a16="http://schemas.microsoft.com/office/drawing/2014/main" id="{04C38930-9B92-429B-915A-D0198D6ACD14}"/>
+                  <a16:creationId xmlns:a16="http://schemas.microsoft.com/office/drawing/2014/main" xmlns="" id="{04C38930-9B92-429B-915A-D0198D6ACD14}"/>
                 </a:ext>
                 <a:ext uri="{C183D7F6-B498-43B3-948B-1728B52AA6E4}">
-                  <adec:decorative xmlns:adec="http://schemas.microsoft.com/office/drawing/2017/decorative" val="1"/>
+                  <adec:decorative xmlns:adec="http://schemas.microsoft.com/office/drawing/2017/decorative" xmlns="" val="1"/>
                 </a:ext>
               </a:extLst>
             </p:cNvPr>
@@ -35642,7 +33450,7 @@
             <p:nvPr>
               <p:extLst>
                 <p:ext uri="{386F3935-93C4-4BCD-93E2-E3B085C9AB24}">
-                  <p16:designElem xmlns:p16="http://schemas.microsoft.com/office/powerpoint/2015/main" val="1"/>
+                  <p16:designElem xmlns:p16="http://schemas.microsoft.com/office/powerpoint/2015/main" xmlns="" val="1"/>
                 </p:ext>
               </p:extLst>
             </p:nvPr>
@@ -35717,7 +33525,7 @@
             </a:ln>
             <a:extLst>
               <a:ext uri="{91240B29-F687-4f45-9708-019B960494DF}">
-                <a14:hiddenLine xmlns="" xmlns:a16="http://schemas.microsoft.com/office/drawing/2014/main" xmlns:p14="http://schemas.microsoft.com/office/powerpoint/2010/main" xmlns:a14="http://schemas.microsoft.com/office/drawing/2010/main" w="9525">
+                <a14:hiddenLine xmlns:a14="http://schemas.microsoft.com/office/drawing/2010/main" xmlns:p14="http://schemas.microsoft.com/office/powerpoint/2010/main" xmlns:a16="http://schemas.microsoft.com/office/drawing/2014/main" xmlns="" w="9525">
                   <a:solidFill>
                     <a:srgbClr val="000000"/>
                   </a:solidFill>
@@ -35734,10 +33542,10 @@
             <p:cNvPr id="41" name="Freeform 31">
               <a:extLst>
                 <a:ext uri="{FF2B5EF4-FFF2-40B4-BE49-F238E27FC236}">
-                  <a16:creationId xmlns:a16="http://schemas.microsoft.com/office/drawing/2014/main" id="{32660743-42C8-4FFB-A77B-66678E1E1B37}"/>
+                  <a16:creationId xmlns:a16="http://schemas.microsoft.com/office/drawing/2014/main" xmlns="" id="{32660743-42C8-4FFB-A77B-66678E1E1B37}"/>
                 </a:ext>
                 <a:ext uri="{C183D7F6-B498-43B3-948B-1728B52AA6E4}">
-                  <adec:decorative xmlns:adec="http://schemas.microsoft.com/office/drawing/2017/decorative" val="1"/>
+                  <adec:decorative xmlns:adec="http://schemas.microsoft.com/office/drawing/2017/decorative" xmlns="" val="1"/>
                 </a:ext>
               </a:extLst>
             </p:cNvPr>
@@ -35745,7 +33553,7 @@
             <p:nvPr>
               <p:extLst>
                 <p:ext uri="{386F3935-93C4-4BCD-93E2-E3B085C9AB24}">
-                  <p16:designElem xmlns:p16="http://schemas.microsoft.com/office/powerpoint/2015/main" val="1"/>
+                  <p16:designElem xmlns:p16="http://schemas.microsoft.com/office/powerpoint/2015/main" xmlns="" val="1"/>
                 </p:ext>
               </p:extLst>
             </p:nvPr>
@@ -35800,7 +33608,7 @@
             </a:ln>
             <a:extLst>
               <a:ext uri="{91240B29-F687-4f45-9708-019B960494DF}">
-                <a14:hiddenLine xmlns="" xmlns:a16="http://schemas.microsoft.com/office/drawing/2014/main" xmlns:p14="http://schemas.microsoft.com/office/powerpoint/2010/main" xmlns:a14="http://schemas.microsoft.com/office/drawing/2010/main" w="9525">
+                <a14:hiddenLine xmlns:a14="http://schemas.microsoft.com/office/drawing/2010/main" xmlns:p14="http://schemas.microsoft.com/office/powerpoint/2010/main" xmlns:a16="http://schemas.microsoft.com/office/drawing/2014/main" xmlns="" w="9525">
                   <a:solidFill>
                     <a:srgbClr val="000000"/>
                   </a:solidFill>
@@ -35817,10 +33625,10 @@
             <p:cNvPr id="42" name="Freeform 32">
               <a:extLst>
                 <a:ext uri="{FF2B5EF4-FFF2-40B4-BE49-F238E27FC236}">
-                  <a16:creationId xmlns:a16="http://schemas.microsoft.com/office/drawing/2014/main" id="{6B242301-66B7-4876-B23A-1B97410A55AB}"/>
+                  <a16:creationId xmlns:a16="http://schemas.microsoft.com/office/drawing/2014/main" xmlns="" id="{6B242301-66B7-4876-B23A-1B97410A55AB}"/>
                 </a:ext>
                 <a:ext uri="{C183D7F6-B498-43B3-948B-1728B52AA6E4}">
-                  <adec:decorative xmlns:adec="http://schemas.microsoft.com/office/drawing/2017/decorative" val="1"/>
+                  <adec:decorative xmlns:adec="http://schemas.microsoft.com/office/drawing/2017/decorative" xmlns="" val="1"/>
                 </a:ext>
               </a:extLst>
             </p:cNvPr>
@@ -35830,7 +33638,7 @@
             <p:nvPr>
               <p:extLst>
                 <p:ext uri="{386F3935-93C4-4BCD-93E2-E3B085C9AB24}">
-                  <p16:designElem xmlns:p16="http://schemas.microsoft.com/office/powerpoint/2015/main" val="1"/>
+                  <p16:designElem xmlns:p16="http://schemas.microsoft.com/office/powerpoint/2015/main" xmlns="" val="1"/>
                 </p:ext>
               </p:extLst>
             </p:nvPr>
@@ -35905,7 +33713,7 @@
             </a:ln>
             <a:extLst>
               <a:ext uri="{91240B29-F687-4f45-9708-019B960494DF}">
-                <a14:hiddenLine xmlns="" xmlns:a16="http://schemas.microsoft.com/office/drawing/2014/main" xmlns:p14="http://schemas.microsoft.com/office/powerpoint/2010/main" xmlns:a14="http://schemas.microsoft.com/office/drawing/2010/main" w="9525">
+                <a14:hiddenLine xmlns:a14="http://schemas.microsoft.com/office/drawing/2010/main" xmlns:p14="http://schemas.microsoft.com/office/powerpoint/2010/main" xmlns:a16="http://schemas.microsoft.com/office/drawing/2014/main" xmlns="" w="9525">
                   <a:solidFill>
                     <a:srgbClr val="000000"/>
                   </a:solidFill>
@@ -35922,10 +33730,10 @@
             <p:cNvPr id="43" name="Rectangle 33">
               <a:extLst>
                 <a:ext uri="{FF2B5EF4-FFF2-40B4-BE49-F238E27FC236}">
-                  <a16:creationId xmlns:a16="http://schemas.microsoft.com/office/drawing/2014/main" id="{B05C5127-C481-4571-9E17-90305CA0A918}"/>
+                  <a16:creationId xmlns:a16="http://schemas.microsoft.com/office/drawing/2014/main" xmlns="" id="{B05C5127-C481-4571-9E17-90305CA0A918}"/>
                 </a:ext>
                 <a:ext uri="{C183D7F6-B498-43B3-948B-1728B52AA6E4}">
-                  <adec:decorative xmlns:adec="http://schemas.microsoft.com/office/drawing/2017/decorative" val="1"/>
+                  <adec:decorative xmlns:adec="http://schemas.microsoft.com/office/drawing/2017/decorative" xmlns="" val="1"/>
                 </a:ext>
               </a:extLst>
             </p:cNvPr>
@@ -35935,7 +33743,7 @@
             <p:nvPr>
               <p:extLst>
                 <p:ext uri="{386F3935-93C4-4BCD-93E2-E3B085C9AB24}">
-                  <p16:designElem xmlns:p16="http://schemas.microsoft.com/office/powerpoint/2015/main" val="1"/>
+                  <p16:designElem xmlns:p16="http://schemas.microsoft.com/office/powerpoint/2015/main" xmlns="" val="1"/>
                 </p:ext>
               </p:extLst>
             </p:nvPr>
@@ -35954,7 +33762,7 @@
             </a:ln>
             <a:extLst>
               <a:ext uri="{91240B29-F687-4f45-9708-019B960494DF}">
-                <a14:hiddenLine xmlns="" xmlns:a16="http://schemas.microsoft.com/office/drawing/2014/main" xmlns:p14="http://schemas.microsoft.com/office/powerpoint/2010/main" xmlns:a14="http://schemas.microsoft.com/office/drawing/2010/main" w="9525">
+                <a14:hiddenLine xmlns:a14="http://schemas.microsoft.com/office/drawing/2010/main" xmlns:p14="http://schemas.microsoft.com/office/powerpoint/2010/main" xmlns:a16="http://schemas.microsoft.com/office/drawing/2014/main" xmlns="" w="9525">
                   <a:solidFill>
                     <a:srgbClr val="000000"/>
                   </a:solidFill>
@@ -35971,10 +33779,10 @@
             <p:cNvPr id="44" name="Freeform 34">
               <a:extLst>
                 <a:ext uri="{FF2B5EF4-FFF2-40B4-BE49-F238E27FC236}">
-                  <a16:creationId xmlns:a16="http://schemas.microsoft.com/office/drawing/2014/main" id="{BC0F1F06-EBE2-4919-A902-A503E384D262}"/>
+                  <a16:creationId xmlns:a16="http://schemas.microsoft.com/office/drawing/2014/main" xmlns="" id="{BC0F1F06-EBE2-4919-A902-A503E384D262}"/>
                 </a:ext>
                 <a:ext uri="{C183D7F6-B498-43B3-948B-1728B52AA6E4}">
-                  <adec:decorative xmlns:adec="http://schemas.microsoft.com/office/drawing/2017/decorative" val="1"/>
+                  <adec:decorative xmlns:adec="http://schemas.microsoft.com/office/drawing/2017/decorative" xmlns="" val="1"/>
                 </a:ext>
               </a:extLst>
             </p:cNvPr>
@@ -35984,7 +33792,7 @@
             <p:nvPr>
               <p:extLst>
                 <p:ext uri="{386F3935-93C4-4BCD-93E2-E3B085C9AB24}">
-                  <p16:designElem xmlns:p16="http://schemas.microsoft.com/office/powerpoint/2015/main" val="1"/>
+                  <p16:designElem xmlns:p16="http://schemas.microsoft.com/office/powerpoint/2015/main" xmlns="" val="1"/>
                 </p:ext>
               </p:extLst>
             </p:nvPr>
@@ -36059,7 +33867,7 @@
             </a:ln>
             <a:extLst>
               <a:ext uri="{91240B29-F687-4f45-9708-019B960494DF}">
-                <a14:hiddenLine xmlns="" xmlns:a16="http://schemas.microsoft.com/office/drawing/2014/main" xmlns:p14="http://schemas.microsoft.com/office/powerpoint/2010/main" xmlns:a14="http://schemas.microsoft.com/office/drawing/2010/main" w="9525">
+                <a14:hiddenLine xmlns:a14="http://schemas.microsoft.com/office/drawing/2010/main" xmlns:p14="http://schemas.microsoft.com/office/powerpoint/2010/main" xmlns:a16="http://schemas.microsoft.com/office/drawing/2014/main" xmlns="" w="9525">
                   <a:solidFill>
                     <a:srgbClr val="000000"/>
                   </a:solidFill>
@@ -36076,10 +33884,10 @@
             <p:cNvPr id="45" name="Freeform 35">
               <a:extLst>
                 <a:ext uri="{FF2B5EF4-FFF2-40B4-BE49-F238E27FC236}">
-                  <a16:creationId xmlns:a16="http://schemas.microsoft.com/office/drawing/2014/main" id="{2B2E1C8D-A953-4AED-8346-C34CFE3BE32B}"/>
+                  <a16:creationId xmlns:a16="http://schemas.microsoft.com/office/drawing/2014/main" xmlns="" id="{2B2E1C8D-A953-4AED-8346-C34CFE3BE32B}"/>
                 </a:ext>
                 <a:ext uri="{C183D7F6-B498-43B3-948B-1728B52AA6E4}">
-                  <adec:decorative xmlns:adec="http://schemas.microsoft.com/office/drawing/2017/decorative" val="1"/>
+                  <adec:decorative xmlns:adec="http://schemas.microsoft.com/office/drawing/2017/decorative" xmlns="" val="1"/>
                 </a:ext>
               </a:extLst>
             </p:cNvPr>
@@ -36087,7 +33895,7 @@
             <p:nvPr>
               <p:extLst>
                 <p:ext uri="{386F3935-93C4-4BCD-93E2-E3B085C9AB24}">
-                  <p16:designElem xmlns:p16="http://schemas.microsoft.com/office/powerpoint/2015/main" val="1"/>
+                  <p16:designElem xmlns:p16="http://schemas.microsoft.com/office/powerpoint/2015/main" xmlns="" val="1"/>
                 </p:ext>
               </p:extLst>
             </p:nvPr>
@@ -36136,7 +33944,7 @@
             </a:ln>
             <a:extLst>
               <a:ext uri="{91240B29-F687-4f45-9708-019B960494DF}">
-                <a14:hiddenLine xmlns="" xmlns:a16="http://schemas.microsoft.com/office/drawing/2014/main" xmlns:p14="http://schemas.microsoft.com/office/powerpoint/2010/main" xmlns:a14="http://schemas.microsoft.com/office/drawing/2010/main" w="9525">
+                <a14:hiddenLine xmlns:a14="http://schemas.microsoft.com/office/drawing/2010/main" xmlns:p14="http://schemas.microsoft.com/office/powerpoint/2010/main" xmlns:a16="http://schemas.microsoft.com/office/drawing/2014/main" xmlns="" w="9525">
                   <a:solidFill>
                     <a:srgbClr val="000000"/>
                   </a:solidFill>
@@ -36153,10 +33961,10 @@
             <p:cNvPr id="46" name="Freeform 36">
               <a:extLst>
                 <a:ext uri="{FF2B5EF4-FFF2-40B4-BE49-F238E27FC236}">
-                  <a16:creationId xmlns:a16="http://schemas.microsoft.com/office/drawing/2014/main" id="{8F150D6E-EB09-41AD-93BE-BF543BE36550}"/>
+                  <a16:creationId xmlns:a16="http://schemas.microsoft.com/office/drawing/2014/main" xmlns="" id="{8F150D6E-EB09-41AD-93BE-BF543BE36550}"/>
                 </a:ext>
                 <a:ext uri="{C183D7F6-B498-43B3-948B-1728B52AA6E4}">
-                  <adec:decorative xmlns:adec="http://schemas.microsoft.com/office/drawing/2017/decorative" val="1"/>
+                  <adec:decorative xmlns:adec="http://schemas.microsoft.com/office/drawing/2017/decorative" xmlns="" val="1"/>
                 </a:ext>
               </a:extLst>
             </p:cNvPr>
@@ -36164,7 +33972,7 @@
             <p:nvPr>
               <p:extLst>
                 <p:ext uri="{386F3935-93C4-4BCD-93E2-E3B085C9AB24}">
-                  <p16:designElem xmlns:p16="http://schemas.microsoft.com/office/powerpoint/2015/main" val="1"/>
+                  <p16:designElem xmlns:p16="http://schemas.microsoft.com/office/powerpoint/2015/main" xmlns="" val="1"/>
                 </p:ext>
               </p:extLst>
             </p:nvPr>
@@ -36213,7 +34021,7 @@
             </a:ln>
             <a:extLst>
               <a:ext uri="{91240B29-F687-4f45-9708-019B960494DF}">
-                <a14:hiddenLine xmlns="" xmlns:a16="http://schemas.microsoft.com/office/drawing/2014/main" xmlns:p14="http://schemas.microsoft.com/office/powerpoint/2010/main" xmlns:a14="http://schemas.microsoft.com/office/drawing/2010/main" w="9525">
+                <a14:hiddenLine xmlns:a14="http://schemas.microsoft.com/office/drawing/2010/main" xmlns:p14="http://schemas.microsoft.com/office/powerpoint/2010/main" xmlns:a16="http://schemas.microsoft.com/office/drawing/2014/main" xmlns="" w="9525">
                   <a:solidFill>
                     <a:srgbClr val="000000"/>
                   </a:solidFill>
@@ -36230,10 +34038,10 @@
             <p:cNvPr id="47" name="Freeform 37">
               <a:extLst>
                 <a:ext uri="{FF2B5EF4-FFF2-40B4-BE49-F238E27FC236}">
-                  <a16:creationId xmlns:a16="http://schemas.microsoft.com/office/drawing/2014/main" id="{AE3633FE-8FF6-4FC3-8422-483E7FAEDE5B}"/>
+                  <a16:creationId xmlns:a16="http://schemas.microsoft.com/office/drawing/2014/main" xmlns="" id="{AE3633FE-8FF6-4FC3-8422-483E7FAEDE5B}"/>
                 </a:ext>
                 <a:ext uri="{C183D7F6-B498-43B3-948B-1728B52AA6E4}">
-                  <adec:decorative xmlns:adec="http://schemas.microsoft.com/office/drawing/2017/decorative" val="1"/>
+                  <adec:decorative xmlns:adec="http://schemas.microsoft.com/office/drawing/2017/decorative" xmlns="" val="1"/>
                 </a:ext>
               </a:extLst>
             </p:cNvPr>
@@ -36243,7 +34051,7 @@
             <p:nvPr>
               <p:extLst>
                 <p:ext uri="{386F3935-93C4-4BCD-93E2-E3B085C9AB24}">
-                  <p16:designElem xmlns:p16="http://schemas.microsoft.com/office/powerpoint/2015/main" val="1"/>
+                  <p16:designElem xmlns:p16="http://schemas.microsoft.com/office/powerpoint/2015/main" xmlns="" val="1"/>
                 </p:ext>
               </p:extLst>
             </p:nvPr>
@@ -36318,7 +34126,7 @@
             </a:ln>
             <a:extLst>
               <a:ext uri="{91240B29-F687-4f45-9708-019B960494DF}">
-                <a14:hiddenLine xmlns="" xmlns:a16="http://schemas.microsoft.com/office/drawing/2014/main" xmlns:p14="http://schemas.microsoft.com/office/powerpoint/2010/main" xmlns:a14="http://schemas.microsoft.com/office/drawing/2010/main" w="9525">
+                <a14:hiddenLine xmlns:a14="http://schemas.microsoft.com/office/drawing/2010/main" xmlns:p14="http://schemas.microsoft.com/office/powerpoint/2010/main" xmlns:a16="http://schemas.microsoft.com/office/drawing/2014/main" xmlns="" w="9525">
                   <a:solidFill>
                     <a:srgbClr val="000000"/>
                   </a:solidFill>
@@ -36335,10 +34143,10 @@
             <p:cNvPr id="48" name="Freeform 38">
               <a:extLst>
                 <a:ext uri="{FF2B5EF4-FFF2-40B4-BE49-F238E27FC236}">
-                  <a16:creationId xmlns:a16="http://schemas.microsoft.com/office/drawing/2014/main" id="{D233BC09-3785-4EA9-A80F-699EABFCD80A}"/>
+                  <a16:creationId xmlns:a16="http://schemas.microsoft.com/office/drawing/2014/main" xmlns="" id="{D233BC09-3785-4EA9-A80F-699EABFCD80A}"/>
                 </a:ext>
                 <a:ext uri="{C183D7F6-B498-43B3-948B-1728B52AA6E4}">
-                  <adec:decorative xmlns:adec="http://schemas.microsoft.com/office/drawing/2017/decorative" val="1"/>
+                  <adec:decorative xmlns:adec="http://schemas.microsoft.com/office/drawing/2017/decorative" xmlns="" val="1"/>
                 </a:ext>
               </a:extLst>
             </p:cNvPr>
@@ -36346,7 +34154,7 @@
             <p:nvPr>
               <p:extLst>
                 <p:ext uri="{386F3935-93C4-4BCD-93E2-E3B085C9AB24}">
-                  <p16:designElem xmlns:p16="http://schemas.microsoft.com/office/powerpoint/2015/main" val="1"/>
+                  <p16:designElem xmlns:p16="http://schemas.microsoft.com/office/powerpoint/2015/main" xmlns="" val="1"/>
                 </p:ext>
               </p:extLst>
             </p:nvPr>
@@ -36401,7 +34209,7 @@
             </a:ln>
             <a:extLst>
               <a:ext uri="{91240B29-F687-4f45-9708-019B960494DF}">
-                <a14:hiddenLine xmlns="" xmlns:a16="http://schemas.microsoft.com/office/drawing/2014/main" xmlns:p14="http://schemas.microsoft.com/office/powerpoint/2010/main" xmlns:a14="http://schemas.microsoft.com/office/drawing/2010/main" w="9525">
+                <a14:hiddenLine xmlns:a14="http://schemas.microsoft.com/office/drawing/2010/main" xmlns:p14="http://schemas.microsoft.com/office/powerpoint/2010/main" xmlns:a16="http://schemas.microsoft.com/office/drawing/2014/main" xmlns="" w="9525">
                   <a:solidFill>
                     <a:srgbClr val="000000"/>
                   </a:solidFill>
@@ -36418,10 +34226,10 @@
             <p:cNvPr id="49" name="Freeform 39">
               <a:extLst>
                 <a:ext uri="{FF2B5EF4-FFF2-40B4-BE49-F238E27FC236}">
-                  <a16:creationId xmlns:a16="http://schemas.microsoft.com/office/drawing/2014/main" id="{DEFAAC70-9A33-41C4-9960-80B056E47F77}"/>
+                  <a16:creationId xmlns:a16="http://schemas.microsoft.com/office/drawing/2014/main" xmlns="" id="{DEFAAC70-9A33-41C4-9960-80B056E47F77}"/>
                 </a:ext>
                 <a:ext uri="{C183D7F6-B498-43B3-948B-1728B52AA6E4}">
-                  <adec:decorative xmlns:adec="http://schemas.microsoft.com/office/drawing/2017/decorative" val="1"/>
+                  <adec:decorative xmlns:adec="http://schemas.microsoft.com/office/drawing/2017/decorative" xmlns="" val="1"/>
                 </a:ext>
               </a:extLst>
             </p:cNvPr>
@@ -36429,7 +34237,7 @@
             <p:nvPr>
               <p:extLst>
                 <p:ext uri="{386F3935-93C4-4BCD-93E2-E3B085C9AB24}">
-                  <p16:designElem xmlns:p16="http://schemas.microsoft.com/office/powerpoint/2015/main" val="1"/>
+                  <p16:designElem xmlns:p16="http://schemas.microsoft.com/office/powerpoint/2015/main" xmlns="" val="1"/>
                 </p:ext>
               </p:extLst>
             </p:nvPr>
@@ -36478,7 +34286,7 @@
             </a:ln>
             <a:extLst>
               <a:ext uri="{91240B29-F687-4f45-9708-019B960494DF}">
-                <a14:hiddenLine xmlns="" xmlns:a16="http://schemas.microsoft.com/office/drawing/2014/main" xmlns:p14="http://schemas.microsoft.com/office/powerpoint/2010/main" xmlns:a14="http://schemas.microsoft.com/office/drawing/2010/main" w="9525">
+                <a14:hiddenLine xmlns:a14="http://schemas.microsoft.com/office/drawing/2010/main" xmlns:p14="http://schemas.microsoft.com/office/powerpoint/2010/main" xmlns:a16="http://schemas.microsoft.com/office/drawing/2014/main" xmlns="" w="9525">
                   <a:solidFill>
                     <a:srgbClr val="000000"/>
                   </a:solidFill>
@@ -36495,10 +34303,10 @@
             <p:cNvPr id="50" name="Freeform 40">
               <a:extLst>
                 <a:ext uri="{FF2B5EF4-FFF2-40B4-BE49-F238E27FC236}">
-                  <a16:creationId xmlns:a16="http://schemas.microsoft.com/office/drawing/2014/main" id="{FE1B6380-FA49-4E35-B2EB-BC1D322A0A20}"/>
+                  <a16:creationId xmlns:a16="http://schemas.microsoft.com/office/drawing/2014/main" xmlns="" id="{FE1B6380-FA49-4E35-B2EB-BC1D322A0A20}"/>
                 </a:ext>
                 <a:ext uri="{C183D7F6-B498-43B3-948B-1728B52AA6E4}">
-                  <adec:decorative xmlns:adec="http://schemas.microsoft.com/office/drawing/2017/decorative" val="1"/>
+                  <adec:decorative xmlns:adec="http://schemas.microsoft.com/office/drawing/2017/decorative" xmlns="" val="1"/>
                 </a:ext>
               </a:extLst>
             </p:cNvPr>
@@ -36508,7 +34316,7 @@
             <p:nvPr>
               <p:extLst>
                 <p:ext uri="{386F3935-93C4-4BCD-93E2-E3B085C9AB24}">
-                  <p16:designElem xmlns:p16="http://schemas.microsoft.com/office/powerpoint/2015/main" val="1"/>
+                  <p16:designElem xmlns:p16="http://schemas.microsoft.com/office/powerpoint/2015/main" xmlns="" val="1"/>
                 </p:ext>
               </p:extLst>
             </p:nvPr>
@@ -36583,7 +34391,7 @@
             </a:ln>
             <a:extLst>
               <a:ext uri="{91240B29-F687-4f45-9708-019B960494DF}">
-                <a14:hiddenLine xmlns="" xmlns:a16="http://schemas.microsoft.com/office/drawing/2014/main" xmlns:p14="http://schemas.microsoft.com/office/powerpoint/2010/main" xmlns:a14="http://schemas.microsoft.com/office/drawing/2010/main" w="9525">
+                <a14:hiddenLine xmlns:a14="http://schemas.microsoft.com/office/drawing/2010/main" xmlns:p14="http://schemas.microsoft.com/office/powerpoint/2010/main" xmlns:a16="http://schemas.microsoft.com/office/drawing/2014/main" xmlns="" w="9525">
                   <a:solidFill>
                     <a:srgbClr val="000000"/>
                   </a:solidFill>
@@ -36600,10 +34408,10 @@
             <p:cNvPr id="51" name="Freeform 41">
               <a:extLst>
                 <a:ext uri="{FF2B5EF4-FFF2-40B4-BE49-F238E27FC236}">
-                  <a16:creationId xmlns:a16="http://schemas.microsoft.com/office/drawing/2014/main" id="{F578AFE9-69B9-4FE3-A349-4640D49A58B9}"/>
+                  <a16:creationId xmlns:a16="http://schemas.microsoft.com/office/drawing/2014/main" xmlns="" id="{F578AFE9-69B9-4FE3-A349-4640D49A58B9}"/>
                 </a:ext>
                 <a:ext uri="{C183D7F6-B498-43B3-948B-1728B52AA6E4}">
-                  <adec:decorative xmlns:adec="http://schemas.microsoft.com/office/drawing/2017/decorative" val="1"/>
+                  <adec:decorative xmlns:adec="http://schemas.microsoft.com/office/drawing/2017/decorative" xmlns="" val="1"/>
                 </a:ext>
               </a:extLst>
             </p:cNvPr>
@@ -36611,7 +34419,7 @@
             <p:nvPr>
               <p:extLst>
                 <p:ext uri="{386F3935-93C4-4BCD-93E2-E3B085C9AB24}">
-                  <p16:designElem xmlns:p16="http://schemas.microsoft.com/office/powerpoint/2015/main" val="1"/>
+                  <p16:designElem xmlns:p16="http://schemas.microsoft.com/office/powerpoint/2015/main" xmlns="" val="1"/>
                 </p:ext>
               </p:extLst>
             </p:nvPr>
@@ -36660,7 +34468,7 @@
             </a:ln>
             <a:extLst>
               <a:ext uri="{91240B29-F687-4f45-9708-019B960494DF}">
-                <a14:hiddenLine xmlns="" xmlns:a16="http://schemas.microsoft.com/office/drawing/2014/main" xmlns:p14="http://schemas.microsoft.com/office/powerpoint/2010/main" xmlns:a14="http://schemas.microsoft.com/office/drawing/2010/main" w="9525">
+                <a14:hiddenLine xmlns:a14="http://schemas.microsoft.com/office/drawing/2010/main" xmlns:p14="http://schemas.microsoft.com/office/powerpoint/2010/main" xmlns:a16="http://schemas.microsoft.com/office/drawing/2014/main" xmlns="" w="9525">
                   <a:solidFill>
                     <a:srgbClr val="000000"/>
                   </a:solidFill>
@@ -36677,10 +34485,10 @@
             <p:cNvPr id="52" name="Freeform 42">
               <a:extLst>
                 <a:ext uri="{FF2B5EF4-FFF2-40B4-BE49-F238E27FC236}">
-                  <a16:creationId xmlns:a16="http://schemas.microsoft.com/office/drawing/2014/main" id="{49C01CF4-73AC-40B8-8AA5-60072CBB3420}"/>
+                  <a16:creationId xmlns:a16="http://schemas.microsoft.com/office/drawing/2014/main" xmlns="" id="{49C01CF4-73AC-40B8-8AA5-60072CBB3420}"/>
                 </a:ext>
                 <a:ext uri="{C183D7F6-B498-43B3-948B-1728B52AA6E4}">
-                  <adec:decorative xmlns:adec="http://schemas.microsoft.com/office/drawing/2017/decorative" val="1"/>
+                  <adec:decorative xmlns:adec="http://schemas.microsoft.com/office/drawing/2017/decorative" xmlns="" val="1"/>
                 </a:ext>
               </a:extLst>
             </p:cNvPr>
@@ -36690,7 +34498,7 @@
             <p:nvPr>
               <p:extLst>
                 <p:ext uri="{386F3935-93C4-4BCD-93E2-E3B085C9AB24}">
-                  <p16:designElem xmlns:p16="http://schemas.microsoft.com/office/powerpoint/2015/main" val="1"/>
+                  <p16:designElem xmlns:p16="http://schemas.microsoft.com/office/powerpoint/2015/main" xmlns="" val="1"/>
                 </p:ext>
               </p:extLst>
             </p:nvPr>
@@ -36765,7 +34573,7 @@
             </a:ln>
             <a:extLst>
               <a:ext uri="{91240B29-F687-4f45-9708-019B960494DF}">
-                <a14:hiddenLine xmlns="" xmlns:a16="http://schemas.microsoft.com/office/drawing/2014/main" xmlns:p14="http://schemas.microsoft.com/office/powerpoint/2010/main" xmlns:a14="http://schemas.microsoft.com/office/drawing/2010/main" w="9525">
+                <a14:hiddenLine xmlns:a14="http://schemas.microsoft.com/office/drawing/2010/main" xmlns:p14="http://schemas.microsoft.com/office/powerpoint/2010/main" xmlns:a16="http://schemas.microsoft.com/office/drawing/2014/main" xmlns="" w="9525">
                   <a:solidFill>
                     <a:srgbClr val="000000"/>
                   </a:solidFill>
@@ -36782,10 +34590,10 @@
             <p:cNvPr id="53" name="Freeform 43">
               <a:extLst>
                 <a:ext uri="{FF2B5EF4-FFF2-40B4-BE49-F238E27FC236}">
-                  <a16:creationId xmlns:a16="http://schemas.microsoft.com/office/drawing/2014/main" id="{B4DA1C3D-282A-4010-9263-E2F62D7954C9}"/>
+                  <a16:creationId xmlns:a16="http://schemas.microsoft.com/office/drawing/2014/main" xmlns="" id="{B4DA1C3D-282A-4010-9263-E2F62D7954C9}"/>
                 </a:ext>
                 <a:ext uri="{C183D7F6-B498-43B3-948B-1728B52AA6E4}">
-                  <adec:decorative xmlns:adec="http://schemas.microsoft.com/office/drawing/2017/decorative" val="1"/>
+                  <adec:decorative xmlns:adec="http://schemas.microsoft.com/office/drawing/2017/decorative" xmlns="" val="1"/>
                 </a:ext>
               </a:extLst>
             </p:cNvPr>
@@ -36793,7 +34601,7 @@
             <p:nvPr>
               <p:extLst>
                 <p:ext uri="{386F3935-93C4-4BCD-93E2-E3B085C9AB24}">
-                  <p16:designElem xmlns:p16="http://schemas.microsoft.com/office/powerpoint/2015/main" val="1"/>
+                  <p16:designElem xmlns:p16="http://schemas.microsoft.com/office/powerpoint/2015/main" xmlns="" val="1"/>
                 </p:ext>
               </p:extLst>
             </p:nvPr>
@@ -36842,7 +34650,7 @@
             </a:ln>
             <a:extLst>
               <a:ext uri="{91240B29-F687-4f45-9708-019B960494DF}">
-                <a14:hiddenLine xmlns="" xmlns:a16="http://schemas.microsoft.com/office/drawing/2014/main" xmlns:p14="http://schemas.microsoft.com/office/powerpoint/2010/main" xmlns:a14="http://schemas.microsoft.com/office/drawing/2010/main" w="9525">
+                <a14:hiddenLine xmlns:a14="http://schemas.microsoft.com/office/drawing/2010/main" xmlns:p14="http://schemas.microsoft.com/office/powerpoint/2010/main" xmlns:a16="http://schemas.microsoft.com/office/drawing/2014/main" xmlns="" w="9525">
                   <a:solidFill>
                     <a:srgbClr val="000000"/>
                   </a:solidFill>
@@ -36859,10 +34667,10 @@
             <p:cNvPr id="54" name="Freeform 44">
               <a:extLst>
                 <a:ext uri="{FF2B5EF4-FFF2-40B4-BE49-F238E27FC236}">
-                  <a16:creationId xmlns:a16="http://schemas.microsoft.com/office/drawing/2014/main" id="{52475A43-7A28-4A0F-BA58-C070BB882B67}"/>
+                  <a16:creationId xmlns:a16="http://schemas.microsoft.com/office/drawing/2014/main" xmlns="" id="{52475A43-7A28-4A0F-BA58-C070BB882B67}"/>
                 </a:ext>
                 <a:ext uri="{C183D7F6-B498-43B3-948B-1728B52AA6E4}">
-                  <adec:decorative xmlns:adec="http://schemas.microsoft.com/office/drawing/2017/decorative" val="1"/>
+                  <adec:decorative xmlns:adec="http://schemas.microsoft.com/office/drawing/2017/decorative" xmlns="" val="1"/>
                 </a:ext>
               </a:extLst>
             </p:cNvPr>
@@ -36872,7 +34680,7 @@
             <p:nvPr>
               <p:extLst>
                 <p:ext uri="{386F3935-93C4-4BCD-93E2-E3B085C9AB24}">
-                  <p16:designElem xmlns:p16="http://schemas.microsoft.com/office/powerpoint/2015/main" val="1"/>
+                  <p16:designElem xmlns:p16="http://schemas.microsoft.com/office/powerpoint/2015/main" xmlns="" val="1"/>
                 </p:ext>
               </p:extLst>
             </p:nvPr>
@@ -36947,7 +34755,7 @@
             </a:ln>
             <a:extLst>
               <a:ext uri="{91240B29-F687-4f45-9708-019B960494DF}">
-                <a14:hiddenLine xmlns="" xmlns:a16="http://schemas.microsoft.com/office/drawing/2014/main" xmlns:p14="http://schemas.microsoft.com/office/powerpoint/2010/main" xmlns:a14="http://schemas.microsoft.com/office/drawing/2010/main" w="9525">
+                <a14:hiddenLine xmlns:a14="http://schemas.microsoft.com/office/drawing/2010/main" xmlns:p14="http://schemas.microsoft.com/office/powerpoint/2010/main" xmlns:a16="http://schemas.microsoft.com/office/drawing/2014/main" xmlns="" w="9525">
                   <a:solidFill>
                     <a:srgbClr val="000000"/>
                   </a:solidFill>
@@ -36964,10 +34772,10 @@
             <p:cNvPr id="55" name="Rectangle 45">
               <a:extLst>
                 <a:ext uri="{FF2B5EF4-FFF2-40B4-BE49-F238E27FC236}">
-                  <a16:creationId xmlns:a16="http://schemas.microsoft.com/office/drawing/2014/main" id="{0C7241CC-AC61-4580-A46E-C217B329EB28}"/>
+                  <a16:creationId xmlns:a16="http://schemas.microsoft.com/office/drawing/2014/main" xmlns="" id="{0C7241CC-AC61-4580-A46E-C217B329EB28}"/>
                 </a:ext>
                 <a:ext uri="{C183D7F6-B498-43B3-948B-1728B52AA6E4}">
-                  <adec:decorative xmlns:adec="http://schemas.microsoft.com/office/drawing/2017/decorative" val="1"/>
+                  <adec:decorative xmlns:adec="http://schemas.microsoft.com/office/drawing/2017/decorative" xmlns="" val="1"/>
                 </a:ext>
               </a:extLst>
             </p:cNvPr>
@@ -36977,7 +34785,7 @@
             <p:nvPr>
               <p:extLst>
                 <p:ext uri="{386F3935-93C4-4BCD-93E2-E3B085C9AB24}">
-                  <p16:designElem xmlns:p16="http://schemas.microsoft.com/office/powerpoint/2015/main" val="1"/>
+                  <p16:designElem xmlns:p16="http://schemas.microsoft.com/office/powerpoint/2015/main" xmlns="" val="1"/>
                 </p:ext>
               </p:extLst>
             </p:nvPr>
@@ -36996,7 +34804,7 @@
             </a:ln>
             <a:extLst>
               <a:ext uri="{91240B29-F687-4f45-9708-019B960494DF}">
-                <a14:hiddenLine xmlns="" xmlns:a16="http://schemas.microsoft.com/office/drawing/2014/main" xmlns:p14="http://schemas.microsoft.com/office/powerpoint/2010/main" xmlns:a14="http://schemas.microsoft.com/office/drawing/2010/main" w="9525">
+                <a14:hiddenLine xmlns:a14="http://schemas.microsoft.com/office/drawing/2010/main" xmlns:p14="http://schemas.microsoft.com/office/powerpoint/2010/main" xmlns:a16="http://schemas.microsoft.com/office/drawing/2014/main" xmlns="" w="9525">
                   <a:solidFill>
                     <a:srgbClr val="000000"/>
                   </a:solidFill>
@@ -37013,10 +34821,10 @@
             <p:cNvPr id="56" name="Freeform 46">
               <a:extLst>
                 <a:ext uri="{FF2B5EF4-FFF2-40B4-BE49-F238E27FC236}">
-                  <a16:creationId xmlns:a16="http://schemas.microsoft.com/office/drawing/2014/main" id="{584FF8AA-E75D-483B-A344-7022541CF8D0}"/>
+                  <a16:creationId xmlns:a16="http://schemas.microsoft.com/office/drawing/2014/main" xmlns="" id="{584FF8AA-E75D-483B-A344-7022541CF8D0}"/>
                 </a:ext>
                 <a:ext uri="{C183D7F6-B498-43B3-948B-1728B52AA6E4}">
-                  <adec:decorative xmlns:adec="http://schemas.microsoft.com/office/drawing/2017/decorative" val="1"/>
+                  <adec:decorative xmlns:adec="http://schemas.microsoft.com/office/drawing/2017/decorative" xmlns="" val="1"/>
                 </a:ext>
               </a:extLst>
             </p:cNvPr>
@@ -37024,7 +34832,7 @@
             <p:nvPr>
               <p:extLst>
                 <p:ext uri="{386F3935-93C4-4BCD-93E2-E3B085C9AB24}">
-                  <p16:designElem xmlns:p16="http://schemas.microsoft.com/office/powerpoint/2015/main" val="1"/>
+                  <p16:designElem xmlns:p16="http://schemas.microsoft.com/office/powerpoint/2015/main" xmlns="" val="1"/>
                 </p:ext>
               </p:extLst>
             </p:nvPr>
@@ -37076,7 +34884,7 @@
             </a:ln>
             <a:extLst>
               <a:ext uri="{91240B29-F687-4f45-9708-019B960494DF}">
-                <a14:hiddenLine xmlns="" xmlns:a16="http://schemas.microsoft.com/office/drawing/2014/main" xmlns:p14="http://schemas.microsoft.com/office/powerpoint/2010/main" xmlns:a14="http://schemas.microsoft.com/office/drawing/2010/main" w="9525">
+                <a14:hiddenLine xmlns:a14="http://schemas.microsoft.com/office/drawing/2010/main" xmlns:p14="http://schemas.microsoft.com/office/powerpoint/2010/main" xmlns:a16="http://schemas.microsoft.com/office/drawing/2014/main" xmlns="" w="9525">
                   <a:solidFill>
                     <a:srgbClr val="000000"/>
                   </a:solidFill>
@@ -37093,10 +34901,10 @@
             <p:cNvPr id="57" name="Freeform 47">
               <a:extLst>
                 <a:ext uri="{FF2B5EF4-FFF2-40B4-BE49-F238E27FC236}">
-                  <a16:creationId xmlns:a16="http://schemas.microsoft.com/office/drawing/2014/main" id="{AFF0ABD2-8247-432E-9F13-CCB7D0E62060}"/>
+                  <a16:creationId xmlns:a16="http://schemas.microsoft.com/office/drawing/2014/main" xmlns="" id="{AFF0ABD2-8247-432E-9F13-CCB7D0E62060}"/>
                 </a:ext>
                 <a:ext uri="{C183D7F6-B498-43B3-948B-1728B52AA6E4}">
-                  <adec:decorative xmlns:adec="http://schemas.microsoft.com/office/drawing/2017/decorative" val="1"/>
+                  <adec:decorative xmlns:adec="http://schemas.microsoft.com/office/drawing/2017/decorative" xmlns="" val="1"/>
                 </a:ext>
               </a:extLst>
             </p:cNvPr>
@@ -37106,7 +34914,7 @@
             <p:nvPr>
               <p:extLst>
                 <p:ext uri="{386F3935-93C4-4BCD-93E2-E3B085C9AB24}">
-                  <p16:designElem xmlns:p16="http://schemas.microsoft.com/office/powerpoint/2015/main" val="1"/>
+                  <p16:designElem xmlns:p16="http://schemas.microsoft.com/office/powerpoint/2015/main" xmlns="" val="1"/>
                 </p:ext>
               </p:extLst>
             </p:nvPr>
@@ -37181,7 +34989,7 @@
             </a:ln>
             <a:extLst>
               <a:ext uri="{91240B29-F687-4f45-9708-019B960494DF}">
-                <a14:hiddenLine xmlns="" xmlns:a16="http://schemas.microsoft.com/office/drawing/2014/main" xmlns:p14="http://schemas.microsoft.com/office/powerpoint/2010/main" xmlns:a14="http://schemas.microsoft.com/office/drawing/2010/main" w="9525">
+                <a14:hiddenLine xmlns:a14="http://schemas.microsoft.com/office/drawing/2010/main" xmlns:p14="http://schemas.microsoft.com/office/powerpoint/2010/main" xmlns:a16="http://schemas.microsoft.com/office/drawing/2014/main" xmlns="" w="9525">
                   <a:solidFill>
                     <a:srgbClr val="000000"/>
                   </a:solidFill>
@@ -37198,10 +35006,10 @@
             <p:cNvPr id="58" name="Freeform 48">
               <a:extLst>
                 <a:ext uri="{FF2B5EF4-FFF2-40B4-BE49-F238E27FC236}">
-                  <a16:creationId xmlns:a16="http://schemas.microsoft.com/office/drawing/2014/main" id="{8779D639-A8BE-46A3-BF82-B0498C363B25}"/>
+                  <a16:creationId xmlns:a16="http://schemas.microsoft.com/office/drawing/2014/main" xmlns="" id="{8779D639-A8BE-46A3-BF82-B0498C363B25}"/>
                 </a:ext>
                 <a:ext uri="{C183D7F6-B498-43B3-948B-1728B52AA6E4}">
-                  <adec:decorative xmlns:adec="http://schemas.microsoft.com/office/drawing/2017/decorative" val="1"/>
+                  <adec:decorative xmlns:adec="http://schemas.microsoft.com/office/drawing/2017/decorative" xmlns="" val="1"/>
                 </a:ext>
               </a:extLst>
             </p:cNvPr>
@@ -37209,7 +35017,7 @@
             <p:nvPr>
               <p:extLst>
                 <p:ext uri="{386F3935-93C4-4BCD-93E2-E3B085C9AB24}">
-                  <p16:designElem xmlns:p16="http://schemas.microsoft.com/office/powerpoint/2015/main" val="1"/>
+                  <p16:designElem xmlns:p16="http://schemas.microsoft.com/office/powerpoint/2015/main" xmlns="" val="1"/>
                 </p:ext>
               </p:extLst>
             </p:nvPr>
@@ -37258,7 +35066,7 @@
             </a:ln>
             <a:extLst>
               <a:ext uri="{91240B29-F687-4f45-9708-019B960494DF}">
-                <a14:hiddenLine xmlns="" xmlns:a16="http://schemas.microsoft.com/office/drawing/2014/main" xmlns:p14="http://schemas.microsoft.com/office/powerpoint/2010/main" xmlns:a14="http://schemas.microsoft.com/office/drawing/2010/main" w="9525">
+                <a14:hiddenLine xmlns:a14="http://schemas.microsoft.com/office/drawing/2010/main" xmlns:p14="http://schemas.microsoft.com/office/powerpoint/2010/main" xmlns:a16="http://schemas.microsoft.com/office/drawing/2014/main" xmlns="" w="9525">
                   <a:solidFill>
                     <a:srgbClr val="000000"/>
                   </a:solidFill>
@@ -37275,10 +35083,10 @@
             <p:cNvPr id="59" name="Freeform 49">
               <a:extLst>
                 <a:ext uri="{FF2B5EF4-FFF2-40B4-BE49-F238E27FC236}">
-                  <a16:creationId xmlns:a16="http://schemas.microsoft.com/office/drawing/2014/main" id="{62C75AD3-B601-4AB8-A449-C0375B263A57}"/>
+                  <a16:creationId xmlns:a16="http://schemas.microsoft.com/office/drawing/2014/main" xmlns="" id="{62C75AD3-B601-4AB8-A449-C0375B263A57}"/>
                 </a:ext>
                 <a:ext uri="{C183D7F6-B498-43B3-948B-1728B52AA6E4}">
-                  <adec:decorative xmlns:adec="http://schemas.microsoft.com/office/drawing/2017/decorative" val="1"/>
+                  <adec:decorative xmlns:adec="http://schemas.microsoft.com/office/drawing/2017/decorative" xmlns="" val="1"/>
                 </a:ext>
               </a:extLst>
             </p:cNvPr>
@@ -37288,7 +35096,7 @@
             <p:nvPr>
               <p:extLst>
                 <p:ext uri="{386F3935-93C4-4BCD-93E2-E3B085C9AB24}">
-                  <p16:designElem xmlns:p16="http://schemas.microsoft.com/office/powerpoint/2015/main" val="1"/>
+                  <p16:designElem xmlns:p16="http://schemas.microsoft.com/office/powerpoint/2015/main" xmlns="" val="1"/>
                 </p:ext>
               </p:extLst>
             </p:nvPr>
@@ -37363,7 +35171,7 @@
             </a:ln>
             <a:extLst>
               <a:ext uri="{91240B29-F687-4f45-9708-019B960494DF}">
-                <a14:hiddenLine xmlns="" xmlns:a16="http://schemas.microsoft.com/office/drawing/2014/main" xmlns:p14="http://schemas.microsoft.com/office/powerpoint/2010/main" xmlns:a14="http://schemas.microsoft.com/office/drawing/2010/main" w="9525">
+                <a14:hiddenLine xmlns:a14="http://schemas.microsoft.com/office/drawing/2010/main" xmlns:p14="http://schemas.microsoft.com/office/powerpoint/2010/main" xmlns:a16="http://schemas.microsoft.com/office/drawing/2014/main" xmlns="" w="9525">
                   <a:solidFill>
                     <a:srgbClr val="000000"/>
                   </a:solidFill>
@@ -37380,10 +35188,10 @@
             <p:cNvPr id="60" name="Freeform 50">
               <a:extLst>
                 <a:ext uri="{FF2B5EF4-FFF2-40B4-BE49-F238E27FC236}">
-                  <a16:creationId xmlns:a16="http://schemas.microsoft.com/office/drawing/2014/main" id="{7CEBAD4A-BB32-451F-B1E1-48D6F52EBD52}"/>
+                  <a16:creationId xmlns:a16="http://schemas.microsoft.com/office/drawing/2014/main" xmlns="" id="{7CEBAD4A-BB32-451F-B1E1-48D6F52EBD52}"/>
                 </a:ext>
                 <a:ext uri="{C183D7F6-B498-43B3-948B-1728B52AA6E4}">
-                  <adec:decorative xmlns:adec="http://schemas.microsoft.com/office/drawing/2017/decorative" val="1"/>
+                  <adec:decorative xmlns:adec="http://schemas.microsoft.com/office/drawing/2017/decorative" xmlns="" val="1"/>
                 </a:ext>
               </a:extLst>
             </p:cNvPr>
@@ -37393,7 +35201,7 @@
             <p:nvPr>
               <p:extLst>
                 <p:ext uri="{386F3935-93C4-4BCD-93E2-E3B085C9AB24}">
-                  <p16:designElem xmlns:p16="http://schemas.microsoft.com/office/powerpoint/2015/main" val="1"/>
+                  <p16:designElem xmlns:p16="http://schemas.microsoft.com/office/powerpoint/2015/main" xmlns="" val="1"/>
                 </p:ext>
               </p:extLst>
             </p:nvPr>
@@ -37468,7 +35276,7 @@
             </a:ln>
             <a:extLst>
               <a:ext uri="{91240B29-F687-4f45-9708-019B960494DF}">
-                <a14:hiddenLine xmlns="" xmlns:a16="http://schemas.microsoft.com/office/drawing/2014/main" xmlns:p14="http://schemas.microsoft.com/office/powerpoint/2010/main" xmlns:a14="http://schemas.microsoft.com/office/drawing/2010/main" w="9525">
+                <a14:hiddenLine xmlns:a14="http://schemas.microsoft.com/office/drawing/2010/main" xmlns:p14="http://schemas.microsoft.com/office/powerpoint/2010/main" xmlns:a16="http://schemas.microsoft.com/office/drawing/2014/main" xmlns="" w="9525">
                   <a:solidFill>
                     <a:srgbClr val="000000"/>
                   </a:solidFill>
@@ -37485,10 +35293,10 @@
             <p:cNvPr id="61" name="Freeform 51">
               <a:extLst>
                 <a:ext uri="{FF2B5EF4-FFF2-40B4-BE49-F238E27FC236}">
-                  <a16:creationId xmlns:a16="http://schemas.microsoft.com/office/drawing/2014/main" id="{9EA19F7F-29F8-4DF4-AB9B-C4D507FA7C6E}"/>
+                  <a16:creationId xmlns:a16="http://schemas.microsoft.com/office/drawing/2014/main" xmlns="" id="{9EA19F7F-29F8-4DF4-AB9B-C4D507FA7C6E}"/>
                 </a:ext>
                 <a:ext uri="{C183D7F6-B498-43B3-948B-1728B52AA6E4}">
-                  <adec:decorative xmlns:adec="http://schemas.microsoft.com/office/drawing/2017/decorative" val="1"/>
+                  <adec:decorative xmlns:adec="http://schemas.microsoft.com/office/drawing/2017/decorative" xmlns="" val="1"/>
                 </a:ext>
               </a:extLst>
             </p:cNvPr>
@@ -37496,7 +35304,7 @@
             <p:nvPr>
               <p:extLst>
                 <p:ext uri="{386F3935-93C4-4BCD-93E2-E3B085C9AB24}">
-                  <p16:designElem xmlns:p16="http://schemas.microsoft.com/office/powerpoint/2015/main" val="1"/>
+                  <p16:designElem xmlns:p16="http://schemas.microsoft.com/office/powerpoint/2015/main" xmlns="" val="1"/>
                 </p:ext>
               </p:extLst>
             </p:nvPr>
@@ -37548,7 +35356,7 @@
             </a:ln>
             <a:extLst>
               <a:ext uri="{91240B29-F687-4f45-9708-019B960494DF}">
-                <a14:hiddenLine xmlns="" xmlns:a16="http://schemas.microsoft.com/office/drawing/2014/main" xmlns:p14="http://schemas.microsoft.com/office/powerpoint/2010/main" xmlns:a14="http://schemas.microsoft.com/office/drawing/2010/main" w="9525">
+                <a14:hiddenLine xmlns:a14="http://schemas.microsoft.com/office/drawing/2010/main" xmlns:p14="http://schemas.microsoft.com/office/powerpoint/2010/main" xmlns:a16="http://schemas.microsoft.com/office/drawing/2014/main" xmlns="" w="9525">
                   <a:solidFill>
                     <a:srgbClr val="000000"/>
                   </a:solidFill>
@@ -37565,10 +35373,10 @@
             <p:cNvPr id="62" name="Freeform 52">
               <a:extLst>
                 <a:ext uri="{FF2B5EF4-FFF2-40B4-BE49-F238E27FC236}">
-                  <a16:creationId xmlns:a16="http://schemas.microsoft.com/office/drawing/2014/main" id="{9A6E14CB-BA29-40ED-B9E1-9AF554AFDE3A}"/>
+                  <a16:creationId xmlns:a16="http://schemas.microsoft.com/office/drawing/2014/main" xmlns="" id="{9A6E14CB-BA29-40ED-B9E1-9AF554AFDE3A}"/>
                 </a:ext>
                 <a:ext uri="{C183D7F6-B498-43B3-948B-1728B52AA6E4}">
-                  <adec:decorative xmlns:adec="http://schemas.microsoft.com/office/drawing/2017/decorative" val="1"/>
+                  <adec:decorative xmlns:adec="http://schemas.microsoft.com/office/drawing/2017/decorative" xmlns="" val="1"/>
                 </a:ext>
               </a:extLst>
             </p:cNvPr>
@@ -37576,7 +35384,7 @@
             <p:nvPr>
               <p:extLst>
                 <p:ext uri="{386F3935-93C4-4BCD-93E2-E3B085C9AB24}">
-                  <p16:designElem xmlns:p16="http://schemas.microsoft.com/office/powerpoint/2015/main" val="1"/>
+                  <p16:designElem xmlns:p16="http://schemas.microsoft.com/office/powerpoint/2015/main" xmlns="" val="1"/>
                 </p:ext>
               </p:extLst>
             </p:nvPr>
@@ -37625,7 +35433,7 @@
             </a:ln>
             <a:extLst>
               <a:ext uri="{91240B29-F687-4f45-9708-019B960494DF}">
-                <a14:hiddenLine xmlns="" xmlns:a16="http://schemas.microsoft.com/office/drawing/2014/main" xmlns:p14="http://schemas.microsoft.com/office/powerpoint/2010/main" xmlns:a14="http://schemas.microsoft.com/office/drawing/2010/main" w="9525">
+                <a14:hiddenLine xmlns:a14="http://schemas.microsoft.com/office/drawing/2010/main" xmlns:p14="http://schemas.microsoft.com/office/powerpoint/2010/main" xmlns:a16="http://schemas.microsoft.com/office/drawing/2014/main" xmlns="" w="9525">
                   <a:solidFill>
                     <a:srgbClr val="000000"/>
                   </a:solidFill>
@@ -37642,10 +35450,10 @@
             <p:cNvPr id="63" name="Freeform 53">
               <a:extLst>
                 <a:ext uri="{FF2B5EF4-FFF2-40B4-BE49-F238E27FC236}">
-                  <a16:creationId xmlns:a16="http://schemas.microsoft.com/office/drawing/2014/main" id="{384A67CA-9AF3-4473-9BC7-2C48C4326163}"/>
+                  <a16:creationId xmlns:a16="http://schemas.microsoft.com/office/drawing/2014/main" xmlns="" id="{384A67CA-9AF3-4473-9BC7-2C48C4326163}"/>
                 </a:ext>
                 <a:ext uri="{C183D7F6-B498-43B3-948B-1728B52AA6E4}">
-                  <adec:decorative xmlns:adec="http://schemas.microsoft.com/office/drawing/2017/decorative" val="1"/>
+                  <adec:decorative xmlns:adec="http://schemas.microsoft.com/office/drawing/2017/decorative" xmlns="" val="1"/>
                 </a:ext>
               </a:extLst>
             </p:cNvPr>
@@ -37655,7 +35463,7 @@
             <p:nvPr>
               <p:extLst>
                 <p:ext uri="{386F3935-93C4-4BCD-93E2-E3B085C9AB24}">
-                  <p16:designElem xmlns:p16="http://schemas.microsoft.com/office/powerpoint/2015/main" val="1"/>
+                  <p16:designElem xmlns:p16="http://schemas.microsoft.com/office/powerpoint/2015/main" xmlns="" val="1"/>
                 </p:ext>
               </p:extLst>
             </p:nvPr>
@@ -37730,7 +35538,7 @@
             </a:ln>
             <a:extLst>
               <a:ext uri="{91240B29-F687-4f45-9708-019B960494DF}">
-                <a14:hiddenLine xmlns="" xmlns:a16="http://schemas.microsoft.com/office/drawing/2014/main" xmlns:p14="http://schemas.microsoft.com/office/powerpoint/2010/main" xmlns:a14="http://schemas.microsoft.com/office/drawing/2010/main" w="9525">
+                <a14:hiddenLine xmlns:a14="http://schemas.microsoft.com/office/drawing/2010/main" xmlns:p14="http://schemas.microsoft.com/office/powerpoint/2010/main" xmlns:a16="http://schemas.microsoft.com/office/drawing/2014/main" xmlns="" w="9525">
                   <a:solidFill>
                     <a:srgbClr val="000000"/>
                   </a:solidFill>
@@ -37747,10 +35555,10 @@
             <p:cNvPr id="64" name="Freeform 54">
               <a:extLst>
                 <a:ext uri="{FF2B5EF4-FFF2-40B4-BE49-F238E27FC236}">
-                  <a16:creationId xmlns:a16="http://schemas.microsoft.com/office/drawing/2014/main" id="{9DE1AF00-9D03-4DFB-B862-C86659628941}"/>
+                  <a16:creationId xmlns:a16="http://schemas.microsoft.com/office/drawing/2014/main" xmlns="" id="{9DE1AF00-9D03-4DFB-B862-C86659628941}"/>
                 </a:ext>
                 <a:ext uri="{C183D7F6-B498-43B3-948B-1728B52AA6E4}">
-                  <adec:decorative xmlns:adec="http://schemas.microsoft.com/office/drawing/2017/decorative" val="1"/>
+                  <adec:decorative xmlns:adec="http://schemas.microsoft.com/office/drawing/2017/decorative" xmlns="" val="1"/>
                 </a:ext>
               </a:extLst>
             </p:cNvPr>
@@ -37760,7 +35568,7 @@
             <p:nvPr>
               <p:extLst>
                 <p:ext uri="{386F3935-93C4-4BCD-93E2-E3B085C9AB24}">
-                  <p16:designElem xmlns:p16="http://schemas.microsoft.com/office/powerpoint/2015/main" val="1"/>
+                  <p16:designElem xmlns:p16="http://schemas.microsoft.com/office/powerpoint/2015/main" xmlns="" val="1"/>
                 </p:ext>
               </p:extLst>
             </p:nvPr>
@@ -37835,7 +35643,7 @@
             </a:ln>
             <a:extLst>
               <a:ext uri="{91240B29-F687-4f45-9708-019B960494DF}">
-                <a14:hiddenLine xmlns="" xmlns:a16="http://schemas.microsoft.com/office/drawing/2014/main" xmlns:p14="http://schemas.microsoft.com/office/powerpoint/2010/main" xmlns:a14="http://schemas.microsoft.com/office/drawing/2010/main" w="9525">
+                <a14:hiddenLine xmlns:a14="http://schemas.microsoft.com/office/drawing/2010/main" xmlns:p14="http://schemas.microsoft.com/office/powerpoint/2010/main" xmlns:a16="http://schemas.microsoft.com/office/drawing/2014/main" xmlns="" w="9525">
                   <a:solidFill>
                     <a:srgbClr val="000000"/>
                   </a:solidFill>
@@ -37852,10 +35660,10 @@
             <p:cNvPr id="65" name="Freeform 55">
               <a:extLst>
                 <a:ext uri="{FF2B5EF4-FFF2-40B4-BE49-F238E27FC236}">
-                  <a16:creationId xmlns:a16="http://schemas.microsoft.com/office/drawing/2014/main" id="{03D15E32-C507-4B36-B9AB-BD0A1AEBDEF4}"/>
+                  <a16:creationId xmlns:a16="http://schemas.microsoft.com/office/drawing/2014/main" xmlns="" id="{03D15E32-C507-4B36-B9AB-BD0A1AEBDEF4}"/>
                 </a:ext>
                 <a:ext uri="{C183D7F6-B498-43B3-948B-1728B52AA6E4}">
-                  <adec:decorative xmlns:adec="http://schemas.microsoft.com/office/drawing/2017/decorative" val="1"/>
+                  <adec:decorative xmlns:adec="http://schemas.microsoft.com/office/drawing/2017/decorative" xmlns="" val="1"/>
                 </a:ext>
               </a:extLst>
             </p:cNvPr>
@@ -37863,7 +35671,7 @@
             <p:nvPr>
               <p:extLst>
                 <p:ext uri="{386F3935-93C4-4BCD-93E2-E3B085C9AB24}">
-                  <p16:designElem xmlns:p16="http://schemas.microsoft.com/office/powerpoint/2015/main" val="1"/>
+                  <p16:designElem xmlns:p16="http://schemas.microsoft.com/office/powerpoint/2015/main" xmlns="" val="1"/>
                 </p:ext>
               </p:extLst>
             </p:nvPr>
@@ -37912,7 +35720,7 @@
             </a:ln>
             <a:extLst>
               <a:ext uri="{91240B29-F687-4f45-9708-019B960494DF}">
-                <a14:hiddenLine xmlns="" xmlns:a16="http://schemas.microsoft.com/office/drawing/2014/main" xmlns:p14="http://schemas.microsoft.com/office/powerpoint/2010/main" xmlns:a14="http://schemas.microsoft.com/office/drawing/2010/main" w="9525">
+                <a14:hiddenLine xmlns:a14="http://schemas.microsoft.com/office/drawing/2010/main" xmlns:p14="http://schemas.microsoft.com/office/powerpoint/2010/main" xmlns:a16="http://schemas.microsoft.com/office/drawing/2014/main" xmlns="" w="9525">
                   <a:solidFill>
                     <a:srgbClr val="000000"/>
                   </a:solidFill>
@@ -37929,10 +35737,10 @@
             <p:cNvPr id="66" name="Freeform 56">
               <a:extLst>
                 <a:ext uri="{FF2B5EF4-FFF2-40B4-BE49-F238E27FC236}">
-                  <a16:creationId xmlns:a16="http://schemas.microsoft.com/office/drawing/2014/main" id="{978B3024-1C05-4858-A919-0ABF75EF71A5}"/>
+                  <a16:creationId xmlns:a16="http://schemas.microsoft.com/office/drawing/2014/main" xmlns="" id="{978B3024-1C05-4858-A919-0ABF75EF71A5}"/>
                 </a:ext>
                 <a:ext uri="{C183D7F6-B498-43B3-948B-1728B52AA6E4}">
-                  <adec:decorative xmlns:adec="http://schemas.microsoft.com/office/drawing/2017/decorative" val="1"/>
+                  <adec:decorative xmlns:adec="http://schemas.microsoft.com/office/drawing/2017/decorative" xmlns="" val="1"/>
                 </a:ext>
               </a:extLst>
             </p:cNvPr>
@@ -37942,7 +35750,7 @@
             <p:nvPr>
               <p:extLst>
                 <p:ext uri="{386F3935-93C4-4BCD-93E2-E3B085C9AB24}">
-                  <p16:designElem xmlns:p16="http://schemas.microsoft.com/office/powerpoint/2015/main" val="1"/>
+                  <p16:designElem xmlns:p16="http://schemas.microsoft.com/office/powerpoint/2015/main" xmlns="" val="1"/>
                 </p:ext>
               </p:extLst>
             </p:nvPr>
@@ -38047,7 +35855,7 @@
             </a:ln>
             <a:extLst>
               <a:ext uri="{91240B29-F687-4f45-9708-019B960494DF}">
-                <a14:hiddenLine xmlns="" xmlns:a16="http://schemas.microsoft.com/office/drawing/2014/main" xmlns:p14="http://schemas.microsoft.com/office/powerpoint/2010/main" xmlns:a14="http://schemas.microsoft.com/office/drawing/2010/main" w="9525">
+                <a14:hiddenLine xmlns:a14="http://schemas.microsoft.com/office/drawing/2010/main" xmlns:p14="http://schemas.microsoft.com/office/powerpoint/2010/main" xmlns:a16="http://schemas.microsoft.com/office/drawing/2014/main" xmlns="" w="9525">
                   <a:solidFill>
                     <a:srgbClr val="000000"/>
                   </a:solidFill>
@@ -38064,10 +35872,10 @@
             <p:cNvPr id="67" name="Freeform 57">
               <a:extLst>
                 <a:ext uri="{FF2B5EF4-FFF2-40B4-BE49-F238E27FC236}">
-                  <a16:creationId xmlns:a16="http://schemas.microsoft.com/office/drawing/2014/main" id="{04B0C1D6-8B63-4D35-83C5-5D4331190A20}"/>
+                  <a16:creationId xmlns:a16="http://schemas.microsoft.com/office/drawing/2014/main" xmlns="" id="{04B0C1D6-8B63-4D35-83C5-5D4331190A20}"/>
                 </a:ext>
                 <a:ext uri="{C183D7F6-B498-43B3-948B-1728B52AA6E4}">
-                  <adec:decorative xmlns:adec="http://schemas.microsoft.com/office/drawing/2017/decorative" val="1"/>
+                  <adec:decorative xmlns:adec="http://schemas.microsoft.com/office/drawing/2017/decorative" xmlns="" val="1"/>
                 </a:ext>
               </a:extLst>
             </p:cNvPr>
@@ -38075,7 +35883,7 @@
             <p:nvPr>
               <p:extLst>
                 <p:ext uri="{386F3935-93C4-4BCD-93E2-E3B085C9AB24}">
-                  <p16:designElem xmlns:p16="http://schemas.microsoft.com/office/powerpoint/2015/main" val="1"/>
+                  <p16:designElem xmlns:p16="http://schemas.microsoft.com/office/powerpoint/2015/main" xmlns="" val="1"/>
                 </p:ext>
               </p:extLst>
             </p:nvPr>
@@ -38130,7 +35938,7 @@
             </a:ln>
             <a:extLst>
               <a:ext uri="{91240B29-F687-4f45-9708-019B960494DF}">
-                <a14:hiddenLine xmlns="" xmlns:a16="http://schemas.microsoft.com/office/drawing/2014/main" xmlns:p14="http://schemas.microsoft.com/office/powerpoint/2010/main" xmlns:a14="http://schemas.microsoft.com/office/drawing/2010/main" w="9525">
+                <a14:hiddenLine xmlns:a14="http://schemas.microsoft.com/office/drawing/2010/main" xmlns:p14="http://schemas.microsoft.com/office/powerpoint/2010/main" xmlns:a16="http://schemas.microsoft.com/office/drawing/2014/main" xmlns="" w="9525">
                   <a:solidFill>
                     <a:srgbClr val="000000"/>
                   </a:solidFill>
@@ -38147,10 +35955,10 @@
             <p:cNvPr id="68" name="Freeform 58">
               <a:extLst>
                 <a:ext uri="{FF2B5EF4-FFF2-40B4-BE49-F238E27FC236}">
-                  <a16:creationId xmlns:a16="http://schemas.microsoft.com/office/drawing/2014/main" id="{C0409678-BF82-43B2-8F95-46A5A0E1864E}"/>
+                  <a16:creationId xmlns:a16="http://schemas.microsoft.com/office/drawing/2014/main" xmlns="" id="{C0409678-BF82-43B2-8F95-46A5A0E1864E}"/>
                 </a:ext>
                 <a:ext uri="{C183D7F6-B498-43B3-948B-1728B52AA6E4}">
-                  <adec:decorative xmlns:adec="http://schemas.microsoft.com/office/drawing/2017/decorative" val="1"/>
+                  <adec:decorative xmlns:adec="http://schemas.microsoft.com/office/drawing/2017/decorative" xmlns="" val="1"/>
                 </a:ext>
               </a:extLst>
             </p:cNvPr>
@@ -38160,7 +35968,7 @@
             <p:nvPr>
               <p:extLst>
                 <p:ext uri="{386F3935-93C4-4BCD-93E2-E3B085C9AB24}">
-                  <p16:designElem xmlns:p16="http://schemas.microsoft.com/office/powerpoint/2015/main" val="1"/>
+                  <p16:designElem xmlns:p16="http://schemas.microsoft.com/office/powerpoint/2015/main" xmlns="" val="1"/>
                 </p:ext>
               </p:extLst>
             </p:nvPr>
@@ -38235,7 +36043,7 @@
             </a:ln>
             <a:extLst>
               <a:ext uri="{91240B29-F687-4f45-9708-019B960494DF}">
-                <a14:hiddenLine xmlns="" xmlns:a16="http://schemas.microsoft.com/office/drawing/2014/main" xmlns:p14="http://schemas.microsoft.com/office/powerpoint/2010/main" xmlns:a14="http://schemas.microsoft.com/office/drawing/2010/main" w="9525">
+                <a14:hiddenLine xmlns:a14="http://schemas.microsoft.com/office/drawing/2010/main" xmlns:p14="http://schemas.microsoft.com/office/powerpoint/2010/main" xmlns:a16="http://schemas.microsoft.com/office/drawing/2014/main" xmlns="" w="9525">
                   <a:solidFill>
                     <a:srgbClr val="000000"/>
                   </a:solidFill>
@@ -38253,7 +36061,7 @@
           <p:cNvPr id="2" name="Title 1">
             <a:extLst>
               <a:ext uri="{FF2B5EF4-FFF2-40B4-BE49-F238E27FC236}">
-                <a16:creationId xmlns:a16="http://schemas.microsoft.com/office/drawing/2014/main" id="{B0B90AE1-4FA4-6247-A9C3-F7CCFF9D81B0}"/>
+                <a16:creationId xmlns:a16="http://schemas.microsoft.com/office/drawing/2014/main" xmlns="" id="{B0B90AE1-4FA4-6247-A9C3-F7CCFF9D81B0}"/>
               </a:ext>
             </a:extLst>
           </p:cNvPr>
@@ -38288,7 +36096,7 @@
           <p:cNvPr id="3" name="Content Placeholder 2">
             <a:extLst>
               <a:ext uri="{FF2B5EF4-FFF2-40B4-BE49-F238E27FC236}">
-                <a16:creationId xmlns:a16="http://schemas.microsoft.com/office/drawing/2014/main" id="{277711CB-6510-F741-87D2-E3FFD6E2B9E6}"/>
+                <a16:creationId xmlns:a16="http://schemas.microsoft.com/office/drawing/2014/main" xmlns="" id="{277711CB-6510-F741-87D2-E3FFD6E2B9E6}"/>
               </a:ext>
             </a:extLst>
           </p:cNvPr>
@@ -38330,7 +36138,7 @@
           <p:cNvPr id="5" name="Picture 4">
             <a:extLst>
               <a:ext uri="{FF2B5EF4-FFF2-40B4-BE49-F238E27FC236}">
-                <a16:creationId xmlns:a16="http://schemas.microsoft.com/office/drawing/2014/main" id="{82496C16-028D-3E4E-8983-0A0A04D06AD9}"/>
+                <a16:creationId xmlns:a16="http://schemas.microsoft.com/office/drawing/2014/main" xmlns="" id="{82496C16-028D-3E4E-8983-0A0A04D06AD9}"/>
               </a:ext>
             </a:extLst>
           </p:cNvPr>
@@ -38380,7 +36188,7 @@
           <p:cNvPr id="7" name="Picture 6">
             <a:extLst>
               <a:ext uri="{FF2B5EF4-FFF2-40B4-BE49-F238E27FC236}">
-                <a16:creationId xmlns:a16="http://schemas.microsoft.com/office/drawing/2014/main" id="{8CE65749-5B56-3C49-A3F3-EFAEBC4054B3}"/>
+                <a16:creationId xmlns:a16="http://schemas.microsoft.com/office/drawing/2014/main" xmlns="" id="{8CE65749-5B56-3C49-A3F3-EFAEBC4054B3}"/>
               </a:ext>
             </a:extLst>
           </p:cNvPr>
@@ -38460,7 +36268,7 @@
           <p:cNvPr id="2" name="Title 1">
             <a:extLst>
               <a:ext uri="{FF2B5EF4-FFF2-40B4-BE49-F238E27FC236}">
-                <a16:creationId xmlns:a16="http://schemas.microsoft.com/office/drawing/2014/main" id="{99BFB42F-7AE5-A34C-AB8A-653D7671DCEE}"/>
+                <a16:creationId xmlns:a16="http://schemas.microsoft.com/office/drawing/2014/main" xmlns="" id="{99BFB42F-7AE5-A34C-AB8A-653D7671DCEE}"/>
               </a:ext>
             </a:extLst>
           </p:cNvPr>
@@ -38496,7 +36304,7 @@
           <p:cNvPr id="5" name="Content Placeholder 2">
             <a:extLst>
               <a:ext uri="{FF2B5EF4-FFF2-40B4-BE49-F238E27FC236}">
-                <a16:creationId xmlns:a16="http://schemas.microsoft.com/office/drawing/2014/main" id="{8DC50346-568F-459F-B6A6-19724D352698}"/>
+                <a16:creationId xmlns:a16="http://schemas.microsoft.com/office/drawing/2014/main" xmlns="" id="{8DC50346-568F-459F-B6A6-19724D352698}"/>
               </a:ext>
             </a:extLst>
           </p:cNvPr>
@@ -38557,10 +36365,10 @@
           <p:cNvPr id="64" name="Rectangle 63">
             <a:extLst>
               <a:ext uri="{FF2B5EF4-FFF2-40B4-BE49-F238E27FC236}">
-                <a16:creationId xmlns:a16="http://schemas.microsoft.com/office/drawing/2014/main" id="{E978A47D-4F17-40FE-AB70-7AF78A9575EB}"/>
+                <a16:creationId xmlns:a16="http://schemas.microsoft.com/office/drawing/2014/main" xmlns="" id="{E978A47D-4F17-40FE-AB70-7AF78A9575EB}"/>
               </a:ext>
               <a:ext uri="{C183D7F6-B498-43B3-948B-1728B52AA6E4}">
-                <adec:decorative xmlns:adec="http://schemas.microsoft.com/office/drawing/2017/decorative" val="1"/>
+                <adec:decorative xmlns:adec="http://schemas.microsoft.com/office/drawing/2017/decorative" xmlns="" val="1"/>
               </a:ext>
             </a:extLst>
           </p:cNvPr>
@@ -38570,7 +36378,7 @@
           <p:nvPr>
             <p:extLst>
               <p:ext uri="{386F3935-93C4-4BCD-93E2-E3B085C9AB24}">
-                <p16:designElem xmlns:p16="http://schemas.microsoft.com/office/powerpoint/2015/main" val="1"/>
+                <p16:designElem xmlns:p16="http://schemas.microsoft.com/office/powerpoint/2015/main" xmlns="" val="1"/>
               </p:ext>
             </p:extLst>
           </p:nvPr>
@@ -38617,10 +36425,10 @@
           <p:cNvPr id="66" name="Group 65">
             <a:extLst>
               <a:ext uri="{FF2B5EF4-FFF2-40B4-BE49-F238E27FC236}">
-                <a16:creationId xmlns:a16="http://schemas.microsoft.com/office/drawing/2014/main" id="{85BE3A7E-6A3F-401E-A025-BBB8FDB8DD30}"/>
+                <a16:creationId xmlns:a16="http://schemas.microsoft.com/office/drawing/2014/main" xmlns="" id="{85BE3A7E-6A3F-401E-A025-BBB8FDB8DD30}"/>
               </a:ext>
               <a:ext uri="{C183D7F6-B498-43B3-948B-1728B52AA6E4}">
-                <adec:decorative xmlns:adec="http://schemas.microsoft.com/office/drawing/2017/decorative" val="1"/>
+                <adec:decorative xmlns:adec="http://schemas.microsoft.com/office/drawing/2017/decorative" xmlns="" val="1"/>
               </a:ext>
             </a:extLst>
           </p:cNvPr>
@@ -38630,7 +36438,7 @@
           <p:nvPr>
             <p:extLst>
               <p:ext uri="{386F3935-93C4-4BCD-93E2-E3B085C9AB24}">
-                <p16:designElem xmlns:p16="http://schemas.microsoft.com/office/powerpoint/2015/main" val="1"/>
+                <p16:designElem xmlns:p16="http://schemas.microsoft.com/office/powerpoint/2015/main" xmlns="" val="1"/>
               </p:ext>
             </p:extLst>
           </p:nvPr>
@@ -38653,10 +36461,10 @@
             <p:cNvPr id="67" name="Rectangle 5">
               <a:extLst>
                 <a:ext uri="{FF2B5EF4-FFF2-40B4-BE49-F238E27FC236}">
-                  <a16:creationId xmlns:a16="http://schemas.microsoft.com/office/drawing/2014/main" id="{41EE9036-817C-476C-BD59-B5184F9A3E35}"/>
+                  <a16:creationId xmlns:a16="http://schemas.microsoft.com/office/drawing/2014/main" xmlns="" id="{41EE9036-817C-476C-BD59-B5184F9A3E35}"/>
                 </a:ext>
                 <a:ext uri="{C183D7F6-B498-43B3-948B-1728B52AA6E4}">
-                  <adec:decorative xmlns:adec="http://schemas.microsoft.com/office/drawing/2017/decorative" val="1"/>
+                  <adec:decorative xmlns:adec="http://schemas.microsoft.com/office/drawing/2017/decorative" xmlns="" val="1"/>
                 </a:ext>
               </a:extLst>
             </p:cNvPr>
@@ -38666,7 +36474,7 @@
             <p:nvPr>
               <p:extLst>
                 <p:ext uri="{386F3935-93C4-4BCD-93E2-E3B085C9AB24}">
-                  <p16:designElem xmlns:p16="http://schemas.microsoft.com/office/powerpoint/2015/main" val="1"/>
+                  <p16:designElem xmlns:p16="http://schemas.microsoft.com/office/powerpoint/2015/main" xmlns="" val="1"/>
                 </p:ext>
               </p:extLst>
             </p:nvPr>
@@ -38685,7 +36493,7 @@
             </a:ln>
             <a:extLst>
               <a:ext uri="{91240B29-F687-4f45-9708-019B960494DF}">
-                <a14:hiddenLine xmlns="" xmlns:a16="http://schemas.microsoft.com/office/drawing/2014/main" xmlns:p14="http://schemas.microsoft.com/office/powerpoint/2010/main" xmlns:a14="http://schemas.microsoft.com/office/drawing/2010/main" w="9525">
+                <a14:hiddenLine xmlns:a14="http://schemas.microsoft.com/office/drawing/2010/main" xmlns:p14="http://schemas.microsoft.com/office/powerpoint/2010/main" xmlns:a16="http://schemas.microsoft.com/office/drawing/2014/main" xmlns="" w="9525">
                   <a:solidFill>
                     <a:srgbClr val="000000"/>
                   </a:solidFill>
@@ -38702,10 +36510,10 @@
             <p:cNvPr id="68" name="Freeform 6">
               <a:extLst>
                 <a:ext uri="{FF2B5EF4-FFF2-40B4-BE49-F238E27FC236}">
-                  <a16:creationId xmlns:a16="http://schemas.microsoft.com/office/drawing/2014/main" id="{F098087A-B4E4-4300-A841-44988BD88E2F}"/>
+                  <a16:creationId xmlns:a16="http://schemas.microsoft.com/office/drawing/2014/main" xmlns="" id="{F098087A-B4E4-4300-A841-44988BD88E2F}"/>
                 </a:ext>
                 <a:ext uri="{C183D7F6-B498-43B3-948B-1728B52AA6E4}">
-                  <adec:decorative xmlns:adec="http://schemas.microsoft.com/office/drawing/2017/decorative" val="1"/>
+                  <adec:decorative xmlns:adec="http://schemas.microsoft.com/office/drawing/2017/decorative" xmlns="" val="1"/>
                 </a:ext>
               </a:extLst>
             </p:cNvPr>
@@ -38715,7 +36523,7 @@
             <p:nvPr>
               <p:extLst>
                 <p:ext uri="{386F3935-93C4-4BCD-93E2-E3B085C9AB24}">
-                  <p16:designElem xmlns:p16="http://schemas.microsoft.com/office/powerpoint/2015/main" val="1"/>
+                  <p16:designElem xmlns:p16="http://schemas.microsoft.com/office/powerpoint/2015/main" xmlns="" val="1"/>
                 </p:ext>
               </p:extLst>
             </p:nvPr>
@@ -38790,7 +36598,7 @@
             </a:ln>
             <a:extLst>
               <a:ext uri="{91240B29-F687-4f45-9708-019B960494DF}">
-                <a14:hiddenLine xmlns="" xmlns:a16="http://schemas.microsoft.com/office/drawing/2014/main" xmlns:p14="http://schemas.microsoft.com/office/powerpoint/2010/main" xmlns:a14="http://schemas.microsoft.com/office/drawing/2010/main" w="9525">
+                <a14:hiddenLine xmlns:a14="http://schemas.microsoft.com/office/drawing/2010/main" xmlns:p14="http://schemas.microsoft.com/office/powerpoint/2010/main" xmlns:a16="http://schemas.microsoft.com/office/drawing/2014/main" xmlns="" w="9525">
                   <a:solidFill>
                     <a:srgbClr val="000000"/>
                   </a:solidFill>
@@ -38807,10 +36615,10 @@
             <p:cNvPr id="69" name="Freeform 7">
               <a:extLst>
                 <a:ext uri="{FF2B5EF4-FFF2-40B4-BE49-F238E27FC236}">
-                  <a16:creationId xmlns:a16="http://schemas.microsoft.com/office/drawing/2014/main" id="{F5BD5F4B-A39C-4DF9-84E4-A4D33F30E6EE}"/>
+                  <a16:creationId xmlns:a16="http://schemas.microsoft.com/office/drawing/2014/main" xmlns="" id="{F5BD5F4B-A39C-4DF9-84E4-A4D33F30E6EE}"/>
                 </a:ext>
                 <a:ext uri="{C183D7F6-B498-43B3-948B-1728B52AA6E4}">
-                  <adec:decorative xmlns:adec="http://schemas.microsoft.com/office/drawing/2017/decorative" val="1"/>
+                  <adec:decorative xmlns:adec="http://schemas.microsoft.com/office/drawing/2017/decorative" xmlns="" val="1"/>
                 </a:ext>
               </a:extLst>
             </p:cNvPr>
@@ -38820,7 +36628,7 @@
             <p:nvPr>
               <p:extLst>
                 <p:ext uri="{386F3935-93C4-4BCD-93E2-E3B085C9AB24}">
-                  <p16:designElem xmlns:p16="http://schemas.microsoft.com/office/powerpoint/2015/main" val="1"/>
+                  <p16:designElem xmlns:p16="http://schemas.microsoft.com/office/powerpoint/2015/main" xmlns="" val="1"/>
                 </p:ext>
               </p:extLst>
             </p:nvPr>
@@ -38895,7 +36703,7 @@
             </a:ln>
             <a:extLst>
               <a:ext uri="{91240B29-F687-4f45-9708-019B960494DF}">
-                <a14:hiddenLine xmlns="" xmlns:a16="http://schemas.microsoft.com/office/drawing/2014/main" xmlns:p14="http://schemas.microsoft.com/office/powerpoint/2010/main" xmlns:a14="http://schemas.microsoft.com/office/drawing/2010/main" w="9525">
+                <a14:hiddenLine xmlns:a14="http://schemas.microsoft.com/office/drawing/2010/main" xmlns:p14="http://schemas.microsoft.com/office/powerpoint/2010/main" xmlns:a16="http://schemas.microsoft.com/office/drawing/2014/main" xmlns="" w="9525">
                   <a:solidFill>
                     <a:srgbClr val="000000"/>
                   </a:solidFill>
@@ -38912,10 +36720,10 @@
             <p:cNvPr id="70" name="Freeform 8">
               <a:extLst>
                 <a:ext uri="{FF2B5EF4-FFF2-40B4-BE49-F238E27FC236}">
-                  <a16:creationId xmlns:a16="http://schemas.microsoft.com/office/drawing/2014/main" id="{D7FA9858-BFA0-4D5B-AF72-B1B65EB0699C}"/>
+                  <a16:creationId xmlns:a16="http://schemas.microsoft.com/office/drawing/2014/main" xmlns="" id="{D7FA9858-BFA0-4D5B-AF72-B1B65EB0699C}"/>
                 </a:ext>
                 <a:ext uri="{C183D7F6-B498-43B3-948B-1728B52AA6E4}">
-                  <adec:decorative xmlns:adec="http://schemas.microsoft.com/office/drawing/2017/decorative" val="1"/>
+                  <adec:decorative xmlns:adec="http://schemas.microsoft.com/office/drawing/2017/decorative" xmlns="" val="1"/>
                 </a:ext>
               </a:extLst>
             </p:cNvPr>
@@ -38923,7 +36731,7 @@
             <p:nvPr>
               <p:extLst>
                 <p:ext uri="{386F3935-93C4-4BCD-93E2-E3B085C9AB24}">
-                  <p16:designElem xmlns:p16="http://schemas.microsoft.com/office/powerpoint/2015/main" val="1"/>
+                  <p16:designElem xmlns:p16="http://schemas.microsoft.com/office/powerpoint/2015/main" xmlns="" val="1"/>
                 </p:ext>
               </p:extLst>
             </p:nvPr>
@@ -38972,7 +36780,7 @@
             </a:ln>
             <a:extLst>
               <a:ext uri="{91240B29-F687-4f45-9708-019B960494DF}">
-                <a14:hiddenLine xmlns="" xmlns:a16="http://schemas.microsoft.com/office/drawing/2014/main" xmlns:p14="http://schemas.microsoft.com/office/powerpoint/2010/main" xmlns:a14="http://schemas.microsoft.com/office/drawing/2010/main" w="9525">
+                <a14:hiddenLine xmlns:a14="http://schemas.microsoft.com/office/drawing/2010/main" xmlns:p14="http://schemas.microsoft.com/office/powerpoint/2010/main" xmlns:a16="http://schemas.microsoft.com/office/drawing/2014/main" xmlns="" w="9525">
                   <a:solidFill>
                     <a:srgbClr val="000000"/>
                   </a:solidFill>
@@ -38989,10 +36797,10 @@
             <p:cNvPr id="71" name="Freeform 9">
               <a:extLst>
                 <a:ext uri="{FF2B5EF4-FFF2-40B4-BE49-F238E27FC236}">
-                  <a16:creationId xmlns:a16="http://schemas.microsoft.com/office/drawing/2014/main" id="{A508A5F3-AFE0-4750-A9C2-B51A514FFC4C}"/>
+                  <a16:creationId xmlns:a16="http://schemas.microsoft.com/office/drawing/2014/main" xmlns="" id="{A508A5F3-AFE0-4750-A9C2-B51A514FFC4C}"/>
                 </a:ext>
                 <a:ext uri="{C183D7F6-B498-43B3-948B-1728B52AA6E4}">
-                  <adec:decorative xmlns:adec="http://schemas.microsoft.com/office/drawing/2017/decorative" val="1"/>
+                  <adec:decorative xmlns:adec="http://schemas.microsoft.com/office/drawing/2017/decorative" xmlns="" val="1"/>
                 </a:ext>
               </a:extLst>
             </p:cNvPr>
@@ -39002,7 +36810,7 @@
             <p:nvPr>
               <p:extLst>
                 <p:ext uri="{386F3935-93C4-4BCD-93E2-E3B085C9AB24}">
-                  <p16:designElem xmlns:p16="http://schemas.microsoft.com/office/powerpoint/2015/main" val="1"/>
+                  <p16:designElem xmlns:p16="http://schemas.microsoft.com/office/powerpoint/2015/main" xmlns="" val="1"/>
                 </p:ext>
               </p:extLst>
             </p:nvPr>
@@ -39077,7 +36885,7 @@
             </a:ln>
             <a:extLst>
               <a:ext uri="{91240B29-F687-4f45-9708-019B960494DF}">
-                <a14:hiddenLine xmlns="" xmlns:a16="http://schemas.microsoft.com/office/drawing/2014/main" xmlns:p14="http://schemas.microsoft.com/office/powerpoint/2010/main" xmlns:a14="http://schemas.microsoft.com/office/drawing/2010/main" w="9525">
+                <a14:hiddenLine xmlns:a14="http://schemas.microsoft.com/office/drawing/2010/main" xmlns:p14="http://schemas.microsoft.com/office/powerpoint/2010/main" xmlns:a16="http://schemas.microsoft.com/office/drawing/2014/main" xmlns="" w="9525">
                   <a:solidFill>
                     <a:srgbClr val="000000"/>
                   </a:solidFill>
@@ -39094,10 +36902,10 @@
             <p:cNvPr id="72" name="Freeform 10">
               <a:extLst>
                 <a:ext uri="{FF2B5EF4-FFF2-40B4-BE49-F238E27FC236}">
-                  <a16:creationId xmlns:a16="http://schemas.microsoft.com/office/drawing/2014/main" id="{92B4AAEB-ABF4-42A7-BE52-0B442190D16A}"/>
+                  <a16:creationId xmlns:a16="http://schemas.microsoft.com/office/drawing/2014/main" xmlns="" id="{92B4AAEB-ABF4-42A7-BE52-0B442190D16A}"/>
                 </a:ext>
                 <a:ext uri="{C183D7F6-B498-43B3-948B-1728B52AA6E4}">
-                  <adec:decorative xmlns:adec="http://schemas.microsoft.com/office/drawing/2017/decorative" val="1"/>
+                  <adec:decorative xmlns:adec="http://schemas.microsoft.com/office/drawing/2017/decorative" xmlns="" val="1"/>
                 </a:ext>
               </a:extLst>
             </p:cNvPr>
@@ -39105,7 +36913,7 @@
             <p:nvPr>
               <p:extLst>
                 <p:ext uri="{386F3935-93C4-4BCD-93E2-E3B085C9AB24}">
-                  <p16:designElem xmlns:p16="http://schemas.microsoft.com/office/powerpoint/2015/main" val="1"/>
+                  <p16:designElem xmlns:p16="http://schemas.microsoft.com/office/powerpoint/2015/main" xmlns="" val="1"/>
                 </p:ext>
               </p:extLst>
             </p:nvPr>
@@ -39154,7 +36962,7 @@
             </a:ln>
             <a:extLst>
               <a:ext uri="{91240B29-F687-4f45-9708-019B960494DF}">
-                <a14:hiddenLine xmlns="" xmlns:a16="http://schemas.microsoft.com/office/drawing/2014/main" xmlns:p14="http://schemas.microsoft.com/office/powerpoint/2010/main" xmlns:a14="http://schemas.microsoft.com/office/drawing/2010/main" w="9525">
+                <a14:hiddenLine xmlns:a14="http://schemas.microsoft.com/office/drawing/2010/main" xmlns:p14="http://schemas.microsoft.com/office/powerpoint/2010/main" xmlns:a16="http://schemas.microsoft.com/office/drawing/2014/main" xmlns="" w="9525">
                   <a:solidFill>
                     <a:srgbClr val="000000"/>
                   </a:solidFill>
@@ -39171,10 +36979,10 @@
             <p:cNvPr id="73" name="Freeform 11">
               <a:extLst>
                 <a:ext uri="{FF2B5EF4-FFF2-40B4-BE49-F238E27FC236}">
-                  <a16:creationId xmlns:a16="http://schemas.microsoft.com/office/drawing/2014/main" id="{3767C370-4A42-4376-8CAE-606C4BC8F450}"/>
+                  <a16:creationId xmlns:a16="http://schemas.microsoft.com/office/drawing/2014/main" xmlns="" id="{3767C370-4A42-4376-8CAE-606C4BC8F450}"/>
                 </a:ext>
                 <a:ext uri="{C183D7F6-B498-43B3-948B-1728B52AA6E4}">
-                  <adec:decorative xmlns:adec="http://schemas.microsoft.com/office/drawing/2017/decorative" val="1"/>
+                  <adec:decorative xmlns:adec="http://schemas.microsoft.com/office/drawing/2017/decorative" xmlns="" val="1"/>
                 </a:ext>
               </a:extLst>
             </p:cNvPr>
@@ -39182,7 +36990,7 @@
             <p:nvPr>
               <p:extLst>
                 <p:ext uri="{386F3935-93C4-4BCD-93E2-E3B085C9AB24}">
-                  <p16:designElem xmlns:p16="http://schemas.microsoft.com/office/powerpoint/2015/main" val="1"/>
+                  <p16:designElem xmlns:p16="http://schemas.microsoft.com/office/powerpoint/2015/main" xmlns="" val="1"/>
                 </p:ext>
               </p:extLst>
             </p:nvPr>
@@ -39231,7 +37039,7 @@
             </a:ln>
             <a:extLst>
               <a:ext uri="{91240B29-F687-4f45-9708-019B960494DF}">
-                <a14:hiddenLine xmlns="" xmlns:a16="http://schemas.microsoft.com/office/drawing/2014/main" xmlns:p14="http://schemas.microsoft.com/office/powerpoint/2010/main" xmlns:a14="http://schemas.microsoft.com/office/drawing/2010/main" w="9525">
+                <a14:hiddenLine xmlns:a14="http://schemas.microsoft.com/office/drawing/2010/main" xmlns:p14="http://schemas.microsoft.com/office/powerpoint/2010/main" xmlns:a16="http://schemas.microsoft.com/office/drawing/2014/main" xmlns="" w="9525">
                   <a:solidFill>
                     <a:srgbClr val="000000"/>
                   </a:solidFill>
@@ -39248,10 +37056,10 @@
             <p:cNvPr id="74" name="Freeform 12">
               <a:extLst>
                 <a:ext uri="{FF2B5EF4-FFF2-40B4-BE49-F238E27FC236}">
-                  <a16:creationId xmlns:a16="http://schemas.microsoft.com/office/drawing/2014/main" id="{36205F53-9C95-4954-B97C-1625BB8A350F}"/>
+                  <a16:creationId xmlns:a16="http://schemas.microsoft.com/office/drawing/2014/main" xmlns="" id="{36205F53-9C95-4954-B97C-1625BB8A350F}"/>
                 </a:ext>
                 <a:ext uri="{C183D7F6-B498-43B3-948B-1728B52AA6E4}">
-                  <adec:decorative xmlns:adec="http://schemas.microsoft.com/office/drawing/2017/decorative" val="1"/>
+                  <adec:decorative xmlns:adec="http://schemas.microsoft.com/office/drawing/2017/decorative" xmlns="" val="1"/>
                 </a:ext>
               </a:extLst>
             </p:cNvPr>
@@ -39261,7 +37069,7 @@
             <p:nvPr>
               <p:extLst>
                 <p:ext uri="{386F3935-93C4-4BCD-93E2-E3B085C9AB24}">
-                  <p16:designElem xmlns:p16="http://schemas.microsoft.com/office/powerpoint/2015/main" val="1"/>
+                  <p16:designElem xmlns:p16="http://schemas.microsoft.com/office/powerpoint/2015/main" xmlns="" val="1"/>
                 </p:ext>
               </p:extLst>
             </p:nvPr>
@@ -39336,7 +37144,7 @@
             </a:ln>
             <a:extLst>
               <a:ext uri="{91240B29-F687-4f45-9708-019B960494DF}">
-                <a14:hiddenLine xmlns="" xmlns:a16="http://schemas.microsoft.com/office/drawing/2014/main" xmlns:p14="http://schemas.microsoft.com/office/powerpoint/2010/main" xmlns:a14="http://schemas.microsoft.com/office/drawing/2010/main" w="9525">
+                <a14:hiddenLine xmlns:a14="http://schemas.microsoft.com/office/drawing/2010/main" xmlns:p14="http://schemas.microsoft.com/office/powerpoint/2010/main" xmlns:a16="http://schemas.microsoft.com/office/drawing/2014/main" xmlns="" w="9525">
                   <a:solidFill>
                     <a:srgbClr val="000000"/>
                   </a:solidFill>
@@ -39353,10 +37161,10 @@
             <p:cNvPr id="75" name="Freeform 13">
               <a:extLst>
                 <a:ext uri="{FF2B5EF4-FFF2-40B4-BE49-F238E27FC236}">
-                  <a16:creationId xmlns:a16="http://schemas.microsoft.com/office/drawing/2014/main" id="{DC80B58E-3469-43E9-96FC-D747B6983030}"/>
+                  <a16:creationId xmlns:a16="http://schemas.microsoft.com/office/drawing/2014/main" xmlns="" id="{DC80B58E-3469-43E9-96FC-D747B6983030}"/>
                 </a:ext>
                 <a:ext uri="{C183D7F6-B498-43B3-948B-1728B52AA6E4}">
-                  <adec:decorative xmlns:adec="http://schemas.microsoft.com/office/drawing/2017/decorative" val="1"/>
+                  <adec:decorative xmlns:adec="http://schemas.microsoft.com/office/drawing/2017/decorative" xmlns="" val="1"/>
                 </a:ext>
               </a:extLst>
             </p:cNvPr>
@@ -39366,7 +37174,7 @@
             <p:nvPr>
               <p:extLst>
                 <p:ext uri="{386F3935-93C4-4BCD-93E2-E3B085C9AB24}">
-                  <p16:designElem xmlns:p16="http://schemas.microsoft.com/office/powerpoint/2015/main" val="1"/>
+                  <p16:designElem xmlns:p16="http://schemas.microsoft.com/office/powerpoint/2015/main" xmlns="" val="1"/>
                 </p:ext>
               </p:extLst>
             </p:nvPr>
@@ -39441,7 +37249,7 @@
             </a:ln>
             <a:extLst>
               <a:ext uri="{91240B29-F687-4f45-9708-019B960494DF}">
-                <a14:hiddenLine xmlns="" xmlns:a16="http://schemas.microsoft.com/office/drawing/2014/main" xmlns:p14="http://schemas.microsoft.com/office/powerpoint/2010/main" xmlns:a14="http://schemas.microsoft.com/office/drawing/2010/main" w="9525">
+                <a14:hiddenLine xmlns:a14="http://schemas.microsoft.com/office/drawing/2010/main" xmlns:p14="http://schemas.microsoft.com/office/powerpoint/2010/main" xmlns:a16="http://schemas.microsoft.com/office/drawing/2014/main" xmlns="" w="9525">
                   <a:solidFill>
                     <a:srgbClr val="000000"/>
                   </a:solidFill>
@@ -39458,10 +37266,10 @@
             <p:cNvPr id="76" name="Freeform 14">
               <a:extLst>
                 <a:ext uri="{FF2B5EF4-FFF2-40B4-BE49-F238E27FC236}">
-                  <a16:creationId xmlns:a16="http://schemas.microsoft.com/office/drawing/2014/main" id="{E17A4ED2-DDD7-4B4D-A39C-9B0121C88622}"/>
+                  <a16:creationId xmlns:a16="http://schemas.microsoft.com/office/drawing/2014/main" xmlns="" id="{E17A4ED2-DDD7-4B4D-A39C-9B0121C88622}"/>
                 </a:ext>
                 <a:ext uri="{C183D7F6-B498-43B3-948B-1728B52AA6E4}">
-                  <adec:decorative xmlns:adec="http://schemas.microsoft.com/office/drawing/2017/decorative" val="1"/>
+                  <adec:decorative xmlns:adec="http://schemas.microsoft.com/office/drawing/2017/decorative" xmlns="" val="1"/>
                 </a:ext>
               </a:extLst>
             </p:cNvPr>
@@ -39469,7 +37277,7 @@
             <p:nvPr>
               <p:extLst>
                 <p:ext uri="{386F3935-93C4-4BCD-93E2-E3B085C9AB24}">
-                  <p16:designElem xmlns:p16="http://schemas.microsoft.com/office/powerpoint/2015/main" val="1"/>
+                  <p16:designElem xmlns:p16="http://schemas.microsoft.com/office/powerpoint/2015/main" xmlns="" val="1"/>
                 </p:ext>
               </p:extLst>
             </p:nvPr>
@@ -39518,7 +37326,7 @@
             </a:ln>
             <a:extLst>
               <a:ext uri="{91240B29-F687-4f45-9708-019B960494DF}">
-                <a14:hiddenLine xmlns="" xmlns:a16="http://schemas.microsoft.com/office/drawing/2014/main" xmlns:p14="http://schemas.microsoft.com/office/powerpoint/2010/main" xmlns:a14="http://schemas.microsoft.com/office/drawing/2010/main" w="9525">
+                <a14:hiddenLine xmlns:a14="http://schemas.microsoft.com/office/drawing/2010/main" xmlns:p14="http://schemas.microsoft.com/office/powerpoint/2010/main" xmlns:a16="http://schemas.microsoft.com/office/drawing/2014/main" xmlns="" w="9525">
                   <a:solidFill>
                     <a:srgbClr val="000000"/>
                   </a:solidFill>
@@ -39535,10 +37343,10 @@
             <p:cNvPr id="77" name="Freeform 15">
               <a:extLst>
                 <a:ext uri="{FF2B5EF4-FFF2-40B4-BE49-F238E27FC236}">
-                  <a16:creationId xmlns:a16="http://schemas.microsoft.com/office/drawing/2014/main" id="{A2C14A85-E7A9-4E1D-809F-20F5CFA788BE}"/>
+                  <a16:creationId xmlns:a16="http://schemas.microsoft.com/office/drawing/2014/main" xmlns="" id="{A2C14A85-E7A9-4E1D-809F-20F5CFA788BE}"/>
                 </a:ext>
                 <a:ext uri="{C183D7F6-B498-43B3-948B-1728B52AA6E4}">
-                  <adec:decorative xmlns:adec="http://schemas.microsoft.com/office/drawing/2017/decorative" val="1"/>
+                  <adec:decorative xmlns:adec="http://schemas.microsoft.com/office/drawing/2017/decorative" xmlns="" val="1"/>
                 </a:ext>
               </a:extLst>
             </p:cNvPr>
@@ -39548,7 +37356,7 @@
             <p:nvPr>
               <p:extLst>
                 <p:ext uri="{386F3935-93C4-4BCD-93E2-E3B085C9AB24}">
-                  <p16:designElem xmlns:p16="http://schemas.microsoft.com/office/powerpoint/2015/main" val="1"/>
+                  <p16:designElem xmlns:p16="http://schemas.microsoft.com/office/powerpoint/2015/main" xmlns="" val="1"/>
                 </p:ext>
               </p:extLst>
             </p:nvPr>
@@ -39643,7 +37451,7 @@
             </a:ln>
             <a:extLst>
               <a:ext uri="{91240B29-F687-4f45-9708-019B960494DF}">
-                <a14:hiddenLine xmlns="" xmlns:a16="http://schemas.microsoft.com/office/drawing/2014/main" xmlns:p14="http://schemas.microsoft.com/office/powerpoint/2010/main" xmlns:a14="http://schemas.microsoft.com/office/drawing/2010/main" w="9525">
+                <a14:hiddenLine xmlns:a14="http://schemas.microsoft.com/office/drawing/2010/main" xmlns:p14="http://schemas.microsoft.com/office/powerpoint/2010/main" xmlns:a16="http://schemas.microsoft.com/office/drawing/2014/main" xmlns="" w="9525">
                   <a:solidFill>
                     <a:srgbClr val="000000"/>
                   </a:solidFill>
@@ -39660,10 +37468,10 @@
             <p:cNvPr id="78" name="Line 16">
               <a:extLst>
                 <a:ext uri="{FF2B5EF4-FFF2-40B4-BE49-F238E27FC236}">
-                  <a16:creationId xmlns:a16="http://schemas.microsoft.com/office/drawing/2014/main" id="{F3D51E32-9399-4B7F-8D91-BF9A068B834B}"/>
+                  <a16:creationId xmlns:a16="http://schemas.microsoft.com/office/drawing/2014/main" xmlns="" id="{F3D51E32-9399-4B7F-8D91-BF9A068B834B}"/>
                 </a:ext>
                 <a:ext uri="{C183D7F6-B498-43B3-948B-1728B52AA6E4}">
-                  <adec:decorative xmlns:adec="http://schemas.microsoft.com/office/drawing/2017/decorative" val="1"/>
+                  <adec:decorative xmlns:adec="http://schemas.microsoft.com/office/drawing/2017/decorative" xmlns="" val="1"/>
                 </a:ext>
               </a:extLst>
             </p:cNvPr>
@@ -39673,7 +37481,7 @@
             <p:nvPr>
               <p:extLst>
                 <p:ext uri="{386F3935-93C4-4BCD-93E2-E3B085C9AB24}">
-                  <p16:designElem xmlns:p16="http://schemas.microsoft.com/office/powerpoint/2015/main" val="1"/>
+                  <p16:designElem xmlns:p16="http://schemas.microsoft.com/office/powerpoint/2015/main" xmlns="" val="1"/>
                 </p:ext>
               </p:extLst>
             </p:nvPr>
@@ -39703,10 +37511,10 @@
             <p:cNvPr id="79" name="Freeform 17">
               <a:extLst>
                 <a:ext uri="{FF2B5EF4-FFF2-40B4-BE49-F238E27FC236}">
-                  <a16:creationId xmlns:a16="http://schemas.microsoft.com/office/drawing/2014/main" id="{9969F9D2-502D-4C1D-ABA5-02B1BF2A0013}"/>
+                  <a16:creationId xmlns:a16="http://schemas.microsoft.com/office/drawing/2014/main" xmlns="" id="{9969F9D2-502D-4C1D-ABA5-02B1BF2A0013}"/>
                 </a:ext>
                 <a:ext uri="{C183D7F6-B498-43B3-948B-1728B52AA6E4}">
-                  <adec:decorative xmlns:adec="http://schemas.microsoft.com/office/drawing/2017/decorative" val="1"/>
+                  <adec:decorative xmlns:adec="http://schemas.microsoft.com/office/drawing/2017/decorative" xmlns="" val="1"/>
                 </a:ext>
               </a:extLst>
             </p:cNvPr>
@@ -39714,7 +37522,7 @@
             <p:nvPr>
               <p:extLst>
                 <p:ext uri="{386F3935-93C4-4BCD-93E2-E3B085C9AB24}">
-                  <p16:designElem xmlns:p16="http://schemas.microsoft.com/office/powerpoint/2015/main" val="1"/>
+                  <p16:designElem xmlns:p16="http://schemas.microsoft.com/office/powerpoint/2015/main" xmlns="" val="1"/>
                 </p:ext>
               </p:extLst>
             </p:nvPr>
@@ -39757,7 +37565,7 @@
             </a:ln>
             <a:extLst>
               <a:ext uri="{91240B29-F687-4f45-9708-019B960494DF}">
-                <a14:hiddenLine xmlns="" xmlns:a16="http://schemas.microsoft.com/office/drawing/2014/main" xmlns:p14="http://schemas.microsoft.com/office/powerpoint/2010/main" xmlns:a14="http://schemas.microsoft.com/office/drawing/2010/main" w="9525">
+                <a14:hiddenLine xmlns:a14="http://schemas.microsoft.com/office/drawing/2010/main" xmlns:p14="http://schemas.microsoft.com/office/powerpoint/2010/main" xmlns:a16="http://schemas.microsoft.com/office/drawing/2014/main" xmlns="" w="9525">
                   <a:solidFill>
                     <a:srgbClr val="000000"/>
                   </a:solidFill>
@@ -39774,10 +37582,10 @@
             <p:cNvPr id="80" name="Freeform 18">
               <a:extLst>
                 <a:ext uri="{FF2B5EF4-FFF2-40B4-BE49-F238E27FC236}">
-                  <a16:creationId xmlns:a16="http://schemas.microsoft.com/office/drawing/2014/main" id="{4AE555C6-5623-478A-BF35-63E9929A3A23}"/>
+                  <a16:creationId xmlns:a16="http://schemas.microsoft.com/office/drawing/2014/main" xmlns="" id="{4AE555C6-5623-478A-BF35-63E9929A3A23}"/>
                 </a:ext>
                 <a:ext uri="{C183D7F6-B498-43B3-948B-1728B52AA6E4}">
-                  <adec:decorative xmlns:adec="http://schemas.microsoft.com/office/drawing/2017/decorative" val="1"/>
+                  <adec:decorative xmlns:adec="http://schemas.microsoft.com/office/drawing/2017/decorative" xmlns="" val="1"/>
                 </a:ext>
               </a:extLst>
             </p:cNvPr>
@@ -39785,7 +37593,7 @@
             <p:nvPr>
               <p:extLst>
                 <p:ext uri="{386F3935-93C4-4BCD-93E2-E3B085C9AB24}">
-                  <p16:designElem xmlns:p16="http://schemas.microsoft.com/office/powerpoint/2015/main" val="1"/>
+                  <p16:designElem xmlns:p16="http://schemas.microsoft.com/office/powerpoint/2015/main" xmlns="" val="1"/>
                 </p:ext>
               </p:extLst>
             </p:nvPr>
@@ -39834,7 +37642,7 @@
             </a:ln>
             <a:extLst>
               <a:ext uri="{91240B29-F687-4f45-9708-019B960494DF}">
-                <a14:hiddenLine xmlns="" xmlns:a16="http://schemas.microsoft.com/office/drawing/2014/main" xmlns:p14="http://schemas.microsoft.com/office/powerpoint/2010/main" xmlns:a14="http://schemas.microsoft.com/office/drawing/2010/main" w="9525">
+                <a14:hiddenLine xmlns:a14="http://schemas.microsoft.com/office/drawing/2010/main" xmlns:p14="http://schemas.microsoft.com/office/powerpoint/2010/main" xmlns:a16="http://schemas.microsoft.com/office/drawing/2014/main" xmlns="" w="9525">
                   <a:solidFill>
                     <a:srgbClr val="000000"/>
                   </a:solidFill>
@@ -39851,10 +37659,10 @@
             <p:cNvPr id="81" name="Freeform 19">
               <a:extLst>
                 <a:ext uri="{FF2B5EF4-FFF2-40B4-BE49-F238E27FC236}">
-                  <a16:creationId xmlns:a16="http://schemas.microsoft.com/office/drawing/2014/main" id="{A3D3AED4-A69E-4301-9BB4-436DC5F0C95D}"/>
+                  <a16:creationId xmlns:a16="http://schemas.microsoft.com/office/drawing/2014/main" xmlns="" id="{A3D3AED4-A69E-4301-9BB4-436DC5F0C95D}"/>
                 </a:ext>
                 <a:ext uri="{C183D7F6-B498-43B3-948B-1728B52AA6E4}">
-                  <adec:decorative xmlns:adec="http://schemas.microsoft.com/office/drawing/2017/decorative" val="1"/>
+                  <adec:decorative xmlns:adec="http://schemas.microsoft.com/office/drawing/2017/decorative" xmlns="" val="1"/>
                 </a:ext>
               </a:extLst>
             </p:cNvPr>
@@ -39862,7 +37670,7 @@
             <p:nvPr>
               <p:extLst>
                 <p:ext uri="{386F3935-93C4-4BCD-93E2-E3B085C9AB24}">
-                  <p16:designElem xmlns:p16="http://schemas.microsoft.com/office/powerpoint/2015/main" val="1"/>
+                  <p16:designElem xmlns:p16="http://schemas.microsoft.com/office/powerpoint/2015/main" xmlns="" val="1"/>
                 </p:ext>
               </p:extLst>
             </p:nvPr>
@@ -39911,7 +37719,7 @@
             </a:ln>
             <a:extLst>
               <a:ext uri="{91240B29-F687-4f45-9708-019B960494DF}">
-                <a14:hiddenLine xmlns="" xmlns:a16="http://schemas.microsoft.com/office/drawing/2014/main" xmlns:p14="http://schemas.microsoft.com/office/powerpoint/2010/main" xmlns:a14="http://schemas.microsoft.com/office/drawing/2010/main" w="9525">
+                <a14:hiddenLine xmlns:a14="http://schemas.microsoft.com/office/drawing/2010/main" xmlns:p14="http://schemas.microsoft.com/office/powerpoint/2010/main" xmlns:a16="http://schemas.microsoft.com/office/drawing/2014/main" xmlns="" w="9525">
                   <a:solidFill>
                     <a:srgbClr val="000000"/>
                   </a:solidFill>
@@ -39928,10 +37736,10 @@
             <p:cNvPr id="82" name="Freeform 20">
               <a:extLst>
                 <a:ext uri="{FF2B5EF4-FFF2-40B4-BE49-F238E27FC236}">
-                  <a16:creationId xmlns:a16="http://schemas.microsoft.com/office/drawing/2014/main" id="{C3B8082C-2D81-48D7-8B45-85B7C892963C}"/>
+                  <a16:creationId xmlns:a16="http://schemas.microsoft.com/office/drawing/2014/main" xmlns="" id="{C3B8082C-2D81-48D7-8B45-85B7C892963C}"/>
                 </a:ext>
                 <a:ext uri="{C183D7F6-B498-43B3-948B-1728B52AA6E4}">
-                  <adec:decorative xmlns:adec="http://schemas.microsoft.com/office/drawing/2017/decorative" val="1"/>
+                  <adec:decorative xmlns:adec="http://schemas.microsoft.com/office/drawing/2017/decorative" xmlns="" val="1"/>
                 </a:ext>
               </a:extLst>
             </p:cNvPr>
@@ -39941,7 +37749,7 @@
             <p:nvPr>
               <p:extLst>
                 <p:ext uri="{386F3935-93C4-4BCD-93E2-E3B085C9AB24}">
-                  <p16:designElem xmlns:p16="http://schemas.microsoft.com/office/powerpoint/2015/main" val="1"/>
+                  <p16:designElem xmlns:p16="http://schemas.microsoft.com/office/powerpoint/2015/main" xmlns="" val="1"/>
                 </p:ext>
               </p:extLst>
             </p:nvPr>
@@ -40016,7 +37824,7 @@
             </a:ln>
             <a:extLst>
               <a:ext uri="{91240B29-F687-4f45-9708-019B960494DF}">
-                <a14:hiddenLine xmlns="" xmlns:a16="http://schemas.microsoft.com/office/drawing/2014/main" xmlns:p14="http://schemas.microsoft.com/office/powerpoint/2010/main" xmlns:a14="http://schemas.microsoft.com/office/drawing/2010/main" w="9525">
+                <a14:hiddenLine xmlns:a14="http://schemas.microsoft.com/office/drawing/2010/main" xmlns:p14="http://schemas.microsoft.com/office/powerpoint/2010/main" xmlns:a16="http://schemas.microsoft.com/office/drawing/2014/main" xmlns="" w="9525">
                   <a:solidFill>
                     <a:srgbClr val="000000"/>
                   </a:solidFill>
@@ -40033,10 +37841,10 @@
             <p:cNvPr id="83" name="Rectangle 21">
               <a:extLst>
                 <a:ext uri="{FF2B5EF4-FFF2-40B4-BE49-F238E27FC236}">
-                  <a16:creationId xmlns:a16="http://schemas.microsoft.com/office/drawing/2014/main" id="{9AD35461-BA86-408B-8A29-244EB2F2FB55}"/>
+                  <a16:creationId xmlns:a16="http://schemas.microsoft.com/office/drawing/2014/main" xmlns="" id="{9AD35461-BA86-408B-8A29-244EB2F2FB55}"/>
                 </a:ext>
                 <a:ext uri="{C183D7F6-B498-43B3-948B-1728B52AA6E4}">
-                  <adec:decorative xmlns:adec="http://schemas.microsoft.com/office/drawing/2017/decorative" val="1"/>
+                  <adec:decorative xmlns:adec="http://schemas.microsoft.com/office/drawing/2017/decorative" xmlns="" val="1"/>
                 </a:ext>
               </a:extLst>
             </p:cNvPr>
@@ -40046,7 +37854,7 @@
             <p:nvPr>
               <p:extLst>
                 <p:ext uri="{386F3935-93C4-4BCD-93E2-E3B085C9AB24}">
-                  <p16:designElem xmlns:p16="http://schemas.microsoft.com/office/powerpoint/2015/main" val="1"/>
+                  <p16:designElem xmlns:p16="http://schemas.microsoft.com/office/powerpoint/2015/main" xmlns="" val="1"/>
                 </p:ext>
               </p:extLst>
             </p:nvPr>
@@ -40065,7 +37873,7 @@
             </a:ln>
             <a:extLst>
               <a:ext uri="{91240B29-F687-4f45-9708-019B960494DF}">
-                <a14:hiddenLine xmlns="" xmlns:a16="http://schemas.microsoft.com/office/drawing/2014/main" xmlns:p14="http://schemas.microsoft.com/office/powerpoint/2010/main" xmlns:a14="http://schemas.microsoft.com/office/drawing/2010/main" w="9525">
+                <a14:hiddenLine xmlns:a14="http://schemas.microsoft.com/office/drawing/2010/main" xmlns:p14="http://schemas.microsoft.com/office/powerpoint/2010/main" xmlns:a16="http://schemas.microsoft.com/office/drawing/2014/main" xmlns="" w="9525">
                   <a:solidFill>
                     <a:srgbClr val="000000"/>
                   </a:solidFill>
@@ -40082,10 +37890,10 @@
             <p:cNvPr id="84" name="Freeform 22">
               <a:extLst>
                 <a:ext uri="{FF2B5EF4-FFF2-40B4-BE49-F238E27FC236}">
-                  <a16:creationId xmlns:a16="http://schemas.microsoft.com/office/drawing/2014/main" id="{F238E495-B6C6-4857-899B-CDD584831201}"/>
+                  <a16:creationId xmlns:a16="http://schemas.microsoft.com/office/drawing/2014/main" xmlns="" id="{F238E495-B6C6-4857-899B-CDD584831201}"/>
                 </a:ext>
                 <a:ext uri="{C183D7F6-B498-43B3-948B-1728B52AA6E4}">
-                  <adec:decorative xmlns:adec="http://schemas.microsoft.com/office/drawing/2017/decorative" val="1"/>
+                  <adec:decorative xmlns:adec="http://schemas.microsoft.com/office/drawing/2017/decorative" xmlns="" val="1"/>
                 </a:ext>
               </a:extLst>
             </p:cNvPr>
@@ -40093,7 +37901,7 @@
             <p:nvPr>
               <p:extLst>
                 <p:ext uri="{386F3935-93C4-4BCD-93E2-E3B085C9AB24}">
-                  <p16:designElem xmlns:p16="http://schemas.microsoft.com/office/powerpoint/2015/main" val="1"/>
+                  <p16:designElem xmlns:p16="http://schemas.microsoft.com/office/powerpoint/2015/main" xmlns="" val="1"/>
                 </p:ext>
               </p:extLst>
             </p:nvPr>
@@ -40145,7 +37953,7 @@
             </a:ln>
             <a:extLst>
               <a:ext uri="{91240B29-F687-4f45-9708-019B960494DF}">
-                <a14:hiddenLine xmlns="" xmlns:a16="http://schemas.microsoft.com/office/drawing/2014/main" xmlns:p14="http://schemas.microsoft.com/office/powerpoint/2010/main" xmlns:a14="http://schemas.microsoft.com/office/drawing/2010/main" w="9525">
+                <a14:hiddenLine xmlns:a14="http://schemas.microsoft.com/office/drawing/2010/main" xmlns:p14="http://schemas.microsoft.com/office/powerpoint/2010/main" xmlns:a16="http://schemas.microsoft.com/office/drawing/2014/main" xmlns="" w="9525">
                   <a:solidFill>
                     <a:srgbClr val="000000"/>
                   </a:solidFill>
@@ -40162,10 +37970,10 @@
             <p:cNvPr id="85" name="Freeform 23">
               <a:extLst>
                 <a:ext uri="{FF2B5EF4-FFF2-40B4-BE49-F238E27FC236}">
-                  <a16:creationId xmlns:a16="http://schemas.microsoft.com/office/drawing/2014/main" id="{E20A751E-054C-4EC2-8DA3-0EC923A65888}"/>
+                  <a16:creationId xmlns:a16="http://schemas.microsoft.com/office/drawing/2014/main" xmlns="" id="{E20A751E-054C-4EC2-8DA3-0EC923A65888}"/>
                 </a:ext>
                 <a:ext uri="{C183D7F6-B498-43B3-948B-1728B52AA6E4}">
-                  <adec:decorative xmlns:adec="http://schemas.microsoft.com/office/drawing/2017/decorative" val="1"/>
+                  <adec:decorative xmlns:adec="http://schemas.microsoft.com/office/drawing/2017/decorative" xmlns="" val="1"/>
                 </a:ext>
               </a:extLst>
             </p:cNvPr>
@@ -40175,7 +37983,7 @@
             <p:nvPr>
               <p:extLst>
                 <p:ext uri="{386F3935-93C4-4BCD-93E2-E3B085C9AB24}">
-                  <p16:designElem xmlns:p16="http://schemas.microsoft.com/office/powerpoint/2015/main" val="1"/>
+                  <p16:designElem xmlns:p16="http://schemas.microsoft.com/office/powerpoint/2015/main" xmlns="" val="1"/>
                 </p:ext>
               </p:extLst>
             </p:nvPr>
@@ -40250,7 +38058,7 @@
             </a:ln>
             <a:extLst>
               <a:ext uri="{91240B29-F687-4f45-9708-019B960494DF}">
-                <a14:hiddenLine xmlns="" xmlns:a16="http://schemas.microsoft.com/office/drawing/2014/main" xmlns:p14="http://schemas.microsoft.com/office/powerpoint/2010/main" xmlns:a14="http://schemas.microsoft.com/office/drawing/2010/main" w="9525">
+                <a14:hiddenLine xmlns:a14="http://schemas.microsoft.com/office/drawing/2010/main" xmlns:p14="http://schemas.microsoft.com/office/powerpoint/2010/main" xmlns:a16="http://schemas.microsoft.com/office/drawing/2014/main" xmlns="" w="9525">
                   <a:solidFill>
                     <a:srgbClr val="000000"/>
                   </a:solidFill>
@@ -40267,10 +38075,10 @@
             <p:cNvPr id="86" name="Freeform 24">
               <a:extLst>
                 <a:ext uri="{FF2B5EF4-FFF2-40B4-BE49-F238E27FC236}">
-                  <a16:creationId xmlns:a16="http://schemas.microsoft.com/office/drawing/2014/main" id="{B6E8E701-3D21-4E5C-AB6E-9A7404697066}"/>
+                  <a16:creationId xmlns:a16="http://schemas.microsoft.com/office/drawing/2014/main" xmlns="" id="{B6E8E701-3D21-4E5C-AB6E-9A7404697066}"/>
                 </a:ext>
                 <a:ext uri="{C183D7F6-B498-43B3-948B-1728B52AA6E4}">
-                  <adec:decorative xmlns:adec="http://schemas.microsoft.com/office/drawing/2017/decorative" val="1"/>
+                  <adec:decorative xmlns:adec="http://schemas.microsoft.com/office/drawing/2017/decorative" xmlns="" val="1"/>
                 </a:ext>
               </a:extLst>
             </p:cNvPr>
@@ -40278,7 +38086,7 @@
             <p:nvPr>
               <p:extLst>
                 <p:ext uri="{386F3935-93C4-4BCD-93E2-E3B085C9AB24}">
-                  <p16:designElem xmlns:p16="http://schemas.microsoft.com/office/powerpoint/2015/main" val="1"/>
+                  <p16:designElem xmlns:p16="http://schemas.microsoft.com/office/powerpoint/2015/main" xmlns="" val="1"/>
                 </p:ext>
               </p:extLst>
             </p:nvPr>
@@ -40327,7 +38135,7 @@
             </a:ln>
             <a:extLst>
               <a:ext uri="{91240B29-F687-4f45-9708-019B960494DF}">
-                <a14:hiddenLine xmlns="" xmlns:a16="http://schemas.microsoft.com/office/drawing/2014/main" xmlns:p14="http://schemas.microsoft.com/office/powerpoint/2010/main" xmlns:a14="http://schemas.microsoft.com/office/drawing/2010/main" w="9525">
+                <a14:hiddenLine xmlns:a14="http://schemas.microsoft.com/office/drawing/2010/main" xmlns:p14="http://schemas.microsoft.com/office/powerpoint/2010/main" xmlns:a16="http://schemas.microsoft.com/office/drawing/2014/main" xmlns="" w="9525">
                   <a:solidFill>
                     <a:srgbClr val="000000"/>
                   </a:solidFill>
@@ -40344,10 +38152,10 @@
             <p:cNvPr id="87" name="Freeform 25">
               <a:extLst>
                 <a:ext uri="{FF2B5EF4-FFF2-40B4-BE49-F238E27FC236}">
-                  <a16:creationId xmlns:a16="http://schemas.microsoft.com/office/drawing/2014/main" id="{431BDA41-D09D-4984-B888-756F5F81B49E}"/>
+                  <a16:creationId xmlns:a16="http://schemas.microsoft.com/office/drawing/2014/main" xmlns="" id="{431BDA41-D09D-4984-B888-756F5F81B49E}"/>
                 </a:ext>
                 <a:ext uri="{C183D7F6-B498-43B3-948B-1728B52AA6E4}">
-                  <adec:decorative xmlns:adec="http://schemas.microsoft.com/office/drawing/2017/decorative" val="1"/>
+                  <adec:decorative xmlns:adec="http://schemas.microsoft.com/office/drawing/2017/decorative" xmlns="" val="1"/>
                 </a:ext>
               </a:extLst>
             </p:cNvPr>
@@ -40357,7 +38165,7 @@
             <p:nvPr>
               <p:extLst>
                 <p:ext uri="{386F3935-93C4-4BCD-93E2-E3B085C9AB24}">
-                  <p16:designElem xmlns:p16="http://schemas.microsoft.com/office/powerpoint/2015/main" val="1"/>
+                  <p16:designElem xmlns:p16="http://schemas.microsoft.com/office/powerpoint/2015/main" xmlns="" val="1"/>
                 </p:ext>
               </p:extLst>
             </p:nvPr>
@@ -40432,7 +38240,7 @@
             </a:ln>
             <a:extLst>
               <a:ext uri="{91240B29-F687-4f45-9708-019B960494DF}">
-                <a14:hiddenLine xmlns="" xmlns:a16="http://schemas.microsoft.com/office/drawing/2014/main" xmlns:p14="http://schemas.microsoft.com/office/powerpoint/2010/main" xmlns:a14="http://schemas.microsoft.com/office/drawing/2010/main" w="9525">
+                <a14:hiddenLine xmlns:a14="http://schemas.microsoft.com/office/drawing/2010/main" xmlns:p14="http://schemas.microsoft.com/office/powerpoint/2010/main" xmlns:a16="http://schemas.microsoft.com/office/drawing/2014/main" xmlns="" w="9525">
                   <a:solidFill>
                     <a:srgbClr val="000000"/>
                   </a:solidFill>
@@ -40449,10 +38257,10 @@
             <p:cNvPr id="88" name="Freeform 26">
               <a:extLst>
                 <a:ext uri="{FF2B5EF4-FFF2-40B4-BE49-F238E27FC236}">
-                  <a16:creationId xmlns:a16="http://schemas.microsoft.com/office/drawing/2014/main" id="{0DC943D2-20E4-4C00-82D2-D405A7C00BBE}"/>
+                  <a16:creationId xmlns:a16="http://schemas.microsoft.com/office/drawing/2014/main" xmlns="" id="{0DC943D2-20E4-4C00-82D2-D405A7C00BBE}"/>
                 </a:ext>
                 <a:ext uri="{C183D7F6-B498-43B3-948B-1728B52AA6E4}">
-                  <adec:decorative xmlns:adec="http://schemas.microsoft.com/office/drawing/2017/decorative" val="1"/>
+                  <adec:decorative xmlns:adec="http://schemas.microsoft.com/office/drawing/2017/decorative" xmlns="" val="1"/>
                 </a:ext>
               </a:extLst>
             </p:cNvPr>
@@ -40460,7 +38268,7 @@
             <p:nvPr>
               <p:extLst>
                 <p:ext uri="{386F3935-93C4-4BCD-93E2-E3B085C9AB24}">
-                  <p16:designElem xmlns:p16="http://schemas.microsoft.com/office/powerpoint/2015/main" val="1"/>
+                  <p16:designElem xmlns:p16="http://schemas.microsoft.com/office/powerpoint/2015/main" xmlns="" val="1"/>
                 </p:ext>
               </p:extLst>
             </p:nvPr>
@@ -40512,7 +38320,7 @@
             </a:ln>
             <a:extLst>
               <a:ext uri="{91240B29-F687-4f45-9708-019B960494DF}">
-                <a14:hiddenLine xmlns="" xmlns:a16="http://schemas.microsoft.com/office/drawing/2014/main" xmlns:p14="http://schemas.microsoft.com/office/powerpoint/2010/main" xmlns:a14="http://schemas.microsoft.com/office/drawing/2010/main" w="9525">
+                <a14:hiddenLine xmlns:a14="http://schemas.microsoft.com/office/drawing/2010/main" xmlns:p14="http://schemas.microsoft.com/office/powerpoint/2010/main" xmlns:a16="http://schemas.microsoft.com/office/drawing/2014/main" xmlns="" w="9525">
                   <a:solidFill>
                     <a:srgbClr val="000000"/>
                   </a:solidFill>
@@ -40529,10 +38337,10 @@
             <p:cNvPr id="89" name="Freeform 27">
               <a:extLst>
                 <a:ext uri="{FF2B5EF4-FFF2-40B4-BE49-F238E27FC236}">
-                  <a16:creationId xmlns:a16="http://schemas.microsoft.com/office/drawing/2014/main" id="{4BC34A74-80A2-4DE1-8ADC-BBD1709035BA}"/>
+                  <a16:creationId xmlns:a16="http://schemas.microsoft.com/office/drawing/2014/main" xmlns="" id="{4BC34A74-80A2-4DE1-8ADC-BBD1709035BA}"/>
                 </a:ext>
                 <a:ext uri="{C183D7F6-B498-43B3-948B-1728B52AA6E4}">
-                  <adec:decorative xmlns:adec="http://schemas.microsoft.com/office/drawing/2017/decorative" val="1"/>
+                  <adec:decorative xmlns:adec="http://schemas.microsoft.com/office/drawing/2017/decorative" xmlns="" val="1"/>
                 </a:ext>
               </a:extLst>
             </p:cNvPr>
@@ -40540,7 +38348,7 @@
             <p:nvPr>
               <p:extLst>
                 <p:ext uri="{386F3935-93C4-4BCD-93E2-E3B085C9AB24}">
-                  <p16:designElem xmlns:p16="http://schemas.microsoft.com/office/powerpoint/2015/main" val="1"/>
+                  <p16:designElem xmlns:p16="http://schemas.microsoft.com/office/powerpoint/2015/main" xmlns="" val="1"/>
                 </p:ext>
               </p:extLst>
             </p:nvPr>
@@ -40589,7 +38397,7 @@
             </a:ln>
             <a:extLst>
               <a:ext uri="{91240B29-F687-4f45-9708-019B960494DF}">
-                <a14:hiddenLine xmlns="" xmlns:a16="http://schemas.microsoft.com/office/drawing/2014/main" xmlns:p14="http://schemas.microsoft.com/office/powerpoint/2010/main" xmlns:a14="http://schemas.microsoft.com/office/drawing/2010/main" w="9525">
+                <a14:hiddenLine xmlns:a14="http://schemas.microsoft.com/office/drawing/2010/main" xmlns:p14="http://schemas.microsoft.com/office/powerpoint/2010/main" xmlns:a16="http://schemas.microsoft.com/office/drawing/2014/main" xmlns="" w="9525">
                   <a:solidFill>
                     <a:srgbClr val="000000"/>
                   </a:solidFill>
@@ -40606,10 +38414,10 @@
             <p:cNvPr id="90" name="Freeform 28">
               <a:extLst>
                 <a:ext uri="{FF2B5EF4-FFF2-40B4-BE49-F238E27FC236}">
-                  <a16:creationId xmlns:a16="http://schemas.microsoft.com/office/drawing/2014/main" id="{C6C3CA25-431F-4E26-952D-4AA9C4C725CF}"/>
+                  <a16:creationId xmlns:a16="http://schemas.microsoft.com/office/drawing/2014/main" xmlns="" id="{C6C3CA25-431F-4E26-952D-4AA9C4C725CF}"/>
                 </a:ext>
                 <a:ext uri="{C183D7F6-B498-43B3-948B-1728B52AA6E4}">
-                  <adec:decorative xmlns:adec="http://schemas.microsoft.com/office/drawing/2017/decorative" val="1"/>
+                  <adec:decorative xmlns:adec="http://schemas.microsoft.com/office/drawing/2017/decorative" xmlns="" val="1"/>
                 </a:ext>
               </a:extLst>
             </p:cNvPr>
@@ -40619,7 +38427,7 @@
             <p:nvPr>
               <p:extLst>
                 <p:ext uri="{386F3935-93C4-4BCD-93E2-E3B085C9AB24}">
-                  <p16:designElem xmlns:p16="http://schemas.microsoft.com/office/powerpoint/2015/main" val="1"/>
+                  <p16:designElem xmlns:p16="http://schemas.microsoft.com/office/powerpoint/2015/main" xmlns="" val="1"/>
                 </p:ext>
               </p:extLst>
             </p:nvPr>
@@ -40694,7 +38502,7 @@
             </a:ln>
             <a:extLst>
               <a:ext uri="{91240B29-F687-4f45-9708-019B960494DF}">
-                <a14:hiddenLine xmlns="" xmlns:a16="http://schemas.microsoft.com/office/drawing/2014/main" xmlns:p14="http://schemas.microsoft.com/office/powerpoint/2010/main" xmlns:a14="http://schemas.microsoft.com/office/drawing/2010/main" w="9525">
+                <a14:hiddenLine xmlns:a14="http://schemas.microsoft.com/office/drawing/2010/main" xmlns:p14="http://schemas.microsoft.com/office/powerpoint/2010/main" xmlns:a16="http://schemas.microsoft.com/office/drawing/2014/main" xmlns="" w="9525">
                   <a:solidFill>
                     <a:srgbClr val="000000"/>
                   </a:solidFill>
@@ -40711,10 +38519,10 @@
             <p:cNvPr id="91" name="Freeform 29">
               <a:extLst>
                 <a:ext uri="{FF2B5EF4-FFF2-40B4-BE49-F238E27FC236}">
-                  <a16:creationId xmlns:a16="http://schemas.microsoft.com/office/drawing/2014/main" id="{776D1836-82AE-40EF-9829-C6B8D2CF0258}"/>
+                  <a16:creationId xmlns:a16="http://schemas.microsoft.com/office/drawing/2014/main" xmlns="" id="{776D1836-82AE-40EF-9829-C6B8D2CF0258}"/>
                 </a:ext>
                 <a:ext uri="{C183D7F6-B498-43B3-948B-1728B52AA6E4}">
-                  <adec:decorative xmlns:adec="http://schemas.microsoft.com/office/drawing/2017/decorative" val="1"/>
+                  <adec:decorative xmlns:adec="http://schemas.microsoft.com/office/drawing/2017/decorative" xmlns="" val="1"/>
                 </a:ext>
               </a:extLst>
             </p:cNvPr>
@@ -40724,7 +38532,7 @@
             <p:nvPr>
               <p:extLst>
                 <p:ext uri="{386F3935-93C4-4BCD-93E2-E3B085C9AB24}">
-                  <p16:designElem xmlns:p16="http://schemas.microsoft.com/office/powerpoint/2015/main" val="1"/>
+                  <p16:designElem xmlns:p16="http://schemas.microsoft.com/office/powerpoint/2015/main" xmlns="" val="1"/>
                 </p:ext>
               </p:extLst>
             </p:nvPr>
@@ -40799,7 +38607,7 @@
             </a:ln>
             <a:extLst>
               <a:ext uri="{91240B29-F687-4f45-9708-019B960494DF}">
-                <a14:hiddenLine xmlns="" xmlns:a16="http://schemas.microsoft.com/office/drawing/2014/main" xmlns:p14="http://schemas.microsoft.com/office/powerpoint/2010/main" xmlns:a14="http://schemas.microsoft.com/office/drawing/2010/main" w="9525">
+                <a14:hiddenLine xmlns:a14="http://schemas.microsoft.com/office/drawing/2010/main" xmlns:p14="http://schemas.microsoft.com/office/powerpoint/2010/main" xmlns:a16="http://schemas.microsoft.com/office/drawing/2014/main" xmlns="" w="9525">
                   <a:solidFill>
                     <a:srgbClr val="000000"/>
                   </a:solidFill>
@@ -40816,10 +38624,10 @@
             <p:cNvPr id="92" name="Freeform 30">
               <a:extLst>
                 <a:ext uri="{FF2B5EF4-FFF2-40B4-BE49-F238E27FC236}">
-                  <a16:creationId xmlns:a16="http://schemas.microsoft.com/office/drawing/2014/main" id="{9A8E397E-ADF9-45C1-98F4-3F5A86378B6F}"/>
+                  <a16:creationId xmlns:a16="http://schemas.microsoft.com/office/drawing/2014/main" xmlns="" id="{9A8E397E-ADF9-45C1-98F4-3F5A86378B6F}"/>
                 </a:ext>
                 <a:ext uri="{C183D7F6-B498-43B3-948B-1728B52AA6E4}">
-                  <adec:decorative xmlns:adec="http://schemas.microsoft.com/office/drawing/2017/decorative" val="1"/>
+                  <adec:decorative xmlns:adec="http://schemas.microsoft.com/office/drawing/2017/decorative" xmlns="" val="1"/>
                 </a:ext>
               </a:extLst>
             </p:cNvPr>
@@ -40827,7 +38635,7 @@
             <p:nvPr>
               <p:extLst>
                 <p:ext uri="{386F3935-93C4-4BCD-93E2-E3B085C9AB24}">
-                  <p16:designElem xmlns:p16="http://schemas.microsoft.com/office/powerpoint/2015/main" val="1"/>
+                  <p16:designElem xmlns:p16="http://schemas.microsoft.com/office/powerpoint/2015/main" xmlns="" val="1"/>
                 </p:ext>
               </p:extLst>
             </p:nvPr>
@@ -40879,7 +38687,7 @@
             </a:ln>
             <a:extLst>
               <a:ext uri="{91240B29-F687-4f45-9708-019B960494DF}">
-                <a14:hiddenLine xmlns="" xmlns:a16="http://schemas.microsoft.com/office/drawing/2014/main" xmlns:p14="http://schemas.microsoft.com/office/powerpoint/2010/main" xmlns:a14="http://schemas.microsoft.com/office/drawing/2010/main" w="9525">
+                <a14:hiddenLine xmlns:a14="http://schemas.microsoft.com/office/drawing/2010/main" xmlns:p14="http://schemas.microsoft.com/office/powerpoint/2010/main" xmlns:a16="http://schemas.microsoft.com/office/drawing/2014/main" xmlns="" w="9525">
                   <a:solidFill>
                     <a:srgbClr val="000000"/>
                   </a:solidFill>
@@ -40896,10 +38704,10 @@
             <p:cNvPr id="93" name="Freeform 31">
               <a:extLst>
                 <a:ext uri="{FF2B5EF4-FFF2-40B4-BE49-F238E27FC236}">
-                  <a16:creationId xmlns:a16="http://schemas.microsoft.com/office/drawing/2014/main" id="{DE07CFD9-357F-40BC-A792-CE874BFE5094}"/>
+                  <a16:creationId xmlns:a16="http://schemas.microsoft.com/office/drawing/2014/main" xmlns="" id="{DE07CFD9-357F-40BC-A792-CE874BFE5094}"/>
                 </a:ext>
                 <a:ext uri="{C183D7F6-B498-43B3-948B-1728B52AA6E4}">
-                  <adec:decorative xmlns:adec="http://schemas.microsoft.com/office/drawing/2017/decorative" val="1"/>
+                  <adec:decorative xmlns:adec="http://schemas.microsoft.com/office/drawing/2017/decorative" xmlns="" val="1"/>
                 </a:ext>
               </a:extLst>
             </p:cNvPr>
@@ -40909,7 +38717,7 @@
             <p:nvPr>
               <p:extLst>
                 <p:ext uri="{386F3935-93C4-4BCD-93E2-E3B085C9AB24}">
-                  <p16:designElem xmlns:p16="http://schemas.microsoft.com/office/powerpoint/2015/main" val="1"/>
+                  <p16:designElem xmlns:p16="http://schemas.microsoft.com/office/powerpoint/2015/main" xmlns="" val="1"/>
                 </p:ext>
               </p:extLst>
             </p:nvPr>
@@ -41014,7 +38822,7 @@
             </a:ln>
             <a:extLst>
               <a:ext uri="{91240B29-F687-4f45-9708-019B960494DF}">
-                <a14:hiddenLine xmlns="" xmlns:a16="http://schemas.microsoft.com/office/drawing/2014/main" xmlns:p14="http://schemas.microsoft.com/office/powerpoint/2010/main" xmlns:a14="http://schemas.microsoft.com/office/drawing/2010/main" w="9525">
+                <a14:hiddenLine xmlns:a14="http://schemas.microsoft.com/office/drawing/2010/main" xmlns:p14="http://schemas.microsoft.com/office/powerpoint/2010/main" xmlns:a16="http://schemas.microsoft.com/office/drawing/2014/main" xmlns="" w="9525">
                   <a:solidFill>
                     <a:srgbClr val="000000"/>
                   </a:solidFill>
@@ -41032,7 +38840,7 @@
           <p:cNvPr id="2" name="Title 1">
             <a:extLst>
               <a:ext uri="{FF2B5EF4-FFF2-40B4-BE49-F238E27FC236}">
-                <a16:creationId xmlns:a16="http://schemas.microsoft.com/office/drawing/2014/main" id="{9D05410F-7391-2043-9ECA-FBA7EB0EB74F}"/>
+                <a16:creationId xmlns:a16="http://schemas.microsoft.com/office/drawing/2014/main" xmlns="" id="{9D05410F-7391-2043-9ECA-FBA7EB0EB74F}"/>
               </a:ext>
             </a:extLst>
           </p:cNvPr>
@@ -41068,10 +38876,10 @@
           <p:cNvPr id="95" name="Straight Connector 94">
             <a:extLst>
               <a:ext uri="{FF2B5EF4-FFF2-40B4-BE49-F238E27FC236}">
-                <a16:creationId xmlns:a16="http://schemas.microsoft.com/office/drawing/2014/main" id="{085ECEC0-FF5D-4348-92C7-1EA7C61E770C}"/>
+                <a16:creationId xmlns:a16="http://schemas.microsoft.com/office/drawing/2014/main" xmlns="" id="{085ECEC0-FF5D-4348-92C7-1EA7C61E770C}"/>
               </a:ext>
               <a:ext uri="{C183D7F6-B498-43B3-948B-1728B52AA6E4}">
-                <adec:decorative xmlns:adec="http://schemas.microsoft.com/office/drawing/2017/decorative" val="1"/>
+                <adec:decorative xmlns:adec="http://schemas.microsoft.com/office/drawing/2017/decorative" xmlns="" val="1"/>
               </a:ext>
             </a:extLst>
           </p:cNvPr>
@@ -41081,7 +38889,7 @@
           <p:nvPr>
             <p:extLst>
               <p:ext uri="{386F3935-93C4-4BCD-93E2-E3B085C9AB24}">
-                <p16:designElem xmlns:p16="http://schemas.microsoft.com/office/powerpoint/2015/main" val="1"/>
+                <p16:designElem xmlns:p16="http://schemas.microsoft.com/office/powerpoint/2015/main" xmlns="" val="1"/>
               </p:ext>
             </p:extLst>
           </p:nvPr>
@@ -41122,7 +38930,7 @@
           <p:cNvPr id="19" name="Content Placeholder 18">
             <a:extLst>
               <a:ext uri="{FF2B5EF4-FFF2-40B4-BE49-F238E27FC236}">
-                <a16:creationId xmlns:a16="http://schemas.microsoft.com/office/drawing/2014/main" id="{D82B51A2-EDBF-FF40-8B90-281CE0D4964F}"/>
+                <a16:creationId xmlns:a16="http://schemas.microsoft.com/office/drawing/2014/main" xmlns="" id="{D82B51A2-EDBF-FF40-8B90-281CE0D4964F}"/>
               </a:ext>
             </a:extLst>
           </p:cNvPr>
@@ -41151,10 +38959,10 @@
           <p:cNvPr id="97" name="Group 96">
             <a:extLst>
               <a:ext uri="{FF2B5EF4-FFF2-40B4-BE49-F238E27FC236}">
-                <a16:creationId xmlns:a16="http://schemas.microsoft.com/office/drawing/2014/main" id="{F4E035BE-9FF4-43D3-BC25-CF582D7FF85E}"/>
+                <a16:creationId xmlns:a16="http://schemas.microsoft.com/office/drawing/2014/main" xmlns="" id="{F4E035BE-9FF4-43D3-BC25-CF582D7FF85E}"/>
               </a:ext>
               <a:ext uri="{C183D7F6-B498-43B3-948B-1728B52AA6E4}">
-                <adec:decorative xmlns:adec="http://schemas.microsoft.com/office/drawing/2017/decorative" val="1"/>
+                <adec:decorative xmlns:adec="http://schemas.microsoft.com/office/drawing/2017/decorative" xmlns="" val="1"/>
               </a:ext>
             </a:extLst>
           </p:cNvPr>
@@ -41164,7 +38972,7 @@
           <p:nvPr>
             <p:extLst>
               <p:ext uri="{386F3935-93C4-4BCD-93E2-E3B085C9AB24}">
-                <p16:designElem xmlns:p16="http://schemas.microsoft.com/office/powerpoint/2015/main" val="1"/>
+                <p16:designElem xmlns:p16="http://schemas.microsoft.com/office/powerpoint/2015/main" xmlns="" val="1"/>
               </p:ext>
             </p:extLst>
           </p:nvPr>
@@ -41187,10 +38995,10 @@
             <p:cNvPr id="98" name="Freeform 32">
               <a:extLst>
                 <a:ext uri="{FF2B5EF4-FFF2-40B4-BE49-F238E27FC236}">
-                  <a16:creationId xmlns:a16="http://schemas.microsoft.com/office/drawing/2014/main" id="{F98BCEB2-EC20-4E84-A994-0AC37292C8B2}"/>
+                  <a16:creationId xmlns:a16="http://schemas.microsoft.com/office/drawing/2014/main" xmlns="" id="{F98BCEB2-EC20-4E84-A994-0AC37292C8B2}"/>
                 </a:ext>
                 <a:ext uri="{C183D7F6-B498-43B3-948B-1728B52AA6E4}">
-                  <adec:decorative xmlns:adec="http://schemas.microsoft.com/office/drawing/2017/decorative" val="1"/>
+                  <adec:decorative xmlns:adec="http://schemas.microsoft.com/office/drawing/2017/decorative" xmlns="" val="1"/>
                 </a:ext>
               </a:extLst>
             </p:cNvPr>
@@ -41198,7 +39006,7 @@
             <p:nvPr>
               <p:extLst>
                 <p:ext uri="{386F3935-93C4-4BCD-93E2-E3B085C9AB24}">
-                  <p16:designElem xmlns:p16="http://schemas.microsoft.com/office/powerpoint/2015/main" val="1"/>
+                  <p16:designElem xmlns:p16="http://schemas.microsoft.com/office/powerpoint/2015/main" xmlns="" val="1"/>
                 </p:ext>
               </p:extLst>
             </p:nvPr>
@@ -41250,7 +39058,7 @@
             </a:ln>
             <a:extLst>
               <a:ext uri="{91240B29-F687-4f45-9708-019B960494DF}">
-                <a14:hiddenLine xmlns="" xmlns:a16="http://schemas.microsoft.com/office/drawing/2014/main" xmlns:p14="http://schemas.microsoft.com/office/powerpoint/2010/main" xmlns:a14="http://schemas.microsoft.com/office/drawing/2010/main" w="9525">
+                <a14:hiddenLine xmlns:a14="http://schemas.microsoft.com/office/drawing/2010/main" xmlns:p14="http://schemas.microsoft.com/office/powerpoint/2010/main" xmlns:a16="http://schemas.microsoft.com/office/drawing/2014/main" xmlns="" w="9525">
                   <a:solidFill>
                     <a:srgbClr val="000000"/>
                   </a:solidFill>
@@ -41267,10 +39075,10 @@
             <p:cNvPr id="99" name="Freeform 33">
               <a:extLst>
                 <a:ext uri="{FF2B5EF4-FFF2-40B4-BE49-F238E27FC236}">
-                  <a16:creationId xmlns:a16="http://schemas.microsoft.com/office/drawing/2014/main" id="{7A2E1821-AEDF-417E-9F17-83379E9C0941}"/>
+                  <a16:creationId xmlns:a16="http://schemas.microsoft.com/office/drawing/2014/main" xmlns="" id="{7A2E1821-AEDF-417E-9F17-83379E9C0941}"/>
                 </a:ext>
                 <a:ext uri="{C183D7F6-B498-43B3-948B-1728B52AA6E4}">
-                  <adec:decorative xmlns:adec="http://schemas.microsoft.com/office/drawing/2017/decorative" val="1"/>
+                  <adec:decorative xmlns:adec="http://schemas.microsoft.com/office/drawing/2017/decorative" xmlns="" val="1"/>
                 </a:ext>
               </a:extLst>
             </p:cNvPr>
@@ -41280,7 +39088,7 @@
             <p:nvPr>
               <p:extLst>
                 <p:ext uri="{386F3935-93C4-4BCD-93E2-E3B085C9AB24}">
-                  <p16:designElem xmlns:p16="http://schemas.microsoft.com/office/powerpoint/2015/main" val="1"/>
+                  <p16:designElem xmlns:p16="http://schemas.microsoft.com/office/powerpoint/2015/main" xmlns="" val="1"/>
                 </p:ext>
               </p:extLst>
             </p:nvPr>
@@ -41380,7 +39188,7 @@
             </a:ln>
             <a:extLst>
               <a:ext uri="{91240B29-F687-4f45-9708-019B960494DF}">
-                <a14:hiddenLine xmlns="" xmlns:a16="http://schemas.microsoft.com/office/drawing/2014/main" xmlns:p14="http://schemas.microsoft.com/office/powerpoint/2010/main" xmlns:a14="http://schemas.microsoft.com/office/drawing/2010/main" w="9525">
+                <a14:hiddenLine xmlns:a14="http://schemas.microsoft.com/office/drawing/2010/main" xmlns:p14="http://schemas.microsoft.com/office/powerpoint/2010/main" xmlns:a16="http://schemas.microsoft.com/office/drawing/2014/main" xmlns="" w="9525">
                   <a:solidFill>
                     <a:srgbClr val="000000"/>
                   </a:solidFill>
@@ -41397,10 +39205,10 @@
             <p:cNvPr id="100" name="Freeform 34">
               <a:extLst>
                 <a:ext uri="{FF2B5EF4-FFF2-40B4-BE49-F238E27FC236}">
-                  <a16:creationId xmlns:a16="http://schemas.microsoft.com/office/drawing/2014/main" id="{CB3734E2-8292-4B47-B6AB-0E5A058DE95A}"/>
+                  <a16:creationId xmlns:a16="http://schemas.microsoft.com/office/drawing/2014/main" xmlns="" id="{CB3734E2-8292-4B47-B6AB-0E5A058DE95A}"/>
                 </a:ext>
                 <a:ext uri="{C183D7F6-B498-43B3-948B-1728B52AA6E4}">
-                  <adec:decorative xmlns:adec="http://schemas.microsoft.com/office/drawing/2017/decorative" val="1"/>
+                  <adec:decorative xmlns:adec="http://schemas.microsoft.com/office/drawing/2017/decorative" xmlns="" val="1"/>
                 </a:ext>
               </a:extLst>
             </p:cNvPr>
@@ -41410,7 +39218,7 @@
             <p:nvPr>
               <p:extLst>
                 <p:ext uri="{386F3935-93C4-4BCD-93E2-E3B085C9AB24}">
-                  <p16:designElem xmlns:p16="http://schemas.microsoft.com/office/powerpoint/2015/main" val="1"/>
+                  <p16:designElem xmlns:p16="http://schemas.microsoft.com/office/powerpoint/2015/main" xmlns="" val="1"/>
                 </p:ext>
               </p:extLst>
             </p:nvPr>
@@ -41485,7 +39293,7 @@
             </a:ln>
             <a:extLst>
               <a:ext uri="{91240B29-F687-4f45-9708-019B960494DF}">
-                <a14:hiddenLine xmlns="" xmlns:a16="http://schemas.microsoft.com/office/drawing/2014/main" xmlns:p14="http://schemas.microsoft.com/office/powerpoint/2010/main" xmlns:a14="http://schemas.microsoft.com/office/drawing/2010/main" w="9525">
+                <a14:hiddenLine xmlns:a14="http://schemas.microsoft.com/office/drawing/2010/main" xmlns:p14="http://schemas.microsoft.com/office/powerpoint/2010/main" xmlns:a16="http://schemas.microsoft.com/office/drawing/2014/main" xmlns="" w="9525">
                   <a:solidFill>
                     <a:srgbClr val="000000"/>
                   </a:solidFill>
@@ -41502,10 +39310,10 @@
             <p:cNvPr id="101" name="Freeform 35">
               <a:extLst>
                 <a:ext uri="{FF2B5EF4-FFF2-40B4-BE49-F238E27FC236}">
-                  <a16:creationId xmlns:a16="http://schemas.microsoft.com/office/drawing/2014/main" id="{A0B09C51-29AB-45C0-B707-CCFB9DF280B1}"/>
+                  <a16:creationId xmlns:a16="http://schemas.microsoft.com/office/drawing/2014/main" xmlns="" id="{A0B09C51-29AB-45C0-B707-CCFB9DF280B1}"/>
                 </a:ext>
                 <a:ext uri="{C183D7F6-B498-43B3-948B-1728B52AA6E4}">
-                  <adec:decorative xmlns:adec="http://schemas.microsoft.com/office/drawing/2017/decorative" val="1"/>
+                  <adec:decorative xmlns:adec="http://schemas.microsoft.com/office/drawing/2017/decorative" xmlns="" val="1"/>
                 </a:ext>
               </a:extLst>
             </p:cNvPr>
@@ -41513,7 +39321,7 @@
             <p:nvPr>
               <p:extLst>
                 <p:ext uri="{386F3935-93C4-4BCD-93E2-E3B085C9AB24}">
-                  <p16:designElem xmlns:p16="http://schemas.microsoft.com/office/powerpoint/2015/main" val="1"/>
+                  <p16:designElem xmlns:p16="http://schemas.microsoft.com/office/powerpoint/2015/main" xmlns="" val="1"/>
                 </p:ext>
               </p:extLst>
             </p:nvPr>
@@ -41565,7 +39373,7 @@
             </a:ln>
             <a:extLst>
               <a:ext uri="{91240B29-F687-4f45-9708-019B960494DF}">
-                <a14:hiddenLine xmlns="" xmlns:a16="http://schemas.microsoft.com/office/drawing/2014/main" xmlns:p14="http://schemas.microsoft.com/office/powerpoint/2010/main" xmlns:a14="http://schemas.microsoft.com/office/drawing/2010/main" w="9525">
+                <a14:hiddenLine xmlns:a14="http://schemas.microsoft.com/office/drawing/2010/main" xmlns:p14="http://schemas.microsoft.com/office/powerpoint/2010/main" xmlns:a16="http://schemas.microsoft.com/office/drawing/2014/main" xmlns="" w="9525">
                   <a:solidFill>
                     <a:srgbClr val="000000"/>
                   </a:solidFill>
@@ -41582,10 +39390,10 @@
             <p:cNvPr id="102" name="Freeform 36">
               <a:extLst>
                 <a:ext uri="{FF2B5EF4-FFF2-40B4-BE49-F238E27FC236}">
-                  <a16:creationId xmlns:a16="http://schemas.microsoft.com/office/drawing/2014/main" id="{510C0CED-AE1B-45AE-B5E1-57521E589D27}"/>
+                  <a16:creationId xmlns:a16="http://schemas.microsoft.com/office/drawing/2014/main" xmlns="" id="{510C0CED-AE1B-45AE-B5E1-57521E589D27}"/>
                 </a:ext>
                 <a:ext uri="{C183D7F6-B498-43B3-948B-1728B52AA6E4}">
-                  <adec:decorative xmlns:adec="http://schemas.microsoft.com/office/drawing/2017/decorative" val="1"/>
+                  <adec:decorative xmlns:adec="http://schemas.microsoft.com/office/drawing/2017/decorative" xmlns="" val="1"/>
                 </a:ext>
               </a:extLst>
             </p:cNvPr>
@@ -41595,7 +39403,7 @@
             <p:nvPr>
               <p:extLst>
                 <p:ext uri="{386F3935-93C4-4BCD-93E2-E3B085C9AB24}">
-                  <p16:designElem xmlns:p16="http://schemas.microsoft.com/office/powerpoint/2015/main" val="1"/>
+                  <p16:designElem xmlns:p16="http://schemas.microsoft.com/office/powerpoint/2015/main" xmlns="" val="1"/>
                 </p:ext>
               </p:extLst>
             </p:nvPr>
@@ -41670,7 +39478,7 @@
             </a:ln>
             <a:extLst>
               <a:ext uri="{91240B29-F687-4f45-9708-019B960494DF}">
-                <a14:hiddenLine xmlns="" xmlns:a16="http://schemas.microsoft.com/office/drawing/2014/main" xmlns:p14="http://schemas.microsoft.com/office/powerpoint/2010/main" xmlns:a14="http://schemas.microsoft.com/office/drawing/2010/main" w="9525">
+                <a14:hiddenLine xmlns:a14="http://schemas.microsoft.com/office/drawing/2010/main" xmlns:p14="http://schemas.microsoft.com/office/powerpoint/2010/main" xmlns:a16="http://schemas.microsoft.com/office/drawing/2014/main" xmlns="" w="9525">
                   <a:solidFill>
                     <a:srgbClr val="000000"/>
                   </a:solidFill>
@@ -41687,10 +39495,10 @@
             <p:cNvPr id="103" name="Freeform 37">
               <a:extLst>
                 <a:ext uri="{FF2B5EF4-FFF2-40B4-BE49-F238E27FC236}">
-                  <a16:creationId xmlns:a16="http://schemas.microsoft.com/office/drawing/2014/main" id="{591F2327-4B45-41AA-B41C-7404B6A1E4F2}"/>
+                  <a16:creationId xmlns:a16="http://schemas.microsoft.com/office/drawing/2014/main" xmlns="" id="{591F2327-4B45-41AA-B41C-7404B6A1E4F2}"/>
                 </a:ext>
                 <a:ext uri="{C183D7F6-B498-43B3-948B-1728B52AA6E4}">
-                  <adec:decorative xmlns:adec="http://schemas.microsoft.com/office/drawing/2017/decorative" val="1"/>
+                  <adec:decorative xmlns:adec="http://schemas.microsoft.com/office/drawing/2017/decorative" xmlns="" val="1"/>
                 </a:ext>
               </a:extLst>
             </p:cNvPr>
@@ -41698,7 +39506,7 @@
             <p:nvPr>
               <p:extLst>
                 <p:ext uri="{386F3935-93C4-4BCD-93E2-E3B085C9AB24}">
-                  <p16:designElem xmlns:p16="http://schemas.microsoft.com/office/powerpoint/2015/main" val="1"/>
+                  <p16:designElem xmlns:p16="http://schemas.microsoft.com/office/powerpoint/2015/main" xmlns="" val="1"/>
                 </p:ext>
               </p:extLst>
             </p:nvPr>
@@ -41753,7 +39561,7 @@
             </a:ln>
             <a:extLst>
               <a:ext uri="{91240B29-F687-4f45-9708-019B960494DF}">
-                <a14:hiddenLine xmlns="" xmlns:a16="http://schemas.microsoft.com/office/drawing/2014/main" xmlns:p14="http://schemas.microsoft.com/office/powerpoint/2010/main" xmlns:a14="http://schemas.microsoft.com/office/drawing/2010/main" w="9525">
+                <a14:hiddenLine xmlns:a14="http://schemas.microsoft.com/office/drawing/2010/main" xmlns:p14="http://schemas.microsoft.com/office/powerpoint/2010/main" xmlns:a16="http://schemas.microsoft.com/office/drawing/2014/main" xmlns="" w="9525">
                   <a:solidFill>
                     <a:srgbClr val="000000"/>
                   </a:solidFill>
@@ -41770,10 +39578,10 @@
             <p:cNvPr id="104" name="Freeform 38">
               <a:extLst>
                 <a:ext uri="{FF2B5EF4-FFF2-40B4-BE49-F238E27FC236}">
-                  <a16:creationId xmlns:a16="http://schemas.microsoft.com/office/drawing/2014/main" id="{5A63224C-41A0-42C0-96F6-0B2BE99A1353}"/>
+                  <a16:creationId xmlns:a16="http://schemas.microsoft.com/office/drawing/2014/main" xmlns="" id="{5A63224C-41A0-42C0-96F6-0B2BE99A1353}"/>
                 </a:ext>
                 <a:ext uri="{C183D7F6-B498-43B3-948B-1728B52AA6E4}">
-                  <adec:decorative xmlns:adec="http://schemas.microsoft.com/office/drawing/2017/decorative" val="1"/>
+                  <adec:decorative xmlns:adec="http://schemas.microsoft.com/office/drawing/2017/decorative" xmlns="" val="1"/>
                 </a:ext>
               </a:extLst>
             </p:cNvPr>
@@ -41783,7 +39591,7 @@
             <p:nvPr>
               <p:extLst>
                 <p:ext uri="{386F3935-93C4-4BCD-93E2-E3B085C9AB24}">
-                  <p16:designElem xmlns:p16="http://schemas.microsoft.com/office/powerpoint/2015/main" val="1"/>
+                  <p16:designElem xmlns:p16="http://schemas.microsoft.com/office/powerpoint/2015/main" xmlns="" val="1"/>
                 </p:ext>
               </p:extLst>
             </p:nvPr>
@@ -41858,7 +39666,7 @@
             </a:ln>
             <a:extLst>
               <a:ext uri="{91240B29-F687-4f45-9708-019B960494DF}">
-                <a14:hiddenLine xmlns="" xmlns:a16="http://schemas.microsoft.com/office/drawing/2014/main" xmlns:p14="http://schemas.microsoft.com/office/powerpoint/2010/main" xmlns:a14="http://schemas.microsoft.com/office/drawing/2010/main" w="9525">
+                <a14:hiddenLine xmlns:a14="http://schemas.microsoft.com/office/drawing/2010/main" xmlns:p14="http://schemas.microsoft.com/office/powerpoint/2010/main" xmlns:a16="http://schemas.microsoft.com/office/drawing/2014/main" xmlns="" w="9525">
                   <a:solidFill>
                     <a:srgbClr val="000000"/>
                   </a:solidFill>
@@ -41875,10 +39683,10 @@
             <p:cNvPr id="105" name="Freeform 39">
               <a:extLst>
                 <a:ext uri="{FF2B5EF4-FFF2-40B4-BE49-F238E27FC236}">
-                  <a16:creationId xmlns:a16="http://schemas.microsoft.com/office/drawing/2014/main" id="{A7C00B9F-C253-4776-9935-EC02254A4F2F}"/>
+                  <a16:creationId xmlns:a16="http://schemas.microsoft.com/office/drawing/2014/main" xmlns="" id="{A7C00B9F-C253-4776-9935-EC02254A4F2F}"/>
                 </a:ext>
                 <a:ext uri="{C183D7F6-B498-43B3-948B-1728B52AA6E4}">
-                  <adec:decorative xmlns:adec="http://schemas.microsoft.com/office/drawing/2017/decorative" val="1"/>
+                  <adec:decorative xmlns:adec="http://schemas.microsoft.com/office/drawing/2017/decorative" xmlns="" val="1"/>
                 </a:ext>
               </a:extLst>
             </p:cNvPr>
@@ -41886,7 +39694,7 @@
             <p:nvPr>
               <p:extLst>
                 <p:ext uri="{386F3935-93C4-4BCD-93E2-E3B085C9AB24}">
-                  <p16:designElem xmlns:p16="http://schemas.microsoft.com/office/powerpoint/2015/main" val="1"/>
+                  <p16:designElem xmlns:p16="http://schemas.microsoft.com/office/powerpoint/2015/main" xmlns="" val="1"/>
                 </p:ext>
               </p:extLst>
             </p:nvPr>
@@ -41941,7 +39749,7 @@
             </a:ln>
             <a:extLst>
               <a:ext uri="{91240B29-F687-4f45-9708-019B960494DF}">
-                <a14:hiddenLine xmlns="" xmlns:a16="http://schemas.microsoft.com/office/drawing/2014/main" xmlns:p14="http://schemas.microsoft.com/office/powerpoint/2010/main" xmlns:a14="http://schemas.microsoft.com/office/drawing/2010/main" w="9525">
+                <a14:hiddenLine xmlns:a14="http://schemas.microsoft.com/office/drawing/2010/main" xmlns:p14="http://schemas.microsoft.com/office/powerpoint/2010/main" xmlns:a16="http://schemas.microsoft.com/office/drawing/2014/main" xmlns="" w="9525">
                   <a:solidFill>
                     <a:srgbClr val="000000"/>
                   </a:solidFill>
@@ -41958,10 +39766,10 @@
             <p:cNvPr id="106" name="Freeform 40">
               <a:extLst>
                 <a:ext uri="{FF2B5EF4-FFF2-40B4-BE49-F238E27FC236}">
-                  <a16:creationId xmlns:a16="http://schemas.microsoft.com/office/drawing/2014/main" id="{5062D4AA-13F3-4064-8440-FFE8562D8540}"/>
+                  <a16:creationId xmlns:a16="http://schemas.microsoft.com/office/drawing/2014/main" xmlns="" id="{5062D4AA-13F3-4064-8440-FFE8562D8540}"/>
                 </a:ext>
                 <a:ext uri="{C183D7F6-B498-43B3-948B-1728B52AA6E4}">
-                  <adec:decorative xmlns:adec="http://schemas.microsoft.com/office/drawing/2017/decorative" val="1"/>
+                  <adec:decorative xmlns:adec="http://schemas.microsoft.com/office/drawing/2017/decorative" xmlns="" val="1"/>
                 </a:ext>
               </a:extLst>
             </p:cNvPr>
@@ -41971,7 +39779,7 @@
             <p:nvPr>
               <p:extLst>
                 <p:ext uri="{386F3935-93C4-4BCD-93E2-E3B085C9AB24}">
-                  <p16:designElem xmlns:p16="http://schemas.microsoft.com/office/powerpoint/2015/main" val="1"/>
+                  <p16:designElem xmlns:p16="http://schemas.microsoft.com/office/powerpoint/2015/main" xmlns="" val="1"/>
                 </p:ext>
               </p:extLst>
             </p:nvPr>
@@ -42046,7 +39854,7 @@
             </a:ln>
             <a:extLst>
               <a:ext uri="{91240B29-F687-4f45-9708-019B960494DF}">
-                <a14:hiddenLine xmlns="" xmlns:a16="http://schemas.microsoft.com/office/drawing/2014/main" xmlns:p14="http://schemas.microsoft.com/office/powerpoint/2010/main" xmlns:a14="http://schemas.microsoft.com/office/drawing/2010/main" w="9525">
+                <a14:hiddenLine xmlns:a14="http://schemas.microsoft.com/office/drawing/2010/main" xmlns:p14="http://schemas.microsoft.com/office/powerpoint/2010/main" xmlns:a16="http://schemas.microsoft.com/office/drawing/2014/main" xmlns="" w="9525">
                   <a:solidFill>
                     <a:srgbClr val="000000"/>
                   </a:solidFill>
@@ -42063,10 +39871,10 @@
             <p:cNvPr id="107" name="Rectangle 41">
               <a:extLst>
                 <a:ext uri="{FF2B5EF4-FFF2-40B4-BE49-F238E27FC236}">
-                  <a16:creationId xmlns:a16="http://schemas.microsoft.com/office/drawing/2014/main" id="{3E143B27-CB82-440B-879B-D25C1891C191}"/>
+                  <a16:creationId xmlns:a16="http://schemas.microsoft.com/office/drawing/2014/main" xmlns="" id="{3E143B27-CB82-440B-879B-D25C1891C191}"/>
                 </a:ext>
                 <a:ext uri="{C183D7F6-B498-43B3-948B-1728B52AA6E4}">
-                  <adec:decorative xmlns:adec="http://schemas.microsoft.com/office/drawing/2017/decorative" val="1"/>
+                  <adec:decorative xmlns:adec="http://schemas.microsoft.com/office/drawing/2017/decorative" xmlns="" val="1"/>
                 </a:ext>
               </a:extLst>
             </p:cNvPr>
@@ -42076,7 +39884,7 @@
             <p:nvPr>
               <p:extLst>
                 <p:ext uri="{386F3935-93C4-4BCD-93E2-E3B085C9AB24}">
-                  <p16:designElem xmlns:p16="http://schemas.microsoft.com/office/powerpoint/2015/main" val="1"/>
+                  <p16:designElem xmlns:p16="http://schemas.microsoft.com/office/powerpoint/2015/main" xmlns="" val="1"/>
                 </p:ext>
               </p:extLst>
             </p:nvPr>
@@ -42095,7 +39903,7 @@
             </a:ln>
             <a:extLst>
               <a:ext uri="{91240B29-F687-4f45-9708-019B960494DF}">
-                <a14:hiddenLine xmlns="" xmlns:a16="http://schemas.microsoft.com/office/drawing/2014/main" xmlns:p14="http://schemas.microsoft.com/office/powerpoint/2010/main" xmlns:a14="http://schemas.microsoft.com/office/drawing/2010/main" w="9525">
+                <a14:hiddenLine xmlns:a14="http://schemas.microsoft.com/office/drawing/2010/main" xmlns:p14="http://schemas.microsoft.com/office/powerpoint/2010/main" xmlns:a16="http://schemas.microsoft.com/office/drawing/2014/main" xmlns="" w="9525">
                   <a:solidFill>
                     <a:srgbClr val="000000"/>
                   </a:solidFill>
@@ -42113,7 +39921,7 @@
           <p:cNvPr id="96" name="Picture 95">
             <a:extLst>
               <a:ext uri="{FF2B5EF4-FFF2-40B4-BE49-F238E27FC236}">
-                <a16:creationId xmlns:a16="http://schemas.microsoft.com/office/drawing/2014/main" id="{4AF4F6D7-C5CA-F548-8F38-E0A378796046}"/>
+                <a16:creationId xmlns:a16="http://schemas.microsoft.com/office/drawing/2014/main" xmlns="" id="{4AF4F6D7-C5CA-F548-8F38-E0A378796046}"/>
               </a:ext>
             </a:extLst>
           </p:cNvPr>
@@ -42173,7 +39981,7 @@
           <p:cNvPr id="2" name="Title 1">
             <a:extLst>
               <a:ext uri="{FF2B5EF4-FFF2-40B4-BE49-F238E27FC236}">
-                <a16:creationId xmlns:a16="http://schemas.microsoft.com/office/drawing/2014/main" id="{E91E0898-6FC4-0048-9384-5A08DE8D5286}"/>
+                <a16:creationId xmlns:a16="http://schemas.microsoft.com/office/drawing/2014/main" xmlns="" id="{E91E0898-6FC4-0048-9384-5A08DE8D5286}"/>
               </a:ext>
             </a:extLst>
           </p:cNvPr>
@@ -42201,7 +40009,7 @@
           <p:cNvPr id="3" name="Content Placeholder 2">
             <a:extLst>
               <a:ext uri="{FF2B5EF4-FFF2-40B4-BE49-F238E27FC236}">
-                <a16:creationId xmlns:a16="http://schemas.microsoft.com/office/drawing/2014/main" id="{8285831B-F298-E94B-8BE6-BFB43270D378}"/>
+                <a16:creationId xmlns:a16="http://schemas.microsoft.com/office/drawing/2014/main" xmlns="" id="{8285831B-F298-E94B-8BE6-BFB43270D378}"/>
               </a:ext>
             </a:extLst>
           </p:cNvPr>
@@ -42219,7 +40027,17 @@
           <a:p>
             <a:r>
               <a:rPr lang="en-US" dirty="0"/>
-              <a:t>Already perfect</a:t>
+              <a:t>Extend to a distributed </a:t>
+            </a:r>
+            <a:r>
+              <a:rPr lang="en-US" dirty="0" smtClean="0"/>
+              <a:t>protocol to work on multiple machines</a:t>
+            </a:r>
+          </a:p>
+          <a:p>
+            <a:r>
+              <a:rPr lang="en-US" dirty="0" smtClean="0"/>
+              <a:t>Add further options for configurations to give users more control</a:t>
             </a:r>
           </a:p>
         </p:txBody>
